--- a/presentation/Plots_File.pptx
+++ b/presentation/Plots_File.pptx
@@ -1,49 +1,50 @@
 
 <file path=ppt/presentation.xml><?xml version="1.0" encoding="utf-8"?>
-<p:presentation xmlns:a="http://schemas.openxmlformats.org/drawingml/2006/main" xmlns:r="http://schemas.openxmlformats.org/officeDocument/2006/relationships" xmlns:mc="http://schemas.openxmlformats.org/markup-compatibility/2006" xmlns:mv="urn:schemas-microsoft-com:mac:vml" xmlns:p="http://schemas.openxmlformats.org/presentationml/2006/main" xmlns:c="http://schemas.openxmlformats.org/drawingml/2006/chart" xmlns:dgm="http://schemas.openxmlformats.org/drawingml/2006/diagram" xmlns:o="urn:schemas-microsoft-com:office:office" xmlns:v="urn:schemas-microsoft-com:vml" xmlns:pvml="urn:schemas-microsoft-com:office:powerpoint" xmlns:com="http://schemas.openxmlformats.org/drawingml/2006/compatibility" xmlns:p14="http://schemas.microsoft.com/office/powerpoint/2010/main" xmlns:p15="http://schemas.microsoft.com/office/powerpoint/2012/main" xmlns:ahyp="http://schemas.microsoft.com/office/drawing/2018/hyperlinkcolor" strictFirstAndLastChars="0" autoCompressPictures="0" showSpecialPlsOnTitleSld="0" saveSubsetFonts="1">
+<p:presentation xmlns:a="http://schemas.openxmlformats.org/drawingml/2006/main" xmlns:r="http://schemas.openxmlformats.org/officeDocument/2006/relationships" xmlns:mc="http://schemas.openxmlformats.org/markup-compatibility/2006" xmlns:mv="urn:schemas-microsoft-com:mac:vml" xmlns:p="http://schemas.openxmlformats.org/presentationml/2006/main" xmlns:c="http://schemas.openxmlformats.org/drawingml/2006/chart" xmlns:dgm="http://schemas.openxmlformats.org/drawingml/2006/diagram" xmlns:o="urn:schemas-microsoft-com:office:office" xmlns:v="urn:schemas-microsoft-com:vml" xmlns:pvml="urn:schemas-microsoft-com:office:powerpoint" xmlns:com="http://schemas.openxmlformats.org/drawingml/2006/compatibility" xmlns:p14="http://schemas.microsoft.com/office/powerpoint/2010/main" xmlns:p15="http://schemas.microsoft.com/office/powerpoint/2012/main" xmlns:ahyp="http://schemas.microsoft.com/office/drawing/2018/hyperlinkcolor" autoCompressPictures="0" strictFirstAndLastChars="0" saveSubsetFonts="1" showSpecialPlsOnTitleSld="0">
   <p:sldMasterIdLst>
-    <p:sldMasterId r:id="rId5" id="2147483648"/>
+    <p:sldMasterId id="2147483648" r:id="rId5"/>
   </p:sldMasterIdLst>
   <p:notesMasterIdLst>
     <p:notesMasterId r:id="rId6"/>
   </p:notesMasterIdLst>
   <p:sldIdLst>
-    <p:sldId r:id="rId7" id="256"/>
-    <p:sldId r:id="rId8" id="257"/>
-    <p:sldId r:id="rId9" id="258"/>
-    <p:sldId r:id="rId10" id="259"/>
-    <p:sldId r:id="rId11" id="260"/>
-    <p:sldId r:id="rId12" id="261"/>
-    <p:sldId r:id="rId13" id="262"/>
-    <p:sldId r:id="rId14" id="263"/>
-    <p:sldId r:id="rId15" id="264"/>
-    <p:sldId r:id="rId16" id="265"/>
-    <p:sldId r:id="rId17" id="266"/>
-    <p:sldId r:id="rId18" id="267"/>
-    <p:sldId r:id="rId19" id="268"/>
-    <p:sldId r:id="rId20" id="269"/>
-    <p:sldId r:id="rId21" id="270"/>
-    <p:sldId r:id="rId22" id="271"/>
-    <p:sldId r:id="rId23" id="272"/>
-    <p:sldId r:id="rId24" id="273"/>
-    <p:sldId r:id="rId25" id="274"/>
-    <p:sldId r:id="rId26" id="275"/>
-    <p:sldId r:id="rId27" id="276"/>
-    <p:sldId r:id="rId28" id="277"/>
-    <p:sldId r:id="rId29" id="278"/>
-    <p:sldId r:id="rId30" id="279"/>
-    <p:sldId r:id="rId31" id="280"/>
-    <p:sldId r:id="rId32" id="281"/>
-    <p:sldId r:id="rId33" id="282"/>
-    <p:sldId r:id="rId34" id="283"/>
-    <p:sldId r:id="rId35" id="284"/>
-    <p:sldId r:id="rId36" id="285"/>
-    <p:sldId r:id="rId37" id="286"/>
-    <p:sldId r:id="rId38" id="287"/>
-    <p:sldId r:id="rId39" id="288"/>
-    <p:sldId r:id="rId40" id="289"/>
+    <p:sldId id="256" r:id="rId7"/>
+    <p:sldId id="257" r:id="rId8"/>
+    <p:sldId id="258" r:id="rId9"/>
+    <p:sldId id="259" r:id="rId10"/>
+    <p:sldId id="260" r:id="rId11"/>
+    <p:sldId id="261" r:id="rId12"/>
+    <p:sldId id="262" r:id="rId13"/>
+    <p:sldId id="263" r:id="rId14"/>
+    <p:sldId id="264" r:id="rId15"/>
+    <p:sldId id="265" r:id="rId16"/>
+    <p:sldId id="266" r:id="rId17"/>
+    <p:sldId id="267" r:id="rId18"/>
+    <p:sldId id="268" r:id="rId19"/>
+    <p:sldId id="269" r:id="rId20"/>
+    <p:sldId id="270" r:id="rId21"/>
+    <p:sldId id="271" r:id="rId22"/>
+    <p:sldId id="272" r:id="rId23"/>
+    <p:sldId id="273" r:id="rId24"/>
+    <p:sldId id="274" r:id="rId25"/>
+    <p:sldId id="275" r:id="rId26"/>
+    <p:sldId id="276" r:id="rId27"/>
+    <p:sldId id="277" r:id="rId28"/>
+    <p:sldId id="278" r:id="rId29"/>
+    <p:sldId id="279" r:id="rId30"/>
+    <p:sldId id="280" r:id="rId31"/>
+    <p:sldId id="281" r:id="rId32"/>
+    <p:sldId id="282" r:id="rId33"/>
+    <p:sldId id="283" r:id="rId34"/>
+    <p:sldId id="284" r:id="rId35"/>
+    <p:sldId id="285" r:id="rId36"/>
+    <p:sldId id="286" r:id="rId37"/>
+    <p:sldId id="287" r:id="rId38"/>
+    <p:sldId id="288" r:id="rId39"/>
+    <p:sldId id="289" r:id="rId40"/>
+    <p:sldId id="290" r:id="rId41"/>
   </p:sldIdLst>
-  <p:sldSz cx="12192000" cy="6858000"/>
+  <p:sldSz cy="6858000" cx="12192000"/>
   <p:notesSz cx="6858000" cy="9144000"/>
   <p:defaultTextStyle>
     <a:defPPr lvl="0" marR="0" rtl="0" algn="l">
@@ -71,7 +72,7 @@
         <a:srgbClr val="000000"/>
       </a:buClr>
       <a:buFont typeface="Arial"/>
-      <a:defRPr b="0" cap="none" u="none" sz="1400" strike="noStrike" i="0">
+      <a:defRPr b="0" i="0" sz="1400" u="none" cap="none" strike="noStrike">
         <a:solidFill>
           <a:srgbClr val="000000"/>
         </a:solidFill>
@@ -95,7 +96,7 @@
         <a:srgbClr val="000000"/>
       </a:buClr>
       <a:buFont typeface="Arial"/>
-      <a:defRPr b="0" cap="none" u="none" sz="1400" strike="noStrike" i="0">
+      <a:defRPr b="0" i="0" sz="1400" u="none" cap="none" strike="noStrike">
         <a:solidFill>
           <a:srgbClr val="000000"/>
         </a:solidFill>
@@ -119,7 +120,7 @@
         <a:srgbClr val="000000"/>
       </a:buClr>
       <a:buFont typeface="Arial"/>
-      <a:defRPr b="0" cap="none" u="none" sz="1400" strike="noStrike" i="0">
+      <a:defRPr b="0" i="0" sz="1400" u="none" cap="none" strike="noStrike">
         <a:solidFill>
           <a:srgbClr val="000000"/>
         </a:solidFill>
@@ -143,7 +144,7 @@
         <a:srgbClr val="000000"/>
       </a:buClr>
       <a:buFont typeface="Arial"/>
-      <a:defRPr b="0" cap="none" u="none" sz="1400" strike="noStrike" i="0">
+      <a:defRPr b="0" i="0" sz="1400" u="none" cap="none" strike="noStrike">
         <a:solidFill>
           <a:srgbClr val="000000"/>
         </a:solidFill>
@@ -167,7 +168,7 @@
         <a:srgbClr val="000000"/>
       </a:buClr>
       <a:buFont typeface="Arial"/>
-      <a:defRPr b="0" cap="none" u="none" sz="1400" strike="noStrike" i="0">
+      <a:defRPr b="0" i="0" sz="1400" u="none" cap="none" strike="noStrike">
         <a:solidFill>
           <a:srgbClr val="000000"/>
         </a:solidFill>
@@ -191,7 +192,7 @@
         <a:srgbClr val="000000"/>
       </a:buClr>
       <a:buFont typeface="Arial"/>
-      <a:defRPr b="0" cap="none" u="none" sz="1400" strike="noStrike" i="0">
+      <a:defRPr b="0" i="0" sz="1400" u="none" cap="none" strike="noStrike">
         <a:solidFill>
           <a:srgbClr val="000000"/>
         </a:solidFill>
@@ -215,7 +216,7 @@
         <a:srgbClr val="000000"/>
       </a:buClr>
       <a:buFont typeface="Arial"/>
-      <a:defRPr b="0" cap="none" u="none" sz="1400" strike="noStrike" i="0">
+      <a:defRPr b="0" i="0" sz="1400" u="none" cap="none" strike="noStrike">
         <a:solidFill>
           <a:srgbClr val="000000"/>
         </a:solidFill>
@@ -239,7 +240,7 @@
         <a:srgbClr val="000000"/>
       </a:buClr>
       <a:buFont typeface="Arial"/>
-      <a:defRPr b="0" cap="none" u="none" sz="1400" strike="noStrike" i="0">
+      <a:defRPr b="0" i="0" sz="1400" u="none" cap="none" strike="noStrike">
         <a:solidFill>
           <a:srgbClr val="000000"/>
         </a:solidFill>
@@ -263,7 +264,7 @@
         <a:srgbClr val="000000"/>
       </a:buClr>
       <a:buFont typeface="Arial"/>
-      <a:defRPr b="0" cap="none" u="none" sz="1400" strike="noStrike" i="0">
+      <a:defRPr b="0" i="0" sz="1400" u="none" cap="none" strike="noStrike">
         <a:solidFill>
           <a:srgbClr val="000000"/>
         </a:solidFill>
@@ -276,53 +277,375 @@
   </p:defaultTextStyle>
   <p:extLst>
     <p:ext uri="GoogleSlidesCustomDataVersion2">
-      <go:slidesCustomData xmlns:go="http://customooxmlschemas.google.com/" roundtripDataSignature="AMtx7miYBM5cyiV5O9/pfuXAlvsG75j0dA==" r:id="rId41"/>
-    </p:ext>
-    <p:ext uri="GoogleSlidesCustomDataVersion2">
-      <go:slidesCustomData xmlns:go="http://customooxmlschemas.google.com/" roundtripDataSignature="AMtx7mgISia2ltw6+h0/v26aOWiZ7oo4nw==" r:id="rId41"/>
+      <go:slidesCustomData xmlns:go="http://customooxmlschemas.google.com/" r:id="rId42" roundtripDataSignature="AMtx7mgd0PurjHs0QvZ16i0jTbImx2d/CQ=="/>
     </p:ext>
   </p:extLst>
 </p:presentation>
 </file>
 
 <file path=ppt/commentAuthors.xml><?xml version="1.0" encoding="utf-8"?>
-<p:cmAuthorLst xmlns:a="http://schemas.openxmlformats.org/drawingml/2006/main" xmlns:r="http://schemas.openxmlformats.org/officeDocument/2006/relationships" xmlns:p="http://schemas.openxmlformats.org/presentationml/2006/main"/>
+<p:cmAuthorLst xmlns:a="http://schemas.openxmlformats.org/drawingml/2006/main" xmlns:r="http://schemas.openxmlformats.org/officeDocument/2006/relationships" xmlns:mc="http://schemas.openxmlformats.org/markup-compatibility/2006" xmlns:mv="urn:schemas-microsoft-com:mac:vml" xmlns:p="http://schemas.openxmlformats.org/presentationml/2006/main" xmlns:c="http://schemas.openxmlformats.org/drawingml/2006/chart" xmlns:dgm="http://schemas.openxmlformats.org/drawingml/2006/diagram" xmlns:o="urn:schemas-microsoft-com:office:office" xmlns:v="urn:schemas-microsoft-com:vml" xmlns:pvml="urn:schemas-microsoft-com:office:powerpoint" xmlns:com="http://schemas.openxmlformats.org/drawingml/2006/compatibility" xmlns:p14="http://schemas.microsoft.com/office/powerpoint/2010/main" xmlns:p15="http://schemas.microsoft.com/office/powerpoint/2012/main" xmlns:ahyp="http://schemas.microsoft.com/office/drawing/2018/hyperlinkcolor">
+  <p:cmAuthor clrIdx="0" id="0" initials="" lastIdx="7" name="Audrey Dorélien"/>
+  <p:cmAuthor clrIdx="1" id="1" initials="" lastIdx="14" name="Chris Soria"/>
+  <p:cmAuthor clrIdx="2" id="2" initials="" lastIdx="2" name="Ayesha S Mahmud"/>
+</p:cmAuthorLst>
 </file>
 
 <file path=ppt/comments/comment1.xml><?xml version="1.0" encoding="utf-8"?>
-<p:cmLst xmlns:a="http://schemas.openxmlformats.org/drawingml/2006/main" xmlns:r="http://schemas.openxmlformats.org/officeDocument/2006/relationships" xmlns:p="http://schemas.openxmlformats.org/presentationml/2006/main" xmlns:p15="http://schemas.microsoft.com/office/powerpoint/2012/main"/>
+<p:cmLst xmlns:a="http://schemas.openxmlformats.org/drawingml/2006/main" xmlns:r="http://schemas.openxmlformats.org/officeDocument/2006/relationships" xmlns:mc="http://schemas.openxmlformats.org/markup-compatibility/2006" xmlns:mv="urn:schemas-microsoft-com:mac:vml" xmlns:p="http://schemas.openxmlformats.org/presentationml/2006/main" xmlns:c="http://schemas.openxmlformats.org/drawingml/2006/chart" xmlns:dgm="http://schemas.openxmlformats.org/drawingml/2006/diagram" xmlns:o="urn:schemas-microsoft-com:office:office" xmlns:v="urn:schemas-microsoft-com:vml" xmlns:pvml="urn:schemas-microsoft-com:office:powerpoint" xmlns:com="http://schemas.openxmlformats.org/drawingml/2006/compatibility" xmlns:p14="http://schemas.microsoft.com/office/powerpoint/2010/main" xmlns:p15="http://schemas.microsoft.com/office/powerpoint/2012/main" xmlns:ahyp="http://schemas.microsoft.com/office/drawing/2018/hyperlinkcolor">
+  <p:cm authorId="0" idx="1" dt="2024-04-13T03:37:46.093">
+    <p:pos x="240" y="903"/>
+    <p:text>What is on the y-axis?</p:text>
+    <p:extLst>
+      <p:ext uri="{C676402C-5697-4E1C-873F-D02D1690AC5C}">
+        <p15:threadingInfo timeZoneBias="0"/>
+      </p:ext>
+      <p:ext uri="http://customooxmlschemas.google.com/">
+        <go:slidesCustomData xmlns:go="http://customooxmlschemas.google.com/" commentPostId="AAABLtOnr2A"/>
+      </p:ext>
+    </p:extLst>
+  </p:cm>
+  <p:cm authorId="1" idx="1" dt="2024-04-12T20:17:40.200">
+    <p:pos x="192" y="951"/>
+    <p:text>add a label</p:text>
+    <p:extLst>
+      <p:ext uri="{C676402C-5697-4E1C-873F-D02D1690AC5C}">
+        <p15:threadingInfo timeZoneBias="0"/>
+      </p:ext>
+      <p:ext uri="http://customooxmlschemas.google.com/">
+        <go:slidesCustomData xmlns:go="http://customooxmlschemas.google.com/" commentPostId="AAABLsaulII"/>
+      </p:ext>
+    </p:extLst>
+  </p:cm>
+  <p:cm authorId="1" idx="2" dt="2024-04-12T20:15:56.473">
+    <p:pos x="5502" y="1065"/>
+    <p:text>make sure to add that these are cross sections</p:text>
+    <p:extLst>
+      <p:ext uri="{C676402C-5697-4E1C-873F-D02D1690AC5C}">
+        <p15:threadingInfo timeZoneBias="0"/>
+      </p:ext>
+      <p:ext uri="http://customooxmlschemas.google.com/">
+        <go:slidesCustomData xmlns:go="http://customooxmlschemas.google.com/" commentPostId="AAABLsaulH8"/>
+      </p:ext>
+    </p:extLst>
+  </p:cm>
+  <p:cm authorId="1" idx="3" dt="2024-04-12T20:15:56.473">
+    <p:pos x="5502" y="1065"/>
+    <p:text>make sure to state that these are weights</p:text>
+    <p:extLst>
+      <p:ext uri="{C676402C-5697-4E1C-873F-D02D1690AC5C}">
+        <p15:threadingInfo timeZoneBias="0">
+          <p15:parentCm authorId="1" idx="2"/>
+        </p15:threadingInfo>
+      </p:ext>
+      <p:ext uri="http://customooxmlschemas.google.com/">
+        <go:slidesCustomData xmlns:go="http://customooxmlschemas.google.com/" commentPostId="AAABLsaulIE"/>
+      </p:ext>
+    </p:extLst>
+  </p:cm>
+</p:cmLst>
+</file>
+
+<file path=ppt/comments/comment10.xml><?xml version="1.0" encoding="utf-8"?>
+<p:cmLst xmlns:a="http://schemas.openxmlformats.org/drawingml/2006/main" xmlns:r="http://schemas.openxmlformats.org/officeDocument/2006/relationships" xmlns:mc="http://schemas.openxmlformats.org/markup-compatibility/2006" xmlns:mv="urn:schemas-microsoft-com:mac:vml" xmlns:p="http://schemas.openxmlformats.org/presentationml/2006/main" xmlns:c="http://schemas.openxmlformats.org/drawingml/2006/chart" xmlns:dgm="http://schemas.openxmlformats.org/drawingml/2006/diagram" xmlns:o="urn:schemas-microsoft-com:office:office" xmlns:v="urn:schemas-microsoft-com:vml" xmlns:pvml="urn:schemas-microsoft-com:office:powerpoint" xmlns:com="http://schemas.openxmlformats.org/drawingml/2006/compatibility" xmlns:p14="http://schemas.microsoft.com/office/powerpoint/2010/main" xmlns:p15="http://schemas.microsoft.com/office/powerpoint/2012/main" xmlns:ahyp="http://schemas.microsoft.com/office/drawing/2018/hyperlinkcolor">
+  <p:cm authorId="0" idx="6" dt="2024-04-02T16:58:21.806">
+    <p:pos x="362" y="0"/>
+    <p:text>I think this figure is better placed here, after showing the impact of incidence.</p:text>
+    <p:extLst>
+      <p:ext uri="{C676402C-5697-4E1C-873F-D02D1690AC5C}">
+        <p15:threadingInfo timeZoneBias="0"/>
+      </p:ext>
+      <p:ext uri="http://customooxmlschemas.google.com/">
+        <go:slidesCustomData xmlns:go="http://customooxmlschemas.google.com/" commentPostId="AAABKxBbwAA"/>
+      </p:ext>
+    </p:extLst>
+  </p:cm>
+  <p:cm authorId="0" idx="7" dt="2024-04-02T16:58:21.806">
+    <p:pos x="362" y="0"/>
+    <p:text>I still think this may be better as an extra slide</p:text>
+    <p:extLst>
+      <p:ext uri="{C676402C-5697-4E1C-873F-D02D1690AC5C}">
+        <p15:threadingInfo timeZoneBias="0">
+          <p15:parentCm authorId="0" idx="6"/>
+        </p15:threadingInfo>
+      </p:ext>
+      <p:ext uri="http://customooxmlschemas.google.com/">
+        <go:slidesCustomData xmlns:go="http://customooxmlschemas.google.com/" commentPostId="AAABKxBbwAI"/>
+      </p:ext>
+    </p:extLst>
+  </p:cm>
+</p:cmLst>
+</file>
+
+<file path=ppt/comments/comment11.xml><?xml version="1.0" encoding="utf-8"?>
+<p:cmLst xmlns:a="http://schemas.openxmlformats.org/drawingml/2006/main" xmlns:r="http://schemas.openxmlformats.org/officeDocument/2006/relationships" xmlns:mc="http://schemas.openxmlformats.org/markup-compatibility/2006" xmlns:mv="urn:schemas-microsoft-com:mac:vml" xmlns:p="http://schemas.openxmlformats.org/presentationml/2006/main" xmlns:c="http://schemas.openxmlformats.org/drawingml/2006/chart" xmlns:dgm="http://schemas.openxmlformats.org/drawingml/2006/diagram" xmlns:o="urn:schemas-microsoft-com:office:office" xmlns:v="urn:schemas-microsoft-com:vml" xmlns:pvml="urn:schemas-microsoft-com:office:powerpoint" xmlns:com="http://schemas.openxmlformats.org/drawingml/2006/compatibility" xmlns:p14="http://schemas.microsoft.com/office/powerpoint/2010/main" xmlns:p15="http://schemas.microsoft.com/office/powerpoint/2012/main" xmlns:ahyp="http://schemas.microsoft.com/office/drawing/2018/hyperlinkcolor">
+  <p:cm authorId="2" idx="2" dt="2024-04-02T20:19:33.128">
+    <p:pos x="1398" y="1065"/>
+    <p:text>add the same results without controls; for example, there will be two blue points (one can be lighter) next to each other for democrats showing the estimate with and without controls</p:text>
+    <p:extLst>
+      <p:ext uri="{C676402C-5697-4E1C-873F-D02D1690AC5C}">
+        <p15:threadingInfo timeZoneBias="0"/>
+      </p:ext>
+      <p:ext uri="http://customooxmlschemas.google.com/">
+        <go:slidesCustomData xmlns:go="http://customooxmlschemas.google.com/" commentPostId="AAABHogGI-E"/>
+      </p:ext>
+    </p:extLst>
+  </p:cm>
+</p:cmLst>
+</file>
+
+<file path=ppt/comments/comment12.xml><?xml version="1.0" encoding="utf-8"?>
+<p:cmLst xmlns:a="http://schemas.openxmlformats.org/drawingml/2006/main" xmlns:r="http://schemas.openxmlformats.org/officeDocument/2006/relationships" xmlns:mc="http://schemas.openxmlformats.org/markup-compatibility/2006" xmlns:mv="urn:schemas-microsoft-com:mac:vml" xmlns:p="http://schemas.openxmlformats.org/presentationml/2006/main" xmlns:c="http://schemas.openxmlformats.org/drawingml/2006/chart" xmlns:dgm="http://schemas.openxmlformats.org/drawingml/2006/diagram" xmlns:o="urn:schemas-microsoft-com:office:office" xmlns:v="urn:schemas-microsoft-com:vml" xmlns:pvml="urn:schemas-microsoft-com:office:powerpoint" xmlns:com="http://schemas.openxmlformats.org/drawingml/2006/compatibility" xmlns:p14="http://schemas.microsoft.com/office/powerpoint/2010/main" xmlns:p15="http://schemas.microsoft.com/office/powerpoint/2012/main" xmlns:ahyp="http://schemas.microsoft.com/office/drawing/2018/hyperlinkcolor">
+  <p:cm authorId="1" idx="14" dt="2024-04-02T03:18:52.468">
+    <p:pos x="6000" y="0"/>
+    <p:text>@dorelien@umn.edu 
+What I'm trying to do here is show just the relationship between increased presence of Republicans in the district (x axis) and vaccination (y axis). I fixed the intercept at half just because the intercept for republicans and democrats was so different. What's a better way to present this relationship?</p:text>
+    <p:extLst>
+      <p:ext uri="{C676402C-5697-4E1C-873F-D02D1690AC5C}">
+        <p15:threadingInfo timeZoneBias="0"/>
+      </p:ext>
+      <p:ext uri="http://customooxmlschemas.google.com/">
+        <go:slidesCustomData xmlns:go="http://customooxmlschemas.google.com/" commentPostId="AAABJ4O3hkw"/>
+      </p:ext>
+    </p:extLst>
+  </p:cm>
+</p:cmLst>
 </file>
 
 <file path=ppt/comments/comment2.xml><?xml version="1.0" encoding="utf-8"?>
-<p:cmLst xmlns:a="http://schemas.openxmlformats.org/drawingml/2006/main" xmlns:r="http://schemas.openxmlformats.org/officeDocument/2006/relationships" xmlns:p="http://schemas.openxmlformats.org/presentationml/2006/main" xmlns:p15="http://schemas.microsoft.com/office/powerpoint/2012/main"/>
+<p:cmLst xmlns:a="http://schemas.openxmlformats.org/drawingml/2006/main" xmlns:r="http://schemas.openxmlformats.org/officeDocument/2006/relationships" xmlns:mc="http://schemas.openxmlformats.org/markup-compatibility/2006" xmlns:mv="urn:schemas-microsoft-com:mac:vml" xmlns:p="http://schemas.openxmlformats.org/presentationml/2006/main" xmlns:c="http://schemas.openxmlformats.org/drawingml/2006/chart" xmlns:dgm="http://schemas.openxmlformats.org/drawingml/2006/diagram" xmlns:o="urn:schemas-microsoft-com:office:office" xmlns:v="urn:schemas-microsoft-com:vml" xmlns:pvml="urn:schemas-microsoft-com:office:powerpoint" xmlns:com="http://schemas.openxmlformats.org/drawingml/2006/compatibility" xmlns:p14="http://schemas.microsoft.com/office/powerpoint/2010/main" xmlns:p15="http://schemas.microsoft.com/office/powerpoint/2012/main" xmlns:ahyp="http://schemas.microsoft.com/office/drawing/2018/hyperlinkcolor">
+  <p:cm authorId="1" idx="4" dt="2024-04-12T20:15:01.737">
+    <p:pos x="884" y="795"/>
+    <p:text>can we show the total mean?
+make clear that this is pooled data</p:text>
+    <p:extLst>
+      <p:ext uri="{C676402C-5697-4E1C-873F-D02D1690AC5C}">
+        <p15:threadingInfo timeZoneBias="0"/>
+      </p:ext>
+      <p:ext uri="http://customooxmlschemas.google.com/">
+        <go:slidesCustomData xmlns:go="http://customooxmlschemas.google.com/" commentPostId="AAABLsaulIA"/>
+      </p:ext>
+    </p:extLst>
+  </p:cm>
+</p:cmLst>
 </file>
 
 <file path=ppt/comments/comment3.xml><?xml version="1.0" encoding="utf-8"?>
-<p:cmLst xmlns:a="http://schemas.openxmlformats.org/drawingml/2006/main" xmlns:r="http://schemas.openxmlformats.org/officeDocument/2006/relationships" xmlns:p="http://schemas.openxmlformats.org/presentationml/2006/main" xmlns:p15="http://schemas.microsoft.com/office/powerpoint/2012/main"/>
+<p:cmLst xmlns:a="http://schemas.openxmlformats.org/drawingml/2006/main" xmlns:r="http://schemas.openxmlformats.org/officeDocument/2006/relationships" xmlns:mc="http://schemas.openxmlformats.org/markup-compatibility/2006" xmlns:mv="urn:schemas-microsoft-com:mac:vml" xmlns:p="http://schemas.openxmlformats.org/presentationml/2006/main" xmlns:c="http://schemas.openxmlformats.org/drawingml/2006/chart" xmlns:dgm="http://schemas.openxmlformats.org/drawingml/2006/diagram" xmlns:o="urn:schemas-microsoft-com:office:office" xmlns:v="urn:schemas-microsoft-com:vml" xmlns:pvml="urn:schemas-microsoft-com:office:powerpoint" xmlns:com="http://schemas.openxmlformats.org/drawingml/2006/compatibility" xmlns:p14="http://schemas.microsoft.com/office/powerpoint/2010/main" xmlns:p15="http://schemas.microsoft.com/office/powerpoint/2012/main" xmlns:ahyp="http://schemas.microsoft.com/office/drawing/2018/hyperlinkcolor">
+  <p:cm authorId="1" idx="5" dt="2024-04-12T20:18:59.967">
+    <p:pos x="821" y="825"/>
+    <p:text>change to percentage</p:text>
+    <p:extLst>
+      <p:ext uri="{C676402C-5697-4E1C-873F-D02D1690AC5C}">
+        <p15:threadingInfo timeZoneBias="0"/>
+      </p:ext>
+      <p:ext uri="http://customooxmlschemas.google.com/">
+        <go:slidesCustomData xmlns:go="http://customooxmlschemas.google.com/" commentPostId="AAABLsaulIM"/>
+      </p:ext>
+    </p:extLst>
+  </p:cm>
+</p:cmLst>
 </file>
 
 <file path=ppt/comments/comment4.xml><?xml version="1.0" encoding="utf-8"?>
-<p:cmLst xmlns:a="http://schemas.openxmlformats.org/drawingml/2006/main" xmlns:r="http://schemas.openxmlformats.org/officeDocument/2006/relationships" xmlns:p="http://schemas.openxmlformats.org/presentationml/2006/main" xmlns:p15="http://schemas.microsoft.com/office/powerpoint/2012/main"/>
+<p:cmLst xmlns:a="http://schemas.openxmlformats.org/drawingml/2006/main" xmlns:r="http://schemas.openxmlformats.org/officeDocument/2006/relationships" xmlns:mc="http://schemas.openxmlformats.org/markup-compatibility/2006" xmlns:mv="urn:schemas-microsoft-com:mac:vml" xmlns:p="http://schemas.openxmlformats.org/presentationml/2006/main" xmlns:c="http://schemas.openxmlformats.org/drawingml/2006/chart" xmlns:dgm="http://schemas.openxmlformats.org/drawingml/2006/diagram" xmlns:o="urn:schemas-microsoft-com:office:office" xmlns:v="urn:schemas-microsoft-com:vml" xmlns:pvml="urn:schemas-microsoft-com:office:powerpoint" xmlns:com="http://schemas.openxmlformats.org/drawingml/2006/compatibility" xmlns:p14="http://schemas.microsoft.com/office/powerpoint/2010/main" xmlns:p15="http://schemas.microsoft.com/office/powerpoint/2012/main" xmlns:ahyp="http://schemas.microsoft.com/office/drawing/2018/hyperlinkcolor">
+  <p:cm authorId="0" idx="2" dt="2024-04-13T03:44:08.822">
+    <p:pos x="1234" y="976"/>
+    <p:text>use consistent language with the legend. Sometimes you use unadjusted sometimes you use baseline.</p:text>
+    <p:extLst>
+      <p:ext uri="{C676402C-5697-4E1C-873F-D02D1690AC5C}">
+        <p15:threadingInfo timeZoneBias="0"/>
+      </p:ext>
+      <p:ext uri="http://customooxmlschemas.google.com/">
+        <go:slidesCustomData xmlns:go="http://customooxmlschemas.google.com/" commentPostId="AAABLtOnr2E"/>
+      </p:ext>
+    </p:extLst>
+  </p:cm>
+</p:cmLst>
 </file>
 
 <file path=ppt/comments/comment5.xml><?xml version="1.0" encoding="utf-8"?>
-<p:cmLst xmlns:a="http://schemas.openxmlformats.org/drawingml/2006/main" xmlns:r="http://schemas.openxmlformats.org/officeDocument/2006/relationships" xmlns:p="http://schemas.openxmlformats.org/presentationml/2006/main" xmlns:p15="http://schemas.microsoft.com/office/powerpoint/2012/main"/>
+<p:cmLst xmlns:a="http://schemas.openxmlformats.org/drawingml/2006/main" xmlns:r="http://schemas.openxmlformats.org/officeDocument/2006/relationships" xmlns:mc="http://schemas.openxmlformats.org/markup-compatibility/2006" xmlns:mv="urn:schemas-microsoft-com:mac:vml" xmlns:p="http://schemas.openxmlformats.org/presentationml/2006/main" xmlns:c="http://schemas.openxmlformats.org/drawingml/2006/chart" xmlns:dgm="http://schemas.openxmlformats.org/drawingml/2006/diagram" xmlns:o="urn:schemas-microsoft-com:office:office" xmlns:v="urn:schemas-microsoft-com:vml" xmlns:pvml="urn:schemas-microsoft-com:office:powerpoint" xmlns:com="http://schemas.openxmlformats.org/drawingml/2006/compatibility" xmlns:p14="http://schemas.microsoft.com/office/powerpoint/2010/main" xmlns:p15="http://schemas.microsoft.com/office/powerpoint/2012/main" xmlns:ahyp="http://schemas.microsoft.com/office/drawing/2018/hyperlinkcolor">
+  <p:cm authorId="1" idx="6" dt="2024-04-12T20:42:58.884">
+    <p:pos x="1405" y="1065"/>
+    <p:text>make this consistent so that we show baseline versus controls</p:text>
+    <p:extLst>
+      <p:ext uri="{C676402C-5697-4E1C-873F-D02D1690AC5C}">
+        <p15:threadingInfo timeZoneBias="0"/>
+      </p:ext>
+      <p:ext uri="http://customooxmlschemas.google.com/">
+        <go:slidesCustomData xmlns:go="http://customooxmlschemas.google.com/" commentPostId="AAABLszsPSk"/>
+      </p:ext>
+    </p:extLst>
+  </p:cm>
+</p:cmLst>
 </file>
 
 <file path=ppt/comments/comment6.xml><?xml version="1.0" encoding="utf-8"?>
-<p:cmLst xmlns:a="http://schemas.openxmlformats.org/drawingml/2006/main" xmlns:r="http://schemas.openxmlformats.org/officeDocument/2006/relationships" xmlns:p="http://schemas.openxmlformats.org/presentationml/2006/main" xmlns:p15="http://schemas.microsoft.com/office/powerpoint/2012/main"/>
+<p:cmLst xmlns:a="http://schemas.openxmlformats.org/drawingml/2006/main" xmlns:r="http://schemas.openxmlformats.org/officeDocument/2006/relationships" xmlns:mc="http://schemas.openxmlformats.org/markup-compatibility/2006" xmlns:mv="urn:schemas-microsoft-com:mac:vml" xmlns:p="http://schemas.openxmlformats.org/presentationml/2006/main" xmlns:c="http://schemas.openxmlformats.org/drawingml/2006/chart" xmlns:dgm="http://schemas.openxmlformats.org/drawingml/2006/diagram" xmlns:o="urn:schemas-microsoft-com:office:office" xmlns:v="urn:schemas-microsoft-com:vml" xmlns:pvml="urn:schemas-microsoft-com:office:powerpoint" xmlns:com="http://schemas.openxmlformats.org/drawingml/2006/compatibility" xmlns:p14="http://schemas.microsoft.com/office/powerpoint/2010/main" xmlns:p15="http://schemas.microsoft.com/office/powerpoint/2012/main" xmlns:ahyp="http://schemas.microsoft.com/office/drawing/2018/hyperlinkcolor">
+  <p:cm authorId="1" idx="7" dt="2024-04-13T03:31:26.554">
+    <p:pos x="1398" y="1065"/>
+    <p:text>this estimated probability of these seems kind of high
+especially 90% for democrats
+go in and check whether this is consistent with other data</p:text>
+    <p:extLst>
+      <p:ext uri="{C676402C-5697-4E1C-873F-D02D1690AC5C}">
+        <p15:threadingInfo timeZoneBias="0"/>
+      </p:ext>
+      <p:ext uri="http://customooxmlschemas.google.com/">
+        <go:slidesCustomData xmlns:go="http://customooxmlschemas.google.com/" commentPostId="AAABLszsPTA"/>
+      </p:ext>
+    </p:extLst>
+  </p:cm>
+  <p:cm authorId="0" idx="3" dt="2024-04-13T03:31:26.554">
+    <p:pos x="1398" y="1065"/>
+    <p:text>https://www.kff.org/coronavirus-covid-19/poll-finding/kff-covid-19-vaccine-monitor-may-2021/#:~:text=While%20the%20share%20of%20U.S.,to%20get%20vaccinated%20right%20away.
+This report states that at least 82% of Democrats reported having had at least one COVID 19 vaccine in May 2021</p:text>
+    <p:extLst>
+      <p:ext uri="{C676402C-5697-4E1C-873F-D02D1690AC5C}">
+        <p15:threadingInfo timeZoneBias="0">
+          <p15:parentCm authorId="1" idx="7"/>
+        </p15:threadingInfo>
+      </p:ext>
+      <p:ext uri="http://customooxmlschemas.google.com/">
+        <go:slidesCustomData xmlns:go="http://customooxmlschemas.google.com/" commentPostId="AAABLtOnr18"/>
+      </p:ext>
+    </p:extLst>
+  </p:cm>
+</p:cmLst>
 </file>
 
 <file path=ppt/comments/comment7.xml><?xml version="1.0" encoding="utf-8"?>
-<p:cmLst xmlns:a="http://schemas.openxmlformats.org/drawingml/2006/main" xmlns:r="http://schemas.openxmlformats.org/officeDocument/2006/relationships" xmlns:p="http://schemas.openxmlformats.org/presentationml/2006/main" xmlns:p15="http://schemas.microsoft.com/office/powerpoint/2012/main"/>
+<p:cmLst xmlns:a="http://schemas.openxmlformats.org/drawingml/2006/main" xmlns:r="http://schemas.openxmlformats.org/officeDocument/2006/relationships" xmlns:mc="http://schemas.openxmlformats.org/markup-compatibility/2006" xmlns:mv="urn:schemas-microsoft-com:mac:vml" xmlns:p="http://schemas.openxmlformats.org/presentationml/2006/main" xmlns:c="http://schemas.openxmlformats.org/drawingml/2006/chart" xmlns:dgm="http://schemas.openxmlformats.org/drawingml/2006/diagram" xmlns:o="urn:schemas-microsoft-com:office:office" xmlns:v="urn:schemas-microsoft-com:vml" xmlns:pvml="urn:schemas-microsoft-com:office:powerpoint" xmlns:com="http://schemas.openxmlformats.org/drawingml/2006/compatibility" xmlns:p14="http://schemas.microsoft.com/office/powerpoint/2010/main" xmlns:p15="http://schemas.microsoft.com/office/powerpoint/2012/main" xmlns:ahyp="http://schemas.microsoft.com/office/drawing/2018/hyperlinkcolor">
+  <p:cm authorId="1" idx="8" dt="2024-04-12T20:48:38.670">
+    <p:pos x="1486" y="1183"/>
+    <p:text>t value for democrat in Democrat in Republican district is what tells me
+test the difference between the two coefficients
+change the omitted categories to make sure I test republican categorie</p:text>
+    <p:extLst>
+      <p:ext uri="{C676402C-5697-4E1C-873F-D02D1690AC5C}">
+        <p15:threadingInfo timeZoneBias="0"/>
+      </p:ext>
+      <p:ext uri="http://customooxmlschemas.google.com/">
+        <go:slidesCustomData xmlns:go="http://customooxmlschemas.google.com/" commentPostId="AAABLszsPS0"/>
+      </p:ext>
+    </p:extLst>
+  </p:cm>
+  <p:cm authorId="1" idx="9" dt="2024-04-12T20:45:41.127">
+    <p:pos x="1486" y="1283"/>
+    <p:text>interactive model</p:text>
+    <p:extLst>
+      <p:ext uri="{C676402C-5697-4E1C-873F-D02D1690AC5C}">
+        <p15:threadingInfo timeZoneBias="0"/>
+      </p:ext>
+      <p:ext uri="http://customooxmlschemas.google.com/">
+        <go:slidesCustomData xmlns:go="http://customooxmlschemas.google.com/" commentPostId="AAABLszsPSs"/>
+      </p:ext>
+    </p:extLst>
+  </p:cm>
+  <p:cm authorId="1" idx="10" dt="2024-04-12T20:46:02.722">
+    <p:pos x="528" y="230"/>
+    <p:text>change this slide</p:text>
+    <p:extLst>
+      <p:ext uri="{C676402C-5697-4E1C-873F-D02D1690AC5C}">
+        <p15:threadingInfo timeZoneBias="0"/>
+      </p:ext>
+      <p:ext uri="http://customooxmlschemas.google.com/">
+        <go:slidesCustomData xmlns:go="http://customooxmlschemas.google.com/" commentPostId="AAABLszsPSw"/>
+      </p:ext>
+    </p:extLst>
+  </p:cm>
+</p:cmLst>
 </file>
 
 <file path=ppt/comments/comment8.xml><?xml version="1.0" encoding="utf-8"?>
-<p:cmLst xmlns:a="http://schemas.openxmlformats.org/drawingml/2006/main" xmlns:r="http://schemas.openxmlformats.org/officeDocument/2006/relationships" xmlns:p="http://schemas.openxmlformats.org/presentationml/2006/main" xmlns:p15="http://schemas.microsoft.com/office/powerpoint/2012/main"/>
+<p:cmLst xmlns:a="http://schemas.openxmlformats.org/drawingml/2006/main" xmlns:r="http://schemas.openxmlformats.org/officeDocument/2006/relationships" xmlns:mc="http://schemas.openxmlformats.org/markup-compatibility/2006" xmlns:mv="urn:schemas-microsoft-com:mac:vml" xmlns:p="http://schemas.openxmlformats.org/presentationml/2006/main" xmlns:c="http://schemas.openxmlformats.org/drawingml/2006/chart" xmlns:dgm="http://schemas.openxmlformats.org/drawingml/2006/diagram" xmlns:o="urn:schemas-microsoft-com:office:office" xmlns:v="urn:schemas-microsoft-com:vml" xmlns:pvml="urn:schemas-microsoft-com:office:powerpoint" xmlns:com="http://schemas.openxmlformats.org/drawingml/2006/compatibility" xmlns:p14="http://schemas.microsoft.com/office/powerpoint/2010/main" xmlns:p15="http://schemas.microsoft.com/office/powerpoint/2012/main" xmlns:ahyp="http://schemas.microsoft.com/office/drawing/2018/hyperlinkcolor">
+  <p:cm authorId="2" idx="1" dt="2024-04-09T20:42:02.470">
+    <p:pos x="4317" y="2561"/>
+    <p:text>the code is in github so you can play with the style</p:text>
+    <p:extLst>
+      <p:ext uri="{C676402C-5697-4E1C-873F-D02D1690AC5C}">
+        <p15:threadingInfo timeZoneBias="0"/>
+      </p:ext>
+      <p:ext uri="http://customooxmlschemas.google.com/">
+        <go:slidesCustomData xmlns:go="http://customooxmlschemas.google.com/" commentPostId="AAABLHYw5y0"/>
+      </p:ext>
+    </p:extLst>
+  </p:cm>
+  <p:cm authorId="1" idx="11" dt="2024-04-02T16:41:09.582">
+    <p:pos x="6000" y="0"/>
+    <p:text>maybe it would be better to talk about this at the end so as not to confuse people about what I'll be speaking about (and use this slide as the transition into why all previous slides are important)</p:text>
+    <p:extLst>
+      <p:ext uri="{C676402C-5697-4E1C-873F-D02D1690AC5C}">
+        <p15:threadingInfo timeZoneBias="0"/>
+      </p:ext>
+      <p:ext uri="http://customooxmlschemas.google.com/">
+        <go:slidesCustomData xmlns:go="http://customooxmlschemas.google.com/" commentPostId="AAABKxBafsI"/>
+      </p:ext>
+    </p:extLst>
+  </p:cm>
+  <p:cm authorId="0" idx="4" dt="2024-04-02T16:41:09.582">
+    <p:pos x="6000" y="0"/>
+    <p:text>I like this here.
+I think we may want to show a version of SIR model that shows variation in vaccination, mask use, and contacts</p:text>
+    <p:extLst>
+      <p:ext uri="{C676402C-5697-4E1C-873F-D02D1690AC5C}">
+        <p15:threadingInfo timeZoneBias="0">
+          <p15:parentCm authorId="1" idx="11"/>
+        </p15:threadingInfo>
+      </p:ext>
+      <p:ext uri="http://customooxmlschemas.google.com/">
+        <go:slidesCustomData xmlns:go="http://customooxmlschemas.google.com/" commentPostId="AAABKxBbv_s"/>
+      </p:ext>
+    </p:extLst>
+  </p:cm>
+</p:cmLst>
 </file>
 
 <file path=ppt/comments/comment9.xml><?xml version="1.0" encoding="utf-8"?>
-<p:cmLst xmlns:a="http://schemas.openxmlformats.org/drawingml/2006/main" xmlns:r="http://schemas.openxmlformats.org/officeDocument/2006/relationships" xmlns:p="http://schemas.openxmlformats.org/presentationml/2006/main" xmlns:p15="http://schemas.microsoft.com/office/powerpoint/2012/main"/>
+<p:cmLst xmlns:a="http://schemas.openxmlformats.org/drawingml/2006/main" xmlns:r="http://schemas.openxmlformats.org/officeDocument/2006/relationships" xmlns:mc="http://schemas.openxmlformats.org/markup-compatibility/2006" xmlns:mv="urn:schemas-microsoft-com:mac:vml" xmlns:p="http://schemas.openxmlformats.org/presentationml/2006/main" xmlns:c="http://schemas.openxmlformats.org/drawingml/2006/chart" xmlns:dgm="http://schemas.openxmlformats.org/drawingml/2006/diagram" xmlns:o="urn:schemas-microsoft-com:office:office" xmlns:v="urn:schemas-microsoft-com:vml" xmlns:pvml="urn:schemas-microsoft-com:office:powerpoint" xmlns:com="http://schemas.openxmlformats.org/drawingml/2006/compatibility" xmlns:p14="http://schemas.microsoft.com/office/powerpoint/2010/main" xmlns:p15="http://schemas.microsoft.com/office/powerpoint/2012/main" xmlns:ahyp="http://schemas.microsoft.com/office/drawing/2018/hyperlinkcolor">
+  <p:cm authorId="0" idx="5" dt="2024-04-02T16:49:23.666">
+    <p:pos x="6000" y="0"/>
+    <p:text>If we have to cut something because of time, I think cutting the slides that show the patterns across the waves make sense. Since the patterns are consistent across time, they don't add a lot of info.
+We may want to put those at the back as extras.</p:text>
+    <p:extLst>
+      <p:ext uri="{C676402C-5697-4E1C-873F-D02D1690AC5C}">
+        <p15:threadingInfo timeZoneBias="0"/>
+      </p:ext>
+      <p:ext uri="http://customooxmlschemas.google.com/">
+        <go:slidesCustomData xmlns:go="http://customooxmlschemas.google.com/" commentPostId="AAABKxBbv_g"/>
+      </p:ext>
+    </p:extLst>
+  </p:cm>
+  <p:cm authorId="1" idx="12" dt="2024-04-02T16:38:26.940">
+    <p:pos x="6000" y="0"/>
+    <p:text>I think the only thing they might help show is that republicans are more willing to adjust their contact behavior according to falling incidence rates.</p:text>
+    <p:extLst>
+      <p:ext uri="{C676402C-5697-4E1C-873F-D02D1690AC5C}">
+        <p15:threadingInfo timeZoneBias="0">
+          <p15:parentCm authorId="0" idx="5"/>
+        </p15:threadingInfo>
+      </p:ext>
+      <p:ext uri="http://customooxmlschemas.google.com/">
+        <go:slidesCustomData xmlns:go="http://customooxmlschemas.google.com/" commentPostId="AAABKxBbv_k"/>
+      </p:ext>
+    </p:extLst>
+  </p:cm>
+  <p:cm authorId="1" idx="13" dt="2024-04-02T16:49:23.666">
+    <p:pos x="6000" y="0"/>
+    <p:text>Also, this here shows that republicans are less concerned about the pandemic even as cases are rising. Could this be important for helping inform the model's "waning" paramet?</p:text>
+    <p:extLst>
+      <p:ext uri="{C676402C-5697-4E1C-873F-D02D1690AC5C}">
+        <p15:threadingInfo timeZoneBias="0">
+          <p15:parentCm authorId="0" idx="5"/>
+        </p15:threadingInfo>
+      </p:ext>
+      <p:ext uri="http://customooxmlschemas.google.com/">
+        <go:slidesCustomData xmlns:go="http://customooxmlschemas.google.com/" commentPostId="AAABKxBbv_8"/>
+      </p:ext>
+    </p:extLst>
+  </p:cm>
+</p:cmLst>
 </file>
 
 <file path=ppt/notesMasters/notesMaster1.xml><?xml version="1.0" encoding="utf-8"?>
@@ -1955,7 +2278,7 @@
   <p:cSld>
     <p:spTree>
       <p:nvGrpSpPr>
-        <p:cNvPr id="167" name="Shape 167"/>
+        <p:cNvPr id="174" name="Shape 174"/>
         <p:cNvGrpSpPr/>
         <p:nvPr/>
       </p:nvGrpSpPr>
@@ -1969,7 +2292,7 @@
       </p:grpSpPr>
       <p:sp>
         <p:nvSpPr>
-          <p:cNvPr id="168" name="Google Shape;168;g1f4e2c1751e_1_43:notes"/>
+          <p:cNvPr id="175" name="Google Shape;175;g2c6764bd4d3_0_6:notes"/>
           <p:cNvSpPr/>
           <p:nvPr>
             <p:ph idx="2" type="sldImg"/>
@@ -2014,7 +2337,7 @@
       </p:sp>
       <p:sp>
         <p:nvSpPr>
-          <p:cNvPr id="169" name="Google Shape;169;g1f4e2c1751e_1_43:notes"/>
+          <p:cNvPr id="176" name="Google Shape;176;g2c6764bd4d3_0_6:notes"/>
           <p:cNvSpPr txBox="1"/>
           <p:nvPr>
             <p:ph idx="1" type="body"/>
@@ -2061,7 +2384,7 @@
       </p:sp>
       <p:sp>
         <p:nvSpPr>
-          <p:cNvPr id="170" name="Google Shape;170;g1f4e2c1751e_1_43:notes"/>
+          <p:cNvPr id="177" name="Google Shape;177;g2c6764bd4d3_0_6:notes"/>
           <p:cNvSpPr txBox="1"/>
           <p:nvPr>
             <p:ph idx="12" type="sldNum"/>
@@ -2124,7 +2447,7 @@
   <p:cSld>
     <p:spTree>
       <p:nvGrpSpPr>
-        <p:cNvPr id="176" name="Shape 176"/>
+        <p:cNvPr id="181" name="Shape 181"/>
         <p:cNvGrpSpPr/>
         <p:nvPr/>
       </p:nvGrpSpPr>
@@ -2138,403 +2461,7 @@
       </p:grpSpPr>
       <p:sp>
         <p:nvSpPr>
-          <p:cNvPr id="177" name="Google Shape;177;p3:notes"/>
-          <p:cNvSpPr txBox="1"/>
-          <p:nvPr>
-            <p:ph idx="1" type="body"/>
-          </p:nvPr>
-        </p:nvSpPr>
-        <p:spPr>
-          <a:xfrm>
-            <a:off x="685800" y="4400550"/>
-            <a:ext cx="5486400" cy="3600450"/>
-          </a:xfrm>
-          <a:prstGeom prst="rect">
-            <a:avLst/>
-          </a:prstGeom>
-        </p:spPr>
-        <p:txBody>
-          <a:bodyPr anchorCtr="0" anchor="t" bIns="45700" lIns="91425" spcFirstLastPara="1" rIns="91425" wrap="square" tIns="45700">
-            <a:noAutofit/>
-          </a:bodyPr>
-          <a:lstStyle/>
-          <a:p>
-            <a:pPr indent="0" lvl="0" marL="0" rtl="0" algn="l">
-              <a:spcBef>
-                <a:spcPts val="0"/>
-              </a:spcBef>
-              <a:spcAft>
-                <a:spcPts val="0"/>
-              </a:spcAft>
-              <a:buNone/>
-            </a:pPr>
-            <a:r>
-              <a:rPr lang="en-US"/>
-              <a:t>Delta = B/100</a:t>
-            </a:r>
-            <a:br>
-              <a:rPr lang="en-US"/>
-            </a:br>
-            <a:r>
-              <a:rPr lang="en-US"/>
-              <a:t>Delta = B * log(1.10) #10 percent increase in X</a:t>
-            </a:r>
-            <a:endParaRPr/>
-          </a:p>
-          <a:p>
-            <a:pPr indent="0" lvl="0" marL="0" rtl="0" algn="l">
-              <a:spcBef>
-                <a:spcPts val="0"/>
-              </a:spcBef>
-              <a:spcAft>
-                <a:spcPts val="0"/>
-              </a:spcAft>
-              <a:buNone/>
-            </a:pPr>
-            <a:r>
-              <a:rPr lang="en-US"/>
-              <a:t>1 = B * log(x), x &gt; 0</a:t>
-            </a:r>
-            <a:endParaRPr/>
-          </a:p>
-          <a:p>
-            <a:pPr indent="0" lvl="0" marL="0" rtl="0" algn="l">
-              <a:spcBef>
-                <a:spcPts val="0"/>
-              </a:spcBef>
-              <a:spcAft>
-                <a:spcPts val="0"/>
-              </a:spcAft>
-              <a:buNone/>
-            </a:pPr>
-            <a:r>
-              <a:t/>
-            </a:r>
-            <a:endParaRPr/>
-          </a:p>
-          <a:p>
-            <a:pPr indent="0" lvl="0" marL="0" rtl="0" algn="l">
-              <a:spcBef>
-                <a:spcPts val="0"/>
-              </a:spcBef>
-              <a:spcAft>
-                <a:spcPts val="0"/>
-              </a:spcAft>
-              <a:buNone/>
-            </a:pPr>
-            <a:r>
-              <a:rPr lang="en-US"/>
-              <a:t>B = -0.67665 THEN</a:t>
-            </a:r>
-            <a:endParaRPr/>
-          </a:p>
-          <a:p>
-            <a:pPr indent="0" lvl="0" marL="0" rtl="0" algn="l">
-              <a:spcBef>
-                <a:spcPts val="0"/>
-              </a:spcBef>
-              <a:spcAft>
-                <a:spcPts val="0"/>
-              </a:spcAft>
-              <a:buNone/>
-            </a:pPr>
-            <a:r>
-              <a:t/>
-            </a:r>
-            <a:endParaRPr/>
-          </a:p>
-          <a:p>
-            <a:pPr indent="0" lvl="0" marL="0" rtl="0" algn="l">
-              <a:spcBef>
-                <a:spcPts val="0"/>
-              </a:spcBef>
-              <a:spcAft>
-                <a:spcPts val="0"/>
-              </a:spcAft>
-              <a:buNone/>
-            </a:pPr>
-            <a:r>
-              <a:rPr lang="en-US"/>
-              <a:t>-1 = </a:t>
-            </a:r>
-            <a:r>
-              <a:rPr lang="en-US"/>
-              <a:t> -0.67665*log(x) </a:t>
-            </a:r>
-            <a:endParaRPr/>
-          </a:p>
-          <a:p>
-            <a:pPr indent="0" lvl="0" marL="0" rtl="0" algn="l">
-              <a:spcBef>
-                <a:spcPts val="0"/>
-              </a:spcBef>
-              <a:spcAft>
-                <a:spcPts val="0"/>
-              </a:spcAft>
-              <a:buNone/>
-            </a:pPr>
-            <a:r>
-              <a:rPr lang="en-US"/>
-              <a:t>log(x) = -0.67665/-1</a:t>
-            </a:r>
-            <a:endParaRPr/>
-          </a:p>
-          <a:p>
-            <a:pPr indent="0" lvl="0" marL="0" rtl="0" algn="l">
-              <a:spcBef>
-                <a:spcPts val="0"/>
-              </a:spcBef>
-              <a:spcAft>
-                <a:spcPts val="0"/>
-              </a:spcAft>
-              <a:buNone/>
-            </a:pPr>
-            <a:r>
-              <a:rPr lang="en-US"/>
-              <a:t>X = exp( -0.67665/-1)</a:t>
-            </a:r>
-            <a:endParaRPr/>
-          </a:p>
-          <a:p>
-            <a:pPr indent="0" lvl="0" marL="0" rtl="0" algn="l">
-              <a:spcBef>
-                <a:spcPts val="0"/>
-              </a:spcBef>
-              <a:spcAft>
-                <a:spcPts val="0"/>
-              </a:spcAft>
-              <a:buNone/>
-            </a:pPr>
-            <a:r>
-              <a:rPr lang="en-US"/>
-              <a:t>X= 1.967276</a:t>
-            </a:r>
-            <a:endParaRPr/>
-          </a:p>
-          <a:p>
-            <a:pPr indent="0" lvl="0" marL="0" rtl="0" algn="l">
-              <a:spcBef>
-                <a:spcPts val="0"/>
-              </a:spcBef>
-              <a:spcAft>
-                <a:spcPts val="0"/>
-              </a:spcAft>
-              <a:buNone/>
-            </a:pPr>
-            <a:r>
-              <a:t/>
-            </a:r>
-            <a:endParaRPr/>
-          </a:p>
-        </p:txBody>
-      </p:sp>
-      <p:sp>
-        <p:nvSpPr>
-          <p:cNvPr id="178" name="Google Shape;178;p3:notes"/>
-          <p:cNvSpPr/>
-          <p:nvPr>
-            <p:ph idx="2" type="sldImg"/>
-          </p:nvPr>
-        </p:nvSpPr>
-        <p:spPr>
-          <a:xfrm>
-            <a:off x="685800" y="1143000"/>
-            <a:ext cx="5486400" cy="3086100"/>
-          </a:xfrm>
-          <a:custGeom>
-            <a:rect b="b" l="l" r="r" t="t"/>
-            <a:pathLst>
-              <a:path extrusionOk="0" h="120000" w="120000">
-                <a:moveTo>
-                  <a:pt x="0" y="0"/>
-                </a:moveTo>
-                <a:lnTo>
-                  <a:pt x="120000" y="0"/>
-                </a:lnTo>
-                <a:lnTo>
-                  <a:pt x="120000" y="120000"/>
-                </a:lnTo>
-                <a:lnTo>
-                  <a:pt x="0" y="120000"/>
-                </a:lnTo>
-                <a:close/>
-              </a:path>
-            </a:pathLst>
-          </a:custGeom>
-        </p:spPr>
-      </p:sp>
-    </p:spTree>
-  </p:cSld>
-  <p:clrMapOvr>
-    <a:masterClrMapping/>
-  </p:clrMapOvr>
-</p:notes>
-</file>
-
-<file path=ppt/notesSlides/notesSlide12.xml><?xml version="1.0" encoding="utf-8"?>
-<p:notes xmlns:a="http://schemas.openxmlformats.org/drawingml/2006/main" xmlns:r="http://schemas.openxmlformats.org/officeDocument/2006/relationships" xmlns:mc="http://schemas.openxmlformats.org/markup-compatibility/2006" xmlns:mv="urn:schemas-microsoft-com:mac:vml" xmlns:p="http://schemas.openxmlformats.org/presentationml/2006/main" xmlns:c="http://schemas.openxmlformats.org/drawingml/2006/chart" xmlns:dgm="http://schemas.openxmlformats.org/drawingml/2006/diagram" xmlns:o="urn:schemas-microsoft-com:office:office" xmlns:v="urn:schemas-microsoft-com:vml" xmlns:pvml="urn:schemas-microsoft-com:office:powerpoint" xmlns:com="http://schemas.openxmlformats.org/drawingml/2006/compatibility" xmlns:p14="http://schemas.microsoft.com/office/powerpoint/2010/main" xmlns:p15="http://schemas.microsoft.com/office/powerpoint/2012/main" xmlns:ahyp="http://schemas.microsoft.com/office/drawing/2018/hyperlinkcolor" showMasterPhAnim="0" showMasterSp="0">
-  <p:cSld>
-    <p:spTree>
-      <p:nvGrpSpPr>
-        <p:cNvPr id="185" name="Shape 185"/>
-        <p:cNvGrpSpPr/>
-        <p:nvPr/>
-      </p:nvGrpSpPr>
-      <p:grpSpPr>
-        <a:xfrm>
-          <a:off x="0" y="0"/>
-          <a:ext cx="0" cy="0"/>
-          <a:chOff x="0" y="0"/>
-          <a:chExt cx="0" cy="0"/>
-        </a:xfrm>
-      </p:grpSpPr>
-      <p:sp>
-        <p:nvSpPr>
-          <p:cNvPr id="186" name="Google Shape;186;g2c850703521_0_13:notes"/>
-          <p:cNvSpPr/>
-          <p:nvPr>
-            <p:ph idx="2" type="sldImg"/>
-          </p:nvPr>
-        </p:nvSpPr>
-        <p:spPr>
-          <a:xfrm>
-            <a:off x="685800" y="1143000"/>
-            <a:ext cx="5486400" cy="3086100"/>
-          </a:xfrm>
-          <a:custGeom>
-            <a:rect b="b" l="l" r="r" t="t"/>
-            <a:pathLst>
-              <a:path extrusionOk="0" h="120000" w="120000">
-                <a:moveTo>
-                  <a:pt x="0" y="0"/>
-                </a:moveTo>
-                <a:lnTo>
-                  <a:pt x="120000" y="0"/>
-                </a:lnTo>
-                <a:lnTo>
-                  <a:pt x="120000" y="120000"/>
-                </a:lnTo>
-                <a:lnTo>
-                  <a:pt x="0" y="120000"/>
-                </a:lnTo>
-                <a:close/>
-              </a:path>
-            </a:pathLst>
-          </a:custGeom>
-        </p:spPr>
-      </p:sp>
-      <p:sp>
-        <p:nvSpPr>
-          <p:cNvPr id="187" name="Google Shape;187;g2c850703521_0_13:notes"/>
-          <p:cNvSpPr txBox="1"/>
-          <p:nvPr>
-            <p:ph idx="1" type="body"/>
-          </p:nvPr>
-        </p:nvSpPr>
-        <p:spPr>
-          <a:xfrm>
-            <a:off x="685800" y="4400550"/>
-            <a:ext cx="5486400" cy="3600600"/>
-          </a:xfrm>
-          <a:prstGeom prst="rect">
-            <a:avLst/>
-          </a:prstGeom>
-        </p:spPr>
-        <p:txBody>
-          <a:bodyPr anchorCtr="0" anchor="t" bIns="45700" lIns="91425" spcFirstLastPara="1" rIns="91425" wrap="square" tIns="45700">
-            <a:noAutofit/>
-          </a:bodyPr>
-          <a:lstStyle/>
-          <a:p>
-            <a:pPr indent="0" lvl="0" marL="0" rtl="0" algn="l">
-              <a:spcBef>
-                <a:spcPts val="0"/>
-              </a:spcBef>
-              <a:spcAft>
-                <a:spcPts val="0"/>
-              </a:spcAft>
-              <a:buNone/>
-            </a:pPr>
-            <a:r>
-              <a:t/>
-            </a:r>
-            <a:endParaRPr/>
-          </a:p>
-        </p:txBody>
-      </p:sp>
-      <p:sp>
-        <p:nvSpPr>
-          <p:cNvPr id="188" name="Google Shape;188;g2c850703521_0_13:notes"/>
-          <p:cNvSpPr txBox="1"/>
-          <p:nvPr>
-            <p:ph idx="12" type="sldNum"/>
-          </p:nvPr>
-        </p:nvSpPr>
-        <p:spPr>
-          <a:xfrm>
-            <a:off x="3884613" y="8685213"/>
-            <a:ext cx="2971800" cy="458700"/>
-          </a:xfrm>
-          <a:prstGeom prst="rect">
-            <a:avLst/>
-          </a:prstGeom>
-        </p:spPr>
-        <p:txBody>
-          <a:bodyPr anchorCtr="0" anchor="b" bIns="45700" lIns="91425" spcFirstLastPara="1" rIns="91425" wrap="square" tIns="45700">
-            <a:noAutofit/>
-          </a:bodyPr>
-          <a:lstStyle/>
-          <a:p>
-            <a:pPr indent="0" lvl="0" marL="0" rtl="0" algn="r">
-              <a:spcBef>
-                <a:spcPts val="0"/>
-              </a:spcBef>
-              <a:spcAft>
-                <a:spcPts val="0"/>
-              </a:spcAft>
-              <a:buClr>
-                <a:srgbClr val="000000"/>
-              </a:buClr>
-              <a:buSzPts val="1200"/>
-              <a:buFont typeface="Arial"/>
-              <a:buNone/>
-            </a:pPr>
-            <a:fld id="{00000000-1234-1234-1234-123412341234}" type="slidenum">
-              <a:rPr lang="en-US"/>
-              <a:t>‹#›</a:t>
-            </a:fld>
-            <a:endParaRPr/>
-          </a:p>
-        </p:txBody>
-      </p:sp>
-    </p:spTree>
-  </p:cSld>
-  <p:clrMapOvr>
-    <a:masterClrMapping/>
-  </p:clrMapOvr>
-</p:notes>
-</file>
-
-<file path=ppt/notesSlides/notesSlide13.xml><?xml version="1.0" encoding="utf-8"?>
-<p:notes xmlns:a="http://schemas.openxmlformats.org/drawingml/2006/main" xmlns:r="http://schemas.openxmlformats.org/officeDocument/2006/relationships" xmlns:mc="http://schemas.openxmlformats.org/markup-compatibility/2006" xmlns:mv="urn:schemas-microsoft-com:mac:vml" xmlns:p="http://schemas.openxmlformats.org/presentationml/2006/main" xmlns:c="http://schemas.openxmlformats.org/drawingml/2006/chart" xmlns:dgm="http://schemas.openxmlformats.org/drawingml/2006/diagram" xmlns:o="urn:schemas-microsoft-com:office:office" xmlns:v="urn:schemas-microsoft-com:vml" xmlns:pvml="urn:schemas-microsoft-com:office:powerpoint" xmlns:com="http://schemas.openxmlformats.org/drawingml/2006/compatibility" xmlns:p14="http://schemas.microsoft.com/office/powerpoint/2010/main" xmlns:p15="http://schemas.microsoft.com/office/powerpoint/2012/main" xmlns:ahyp="http://schemas.microsoft.com/office/drawing/2018/hyperlinkcolor" showMasterPhAnim="0" showMasterSp="0">
-  <p:cSld>
-    <p:spTree>
-      <p:nvGrpSpPr>
-        <p:cNvPr id="194" name="Shape 194"/>
-        <p:cNvGrpSpPr/>
-        <p:nvPr/>
-      </p:nvGrpSpPr>
-      <p:grpSpPr>
-        <a:xfrm>
-          <a:off x="0" y="0"/>
-          <a:ext cx="0" cy="0"/>
-          <a:chOff x="0" y="0"/>
-          <a:chExt cx="0" cy="0"/>
-        </a:xfrm>
-      </p:grpSpPr>
-      <p:sp>
-        <p:nvSpPr>
-          <p:cNvPr id="195" name="Google Shape;195;g1f4e2c1751e_1_55:notes"/>
+          <p:cNvPr id="182" name="Google Shape;182;g1f4e2c1751e_1_43:notes"/>
           <p:cNvSpPr/>
           <p:nvPr>
             <p:ph idx="2" type="sldImg"/>
@@ -2579,7 +2506,7 @@
       </p:sp>
       <p:sp>
         <p:nvSpPr>
-          <p:cNvPr id="196" name="Google Shape;196;g1f4e2c1751e_1_55:notes"/>
+          <p:cNvPr id="183" name="Google Shape;183;g1f4e2c1751e_1_43:notes"/>
           <p:cNvSpPr txBox="1"/>
           <p:nvPr>
             <p:ph idx="1" type="body"/>
@@ -2626,7 +2553,7 @@
       </p:sp>
       <p:sp>
         <p:nvSpPr>
-          <p:cNvPr id="197" name="Google Shape;197;g1f4e2c1751e_1_55:notes"/>
+          <p:cNvPr id="184" name="Google Shape;184;g1f4e2c1751e_1_43:notes"/>
           <p:cNvSpPr txBox="1"/>
           <p:nvPr>
             <p:ph idx="12" type="sldNum"/>
@@ -2684,12 +2611,12 @@
 </p:notes>
 </file>
 
-<file path=ppt/notesSlides/notesSlide14.xml><?xml version="1.0" encoding="utf-8"?>
+<file path=ppt/notesSlides/notesSlide12.xml><?xml version="1.0" encoding="utf-8"?>
 <p:notes xmlns:a="http://schemas.openxmlformats.org/drawingml/2006/main" xmlns:r="http://schemas.openxmlformats.org/officeDocument/2006/relationships" xmlns:mc="http://schemas.openxmlformats.org/markup-compatibility/2006" xmlns:mv="urn:schemas-microsoft-com:mac:vml" xmlns:p="http://schemas.openxmlformats.org/presentationml/2006/main" xmlns:c="http://schemas.openxmlformats.org/drawingml/2006/chart" xmlns:dgm="http://schemas.openxmlformats.org/drawingml/2006/diagram" xmlns:o="urn:schemas-microsoft-com:office:office" xmlns:v="urn:schemas-microsoft-com:vml" xmlns:pvml="urn:schemas-microsoft-com:office:powerpoint" xmlns:com="http://schemas.openxmlformats.org/drawingml/2006/compatibility" xmlns:p14="http://schemas.microsoft.com/office/powerpoint/2010/main" xmlns:p15="http://schemas.microsoft.com/office/powerpoint/2012/main" xmlns:ahyp="http://schemas.microsoft.com/office/drawing/2018/hyperlinkcolor" showMasterPhAnim="0" showMasterSp="0">
   <p:cSld>
     <p:spTree>
       <p:nvGrpSpPr>
-        <p:cNvPr id="204" name="Shape 204"/>
+        <p:cNvPr id="190" name="Shape 190"/>
         <p:cNvGrpSpPr/>
         <p:nvPr/>
       </p:nvGrpSpPr>
@@ -2703,7 +2630,438 @@
       </p:grpSpPr>
       <p:sp>
         <p:nvSpPr>
-          <p:cNvPr id="205" name="Google Shape;205;p2:notes"/>
+          <p:cNvPr id="191" name="Google Shape;191;p3:notes"/>
+          <p:cNvSpPr txBox="1"/>
+          <p:nvPr>
+            <p:ph idx="1" type="body"/>
+          </p:nvPr>
+        </p:nvSpPr>
+        <p:spPr>
+          <a:xfrm>
+            <a:off x="685800" y="4400550"/>
+            <a:ext cx="5486400" cy="3600450"/>
+          </a:xfrm>
+          <a:prstGeom prst="rect">
+            <a:avLst/>
+          </a:prstGeom>
+        </p:spPr>
+        <p:txBody>
+          <a:bodyPr anchorCtr="0" anchor="t" bIns="45700" lIns="91425" spcFirstLastPara="1" rIns="91425" wrap="square" tIns="45700">
+            <a:noAutofit/>
+          </a:bodyPr>
+          <a:lstStyle/>
+          <a:p>
+            <a:pPr indent="0" lvl="0" marL="0" rtl="0" algn="l">
+              <a:spcBef>
+                <a:spcPts val="0"/>
+              </a:spcBef>
+              <a:spcAft>
+                <a:spcPts val="0"/>
+              </a:spcAft>
+              <a:buNone/>
+            </a:pPr>
+            <a:r>
+              <a:rPr lang="en-US"/>
+              <a:t>Delta = B/100</a:t>
+            </a:r>
+            <a:br>
+              <a:rPr lang="en-US"/>
+            </a:br>
+            <a:r>
+              <a:rPr lang="en-US"/>
+              <a:t>Delta = B * log(1.10) #10 percent increase in X</a:t>
+            </a:r>
+            <a:endParaRPr/>
+          </a:p>
+          <a:p>
+            <a:pPr indent="0" lvl="0" marL="0" rtl="0" algn="l">
+              <a:spcBef>
+                <a:spcPts val="0"/>
+              </a:spcBef>
+              <a:spcAft>
+                <a:spcPts val="0"/>
+              </a:spcAft>
+              <a:buNone/>
+            </a:pPr>
+            <a:r>
+              <a:rPr lang="en-US"/>
+              <a:t>1 = B * log(x), x &gt; 0</a:t>
+            </a:r>
+            <a:endParaRPr/>
+          </a:p>
+          <a:p>
+            <a:pPr indent="0" lvl="0" marL="0" rtl="0" algn="l">
+              <a:spcBef>
+                <a:spcPts val="0"/>
+              </a:spcBef>
+              <a:spcAft>
+                <a:spcPts val="0"/>
+              </a:spcAft>
+              <a:buNone/>
+            </a:pPr>
+            <a:r>
+              <a:t/>
+            </a:r>
+            <a:endParaRPr/>
+          </a:p>
+          <a:p>
+            <a:pPr indent="0" lvl="0" marL="0" rtl="0" algn="l">
+              <a:spcBef>
+                <a:spcPts val="0"/>
+              </a:spcBef>
+              <a:spcAft>
+                <a:spcPts val="0"/>
+              </a:spcAft>
+              <a:buNone/>
+            </a:pPr>
+            <a:r>
+              <a:rPr lang="en-US"/>
+              <a:t>B = -0.67665 THEN</a:t>
+            </a:r>
+            <a:endParaRPr/>
+          </a:p>
+          <a:p>
+            <a:pPr indent="0" lvl="0" marL="0" rtl="0" algn="l">
+              <a:spcBef>
+                <a:spcPts val="0"/>
+              </a:spcBef>
+              <a:spcAft>
+                <a:spcPts val="0"/>
+              </a:spcAft>
+              <a:buNone/>
+            </a:pPr>
+            <a:r>
+              <a:t/>
+            </a:r>
+            <a:endParaRPr/>
+          </a:p>
+          <a:p>
+            <a:pPr indent="0" lvl="0" marL="0" rtl="0" algn="l">
+              <a:spcBef>
+                <a:spcPts val="0"/>
+              </a:spcBef>
+              <a:spcAft>
+                <a:spcPts val="0"/>
+              </a:spcAft>
+              <a:buNone/>
+            </a:pPr>
+            <a:r>
+              <a:rPr lang="en-US"/>
+              <a:t>Delta = </a:t>
+            </a:r>
+            <a:r>
+              <a:rPr lang="en-US"/>
+              <a:t>-0.67665 * log(2)</a:t>
+            </a:r>
+            <a:endParaRPr/>
+          </a:p>
+          <a:p>
+            <a:pPr indent="0" lvl="0" marL="0" rtl="0" algn="l">
+              <a:spcBef>
+                <a:spcPts val="0"/>
+              </a:spcBef>
+              <a:spcAft>
+                <a:spcPts val="0"/>
+              </a:spcAft>
+              <a:buNone/>
+            </a:pPr>
+            <a:r>
+              <a:t/>
+            </a:r>
+            <a:endParaRPr/>
+          </a:p>
+          <a:p>
+            <a:pPr indent="0" lvl="0" marL="0" rtl="0" algn="l">
+              <a:spcBef>
+                <a:spcPts val="0"/>
+              </a:spcBef>
+              <a:spcAft>
+                <a:spcPts val="0"/>
+              </a:spcAft>
+              <a:buNone/>
+            </a:pPr>
+            <a:r>
+              <a:rPr lang="en-US"/>
+              <a:t>-1 = </a:t>
+            </a:r>
+            <a:r>
+              <a:rPr lang="en-US"/>
+              <a:t> -0.67665*log(x) </a:t>
+            </a:r>
+            <a:endParaRPr/>
+          </a:p>
+          <a:p>
+            <a:pPr indent="0" lvl="0" marL="0" rtl="0" algn="l">
+              <a:spcBef>
+                <a:spcPts val="0"/>
+              </a:spcBef>
+              <a:spcAft>
+                <a:spcPts val="0"/>
+              </a:spcAft>
+              <a:buNone/>
+            </a:pPr>
+            <a:r>
+              <a:rPr lang="en-US"/>
+              <a:t>log(x) = -0.67665/-1</a:t>
+            </a:r>
+            <a:endParaRPr/>
+          </a:p>
+          <a:p>
+            <a:pPr indent="0" lvl="0" marL="0" rtl="0" algn="l">
+              <a:spcBef>
+                <a:spcPts val="0"/>
+              </a:spcBef>
+              <a:spcAft>
+                <a:spcPts val="0"/>
+              </a:spcAft>
+              <a:buNone/>
+            </a:pPr>
+            <a:r>
+              <a:rPr lang="en-US"/>
+              <a:t>X = exp( -0.67665/-1)</a:t>
+            </a:r>
+            <a:endParaRPr/>
+          </a:p>
+          <a:p>
+            <a:pPr indent="0" lvl="0" marL="0" rtl="0" algn="l">
+              <a:spcBef>
+                <a:spcPts val="0"/>
+              </a:spcBef>
+              <a:spcAft>
+                <a:spcPts val="0"/>
+              </a:spcAft>
+              <a:buNone/>
+            </a:pPr>
+            <a:r>
+              <a:rPr lang="en-US"/>
+              <a:t>X= 1.967276</a:t>
+            </a:r>
+            <a:endParaRPr/>
+          </a:p>
+          <a:p>
+            <a:pPr indent="0" lvl="0" marL="0" rtl="0" algn="l">
+              <a:spcBef>
+                <a:spcPts val="0"/>
+              </a:spcBef>
+              <a:spcAft>
+                <a:spcPts val="0"/>
+              </a:spcAft>
+              <a:buNone/>
+            </a:pPr>
+            <a:r>
+              <a:t/>
+            </a:r>
+            <a:endParaRPr/>
+          </a:p>
+        </p:txBody>
+      </p:sp>
+      <p:sp>
+        <p:nvSpPr>
+          <p:cNvPr id="192" name="Google Shape;192;p3:notes"/>
+          <p:cNvSpPr/>
+          <p:nvPr>
+            <p:ph idx="2" type="sldImg"/>
+          </p:nvPr>
+        </p:nvSpPr>
+        <p:spPr>
+          <a:xfrm>
+            <a:off x="685800" y="1143000"/>
+            <a:ext cx="5486400" cy="3086100"/>
+          </a:xfrm>
+          <a:custGeom>
+            <a:rect b="b" l="l" r="r" t="t"/>
+            <a:pathLst>
+              <a:path extrusionOk="0" h="120000" w="120000">
+                <a:moveTo>
+                  <a:pt x="0" y="0"/>
+                </a:moveTo>
+                <a:lnTo>
+                  <a:pt x="120000" y="0"/>
+                </a:lnTo>
+                <a:lnTo>
+                  <a:pt x="120000" y="120000"/>
+                </a:lnTo>
+                <a:lnTo>
+                  <a:pt x="0" y="120000"/>
+                </a:lnTo>
+                <a:close/>
+              </a:path>
+            </a:pathLst>
+          </a:custGeom>
+        </p:spPr>
+      </p:sp>
+    </p:spTree>
+  </p:cSld>
+  <p:clrMapOvr>
+    <a:masterClrMapping/>
+  </p:clrMapOvr>
+</p:notes>
+</file>
+
+<file path=ppt/notesSlides/notesSlide13.xml><?xml version="1.0" encoding="utf-8"?>
+<p:notes xmlns:a="http://schemas.openxmlformats.org/drawingml/2006/main" xmlns:r="http://schemas.openxmlformats.org/officeDocument/2006/relationships" xmlns:mc="http://schemas.openxmlformats.org/markup-compatibility/2006" xmlns:mv="urn:schemas-microsoft-com:mac:vml" xmlns:p="http://schemas.openxmlformats.org/presentationml/2006/main" xmlns:c="http://schemas.openxmlformats.org/drawingml/2006/chart" xmlns:dgm="http://schemas.openxmlformats.org/drawingml/2006/diagram" xmlns:o="urn:schemas-microsoft-com:office:office" xmlns:v="urn:schemas-microsoft-com:vml" xmlns:pvml="urn:schemas-microsoft-com:office:powerpoint" xmlns:com="http://schemas.openxmlformats.org/drawingml/2006/compatibility" xmlns:p14="http://schemas.microsoft.com/office/powerpoint/2010/main" xmlns:p15="http://schemas.microsoft.com/office/powerpoint/2012/main" xmlns:ahyp="http://schemas.microsoft.com/office/drawing/2018/hyperlinkcolor" showMasterPhAnim="0" showMasterSp="0">
+  <p:cSld>
+    <p:spTree>
+      <p:nvGrpSpPr>
+        <p:cNvPr id="199" name="Shape 199"/>
+        <p:cNvGrpSpPr/>
+        <p:nvPr/>
+      </p:nvGrpSpPr>
+      <p:grpSpPr>
+        <a:xfrm>
+          <a:off x="0" y="0"/>
+          <a:ext cx="0" cy="0"/>
+          <a:chOff x="0" y="0"/>
+          <a:chExt cx="0" cy="0"/>
+        </a:xfrm>
+      </p:grpSpPr>
+      <p:sp>
+        <p:nvSpPr>
+          <p:cNvPr id="200" name="Google Shape;200;g2c850703521_0_13:notes"/>
+          <p:cNvSpPr/>
+          <p:nvPr>
+            <p:ph idx="2" type="sldImg"/>
+          </p:nvPr>
+        </p:nvSpPr>
+        <p:spPr>
+          <a:xfrm>
+            <a:off x="685800" y="1143000"/>
+            <a:ext cx="5486400" cy="3086100"/>
+          </a:xfrm>
+          <a:custGeom>
+            <a:rect b="b" l="l" r="r" t="t"/>
+            <a:pathLst>
+              <a:path extrusionOk="0" h="120000" w="120000">
+                <a:moveTo>
+                  <a:pt x="0" y="0"/>
+                </a:moveTo>
+                <a:lnTo>
+                  <a:pt x="120000" y="0"/>
+                </a:lnTo>
+                <a:lnTo>
+                  <a:pt x="120000" y="120000"/>
+                </a:lnTo>
+                <a:lnTo>
+                  <a:pt x="0" y="120000"/>
+                </a:lnTo>
+                <a:close/>
+              </a:path>
+            </a:pathLst>
+          </a:custGeom>
+        </p:spPr>
+      </p:sp>
+      <p:sp>
+        <p:nvSpPr>
+          <p:cNvPr id="201" name="Google Shape;201;g2c850703521_0_13:notes"/>
+          <p:cNvSpPr txBox="1"/>
+          <p:nvPr>
+            <p:ph idx="1" type="body"/>
+          </p:nvPr>
+        </p:nvSpPr>
+        <p:spPr>
+          <a:xfrm>
+            <a:off x="685800" y="4400550"/>
+            <a:ext cx="5486400" cy="3600600"/>
+          </a:xfrm>
+          <a:prstGeom prst="rect">
+            <a:avLst/>
+          </a:prstGeom>
+        </p:spPr>
+        <p:txBody>
+          <a:bodyPr anchorCtr="0" anchor="t" bIns="45700" lIns="91425" spcFirstLastPara="1" rIns="91425" wrap="square" tIns="45700">
+            <a:noAutofit/>
+          </a:bodyPr>
+          <a:lstStyle/>
+          <a:p>
+            <a:pPr indent="0" lvl="0" marL="0" rtl="0" algn="l">
+              <a:spcBef>
+                <a:spcPts val="0"/>
+              </a:spcBef>
+              <a:spcAft>
+                <a:spcPts val="0"/>
+              </a:spcAft>
+              <a:buNone/>
+            </a:pPr>
+            <a:r>
+              <a:t/>
+            </a:r>
+            <a:endParaRPr/>
+          </a:p>
+        </p:txBody>
+      </p:sp>
+      <p:sp>
+        <p:nvSpPr>
+          <p:cNvPr id="202" name="Google Shape;202;g2c850703521_0_13:notes"/>
+          <p:cNvSpPr txBox="1"/>
+          <p:nvPr>
+            <p:ph idx="12" type="sldNum"/>
+          </p:nvPr>
+        </p:nvSpPr>
+        <p:spPr>
+          <a:xfrm>
+            <a:off x="3884613" y="8685213"/>
+            <a:ext cx="2971800" cy="458700"/>
+          </a:xfrm>
+          <a:prstGeom prst="rect">
+            <a:avLst/>
+          </a:prstGeom>
+        </p:spPr>
+        <p:txBody>
+          <a:bodyPr anchorCtr="0" anchor="b" bIns="45700" lIns="91425" spcFirstLastPara="1" rIns="91425" wrap="square" tIns="45700">
+            <a:noAutofit/>
+          </a:bodyPr>
+          <a:lstStyle/>
+          <a:p>
+            <a:pPr indent="0" lvl="0" marL="0" rtl="0" algn="r">
+              <a:spcBef>
+                <a:spcPts val="0"/>
+              </a:spcBef>
+              <a:spcAft>
+                <a:spcPts val="0"/>
+              </a:spcAft>
+              <a:buClr>
+                <a:srgbClr val="000000"/>
+              </a:buClr>
+              <a:buSzPts val="1200"/>
+              <a:buFont typeface="Arial"/>
+              <a:buNone/>
+            </a:pPr>
+            <a:fld id="{00000000-1234-1234-1234-123412341234}" type="slidenum">
+              <a:rPr lang="en-US"/>
+              <a:t>‹#›</a:t>
+            </a:fld>
+            <a:endParaRPr/>
+          </a:p>
+        </p:txBody>
+      </p:sp>
+    </p:spTree>
+  </p:cSld>
+  <p:clrMapOvr>
+    <a:masterClrMapping/>
+  </p:clrMapOvr>
+</p:notes>
+</file>
+
+<file path=ppt/notesSlides/notesSlide14.xml><?xml version="1.0" encoding="utf-8"?>
+<p:notes xmlns:a="http://schemas.openxmlformats.org/drawingml/2006/main" xmlns:r="http://schemas.openxmlformats.org/officeDocument/2006/relationships" xmlns:mc="http://schemas.openxmlformats.org/markup-compatibility/2006" xmlns:mv="urn:schemas-microsoft-com:mac:vml" xmlns:p="http://schemas.openxmlformats.org/presentationml/2006/main" xmlns:c="http://schemas.openxmlformats.org/drawingml/2006/chart" xmlns:dgm="http://schemas.openxmlformats.org/drawingml/2006/diagram" xmlns:o="urn:schemas-microsoft-com:office:office" xmlns:v="urn:schemas-microsoft-com:vml" xmlns:pvml="urn:schemas-microsoft-com:office:powerpoint" xmlns:com="http://schemas.openxmlformats.org/drawingml/2006/compatibility" xmlns:p14="http://schemas.microsoft.com/office/powerpoint/2010/main" xmlns:p15="http://schemas.microsoft.com/office/powerpoint/2012/main" xmlns:ahyp="http://schemas.microsoft.com/office/drawing/2018/hyperlinkcolor" showMasterPhAnim="0" showMasterSp="0">
+  <p:cSld>
+    <p:spTree>
+      <p:nvGrpSpPr>
+        <p:cNvPr id="208" name="Shape 208"/>
+        <p:cNvGrpSpPr/>
+        <p:nvPr/>
+      </p:nvGrpSpPr>
+      <p:grpSpPr>
+        <a:xfrm>
+          <a:off x="0" y="0"/>
+          <a:ext cx="0" cy="0"/>
+          <a:chOff x="0" y="0"/>
+          <a:chExt cx="0" cy="0"/>
+        </a:xfrm>
+      </p:grpSpPr>
+      <p:sp>
+        <p:nvSpPr>
+          <p:cNvPr id="209" name="Google Shape;209;g1f4e2c1751e_1_55:notes"/>
           <p:cNvSpPr/>
           <p:nvPr>
             <p:ph idx="2" type="sldImg"/>
@@ -2748,7 +3106,7 @@
       </p:sp>
       <p:sp>
         <p:nvSpPr>
-          <p:cNvPr id="206" name="Google Shape;206;p2:notes"/>
+          <p:cNvPr id="210" name="Google Shape;210;g1f4e2c1751e_1_55:notes"/>
           <p:cNvSpPr txBox="1"/>
           <p:nvPr>
             <p:ph idx="1" type="body"/>
@@ -2757,7 +3115,7 @@
         <p:spPr>
           <a:xfrm>
             <a:off x="685800" y="4400550"/>
-            <a:ext cx="5486400" cy="3600450"/>
+            <a:ext cx="5486400" cy="3600600"/>
           </a:xfrm>
           <a:prstGeom prst="rect">
             <a:avLst/>
@@ -2773,80 +3131,21 @@
           </a:bodyPr>
           <a:lstStyle/>
           <a:p>
-            <a:pPr indent="-228600" lvl="0" marL="457200" marR="0" rtl="0" algn="l">
-              <a:lnSpc>
-                <a:spcPct val="100000"/>
-              </a:lnSpc>
-              <a:spcBef>
-                <a:spcPts val="0"/>
-              </a:spcBef>
-              <a:spcAft>
-                <a:spcPts val="0"/>
-              </a:spcAft>
-              <a:buClr>
-                <a:srgbClr val="000000"/>
-              </a:buClr>
-              <a:buSzPts val="1400"/>
-              <a:buFont typeface="Arial"/>
+            <a:pPr indent="0" lvl="0" marL="0" rtl="0" algn="l">
+              <a:lnSpc>
+                <a:spcPct val="100000"/>
+              </a:lnSpc>
+              <a:spcBef>
+                <a:spcPts val="0"/>
+              </a:spcBef>
+              <a:spcAft>
+                <a:spcPts val="0"/>
+              </a:spcAft>
+              <a:buSzPts val="1400"/>
               <a:buNone/>
             </a:pPr>
             <a:r>
-              <a:rPr lang="en-US"/>
-              <a:t>a 4 point increase in the incidence per capita is associated with a 1 percent increase in mask usage </a:t>
-            </a:r>
-            <a:endParaRPr/>
-          </a:p>
-          <a:p>
-            <a:pPr indent="-228600" lvl="0" marL="457200" marR="0" rtl="0" algn="l">
-              <a:lnSpc>
-                <a:spcPct val="100000"/>
-              </a:lnSpc>
-              <a:spcBef>
-                <a:spcPts val="0"/>
-              </a:spcBef>
-              <a:spcAft>
-                <a:spcPts val="0"/>
-              </a:spcAft>
-              <a:buClr>
-                <a:srgbClr val="000000"/>
-              </a:buClr>
-              <a:buSzPts val="1400"/>
-              <a:buFont typeface="Arial"/>
-              <a:buNone/>
-            </a:pPr>
-            <a:r>
-              <a:rPr lang="en-US"/>
-              <a:t> </a:t>
-            </a:r>
-            <a:endParaRPr/>
-          </a:p>
-          <a:p>
-            <a:pPr indent="-228600" lvl="0" marL="457200" marR="0" rtl="0" algn="l">
-              <a:lnSpc>
-                <a:spcPct val="100000"/>
-              </a:lnSpc>
-              <a:spcBef>
-                <a:spcPts val="0"/>
-              </a:spcBef>
-              <a:spcAft>
-                <a:spcPts val="0"/>
-              </a:spcAft>
-              <a:buClr>
-                <a:srgbClr val="000000"/>
-              </a:buClr>
-              <a:buSzPts val="1400"/>
-              <a:buFont typeface="Arial"/>
-              <a:buNone/>
-            </a:pPr>
-            <a:r>
-              <a:rPr lang="en-US">
-                <a:extLst>
-                  <a:ext uri="http://customooxmlschemas.google.com/">
-                    <go:slidesCustomData xmlns:go="http://customooxmlschemas.google.com/" textRoundtripDataId="9"/>
-                  </a:ext>
-                </a:extLst>
-              </a:rPr>
-              <a:t>AD- Regardless of party affiliation, there are no statistically significant differences in response. However the level of mask use is different. </a:t>
+              <a:t/>
             </a:r>
             <a:endParaRPr/>
           </a:p>
@@ -2854,7 +3153,7 @@
       </p:sp>
       <p:sp>
         <p:nvSpPr>
-          <p:cNvPr id="207" name="Google Shape;207;p2:notes"/>
+          <p:cNvPr id="211" name="Google Shape;211;g1f4e2c1751e_1_55:notes"/>
           <p:cNvSpPr txBox="1"/>
           <p:nvPr>
             <p:ph idx="12" type="sldNum"/>
@@ -2863,7 +3162,7 @@
         <p:spPr>
           <a:xfrm>
             <a:off x="3884613" y="8685213"/>
-            <a:ext cx="2971800" cy="458787"/>
+            <a:ext cx="2971800" cy="458700"/>
           </a:xfrm>
           <a:prstGeom prst="rect">
             <a:avLst/>
@@ -2879,171 +3178,10 @@
           </a:bodyPr>
           <a:lstStyle/>
           <a:p>
-            <a:pPr indent="0" lvl="0" marL="0" marR="0" rtl="0" algn="r">
-              <a:lnSpc>
-                <a:spcPct val="100000"/>
-              </a:lnSpc>
-              <a:spcBef>
-                <a:spcPts val="0"/>
-              </a:spcBef>
-              <a:spcAft>
-                <a:spcPts val="0"/>
-              </a:spcAft>
-              <a:buClr>
-                <a:srgbClr val="000000"/>
-              </a:buClr>
-              <a:buSzPts val="1200"/>
-              <a:buFont typeface="Arial"/>
-              <a:buNone/>
-            </a:pPr>
-            <a:fld id="{00000000-1234-1234-1234-123412341234}" type="slidenum">
-              <a:rPr b="0" i="0" lang="en-US" sz="1200" u="none" cap="none" strike="noStrike">
-                <a:solidFill>
-                  <a:schemeClr val="dk1"/>
-                </a:solidFill>
-                <a:latin typeface="Calibri"/>
-                <a:ea typeface="Calibri"/>
-                <a:cs typeface="Calibri"/>
-                <a:sym typeface="Calibri"/>
-              </a:rPr>
-              <a:t>‹#›</a:t>
-            </a:fld>
-            <a:endParaRPr b="0" i="0" sz="1200" u="none" cap="none" strike="noStrike">
-              <a:solidFill>
-                <a:schemeClr val="dk1"/>
-              </a:solidFill>
-              <a:latin typeface="Calibri"/>
-              <a:ea typeface="Calibri"/>
-              <a:cs typeface="Calibri"/>
-              <a:sym typeface="Calibri"/>
-            </a:endParaRPr>
-          </a:p>
-        </p:txBody>
-      </p:sp>
-    </p:spTree>
-  </p:cSld>
-  <p:clrMapOvr>
-    <a:masterClrMapping/>
-  </p:clrMapOvr>
-</p:notes>
-</file>
-
-<file path=ppt/notesSlides/notesSlide15.xml><?xml version="1.0" encoding="utf-8"?>
-<p:notes xmlns:a="http://schemas.openxmlformats.org/drawingml/2006/main" xmlns:r="http://schemas.openxmlformats.org/officeDocument/2006/relationships" xmlns:mc="http://schemas.openxmlformats.org/markup-compatibility/2006" xmlns:mv="urn:schemas-microsoft-com:mac:vml" xmlns:p="http://schemas.openxmlformats.org/presentationml/2006/main" xmlns:c="http://schemas.openxmlformats.org/drawingml/2006/chart" xmlns:dgm="http://schemas.openxmlformats.org/drawingml/2006/diagram" xmlns:o="urn:schemas-microsoft-com:office:office" xmlns:v="urn:schemas-microsoft-com:vml" xmlns:pvml="urn:schemas-microsoft-com:office:powerpoint" xmlns:com="http://schemas.openxmlformats.org/drawingml/2006/compatibility" xmlns:p14="http://schemas.microsoft.com/office/powerpoint/2010/main" xmlns:p15="http://schemas.microsoft.com/office/powerpoint/2012/main" xmlns:ahyp="http://schemas.microsoft.com/office/drawing/2018/hyperlinkcolor" showMasterPhAnim="0" showMasterSp="0">
-  <p:cSld>
-    <p:spTree>
-      <p:nvGrpSpPr>
-        <p:cNvPr id="214" name="Shape 214"/>
-        <p:cNvGrpSpPr/>
-        <p:nvPr/>
-      </p:nvGrpSpPr>
-      <p:grpSpPr>
-        <a:xfrm>
-          <a:off x="0" y="0"/>
-          <a:ext cx="0" cy="0"/>
-          <a:chOff x="0" y="0"/>
-          <a:chExt cx="0" cy="0"/>
-        </a:xfrm>
-      </p:grpSpPr>
-      <p:sp>
-        <p:nvSpPr>
-          <p:cNvPr id="215" name="Google Shape;215;g2c850703521_0_20:notes"/>
-          <p:cNvSpPr/>
-          <p:nvPr>
-            <p:ph idx="2" type="sldImg"/>
-          </p:nvPr>
-        </p:nvSpPr>
-        <p:spPr>
-          <a:xfrm>
-            <a:off x="685800" y="1143000"/>
-            <a:ext cx="5486400" cy="3086100"/>
-          </a:xfrm>
-          <a:custGeom>
-            <a:rect b="b" l="l" r="r" t="t"/>
-            <a:pathLst>
-              <a:path extrusionOk="0" h="120000" w="120000">
-                <a:moveTo>
-                  <a:pt x="0" y="0"/>
-                </a:moveTo>
-                <a:lnTo>
-                  <a:pt x="120000" y="0"/>
-                </a:lnTo>
-                <a:lnTo>
-                  <a:pt x="120000" y="120000"/>
-                </a:lnTo>
-                <a:lnTo>
-                  <a:pt x="0" y="120000"/>
-                </a:lnTo>
-                <a:close/>
-              </a:path>
-            </a:pathLst>
-          </a:custGeom>
-        </p:spPr>
-      </p:sp>
-      <p:sp>
-        <p:nvSpPr>
-          <p:cNvPr id="216" name="Google Shape;216;g2c850703521_0_20:notes"/>
-          <p:cNvSpPr txBox="1"/>
-          <p:nvPr>
-            <p:ph idx="1" type="body"/>
-          </p:nvPr>
-        </p:nvSpPr>
-        <p:spPr>
-          <a:xfrm>
-            <a:off x="685800" y="4400550"/>
-            <a:ext cx="5486400" cy="3600600"/>
-          </a:xfrm>
-          <a:prstGeom prst="rect">
-            <a:avLst/>
-          </a:prstGeom>
-        </p:spPr>
-        <p:txBody>
-          <a:bodyPr anchorCtr="0" anchor="t" bIns="45700" lIns="91425" spcFirstLastPara="1" rIns="91425" wrap="square" tIns="45700">
-            <a:noAutofit/>
-          </a:bodyPr>
-          <a:lstStyle/>
-          <a:p>
-            <a:pPr indent="0" lvl="0" marL="0" rtl="0" algn="l">
-              <a:spcBef>
-                <a:spcPts val="0"/>
-              </a:spcBef>
-              <a:spcAft>
-                <a:spcPts val="0"/>
-              </a:spcAft>
-              <a:buNone/>
-            </a:pPr>
-            <a:r>
-              <a:rPr lang="en-US"/>
-              <a:t>Mention that this is different from Baxter</a:t>
-            </a:r>
-            <a:endParaRPr/>
-          </a:p>
-        </p:txBody>
-      </p:sp>
-      <p:sp>
-        <p:nvSpPr>
-          <p:cNvPr id="217" name="Google Shape;217;g2c850703521_0_20:notes"/>
-          <p:cNvSpPr txBox="1"/>
-          <p:nvPr>
-            <p:ph idx="12" type="sldNum"/>
-          </p:nvPr>
-        </p:nvSpPr>
-        <p:spPr>
-          <a:xfrm>
-            <a:off x="3884613" y="8685213"/>
-            <a:ext cx="2971800" cy="458700"/>
-          </a:xfrm>
-          <a:prstGeom prst="rect">
-            <a:avLst/>
-          </a:prstGeom>
-        </p:spPr>
-        <p:txBody>
-          <a:bodyPr anchorCtr="0" anchor="b" bIns="45700" lIns="91425" spcFirstLastPara="1" rIns="91425" wrap="square" tIns="45700">
-            <a:noAutofit/>
-          </a:bodyPr>
-          <a:lstStyle/>
-          <a:p>
             <a:pPr indent="0" lvl="0" marL="0" rtl="0" algn="r">
+              <a:lnSpc>
+                <a:spcPct val="100000"/>
+              </a:lnSpc>
               <a:spcBef>
                 <a:spcPts val="0"/>
               </a:spcBef>
@@ -3073,12 +3211,12 @@
 </p:notes>
 </file>
 
-<file path=ppt/notesSlides/notesSlide16.xml><?xml version="1.0" encoding="utf-8"?>
+<file path=ppt/notesSlides/notesSlide15.xml><?xml version="1.0" encoding="utf-8"?>
 <p:notes xmlns:a="http://schemas.openxmlformats.org/drawingml/2006/main" xmlns:r="http://schemas.openxmlformats.org/officeDocument/2006/relationships" xmlns:mc="http://schemas.openxmlformats.org/markup-compatibility/2006" xmlns:mv="urn:schemas-microsoft-com:mac:vml" xmlns:p="http://schemas.openxmlformats.org/presentationml/2006/main" xmlns:c="http://schemas.openxmlformats.org/drawingml/2006/chart" xmlns:dgm="http://schemas.openxmlformats.org/drawingml/2006/diagram" xmlns:o="urn:schemas-microsoft-com:office:office" xmlns:v="urn:schemas-microsoft-com:vml" xmlns:pvml="urn:schemas-microsoft-com:office:powerpoint" xmlns:com="http://schemas.openxmlformats.org/drawingml/2006/compatibility" xmlns:p14="http://schemas.microsoft.com/office/powerpoint/2010/main" xmlns:p15="http://schemas.microsoft.com/office/powerpoint/2012/main" xmlns:ahyp="http://schemas.microsoft.com/office/drawing/2018/hyperlinkcolor" showMasterPhAnim="0" showMasterSp="0">
   <p:cSld>
     <p:spTree>
       <p:nvGrpSpPr>
-        <p:cNvPr id="223" name="Shape 223"/>
+        <p:cNvPr id="218" name="Shape 218"/>
         <p:cNvGrpSpPr/>
         <p:nvPr/>
       </p:nvGrpSpPr>
@@ -3092,7 +3230,7 @@
       </p:grpSpPr>
       <p:sp>
         <p:nvSpPr>
-          <p:cNvPr id="224" name="Google Shape;224;g1f4e2c1751e_1_28:notes"/>
+          <p:cNvPr id="219" name="Google Shape;219;p2:notes"/>
           <p:cNvSpPr/>
           <p:nvPr>
             <p:ph idx="2" type="sldImg"/>
@@ -3137,7 +3275,7 @@
       </p:sp>
       <p:sp>
         <p:nvSpPr>
-          <p:cNvPr id="225" name="Google Shape;225;g1f4e2c1751e_1_28:notes"/>
+          <p:cNvPr id="220" name="Google Shape;220;p2:notes"/>
           <p:cNvSpPr txBox="1"/>
           <p:nvPr>
             <p:ph idx="1" type="body"/>
@@ -3146,7 +3284,7 @@
         <p:spPr>
           <a:xfrm>
             <a:off x="685800" y="4400550"/>
-            <a:ext cx="5486400" cy="3600600"/>
+            <a:ext cx="5486400" cy="3600450"/>
           </a:xfrm>
           <a:prstGeom prst="rect">
             <a:avLst/>
@@ -3162,21 +3300,80 @@
           </a:bodyPr>
           <a:lstStyle/>
           <a:p>
-            <a:pPr indent="0" lvl="0" marL="0" rtl="0" algn="l">
-              <a:lnSpc>
-                <a:spcPct val="100000"/>
-              </a:lnSpc>
-              <a:spcBef>
-                <a:spcPts val="0"/>
-              </a:spcBef>
-              <a:spcAft>
-                <a:spcPts val="0"/>
-              </a:spcAft>
-              <a:buSzPts val="1400"/>
+            <a:pPr indent="-228600" lvl="0" marL="457200" marR="0" rtl="0" algn="l">
+              <a:lnSpc>
+                <a:spcPct val="100000"/>
+              </a:lnSpc>
+              <a:spcBef>
+                <a:spcPts val="0"/>
+              </a:spcBef>
+              <a:spcAft>
+                <a:spcPts val="0"/>
+              </a:spcAft>
+              <a:buClr>
+                <a:srgbClr val="000000"/>
+              </a:buClr>
+              <a:buSzPts val="1400"/>
+              <a:buFont typeface="Arial"/>
               <a:buNone/>
             </a:pPr>
             <a:r>
-              <a:t/>
+              <a:rPr lang="en-US"/>
+              <a:t>a 4 point increase in the incidence per capita is associated with a 1 percent increase in mask usage </a:t>
+            </a:r>
+            <a:endParaRPr/>
+          </a:p>
+          <a:p>
+            <a:pPr indent="-228600" lvl="0" marL="457200" marR="0" rtl="0" algn="l">
+              <a:lnSpc>
+                <a:spcPct val="100000"/>
+              </a:lnSpc>
+              <a:spcBef>
+                <a:spcPts val="0"/>
+              </a:spcBef>
+              <a:spcAft>
+                <a:spcPts val="0"/>
+              </a:spcAft>
+              <a:buClr>
+                <a:srgbClr val="000000"/>
+              </a:buClr>
+              <a:buSzPts val="1400"/>
+              <a:buFont typeface="Arial"/>
+              <a:buNone/>
+            </a:pPr>
+            <a:r>
+              <a:rPr lang="en-US"/>
+              <a:t> </a:t>
+            </a:r>
+            <a:endParaRPr/>
+          </a:p>
+          <a:p>
+            <a:pPr indent="-228600" lvl="0" marL="457200" marR="0" rtl="0" algn="l">
+              <a:lnSpc>
+                <a:spcPct val="100000"/>
+              </a:lnSpc>
+              <a:spcBef>
+                <a:spcPts val="0"/>
+              </a:spcBef>
+              <a:spcAft>
+                <a:spcPts val="0"/>
+              </a:spcAft>
+              <a:buClr>
+                <a:srgbClr val="000000"/>
+              </a:buClr>
+              <a:buSzPts val="1400"/>
+              <a:buFont typeface="Arial"/>
+              <a:buNone/>
+            </a:pPr>
+            <a:r>
+              <a:rPr lang="en-US">
+                <a:extLst>
+                  <a:ext uri="http://customooxmlschemas.google.com/">
+                    <go:slidesCustomData xmlns:go="http://customooxmlschemas.google.com/" textRoundtripDataId="10"/>
+                  </a:ext>
+                </a:extLst>
+              </a:rPr>
+              <a:t>AD- Regardless of party affiliation, there are no statistically significant differences in response. However the level of mask use is different. </a:t>
             </a:r>
             <a:endParaRPr/>
           </a:p>
@@ -3184,7 +3381,7 @@
       </p:sp>
       <p:sp>
         <p:nvSpPr>
-          <p:cNvPr id="226" name="Google Shape;226;g1f4e2c1751e_1_28:notes"/>
+          <p:cNvPr id="221" name="Google Shape;221;p2:notes"/>
           <p:cNvSpPr txBox="1"/>
           <p:nvPr>
             <p:ph idx="12" type="sldNum"/>
@@ -3193,7 +3390,7 @@
         <p:spPr>
           <a:xfrm>
             <a:off x="3884613" y="8685213"/>
-            <a:ext cx="2971800" cy="458700"/>
+            <a:ext cx="2971800" cy="458787"/>
           </a:xfrm>
           <a:prstGeom prst="rect">
             <a:avLst/>
@@ -3209,7 +3406,7 @@
           </a:bodyPr>
           <a:lstStyle/>
           <a:p>
-            <a:pPr indent="0" lvl="0" marL="0" rtl="0" algn="r">
+            <a:pPr indent="0" lvl="0" marL="0" marR="0" rtl="0" algn="r">
               <a:lnSpc>
                 <a:spcPct val="100000"/>
               </a:lnSpc>
@@ -3227,10 +3424,26 @@
               <a:buNone/>
             </a:pPr>
             <a:fld id="{00000000-1234-1234-1234-123412341234}" type="slidenum">
-              <a:rPr lang="en-US"/>
+              <a:rPr b="0" i="0" lang="en-US" sz="1200" u="none" cap="none" strike="noStrike">
+                <a:solidFill>
+                  <a:schemeClr val="dk1"/>
+                </a:solidFill>
+                <a:latin typeface="Calibri"/>
+                <a:ea typeface="Calibri"/>
+                <a:cs typeface="Calibri"/>
+                <a:sym typeface="Calibri"/>
+              </a:rPr>
               <a:t>‹#›</a:t>
             </a:fld>
-            <a:endParaRPr/>
+            <a:endParaRPr b="0" i="0" sz="1200" u="none" cap="none" strike="noStrike">
+              <a:solidFill>
+                <a:schemeClr val="dk1"/>
+              </a:solidFill>
+              <a:latin typeface="Calibri"/>
+              <a:ea typeface="Calibri"/>
+              <a:cs typeface="Calibri"/>
+              <a:sym typeface="Calibri"/>
+            </a:endParaRPr>
           </a:p>
         </p:txBody>
       </p:sp>
@@ -3242,12 +3455,12 @@
 </p:notes>
 </file>
 
-<file path=ppt/notesSlides/notesSlide17.xml><?xml version="1.0" encoding="utf-8"?>
+<file path=ppt/notesSlides/notesSlide16.xml><?xml version="1.0" encoding="utf-8"?>
 <p:notes xmlns:a="http://schemas.openxmlformats.org/drawingml/2006/main" xmlns:r="http://schemas.openxmlformats.org/officeDocument/2006/relationships" xmlns:mc="http://schemas.openxmlformats.org/markup-compatibility/2006" xmlns:mv="urn:schemas-microsoft-com:mac:vml" xmlns:p="http://schemas.openxmlformats.org/presentationml/2006/main" xmlns:c="http://schemas.openxmlformats.org/drawingml/2006/chart" xmlns:dgm="http://schemas.openxmlformats.org/drawingml/2006/diagram" xmlns:o="urn:schemas-microsoft-com:office:office" xmlns:v="urn:schemas-microsoft-com:vml" xmlns:pvml="urn:schemas-microsoft-com:office:powerpoint" xmlns:com="http://schemas.openxmlformats.org/drawingml/2006/compatibility" xmlns:p14="http://schemas.microsoft.com/office/powerpoint/2010/main" xmlns:p15="http://schemas.microsoft.com/office/powerpoint/2012/main" xmlns:ahyp="http://schemas.microsoft.com/office/drawing/2018/hyperlinkcolor" showMasterPhAnim="0" showMasterSp="0">
   <p:cSld>
     <p:spTree>
       <p:nvGrpSpPr>
-        <p:cNvPr id="233" name="Shape 233"/>
+        <p:cNvPr id="228" name="Shape 228"/>
         <p:cNvGrpSpPr/>
         <p:nvPr/>
       </p:nvGrpSpPr>
@@ -3261,7 +3474,7 @@
       </p:grpSpPr>
       <p:sp>
         <p:nvSpPr>
-          <p:cNvPr id="234" name="Google Shape;234;g2c881aa0dd9_2_5:notes"/>
+          <p:cNvPr id="229" name="Google Shape;229;g2c850703521_0_20:notes"/>
           <p:cNvSpPr/>
           <p:nvPr>
             <p:ph idx="2" type="sldImg"/>
@@ -3296,7 +3509,7 @@
       </p:sp>
       <p:sp>
         <p:nvSpPr>
-          <p:cNvPr id="235" name="Google Shape;235;g2c881aa0dd9_2_5:notes"/>
+          <p:cNvPr id="230" name="Google Shape;230;g2c850703521_0_20:notes"/>
           <p:cNvSpPr txBox="1"/>
           <p:nvPr>
             <p:ph idx="1" type="body"/>
@@ -3327,7 +3540,8 @@
               <a:buNone/>
             </a:pPr>
             <a:r>
-              <a:t/>
+              <a:rPr lang="en-US"/>
+              <a:t>Mention that this is different from Baxter</a:t>
             </a:r>
             <a:endParaRPr/>
           </a:p>
@@ -3335,7 +3549,7 @@
       </p:sp>
       <p:sp>
         <p:nvSpPr>
-          <p:cNvPr id="236" name="Google Shape;236;g2c881aa0dd9_2_5:notes"/>
+          <p:cNvPr id="231" name="Google Shape;231;g2c850703521_0_20:notes"/>
           <p:cNvSpPr txBox="1"/>
           <p:nvPr>
             <p:ph idx="12" type="sldNum"/>
@@ -3386,12 +3600,12 @@
 </p:notes>
 </file>
 
-<file path=ppt/notesSlides/notesSlide18.xml><?xml version="1.0" encoding="utf-8"?>
+<file path=ppt/notesSlides/notesSlide17.xml><?xml version="1.0" encoding="utf-8"?>
 <p:notes xmlns:a="http://schemas.openxmlformats.org/drawingml/2006/main" xmlns:r="http://schemas.openxmlformats.org/officeDocument/2006/relationships" xmlns:mc="http://schemas.openxmlformats.org/markup-compatibility/2006" xmlns:mv="urn:schemas-microsoft-com:mac:vml" xmlns:p="http://schemas.openxmlformats.org/presentationml/2006/main" xmlns:c="http://schemas.openxmlformats.org/drawingml/2006/chart" xmlns:dgm="http://schemas.openxmlformats.org/drawingml/2006/diagram" xmlns:o="urn:schemas-microsoft-com:office:office" xmlns:v="urn:schemas-microsoft-com:vml" xmlns:pvml="urn:schemas-microsoft-com:office:powerpoint" xmlns:com="http://schemas.openxmlformats.org/drawingml/2006/compatibility" xmlns:p14="http://schemas.microsoft.com/office/powerpoint/2010/main" xmlns:p15="http://schemas.microsoft.com/office/powerpoint/2012/main" xmlns:ahyp="http://schemas.microsoft.com/office/drawing/2018/hyperlinkcolor" showMasterPhAnim="0" showMasterSp="0">
   <p:cSld>
     <p:spTree>
       <p:nvGrpSpPr>
-        <p:cNvPr id="243" name="Shape 243"/>
+        <p:cNvPr id="237" name="Shape 237"/>
         <p:cNvGrpSpPr/>
         <p:nvPr/>
       </p:nvGrpSpPr>
@@ -3405,7 +3619,7 @@
       </p:grpSpPr>
       <p:sp>
         <p:nvSpPr>
-          <p:cNvPr id="244" name="Google Shape;244;g2c850703521_0_50:notes"/>
+          <p:cNvPr id="238" name="Google Shape;238;g1f4e2c1751e_1_28:notes"/>
           <p:cNvSpPr/>
           <p:nvPr>
             <p:ph idx="2" type="sldImg"/>
@@ -3450,7 +3664,7 @@
       </p:sp>
       <p:sp>
         <p:nvSpPr>
-          <p:cNvPr id="245" name="Google Shape;245;g2c850703521_0_50:notes"/>
+          <p:cNvPr id="239" name="Google Shape;239;g1f4e2c1751e_1_28:notes"/>
           <p:cNvSpPr txBox="1"/>
           <p:nvPr>
             <p:ph idx="1" type="body"/>
@@ -3489,7 +3703,8 @@
               <a:buNone/>
             </a:pPr>
             <a:r>
-              <a:t/>
+              <a:rPr lang="en-US"/>
+              <a:t>How is vaccination defined? At least one dose?</a:t>
             </a:r>
             <a:endParaRPr/>
           </a:p>
@@ -3497,7 +3712,7 @@
       </p:sp>
       <p:sp>
         <p:nvSpPr>
-          <p:cNvPr id="246" name="Google Shape;246;g2c850703521_0_50:notes"/>
+          <p:cNvPr id="240" name="Google Shape;240;g1f4e2c1751e_1_28:notes"/>
           <p:cNvSpPr txBox="1"/>
           <p:nvPr>
             <p:ph idx="12" type="sldNum"/>
@@ -3555,12 +3770,12 @@
 </p:notes>
 </file>
 
-<file path=ppt/notesSlides/notesSlide19.xml><?xml version="1.0" encoding="utf-8"?>
+<file path=ppt/notesSlides/notesSlide18.xml><?xml version="1.0" encoding="utf-8"?>
 <p:notes xmlns:a="http://schemas.openxmlformats.org/drawingml/2006/main" xmlns:r="http://schemas.openxmlformats.org/officeDocument/2006/relationships" xmlns:mc="http://schemas.openxmlformats.org/markup-compatibility/2006" xmlns:mv="urn:schemas-microsoft-com:mac:vml" xmlns:p="http://schemas.openxmlformats.org/presentationml/2006/main" xmlns:c="http://schemas.openxmlformats.org/drawingml/2006/chart" xmlns:dgm="http://schemas.openxmlformats.org/drawingml/2006/diagram" xmlns:o="urn:schemas-microsoft-com:office:office" xmlns:v="urn:schemas-microsoft-com:vml" xmlns:pvml="urn:schemas-microsoft-com:office:powerpoint" xmlns:com="http://schemas.openxmlformats.org/drawingml/2006/compatibility" xmlns:p14="http://schemas.microsoft.com/office/powerpoint/2010/main" xmlns:p15="http://schemas.microsoft.com/office/powerpoint/2012/main" xmlns:ahyp="http://schemas.microsoft.com/office/drawing/2018/hyperlinkcolor" showMasterPhAnim="0" showMasterSp="0">
   <p:cSld>
     <p:spTree>
       <p:nvGrpSpPr>
-        <p:cNvPr id="250" name="Shape 250"/>
+        <p:cNvPr id="247" name="Shape 247"/>
         <p:cNvGrpSpPr/>
         <p:nvPr/>
       </p:nvGrpSpPr>
@@ -3574,7 +3789,151 @@
       </p:grpSpPr>
       <p:sp>
         <p:nvSpPr>
-          <p:cNvPr id="251" name="Google Shape;251;g2c5aae000b7_0_0:notes"/>
+          <p:cNvPr id="248" name="Google Shape;248;g2c881aa0dd9_2_5:notes"/>
+          <p:cNvSpPr/>
+          <p:nvPr>
+            <p:ph idx="2" type="sldImg"/>
+          </p:nvPr>
+        </p:nvSpPr>
+        <p:spPr>
+          <a:xfrm>
+            <a:off x="685800" y="1143000"/>
+            <a:ext cx="5486400" cy="3086100"/>
+          </a:xfrm>
+          <a:custGeom>
+            <a:rect b="b" l="l" r="r" t="t"/>
+            <a:pathLst>
+              <a:path extrusionOk="0" h="120000" w="120000">
+                <a:moveTo>
+                  <a:pt x="0" y="0"/>
+                </a:moveTo>
+                <a:lnTo>
+                  <a:pt x="120000" y="0"/>
+                </a:lnTo>
+                <a:lnTo>
+                  <a:pt x="120000" y="120000"/>
+                </a:lnTo>
+                <a:lnTo>
+                  <a:pt x="0" y="120000"/>
+                </a:lnTo>
+                <a:close/>
+              </a:path>
+            </a:pathLst>
+          </a:custGeom>
+        </p:spPr>
+      </p:sp>
+      <p:sp>
+        <p:nvSpPr>
+          <p:cNvPr id="249" name="Google Shape;249;g2c881aa0dd9_2_5:notes"/>
+          <p:cNvSpPr txBox="1"/>
+          <p:nvPr>
+            <p:ph idx="1" type="body"/>
+          </p:nvPr>
+        </p:nvSpPr>
+        <p:spPr>
+          <a:xfrm>
+            <a:off x="685800" y="4400550"/>
+            <a:ext cx="5486400" cy="3600600"/>
+          </a:xfrm>
+          <a:prstGeom prst="rect">
+            <a:avLst/>
+          </a:prstGeom>
+        </p:spPr>
+        <p:txBody>
+          <a:bodyPr anchorCtr="0" anchor="t" bIns="45700" lIns="91425" spcFirstLastPara="1" rIns="91425" wrap="square" tIns="45700">
+            <a:noAutofit/>
+          </a:bodyPr>
+          <a:lstStyle/>
+          <a:p>
+            <a:pPr indent="0" lvl="0" marL="0" rtl="0" algn="l">
+              <a:spcBef>
+                <a:spcPts val="0"/>
+              </a:spcBef>
+              <a:spcAft>
+                <a:spcPts val="0"/>
+              </a:spcAft>
+              <a:buNone/>
+            </a:pPr>
+            <a:r>
+              <a:t/>
+            </a:r>
+            <a:endParaRPr/>
+          </a:p>
+        </p:txBody>
+      </p:sp>
+      <p:sp>
+        <p:nvSpPr>
+          <p:cNvPr id="250" name="Google Shape;250;g2c881aa0dd9_2_5:notes"/>
+          <p:cNvSpPr txBox="1"/>
+          <p:nvPr>
+            <p:ph idx="12" type="sldNum"/>
+          </p:nvPr>
+        </p:nvSpPr>
+        <p:spPr>
+          <a:xfrm>
+            <a:off x="3884613" y="8685213"/>
+            <a:ext cx="2971800" cy="458700"/>
+          </a:xfrm>
+          <a:prstGeom prst="rect">
+            <a:avLst/>
+          </a:prstGeom>
+        </p:spPr>
+        <p:txBody>
+          <a:bodyPr anchorCtr="0" anchor="b" bIns="45700" lIns="91425" spcFirstLastPara="1" rIns="91425" wrap="square" tIns="45700">
+            <a:noAutofit/>
+          </a:bodyPr>
+          <a:lstStyle/>
+          <a:p>
+            <a:pPr indent="0" lvl="0" marL="0" rtl="0" algn="r">
+              <a:spcBef>
+                <a:spcPts val="0"/>
+              </a:spcBef>
+              <a:spcAft>
+                <a:spcPts val="0"/>
+              </a:spcAft>
+              <a:buClr>
+                <a:srgbClr val="000000"/>
+              </a:buClr>
+              <a:buSzPts val="1200"/>
+              <a:buFont typeface="Arial"/>
+              <a:buNone/>
+            </a:pPr>
+            <a:fld id="{00000000-1234-1234-1234-123412341234}" type="slidenum">
+              <a:rPr lang="en-US"/>
+              <a:t>‹#›</a:t>
+            </a:fld>
+            <a:endParaRPr/>
+          </a:p>
+        </p:txBody>
+      </p:sp>
+    </p:spTree>
+  </p:cSld>
+  <p:clrMapOvr>
+    <a:masterClrMapping/>
+  </p:clrMapOvr>
+</p:notes>
+</file>
+
+<file path=ppt/notesSlides/notesSlide19.xml><?xml version="1.0" encoding="utf-8"?>
+<p:notes xmlns:a="http://schemas.openxmlformats.org/drawingml/2006/main" xmlns:r="http://schemas.openxmlformats.org/officeDocument/2006/relationships" xmlns:mc="http://schemas.openxmlformats.org/markup-compatibility/2006" xmlns:mv="urn:schemas-microsoft-com:mac:vml" xmlns:p="http://schemas.openxmlformats.org/presentationml/2006/main" xmlns:c="http://schemas.openxmlformats.org/drawingml/2006/chart" xmlns:dgm="http://schemas.openxmlformats.org/drawingml/2006/diagram" xmlns:o="urn:schemas-microsoft-com:office:office" xmlns:v="urn:schemas-microsoft-com:vml" xmlns:pvml="urn:schemas-microsoft-com:office:powerpoint" xmlns:com="http://schemas.openxmlformats.org/drawingml/2006/compatibility" xmlns:p14="http://schemas.microsoft.com/office/powerpoint/2010/main" xmlns:p15="http://schemas.microsoft.com/office/powerpoint/2012/main" xmlns:ahyp="http://schemas.microsoft.com/office/drawing/2018/hyperlinkcolor" showMasterPhAnim="0" showMasterSp="0">
+  <p:cSld>
+    <p:spTree>
+      <p:nvGrpSpPr>
+        <p:cNvPr id="257" name="Shape 257"/>
+        <p:cNvGrpSpPr/>
+        <p:nvPr/>
+      </p:nvGrpSpPr>
+      <p:grpSpPr>
+        <a:xfrm>
+          <a:off x="0" y="0"/>
+          <a:ext cx="0" cy="0"/>
+          <a:chOff x="0" y="0"/>
+          <a:chExt cx="0" cy="0"/>
+        </a:xfrm>
+      </p:grpSpPr>
+      <p:sp>
+        <p:nvSpPr>
+          <p:cNvPr id="258" name="Google Shape;258;g2c850703521_0_50:notes"/>
           <p:cNvSpPr/>
           <p:nvPr>
             <p:ph idx="2" type="sldImg"/>
@@ -3619,7 +3978,7 @@
       </p:sp>
       <p:sp>
         <p:nvSpPr>
-          <p:cNvPr id="252" name="Google Shape;252;g2c5aae000b7_0_0:notes"/>
+          <p:cNvPr id="259" name="Google Shape;259;g2c850703521_0_50:notes"/>
           <p:cNvSpPr txBox="1"/>
           <p:nvPr>
             <p:ph idx="1" type="body"/>
@@ -3658,16 +4017,7 @@
               <a:buNone/>
             </a:pPr>
             <a:r>
-              <a:rPr lang="en-US"/>
-              <a:t>These models can help us understand how quickly a disease can spread by predicting the number of people who will become infected over time and how the disease will progress through a population. However, without a solid understanding of what factors contribute to contact rates and preventative behavior adoption we cannot produce accurate estimates. As I hope I’ve shown in the previous slides, political </a:t>
-            </a:r>
-            <a:r>
-              <a:rPr lang="en-US"/>
-              <a:t>affiliation</a:t>
-            </a:r>
-            <a:r>
-              <a:rPr lang="en-US"/>
-              <a:t> is a major predictor of behavior during the pandemic and therefore important to account for in disease modeling. </a:t>
+              <a:t/>
             </a:r>
             <a:endParaRPr/>
           </a:p>
@@ -3675,7 +4025,7 @@
       </p:sp>
       <p:sp>
         <p:nvSpPr>
-          <p:cNvPr id="253" name="Google Shape;253;g2c5aae000b7_0_0:notes"/>
+          <p:cNvPr id="260" name="Google Shape;260;g2c850703521_0_50:notes"/>
           <p:cNvSpPr txBox="1"/>
           <p:nvPr>
             <p:ph idx="12" type="sldNum"/>
@@ -3890,7 +4240,7 @@
   <p:cSld>
     <p:spTree>
       <p:nvGrpSpPr>
-        <p:cNvPr id="262" name="Shape 262"/>
+        <p:cNvPr id="264" name="Shape 264"/>
         <p:cNvGrpSpPr/>
         <p:nvPr/>
       </p:nvGrpSpPr>
@@ -3904,295 +4254,7 @@
       </p:grpSpPr>
       <p:sp>
         <p:nvSpPr>
-          <p:cNvPr id="263" name="Google Shape;263;g2c850703521_0_37:notes"/>
-          <p:cNvSpPr/>
-          <p:nvPr>
-            <p:ph idx="2" type="sldImg"/>
-          </p:nvPr>
-        </p:nvSpPr>
-        <p:spPr>
-          <a:xfrm>
-            <a:off x="685800" y="1143000"/>
-            <a:ext cx="5486400" cy="3086100"/>
-          </a:xfrm>
-          <a:custGeom>
-            <a:rect b="b" l="l" r="r" t="t"/>
-            <a:pathLst>
-              <a:path extrusionOk="0" h="120000" w="120000">
-                <a:moveTo>
-                  <a:pt x="0" y="0"/>
-                </a:moveTo>
-                <a:lnTo>
-                  <a:pt x="120000" y="0"/>
-                </a:lnTo>
-                <a:lnTo>
-                  <a:pt x="120000" y="120000"/>
-                </a:lnTo>
-                <a:lnTo>
-                  <a:pt x="0" y="120000"/>
-                </a:lnTo>
-                <a:close/>
-              </a:path>
-            </a:pathLst>
-          </a:custGeom>
-        </p:spPr>
-      </p:sp>
-      <p:sp>
-        <p:nvSpPr>
-          <p:cNvPr id="264" name="Google Shape;264;g2c850703521_0_37:notes"/>
-          <p:cNvSpPr txBox="1"/>
-          <p:nvPr>
-            <p:ph idx="1" type="body"/>
-          </p:nvPr>
-        </p:nvSpPr>
-        <p:spPr>
-          <a:xfrm>
-            <a:off x="685800" y="4400550"/>
-            <a:ext cx="5486400" cy="3600600"/>
-          </a:xfrm>
-          <a:prstGeom prst="rect">
-            <a:avLst/>
-          </a:prstGeom>
-        </p:spPr>
-        <p:txBody>
-          <a:bodyPr anchorCtr="0" anchor="t" bIns="45700" lIns="91425" spcFirstLastPara="1" rIns="91425" wrap="square" tIns="45700">
-            <a:noAutofit/>
-          </a:bodyPr>
-          <a:lstStyle/>
-          <a:p>
-            <a:pPr indent="0" lvl="0" marL="0" rtl="0" algn="l">
-              <a:spcBef>
-                <a:spcPts val="0"/>
-              </a:spcBef>
-              <a:spcAft>
-                <a:spcPts val="0"/>
-              </a:spcAft>
-              <a:buNone/>
-            </a:pPr>
-            <a:r>
-              <a:t/>
-            </a:r>
-            <a:endParaRPr/>
-          </a:p>
-        </p:txBody>
-      </p:sp>
-      <p:sp>
-        <p:nvSpPr>
-          <p:cNvPr id="265" name="Google Shape;265;g2c850703521_0_37:notes"/>
-          <p:cNvSpPr txBox="1"/>
-          <p:nvPr>
-            <p:ph idx="12" type="sldNum"/>
-          </p:nvPr>
-        </p:nvSpPr>
-        <p:spPr>
-          <a:xfrm>
-            <a:off x="3884613" y="8685213"/>
-            <a:ext cx="2971800" cy="458700"/>
-          </a:xfrm>
-          <a:prstGeom prst="rect">
-            <a:avLst/>
-          </a:prstGeom>
-        </p:spPr>
-        <p:txBody>
-          <a:bodyPr anchorCtr="0" anchor="b" bIns="45700" lIns="91425" spcFirstLastPara="1" rIns="91425" wrap="square" tIns="45700">
-            <a:noAutofit/>
-          </a:bodyPr>
-          <a:lstStyle/>
-          <a:p>
-            <a:pPr indent="0" lvl="0" marL="0" rtl="0" algn="r">
-              <a:spcBef>
-                <a:spcPts val="0"/>
-              </a:spcBef>
-              <a:spcAft>
-                <a:spcPts val="0"/>
-              </a:spcAft>
-              <a:buClr>
-                <a:srgbClr val="000000"/>
-              </a:buClr>
-              <a:buSzPts val="1200"/>
-              <a:buFont typeface="Arial"/>
-              <a:buNone/>
-            </a:pPr>
-            <a:fld id="{00000000-1234-1234-1234-123412341234}" type="slidenum">
-              <a:rPr lang="en-US"/>
-              <a:t>‹#›</a:t>
-            </a:fld>
-            <a:endParaRPr/>
-          </a:p>
-        </p:txBody>
-      </p:sp>
-    </p:spTree>
-  </p:cSld>
-  <p:clrMapOvr>
-    <a:masterClrMapping/>
-  </p:clrMapOvr>
-</p:notes>
-</file>
-
-<file path=ppt/notesSlides/notesSlide21.xml><?xml version="1.0" encoding="utf-8"?>
-<p:notes xmlns:a="http://schemas.openxmlformats.org/drawingml/2006/main" xmlns:r="http://schemas.openxmlformats.org/officeDocument/2006/relationships" xmlns:mc="http://schemas.openxmlformats.org/markup-compatibility/2006" xmlns:mv="urn:schemas-microsoft-com:mac:vml" xmlns:p="http://schemas.openxmlformats.org/presentationml/2006/main" xmlns:c="http://schemas.openxmlformats.org/drawingml/2006/chart" xmlns:dgm="http://schemas.openxmlformats.org/drawingml/2006/diagram" xmlns:o="urn:schemas-microsoft-com:office:office" xmlns:v="urn:schemas-microsoft-com:vml" xmlns:pvml="urn:schemas-microsoft-com:office:powerpoint" xmlns:com="http://schemas.openxmlformats.org/drawingml/2006/compatibility" xmlns:p14="http://schemas.microsoft.com/office/powerpoint/2010/main" xmlns:p15="http://schemas.microsoft.com/office/powerpoint/2012/main" xmlns:ahyp="http://schemas.microsoft.com/office/drawing/2018/hyperlinkcolor" showMasterPhAnim="0" showMasterSp="0">
-  <p:cSld>
-    <p:spTree>
-      <p:nvGrpSpPr>
-        <p:cNvPr id="270" name="Shape 270"/>
-        <p:cNvGrpSpPr/>
-        <p:nvPr/>
-      </p:nvGrpSpPr>
-      <p:grpSpPr>
-        <a:xfrm>
-          <a:off x="0" y="0"/>
-          <a:ext cx="0" cy="0"/>
-          <a:chOff x="0" y="0"/>
-          <a:chExt cx="0" cy="0"/>
-        </a:xfrm>
-      </p:grpSpPr>
-      <p:sp>
-        <p:nvSpPr>
-          <p:cNvPr id="271" name="Google Shape;271;g2cbabed7228_0_1:notes"/>
-          <p:cNvSpPr/>
-          <p:nvPr>
-            <p:ph idx="2" type="sldImg"/>
-          </p:nvPr>
-        </p:nvSpPr>
-        <p:spPr>
-          <a:xfrm>
-            <a:off x="685800" y="1143000"/>
-            <a:ext cx="5486400" cy="3086100"/>
-          </a:xfrm>
-          <a:custGeom>
-            <a:rect b="b" l="l" r="r" t="t"/>
-            <a:pathLst>
-              <a:path extrusionOk="0" h="120000" w="120000">
-                <a:moveTo>
-                  <a:pt x="0" y="0"/>
-                </a:moveTo>
-                <a:lnTo>
-                  <a:pt x="120000" y="0"/>
-                </a:lnTo>
-                <a:lnTo>
-                  <a:pt x="120000" y="120000"/>
-                </a:lnTo>
-                <a:lnTo>
-                  <a:pt x="0" y="120000"/>
-                </a:lnTo>
-                <a:close/>
-              </a:path>
-            </a:pathLst>
-          </a:custGeom>
-        </p:spPr>
-      </p:sp>
-      <p:sp>
-        <p:nvSpPr>
-          <p:cNvPr id="272" name="Google Shape;272;g2cbabed7228_0_1:notes"/>
-          <p:cNvSpPr txBox="1"/>
-          <p:nvPr>
-            <p:ph idx="1" type="body"/>
-          </p:nvPr>
-        </p:nvSpPr>
-        <p:spPr>
-          <a:xfrm>
-            <a:off x="685800" y="4400550"/>
-            <a:ext cx="5486400" cy="3600600"/>
-          </a:xfrm>
-          <a:prstGeom prst="rect">
-            <a:avLst/>
-          </a:prstGeom>
-        </p:spPr>
-        <p:txBody>
-          <a:bodyPr anchorCtr="0" anchor="t" bIns="45700" lIns="91425" spcFirstLastPara="1" rIns="91425" wrap="square" tIns="45700">
-            <a:noAutofit/>
-          </a:bodyPr>
-          <a:lstStyle/>
-          <a:p>
-            <a:pPr indent="0" lvl="0" marL="0" rtl="0" algn="l">
-              <a:spcBef>
-                <a:spcPts val="0"/>
-              </a:spcBef>
-              <a:spcAft>
-                <a:spcPts val="0"/>
-              </a:spcAft>
-              <a:buNone/>
-            </a:pPr>
-            <a:r>
-              <a:t/>
-            </a:r>
-            <a:endParaRPr/>
-          </a:p>
-        </p:txBody>
-      </p:sp>
-      <p:sp>
-        <p:nvSpPr>
-          <p:cNvPr id="273" name="Google Shape;273;g2cbabed7228_0_1:notes"/>
-          <p:cNvSpPr txBox="1"/>
-          <p:nvPr>
-            <p:ph idx="12" type="sldNum"/>
-          </p:nvPr>
-        </p:nvSpPr>
-        <p:spPr>
-          <a:xfrm>
-            <a:off x="3884613" y="8685213"/>
-            <a:ext cx="2971800" cy="458700"/>
-          </a:xfrm>
-          <a:prstGeom prst="rect">
-            <a:avLst/>
-          </a:prstGeom>
-        </p:spPr>
-        <p:txBody>
-          <a:bodyPr anchorCtr="0" anchor="b" bIns="45700" lIns="91425" spcFirstLastPara="1" rIns="91425" wrap="square" tIns="45700">
-            <a:noAutofit/>
-          </a:bodyPr>
-          <a:lstStyle/>
-          <a:p>
-            <a:pPr indent="0" lvl="0" marL="0" rtl="0" algn="r">
-              <a:spcBef>
-                <a:spcPts val="0"/>
-              </a:spcBef>
-              <a:spcAft>
-                <a:spcPts val="0"/>
-              </a:spcAft>
-              <a:buClr>
-                <a:srgbClr val="000000"/>
-              </a:buClr>
-              <a:buSzPts val="1200"/>
-              <a:buFont typeface="Arial"/>
-              <a:buNone/>
-            </a:pPr>
-            <a:fld id="{00000000-1234-1234-1234-123412341234}" type="slidenum">
-              <a:rPr lang="en-US"/>
-              <a:t>‹#›</a:t>
-            </a:fld>
-            <a:endParaRPr/>
-          </a:p>
-        </p:txBody>
-      </p:sp>
-    </p:spTree>
-  </p:cSld>
-  <p:clrMapOvr>
-    <a:masterClrMapping/>
-  </p:clrMapOvr>
-</p:notes>
-</file>
-
-<file path=ppt/notesSlides/notesSlide22.xml><?xml version="1.0" encoding="utf-8"?>
-<p:notes xmlns:a="http://schemas.openxmlformats.org/drawingml/2006/main" xmlns:r="http://schemas.openxmlformats.org/officeDocument/2006/relationships" xmlns:mc="http://schemas.openxmlformats.org/markup-compatibility/2006" xmlns:mv="urn:schemas-microsoft-com:mac:vml" xmlns:p="http://schemas.openxmlformats.org/presentationml/2006/main" xmlns:c="http://schemas.openxmlformats.org/drawingml/2006/chart" xmlns:dgm="http://schemas.openxmlformats.org/drawingml/2006/diagram" xmlns:o="urn:schemas-microsoft-com:office:office" xmlns:v="urn:schemas-microsoft-com:vml" xmlns:pvml="urn:schemas-microsoft-com:office:powerpoint" xmlns:com="http://schemas.openxmlformats.org/drawingml/2006/compatibility" xmlns:p14="http://schemas.microsoft.com/office/powerpoint/2010/main" xmlns:p15="http://schemas.microsoft.com/office/powerpoint/2012/main" xmlns:ahyp="http://schemas.microsoft.com/office/drawing/2018/hyperlinkcolor" showMasterPhAnim="0" showMasterSp="0">
-  <p:cSld>
-    <p:spTree>
-      <p:nvGrpSpPr>
-        <p:cNvPr id="278" name="Shape 278"/>
-        <p:cNvGrpSpPr/>
-        <p:nvPr/>
-      </p:nvGrpSpPr>
-      <p:grpSpPr>
-        <a:xfrm>
-          <a:off x="0" y="0"/>
-          <a:ext cx="0" cy="0"/>
-          <a:chOff x="0" y="0"/>
-          <a:chExt cx="0" cy="0"/>
-        </a:xfrm>
-      </p:grpSpPr>
-      <p:sp>
-        <p:nvSpPr>
-          <p:cNvPr id="279" name="Google Shape;279;g1f4e2c1751e_4_12:notes"/>
+          <p:cNvPr id="265" name="Google Shape;265;g2c5aae000b7_0_0:notes"/>
           <p:cNvSpPr/>
           <p:nvPr>
             <p:ph idx="2" type="sldImg"/>
@@ -4237,7 +4299,7 @@
       </p:sp>
       <p:sp>
         <p:nvSpPr>
-          <p:cNvPr id="280" name="Google Shape;280;g1f4e2c1751e_4_12:notes"/>
+          <p:cNvPr id="266" name="Google Shape;266;g2c5aae000b7_0_0:notes"/>
           <p:cNvSpPr txBox="1"/>
           <p:nvPr>
             <p:ph idx="1" type="body"/>
@@ -4276,7 +4338,16 @@
               <a:buNone/>
             </a:pPr>
             <a:r>
-              <a:t/>
+              <a:rPr lang="en-US"/>
+              <a:t>These models can help us understand how quickly a disease can spread by predicting the number of people who will become infected over time and how the disease will progress through a population. However, without a solid understanding of what factors contribute to contact rates and preventative behavior adoption we cannot produce accurate estimates. As I hope I’ve shown in the previous slides, political </a:t>
+            </a:r>
+            <a:r>
+              <a:rPr lang="en-US"/>
+              <a:t>affiliation</a:t>
+            </a:r>
+            <a:r>
+              <a:rPr lang="en-US"/>
+              <a:t> is a major predictor of behavior during the pandemic and therefore important to account for in disease modeling. </a:t>
             </a:r>
             <a:endParaRPr/>
           </a:p>
@@ -4284,7 +4355,7 @@
       </p:sp>
       <p:sp>
         <p:nvSpPr>
-          <p:cNvPr id="281" name="Google Shape;281;g1f4e2c1751e_4_12:notes"/>
+          <p:cNvPr id="267" name="Google Shape;267;g2c5aae000b7_0_0:notes"/>
           <p:cNvSpPr txBox="1"/>
           <p:nvPr>
             <p:ph idx="12" type="sldNum"/>
@@ -4342,12 +4413,12 @@
 </p:notes>
 </file>
 
-<file path=ppt/notesSlides/notesSlide23.xml><?xml version="1.0" encoding="utf-8"?>
+<file path=ppt/notesSlides/notesSlide21.xml><?xml version="1.0" encoding="utf-8"?>
 <p:notes xmlns:a="http://schemas.openxmlformats.org/drawingml/2006/main" xmlns:r="http://schemas.openxmlformats.org/officeDocument/2006/relationships" xmlns:mc="http://schemas.openxmlformats.org/markup-compatibility/2006" xmlns:mv="urn:schemas-microsoft-com:mac:vml" xmlns:p="http://schemas.openxmlformats.org/presentationml/2006/main" xmlns:c="http://schemas.openxmlformats.org/drawingml/2006/chart" xmlns:dgm="http://schemas.openxmlformats.org/drawingml/2006/diagram" xmlns:o="urn:schemas-microsoft-com:office:office" xmlns:v="urn:schemas-microsoft-com:vml" xmlns:pvml="urn:schemas-microsoft-com:office:powerpoint" xmlns:com="http://schemas.openxmlformats.org/drawingml/2006/compatibility" xmlns:p14="http://schemas.microsoft.com/office/powerpoint/2010/main" xmlns:p15="http://schemas.microsoft.com/office/powerpoint/2012/main" xmlns:ahyp="http://schemas.microsoft.com/office/drawing/2018/hyperlinkcolor" showMasterPhAnim="0" showMasterSp="0">
   <p:cSld>
     <p:spTree>
       <p:nvGrpSpPr>
-        <p:cNvPr id="285" name="Shape 285"/>
+        <p:cNvPr id="276" name="Shape 276"/>
         <p:cNvGrpSpPr/>
         <p:nvPr/>
       </p:nvGrpSpPr>
@@ -4361,7 +4432,295 @@
       </p:grpSpPr>
       <p:sp>
         <p:nvSpPr>
-          <p:cNvPr id="286" name="Google Shape;286;g1f4e2c1751e_2_0:notes"/>
+          <p:cNvPr id="277" name="Google Shape;277;g2c850703521_0_37:notes"/>
+          <p:cNvSpPr/>
+          <p:nvPr>
+            <p:ph idx="2" type="sldImg"/>
+          </p:nvPr>
+        </p:nvSpPr>
+        <p:spPr>
+          <a:xfrm>
+            <a:off x="685800" y="1143000"/>
+            <a:ext cx="5486400" cy="3086100"/>
+          </a:xfrm>
+          <a:custGeom>
+            <a:rect b="b" l="l" r="r" t="t"/>
+            <a:pathLst>
+              <a:path extrusionOk="0" h="120000" w="120000">
+                <a:moveTo>
+                  <a:pt x="0" y="0"/>
+                </a:moveTo>
+                <a:lnTo>
+                  <a:pt x="120000" y="0"/>
+                </a:lnTo>
+                <a:lnTo>
+                  <a:pt x="120000" y="120000"/>
+                </a:lnTo>
+                <a:lnTo>
+                  <a:pt x="0" y="120000"/>
+                </a:lnTo>
+                <a:close/>
+              </a:path>
+            </a:pathLst>
+          </a:custGeom>
+        </p:spPr>
+      </p:sp>
+      <p:sp>
+        <p:nvSpPr>
+          <p:cNvPr id="278" name="Google Shape;278;g2c850703521_0_37:notes"/>
+          <p:cNvSpPr txBox="1"/>
+          <p:nvPr>
+            <p:ph idx="1" type="body"/>
+          </p:nvPr>
+        </p:nvSpPr>
+        <p:spPr>
+          <a:xfrm>
+            <a:off x="685800" y="4400550"/>
+            <a:ext cx="5486400" cy="3600600"/>
+          </a:xfrm>
+          <a:prstGeom prst="rect">
+            <a:avLst/>
+          </a:prstGeom>
+        </p:spPr>
+        <p:txBody>
+          <a:bodyPr anchorCtr="0" anchor="t" bIns="45700" lIns="91425" spcFirstLastPara="1" rIns="91425" wrap="square" tIns="45700">
+            <a:noAutofit/>
+          </a:bodyPr>
+          <a:lstStyle/>
+          <a:p>
+            <a:pPr indent="0" lvl="0" marL="0" rtl="0" algn="l">
+              <a:spcBef>
+                <a:spcPts val="0"/>
+              </a:spcBef>
+              <a:spcAft>
+                <a:spcPts val="0"/>
+              </a:spcAft>
+              <a:buNone/>
+            </a:pPr>
+            <a:r>
+              <a:t/>
+            </a:r>
+            <a:endParaRPr/>
+          </a:p>
+        </p:txBody>
+      </p:sp>
+      <p:sp>
+        <p:nvSpPr>
+          <p:cNvPr id="279" name="Google Shape;279;g2c850703521_0_37:notes"/>
+          <p:cNvSpPr txBox="1"/>
+          <p:nvPr>
+            <p:ph idx="12" type="sldNum"/>
+          </p:nvPr>
+        </p:nvSpPr>
+        <p:spPr>
+          <a:xfrm>
+            <a:off x="3884613" y="8685213"/>
+            <a:ext cx="2971800" cy="458700"/>
+          </a:xfrm>
+          <a:prstGeom prst="rect">
+            <a:avLst/>
+          </a:prstGeom>
+        </p:spPr>
+        <p:txBody>
+          <a:bodyPr anchorCtr="0" anchor="b" bIns="45700" lIns="91425" spcFirstLastPara="1" rIns="91425" wrap="square" tIns="45700">
+            <a:noAutofit/>
+          </a:bodyPr>
+          <a:lstStyle/>
+          <a:p>
+            <a:pPr indent="0" lvl="0" marL="0" rtl="0" algn="r">
+              <a:spcBef>
+                <a:spcPts val="0"/>
+              </a:spcBef>
+              <a:spcAft>
+                <a:spcPts val="0"/>
+              </a:spcAft>
+              <a:buClr>
+                <a:srgbClr val="000000"/>
+              </a:buClr>
+              <a:buSzPts val="1200"/>
+              <a:buFont typeface="Arial"/>
+              <a:buNone/>
+            </a:pPr>
+            <a:fld id="{00000000-1234-1234-1234-123412341234}" type="slidenum">
+              <a:rPr lang="en-US"/>
+              <a:t>‹#›</a:t>
+            </a:fld>
+            <a:endParaRPr/>
+          </a:p>
+        </p:txBody>
+      </p:sp>
+    </p:spTree>
+  </p:cSld>
+  <p:clrMapOvr>
+    <a:masterClrMapping/>
+  </p:clrMapOvr>
+</p:notes>
+</file>
+
+<file path=ppt/notesSlides/notesSlide22.xml><?xml version="1.0" encoding="utf-8"?>
+<p:notes xmlns:a="http://schemas.openxmlformats.org/drawingml/2006/main" xmlns:r="http://schemas.openxmlformats.org/officeDocument/2006/relationships" xmlns:mc="http://schemas.openxmlformats.org/markup-compatibility/2006" xmlns:mv="urn:schemas-microsoft-com:mac:vml" xmlns:p="http://schemas.openxmlformats.org/presentationml/2006/main" xmlns:c="http://schemas.openxmlformats.org/drawingml/2006/chart" xmlns:dgm="http://schemas.openxmlformats.org/drawingml/2006/diagram" xmlns:o="urn:schemas-microsoft-com:office:office" xmlns:v="urn:schemas-microsoft-com:vml" xmlns:pvml="urn:schemas-microsoft-com:office:powerpoint" xmlns:com="http://schemas.openxmlformats.org/drawingml/2006/compatibility" xmlns:p14="http://schemas.microsoft.com/office/powerpoint/2010/main" xmlns:p15="http://schemas.microsoft.com/office/powerpoint/2012/main" xmlns:ahyp="http://schemas.microsoft.com/office/drawing/2018/hyperlinkcolor" showMasterPhAnim="0" showMasterSp="0">
+  <p:cSld>
+    <p:spTree>
+      <p:nvGrpSpPr>
+        <p:cNvPr id="284" name="Shape 284"/>
+        <p:cNvGrpSpPr/>
+        <p:nvPr/>
+      </p:nvGrpSpPr>
+      <p:grpSpPr>
+        <a:xfrm>
+          <a:off x="0" y="0"/>
+          <a:ext cx="0" cy="0"/>
+          <a:chOff x="0" y="0"/>
+          <a:chExt cx="0" cy="0"/>
+        </a:xfrm>
+      </p:grpSpPr>
+      <p:sp>
+        <p:nvSpPr>
+          <p:cNvPr id="285" name="Google Shape;285;g2cbabed7228_0_1:notes"/>
+          <p:cNvSpPr/>
+          <p:nvPr>
+            <p:ph idx="2" type="sldImg"/>
+          </p:nvPr>
+        </p:nvSpPr>
+        <p:spPr>
+          <a:xfrm>
+            <a:off x="685800" y="1143000"/>
+            <a:ext cx="5486400" cy="3086100"/>
+          </a:xfrm>
+          <a:custGeom>
+            <a:rect b="b" l="l" r="r" t="t"/>
+            <a:pathLst>
+              <a:path extrusionOk="0" h="120000" w="120000">
+                <a:moveTo>
+                  <a:pt x="0" y="0"/>
+                </a:moveTo>
+                <a:lnTo>
+                  <a:pt x="120000" y="0"/>
+                </a:lnTo>
+                <a:lnTo>
+                  <a:pt x="120000" y="120000"/>
+                </a:lnTo>
+                <a:lnTo>
+                  <a:pt x="0" y="120000"/>
+                </a:lnTo>
+                <a:close/>
+              </a:path>
+            </a:pathLst>
+          </a:custGeom>
+        </p:spPr>
+      </p:sp>
+      <p:sp>
+        <p:nvSpPr>
+          <p:cNvPr id="286" name="Google Shape;286;g2cbabed7228_0_1:notes"/>
+          <p:cNvSpPr txBox="1"/>
+          <p:nvPr>
+            <p:ph idx="1" type="body"/>
+          </p:nvPr>
+        </p:nvSpPr>
+        <p:spPr>
+          <a:xfrm>
+            <a:off x="685800" y="4400550"/>
+            <a:ext cx="5486400" cy="3600600"/>
+          </a:xfrm>
+          <a:prstGeom prst="rect">
+            <a:avLst/>
+          </a:prstGeom>
+        </p:spPr>
+        <p:txBody>
+          <a:bodyPr anchorCtr="0" anchor="t" bIns="45700" lIns="91425" spcFirstLastPara="1" rIns="91425" wrap="square" tIns="45700">
+            <a:noAutofit/>
+          </a:bodyPr>
+          <a:lstStyle/>
+          <a:p>
+            <a:pPr indent="0" lvl="0" marL="0" rtl="0" algn="l">
+              <a:spcBef>
+                <a:spcPts val="0"/>
+              </a:spcBef>
+              <a:spcAft>
+                <a:spcPts val="0"/>
+              </a:spcAft>
+              <a:buNone/>
+            </a:pPr>
+            <a:r>
+              <a:t/>
+            </a:r>
+            <a:endParaRPr/>
+          </a:p>
+        </p:txBody>
+      </p:sp>
+      <p:sp>
+        <p:nvSpPr>
+          <p:cNvPr id="287" name="Google Shape;287;g2cbabed7228_0_1:notes"/>
+          <p:cNvSpPr txBox="1"/>
+          <p:nvPr>
+            <p:ph idx="12" type="sldNum"/>
+          </p:nvPr>
+        </p:nvSpPr>
+        <p:spPr>
+          <a:xfrm>
+            <a:off x="3884613" y="8685213"/>
+            <a:ext cx="2971800" cy="458700"/>
+          </a:xfrm>
+          <a:prstGeom prst="rect">
+            <a:avLst/>
+          </a:prstGeom>
+        </p:spPr>
+        <p:txBody>
+          <a:bodyPr anchorCtr="0" anchor="b" bIns="45700" lIns="91425" spcFirstLastPara="1" rIns="91425" wrap="square" tIns="45700">
+            <a:noAutofit/>
+          </a:bodyPr>
+          <a:lstStyle/>
+          <a:p>
+            <a:pPr indent="0" lvl="0" marL="0" rtl="0" algn="r">
+              <a:spcBef>
+                <a:spcPts val="0"/>
+              </a:spcBef>
+              <a:spcAft>
+                <a:spcPts val="0"/>
+              </a:spcAft>
+              <a:buClr>
+                <a:srgbClr val="000000"/>
+              </a:buClr>
+              <a:buSzPts val="1200"/>
+              <a:buFont typeface="Arial"/>
+              <a:buNone/>
+            </a:pPr>
+            <a:fld id="{00000000-1234-1234-1234-123412341234}" type="slidenum">
+              <a:rPr lang="en-US"/>
+              <a:t>‹#›</a:t>
+            </a:fld>
+            <a:endParaRPr/>
+          </a:p>
+        </p:txBody>
+      </p:sp>
+    </p:spTree>
+  </p:cSld>
+  <p:clrMapOvr>
+    <a:masterClrMapping/>
+  </p:clrMapOvr>
+</p:notes>
+</file>
+
+<file path=ppt/notesSlides/notesSlide23.xml><?xml version="1.0" encoding="utf-8"?>
+<p:notes xmlns:a="http://schemas.openxmlformats.org/drawingml/2006/main" xmlns:r="http://schemas.openxmlformats.org/officeDocument/2006/relationships" xmlns:mc="http://schemas.openxmlformats.org/markup-compatibility/2006" xmlns:mv="urn:schemas-microsoft-com:mac:vml" xmlns:p="http://schemas.openxmlformats.org/presentationml/2006/main" xmlns:c="http://schemas.openxmlformats.org/drawingml/2006/chart" xmlns:dgm="http://schemas.openxmlformats.org/drawingml/2006/diagram" xmlns:o="urn:schemas-microsoft-com:office:office" xmlns:v="urn:schemas-microsoft-com:vml" xmlns:pvml="urn:schemas-microsoft-com:office:powerpoint" xmlns:com="http://schemas.openxmlformats.org/drawingml/2006/compatibility" xmlns:p14="http://schemas.microsoft.com/office/powerpoint/2010/main" xmlns:p15="http://schemas.microsoft.com/office/powerpoint/2012/main" xmlns:ahyp="http://schemas.microsoft.com/office/drawing/2018/hyperlinkcolor" showMasterPhAnim="0" showMasterSp="0">
+  <p:cSld>
+    <p:spTree>
+      <p:nvGrpSpPr>
+        <p:cNvPr id="292" name="Shape 292"/>
+        <p:cNvGrpSpPr/>
+        <p:nvPr/>
+      </p:nvGrpSpPr>
+      <p:grpSpPr>
+        <a:xfrm>
+          <a:off x="0" y="0"/>
+          <a:ext cx="0" cy="0"/>
+          <a:chOff x="0" y="0"/>
+          <a:chExt cx="0" cy="0"/>
+        </a:xfrm>
+      </p:grpSpPr>
+      <p:sp>
+        <p:nvSpPr>
+          <p:cNvPr id="293" name="Google Shape;293;g1f4e2c1751e_4_12:notes"/>
           <p:cNvSpPr/>
           <p:nvPr>
             <p:ph idx="2" type="sldImg"/>
@@ -4406,7 +4765,7 @@
       </p:sp>
       <p:sp>
         <p:nvSpPr>
-          <p:cNvPr id="287" name="Google Shape;287;g1f4e2c1751e_2_0:notes"/>
+          <p:cNvPr id="294" name="Google Shape;294;g1f4e2c1751e_4_12:notes"/>
           <p:cNvSpPr txBox="1"/>
           <p:nvPr>
             <p:ph idx="1" type="body"/>
@@ -4431,167 +4790,6 @@
           </a:bodyPr>
           <a:lstStyle/>
           <a:p>
-            <a:pPr indent="-317500" lvl="0" marL="457200" rtl="0" algn="l">
-              <a:lnSpc>
-                <a:spcPct val="90000"/>
-              </a:lnSpc>
-              <a:spcBef>
-                <a:spcPts val="1000"/>
-              </a:spcBef>
-              <a:spcAft>
-                <a:spcPts val="0"/>
-              </a:spcAft>
-              <a:buClr>
-                <a:schemeClr val="dk1"/>
-              </a:buClr>
-              <a:buSzPts val="1400"/>
-              <a:buChar char="●"/>
-            </a:pPr>
-            <a:r>
-              <a:rPr lang="en-US" sz="1400"/>
-              <a:t>National sample, + samples from 6 specific cities, obtained from online panel provider Lucid</a:t>
-            </a:r>
-            <a:endParaRPr sz="1400"/>
-          </a:p>
-          <a:p>
-            <a:pPr indent="-317500" lvl="0" marL="457200" rtl="0" algn="l">
-              <a:lnSpc>
-                <a:spcPct val="90000"/>
-              </a:lnSpc>
-              <a:spcBef>
-                <a:spcPts val="0"/>
-              </a:spcBef>
-              <a:spcAft>
-                <a:spcPts val="0"/>
-              </a:spcAft>
-              <a:buClr>
-                <a:schemeClr val="dk1"/>
-              </a:buClr>
-              <a:buSzPts val="1400"/>
-              <a:buChar char="●"/>
-            </a:pPr>
-            <a:r>
-              <a:rPr lang="en-US" sz="1400"/>
-              <a:t>questions about respondent and who respondent’s contacts are</a:t>
-            </a:r>
-            <a:endParaRPr sz="1400"/>
-          </a:p>
-          <a:p>
-            <a:pPr indent="-317500" lvl="0" marL="457200" rtl="0" algn="l">
-              <a:lnSpc>
-                <a:spcPct val="90000"/>
-              </a:lnSpc>
-              <a:spcBef>
-                <a:spcPts val="1000"/>
-              </a:spcBef>
-              <a:spcAft>
-                <a:spcPts val="0"/>
-              </a:spcAft>
-              <a:buClr>
-                <a:schemeClr val="dk1"/>
-              </a:buClr>
-              <a:buSzPts val="1400"/>
-              <a:buChar char="●"/>
-            </a:pPr>
-            <a:r>
-              <a:rPr lang="en-US" sz="1400"/>
-              <a:t>information on interpersonal contact </a:t>
-            </a:r>
-            <a:endParaRPr sz="1400"/>
-          </a:p>
-          <a:p>
-            <a:pPr indent="-317500" lvl="1" marL="914400" rtl="0" algn="l">
-              <a:lnSpc>
-                <a:spcPct val="90000"/>
-              </a:lnSpc>
-              <a:spcBef>
-                <a:spcPts val="500"/>
-              </a:spcBef>
-              <a:spcAft>
-                <a:spcPts val="0"/>
-              </a:spcAft>
-              <a:buClr>
-                <a:schemeClr val="dk1"/>
-              </a:buClr>
-              <a:buSzPts val="1400"/>
-              <a:buChar char="○"/>
-            </a:pPr>
-            <a:r>
-              <a:rPr lang="en-US" sz="1400"/>
-              <a:t>face-to-face contacts relevant for potential transmission of COVID-19</a:t>
-            </a:r>
-            <a:endParaRPr sz="1400"/>
-          </a:p>
-          <a:p>
-            <a:pPr indent="-317500" lvl="1" marL="914400" rtl="0" algn="l">
-              <a:lnSpc>
-                <a:spcPct val="90000"/>
-              </a:lnSpc>
-              <a:spcBef>
-                <a:spcPts val="500"/>
-              </a:spcBef>
-              <a:spcAft>
-                <a:spcPts val="0"/>
-              </a:spcAft>
-              <a:buClr>
-                <a:schemeClr val="dk1"/>
-              </a:buClr>
-              <a:buSzPts val="1400"/>
-              <a:buChar char="○"/>
-            </a:pPr>
-            <a:r>
-              <a:rPr lang="en-US" sz="1400"/>
-              <a:t>household structure</a:t>
-            </a:r>
-            <a:endParaRPr sz="1400"/>
-          </a:p>
-          <a:p>
-            <a:pPr indent="-317500" lvl="0" marL="457200" rtl="0" algn="l">
-              <a:lnSpc>
-                <a:spcPct val="90000"/>
-              </a:lnSpc>
-              <a:spcBef>
-                <a:spcPts val="0"/>
-              </a:spcBef>
-              <a:spcAft>
-                <a:spcPts val="0"/>
-              </a:spcAft>
-              <a:buClr>
-                <a:schemeClr val="dk1"/>
-              </a:buClr>
-              <a:buSzPts val="1400"/>
-              <a:buChar char="●"/>
-            </a:pPr>
-            <a:r>
-              <a:rPr lang="en-US" sz="1400"/>
-              <a:t>5 waves of data collection repeated cross-section</a:t>
-            </a:r>
-            <a:endParaRPr sz="1400"/>
-          </a:p>
-          <a:p>
-            <a:pPr indent="-317500" lvl="0" marL="457200" rtl="0" algn="l">
-              <a:lnSpc>
-                <a:spcPct val="90000"/>
-              </a:lnSpc>
-              <a:spcBef>
-                <a:spcPts val="0"/>
-              </a:spcBef>
-              <a:spcAft>
-                <a:spcPts val="0"/>
-              </a:spcAft>
-              <a:buClr>
-                <a:schemeClr val="dk1"/>
-              </a:buClr>
-              <a:buSzPts val="1400"/>
-              <a:buChar char="●"/>
-            </a:pPr>
-            <a:r>
-              <a:rPr lang="en-US" sz="1400"/>
-              <a:t>n = about 21,100 across all 5 waves (CHANGE THIS)</a:t>
-            </a:r>
-            <a:endParaRPr sz="1400"/>
-          </a:p>
-          <a:p>
             <a:pPr indent="0" lvl="0" marL="0" rtl="0" algn="l">
               <a:lnSpc>
                 <a:spcPct val="100000"/>
@@ -4614,7 +4812,7 @@
       </p:sp>
       <p:sp>
         <p:nvSpPr>
-          <p:cNvPr id="288" name="Google Shape;288;g1f4e2c1751e_2_0:notes"/>
+          <p:cNvPr id="295" name="Google Shape;295;g1f4e2c1751e_4_12:notes"/>
           <p:cNvSpPr txBox="1"/>
           <p:nvPr>
             <p:ph idx="12" type="sldNum"/>
@@ -4677,7 +4875,7 @@
   <p:cSld>
     <p:spTree>
       <p:nvGrpSpPr>
-        <p:cNvPr id="294" name="Shape 294"/>
+        <p:cNvPr id="299" name="Shape 299"/>
         <p:cNvGrpSpPr/>
         <p:nvPr/>
       </p:nvGrpSpPr>
@@ -4691,7 +4889,7 @@
       </p:grpSpPr>
       <p:sp>
         <p:nvSpPr>
-          <p:cNvPr id="295" name="Google Shape;295;g1f4e2c1751e_1_21:notes"/>
+          <p:cNvPr id="300" name="Google Shape;300;g1f4e2c1751e_2_0:notes"/>
           <p:cNvSpPr/>
           <p:nvPr>
             <p:ph idx="2" type="sldImg"/>
@@ -4736,7 +4934,7 @@
       </p:sp>
       <p:sp>
         <p:nvSpPr>
-          <p:cNvPr id="296" name="Google Shape;296;g1f4e2c1751e_1_21:notes"/>
+          <p:cNvPr id="301" name="Google Shape;301;g1f4e2c1751e_2_0:notes"/>
           <p:cNvSpPr txBox="1"/>
           <p:nvPr>
             <p:ph idx="1" type="body"/>
@@ -4761,62 +4959,182 @@
           </a:bodyPr>
           <a:lstStyle/>
           <a:p>
-            <a:pPr indent="0" lvl="0" marL="0" rtl="0" algn="l">
-              <a:lnSpc>
-                <a:spcPct val="100000"/>
-              </a:lnSpc>
-              <a:spcBef>
-                <a:spcPts val="0"/>
-              </a:spcBef>
-              <a:spcAft>
-                <a:spcPts val="0"/>
-              </a:spcAft>
-              <a:buSzPts val="1400"/>
-              <a:buNone/>
+            <a:pPr indent="-317500" lvl="0" marL="457200" rtl="0" algn="l">
+              <a:lnSpc>
+                <a:spcPct val="90000"/>
+              </a:lnSpc>
+              <a:spcBef>
+                <a:spcPts val="1000"/>
+              </a:spcBef>
+              <a:spcAft>
+                <a:spcPts val="0"/>
+              </a:spcAft>
+              <a:buClr>
+                <a:schemeClr val="dk1"/>
+              </a:buClr>
+              <a:buSzPts val="1400"/>
+              <a:buChar char="●"/>
             </a:pPr>
             <a:r>
-              <a:rPr lang="en-US"/>
-              <a:t>What I see:</a:t>
+              <a:rPr lang="en-US" sz="1400"/>
+              <a:t>National sample, + samples from 6 specific cities, obtained from online panel provider Lucid</a:t>
             </a:r>
-            <a:endParaRPr/>
+            <a:endParaRPr sz="1400"/>
           </a:p>
           <a:p>
             <a:pPr indent="-317500" lvl="0" marL="457200" rtl="0" algn="l">
               <a:lnSpc>
-                <a:spcPct val="100000"/>
-              </a:lnSpc>
-              <a:spcBef>
-                <a:spcPts val="0"/>
-              </a:spcBef>
-              <a:spcAft>
-                <a:spcPts val="0"/>
-              </a:spcAft>
-              <a:buSzPts val="1400"/>
-              <a:buAutoNum type="arabicPeriod"/>
+                <a:spcPct val="90000"/>
+              </a:lnSpc>
+              <a:spcBef>
+                <a:spcPts val="0"/>
+              </a:spcBef>
+              <a:spcAft>
+                <a:spcPts val="0"/>
+              </a:spcAft>
+              <a:buClr>
+                <a:schemeClr val="dk1"/>
+              </a:buClr>
+              <a:buSzPts val="1400"/>
+              <a:buChar char="●"/>
             </a:pPr>
             <a:r>
-              <a:rPr lang="en-US"/>
-              <a:t>Throughout the entire period Democrats are using masks more</a:t>
+              <a:rPr lang="en-US" sz="1400"/>
+              <a:t>questions about respondent and who respondent’s contacts are</a:t>
             </a:r>
-            <a:endParaRPr/>
+            <a:endParaRPr sz="1400"/>
           </a:p>
           <a:p>
             <a:pPr indent="-317500" lvl="0" marL="457200" rtl="0" algn="l">
               <a:lnSpc>
-                <a:spcPct val="100000"/>
-              </a:lnSpc>
-              <a:spcBef>
-                <a:spcPts val="0"/>
-              </a:spcBef>
-              <a:spcAft>
-                <a:spcPts val="0"/>
-              </a:spcAft>
-              <a:buSzPts val="1400"/>
-              <a:buAutoNum type="arabicPeriod"/>
+                <a:spcPct val="90000"/>
+              </a:lnSpc>
+              <a:spcBef>
+                <a:spcPts val="1000"/>
+              </a:spcBef>
+              <a:spcAft>
+                <a:spcPts val="0"/>
+              </a:spcAft>
+              <a:buClr>
+                <a:schemeClr val="dk1"/>
+              </a:buClr>
+              <a:buSzPts val="1400"/>
+              <a:buChar char="●"/>
             </a:pPr>
             <a:r>
-              <a:rPr lang="en-US"/>
-              <a:t>As the pandemic continues, the gap between Democrats and Republicans widens</a:t>
+              <a:rPr lang="en-US" sz="1400"/>
+              <a:t>information on interpersonal contact </a:t>
+            </a:r>
+            <a:endParaRPr sz="1400"/>
+          </a:p>
+          <a:p>
+            <a:pPr indent="-317500" lvl="1" marL="914400" rtl="0" algn="l">
+              <a:lnSpc>
+                <a:spcPct val="90000"/>
+              </a:lnSpc>
+              <a:spcBef>
+                <a:spcPts val="500"/>
+              </a:spcBef>
+              <a:spcAft>
+                <a:spcPts val="0"/>
+              </a:spcAft>
+              <a:buClr>
+                <a:schemeClr val="dk1"/>
+              </a:buClr>
+              <a:buSzPts val="1400"/>
+              <a:buChar char="○"/>
+            </a:pPr>
+            <a:r>
+              <a:rPr lang="en-US" sz="1400"/>
+              <a:t>face-to-face contacts relevant for potential transmission of COVID-19</a:t>
+            </a:r>
+            <a:endParaRPr sz="1400"/>
+          </a:p>
+          <a:p>
+            <a:pPr indent="-317500" lvl="1" marL="914400" rtl="0" algn="l">
+              <a:lnSpc>
+                <a:spcPct val="90000"/>
+              </a:lnSpc>
+              <a:spcBef>
+                <a:spcPts val="500"/>
+              </a:spcBef>
+              <a:spcAft>
+                <a:spcPts val="0"/>
+              </a:spcAft>
+              <a:buClr>
+                <a:schemeClr val="dk1"/>
+              </a:buClr>
+              <a:buSzPts val="1400"/>
+              <a:buChar char="○"/>
+            </a:pPr>
+            <a:r>
+              <a:rPr lang="en-US" sz="1400"/>
+              <a:t>household structure</a:t>
+            </a:r>
+            <a:endParaRPr sz="1400"/>
+          </a:p>
+          <a:p>
+            <a:pPr indent="-317500" lvl="0" marL="457200" rtl="0" algn="l">
+              <a:lnSpc>
+                <a:spcPct val="90000"/>
+              </a:lnSpc>
+              <a:spcBef>
+                <a:spcPts val="0"/>
+              </a:spcBef>
+              <a:spcAft>
+                <a:spcPts val="0"/>
+              </a:spcAft>
+              <a:buClr>
+                <a:schemeClr val="dk1"/>
+              </a:buClr>
+              <a:buSzPts val="1400"/>
+              <a:buChar char="●"/>
+            </a:pPr>
+            <a:r>
+              <a:rPr lang="en-US" sz="1400"/>
+              <a:t>5 waves of data collection repeated cross-section</a:t>
+            </a:r>
+            <a:endParaRPr sz="1400"/>
+          </a:p>
+          <a:p>
+            <a:pPr indent="-317500" lvl="0" marL="457200" rtl="0" algn="l">
+              <a:lnSpc>
+                <a:spcPct val="90000"/>
+              </a:lnSpc>
+              <a:spcBef>
+                <a:spcPts val="0"/>
+              </a:spcBef>
+              <a:spcAft>
+                <a:spcPts val="0"/>
+              </a:spcAft>
+              <a:buClr>
+                <a:schemeClr val="dk1"/>
+              </a:buClr>
+              <a:buSzPts val="1400"/>
+              <a:buChar char="●"/>
+            </a:pPr>
+            <a:r>
+              <a:rPr lang="en-US" sz="1400"/>
+              <a:t>n = about 21,100 across all 5 waves (CHANGE THIS)</a:t>
+            </a:r>
+            <a:endParaRPr sz="1400"/>
+          </a:p>
+          <a:p>
+            <a:pPr indent="0" lvl="0" marL="0" rtl="0" algn="l">
+              <a:lnSpc>
+                <a:spcPct val="100000"/>
+              </a:lnSpc>
+              <a:spcBef>
+                <a:spcPts val="0"/>
+              </a:spcBef>
+              <a:spcAft>
+                <a:spcPts val="0"/>
+              </a:spcAft>
+              <a:buSzPts val="1400"/>
+              <a:buNone/>
+            </a:pPr>
+            <a:r>
+              <a:t/>
             </a:r>
             <a:endParaRPr/>
           </a:p>
@@ -4824,7 +5142,7 @@
       </p:sp>
       <p:sp>
         <p:nvSpPr>
-          <p:cNvPr id="297" name="Google Shape;297;g1f4e2c1751e_1_21:notes"/>
+          <p:cNvPr id="302" name="Google Shape;302;g1f4e2c1751e_2_0:notes"/>
           <p:cNvSpPr txBox="1"/>
           <p:nvPr>
             <p:ph idx="12" type="sldNum"/>
@@ -4887,7 +5205,7 @@
   <p:cSld>
     <p:spTree>
       <p:nvGrpSpPr>
-        <p:cNvPr id="302" name="Shape 302"/>
+        <p:cNvPr id="308" name="Shape 308"/>
         <p:cNvGrpSpPr/>
         <p:nvPr/>
       </p:nvGrpSpPr>
@@ -4901,7 +5219,7 @@
       </p:grpSpPr>
       <p:sp>
         <p:nvSpPr>
-          <p:cNvPr id="303" name="Google Shape;303;g1f4e2c1751e_1_0:notes"/>
+          <p:cNvPr id="309" name="Google Shape;309;g1f4e2c1751e_1_21:notes"/>
           <p:cNvSpPr/>
           <p:nvPr>
             <p:ph idx="2" type="sldImg"/>
@@ -4946,7 +5264,7 @@
       </p:sp>
       <p:sp>
         <p:nvSpPr>
-          <p:cNvPr id="304" name="Google Shape;304;g1f4e2c1751e_1_0:notes"/>
+          <p:cNvPr id="310" name="Google Shape;310;g1f4e2c1751e_1_21:notes"/>
           <p:cNvSpPr txBox="1"/>
           <p:nvPr>
             <p:ph idx="1" type="body"/>
@@ -5006,7 +5324,7 @@
             </a:pPr>
             <a:r>
               <a:rPr lang="en-US"/>
-              <a:t>Democrat concern about the spread of the virus tracks with mortality rates</a:t>
+              <a:t>Throughout the entire period Democrats are using masks more</a:t>
             </a:r>
             <a:endParaRPr/>
           </a:p>
@@ -5026,7 +5344,7 @@
             </a:pPr>
             <a:r>
               <a:rPr lang="en-US"/>
-              <a:t>Republican concern about the spread of the virus drops consistently after sept 2020 even though mortality rates are higher (waning important)</a:t>
+              <a:t>As the pandemic continues, the gap between Democrats and Republicans widens</a:t>
             </a:r>
             <a:endParaRPr/>
           </a:p>
@@ -5034,7 +5352,7 @@
       </p:sp>
       <p:sp>
         <p:nvSpPr>
-          <p:cNvPr id="305" name="Google Shape;305;g1f4e2c1751e_1_0:notes"/>
+          <p:cNvPr id="311" name="Google Shape;311;g1f4e2c1751e_1_21:notes"/>
           <p:cNvSpPr txBox="1"/>
           <p:nvPr>
             <p:ph idx="12" type="sldNum"/>
@@ -5097,7 +5415,7 @@
   <p:cSld>
     <p:spTree>
       <p:nvGrpSpPr>
-        <p:cNvPr id="310" name="Shape 310"/>
+        <p:cNvPr id="316" name="Shape 316"/>
         <p:cNvGrpSpPr/>
         <p:nvPr/>
       </p:nvGrpSpPr>
@@ -5111,7 +5429,217 @@
       </p:grpSpPr>
       <p:sp>
         <p:nvSpPr>
-          <p:cNvPr id="311" name="Google Shape;311;p47:notes"/>
+          <p:cNvPr id="317" name="Google Shape;317;g1f4e2c1751e_1_0:notes"/>
+          <p:cNvSpPr/>
+          <p:nvPr>
+            <p:ph idx="2" type="sldImg"/>
+          </p:nvPr>
+        </p:nvSpPr>
+        <p:spPr>
+          <a:xfrm>
+            <a:off x="685800" y="1143000"/>
+            <a:ext cx="5486400" cy="3086100"/>
+          </a:xfrm>
+          <a:custGeom>
+            <a:rect b="b" l="l" r="r" t="t"/>
+            <a:pathLst>
+              <a:path extrusionOk="0" h="120000" w="120000">
+                <a:moveTo>
+                  <a:pt x="0" y="0"/>
+                </a:moveTo>
+                <a:lnTo>
+                  <a:pt x="120000" y="0"/>
+                </a:lnTo>
+                <a:lnTo>
+                  <a:pt x="120000" y="120000"/>
+                </a:lnTo>
+                <a:lnTo>
+                  <a:pt x="0" y="120000"/>
+                </a:lnTo>
+                <a:close/>
+              </a:path>
+            </a:pathLst>
+          </a:custGeom>
+          <a:noFill/>
+          <a:ln cap="flat" cmpd="sng" w="12700">
+            <a:solidFill>
+              <a:srgbClr val="000000"/>
+            </a:solidFill>
+            <a:prstDash val="solid"/>
+            <a:round/>
+            <a:headEnd len="sm" w="sm" type="none"/>
+            <a:tailEnd len="sm" w="sm" type="none"/>
+          </a:ln>
+        </p:spPr>
+      </p:sp>
+      <p:sp>
+        <p:nvSpPr>
+          <p:cNvPr id="318" name="Google Shape;318;g1f4e2c1751e_1_0:notes"/>
+          <p:cNvSpPr txBox="1"/>
+          <p:nvPr>
+            <p:ph idx="1" type="body"/>
+          </p:nvPr>
+        </p:nvSpPr>
+        <p:spPr>
+          <a:xfrm>
+            <a:off x="685800" y="4400550"/>
+            <a:ext cx="5486400" cy="3600600"/>
+          </a:xfrm>
+          <a:prstGeom prst="rect">
+            <a:avLst/>
+          </a:prstGeom>
+          <a:noFill/>
+          <a:ln>
+            <a:noFill/>
+          </a:ln>
+        </p:spPr>
+        <p:txBody>
+          <a:bodyPr anchorCtr="0" anchor="t" bIns="45700" lIns="91425" spcFirstLastPara="1" rIns="91425" wrap="square" tIns="45700">
+            <a:noAutofit/>
+          </a:bodyPr>
+          <a:lstStyle/>
+          <a:p>
+            <a:pPr indent="0" lvl="0" marL="0" rtl="0" algn="l">
+              <a:lnSpc>
+                <a:spcPct val="100000"/>
+              </a:lnSpc>
+              <a:spcBef>
+                <a:spcPts val="0"/>
+              </a:spcBef>
+              <a:spcAft>
+                <a:spcPts val="0"/>
+              </a:spcAft>
+              <a:buSzPts val="1400"/>
+              <a:buNone/>
+            </a:pPr>
+            <a:r>
+              <a:rPr lang="en-US"/>
+              <a:t>What I see:</a:t>
+            </a:r>
+            <a:endParaRPr/>
+          </a:p>
+          <a:p>
+            <a:pPr indent="-317500" lvl="0" marL="457200" rtl="0" algn="l">
+              <a:lnSpc>
+                <a:spcPct val="100000"/>
+              </a:lnSpc>
+              <a:spcBef>
+                <a:spcPts val="0"/>
+              </a:spcBef>
+              <a:spcAft>
+                <a:spcPts val="0"/>
+              </a:spcAft>
+              <a:buSzPts val="1400"/>
+              <a:buAutoNum type="arabicPeriod"/>
+            </a:pPr>
+            <a:r>
+              <a:rPr lang="en-US"/>
+              <a:t>Democrat concern about the spread of the virus tracks with mortality rates</a:t>
+            </a:r>
+            <a:endParaRPr/>
+          </a:p>
+          <a:p>
+            <a:pPr indent="-317500" lvl="0" marL="457200" rtl="0" algn="l">
+              <a:lnSpc>
+                <a:spcPct val="100000"/>
+              </a:lnSpc>
+              <a:spcBef>
+                <a:spcPts val="0"/>
+              </a:spcBef>
+              <a:spcAft>
+                <a:spcPts val="0"/>
+              </a:spcAft>
+              <a:buSzPts val="1400"/>
+              <a:buAutoNum type="arabicPeriod"/>
+            </a:pPr>
+            <a:r>
+              <a:rPr lang="en-US"/>
+              <a:t>Republican concern about the spread of the virus drops consistently after sept 2020 even though mortality rates are higher (waning important)</a:t>
+            </a:r>
+            <a:endParaRPr/>
+          </a:p>
+        </p:txBody>
+      </p:sp>
+      <p:sp>
+        <p:nvSpPr>
+          <p:cNvPr id="319" name="Google Shape;319;g1f4e2c1751e_1_0:notes"/>
+          <p:cNvSpPr txBox="1"/>
+          <p:nvPr>
+            <p:ph idx="12" type="sldNum"/>
+          </p:nvPr>
+        </p:nvSpPr>
+        <p:spPr>
+          <a:xfrm>
+            <a:off x="3884613" y="8685213"/>
+            <a:ext cx="2971800" cy="458700"/>
+          </a:xfrm>
+          <a:prstGeom prst="rect">
+            <a:avLst/>
+          </a:prstGeom>
+          <a:noFill/>
+          <a:ln>
+            <a:noFill/>
+          </a:ln>
+        </p:spPr>
+        <p:txBody>
+          <a:bodyPr anchorCtr="0" anchor="b" bIns="45700" lIns="91425" spcFirstLastPara="1" rIns="91425" wrap="square" tIns="45700">
+            <a:noAutofit/>
+          </a:bodyPr>
+          <a:lstStyle/>
+          <a:p>
+            <a:pPr indent="0" lvl="0" marL="0" rtl="0" algn="r">
+              <a:lnSpc>
+                <a:spcPct val="100000"/>
+              </a:lnSpc>
+              <a:spcBef>
+                <a:spcPts val="0"/>
+              </a:spcBef>
+              <a:spcAft>
+                <a:spcPts val="0"/>
+              </a:spcAft>
+              <a:buClr>
+                <a:srgbClr val="000000"/>
+              </a:buClr>
+              <a:buSzPts val="1200"/>
+              <a:buFont typeface="Arial"/>
+              <a:buNone/>
+            </a:pPr>
+            <a:fld id="{00000000-1234-1234-1234-123412341234}" type="slidenum">
+              <a:rPr lang="en-US"/>
+              <a:t>‹#›</a:t>
+            </a:fld>
+            <a:endParaRPr/>
+          </a:p>
+        </p:txBody>
+      </p:sp>
+    </p:spTree>
+  </p:cSld>
+  <p:clrMapOvr>
+    <a:masterClrMapping/>
+  </p:clrMapOvr>
+</p:notes>
+</file>
+
+<file path=ppt/notesSlides/notesSlide27.xml><?xml version="1.0" encoding="utf-8"?>
+<p:notes xmlns:a="http://schemas.openxmlformats.org/drawingml/2006/main" xmlns:r="http://schemas.openxmlformats.org/officeDocument/2006/relationships" xmlns:mc="http://schemas.openxmlformats.org/markup-compatibility/2006" xmlns:mv="urn:schemas-microsoft-com:mac:vml" xmlns:p="http://schemas.openxmlformats.org/presentationml/2006/main" xmlns:c="http://schemas.openxmlformats.org/drawingml/2006/chart" xmlns:dgm="http://schemas.openxmlformats.org/drawingml/2006/diagram" xmlns:o="urn:schemas-microsoft-com:office:office" xmlns:v="urn:schemas-microsoft-com:vml" xmlns:pvml="urn:schemas-microsoft-com:office:powerpoint" xmlns:com="http://schemas.openxmlformats.org/drawingml/2006/compatibility" xmlns:p14="http://schemas.microsoft.com/office/powerpoint/2010/main" xmlns:p15="http://schemas.microsoft.com/office/powerpoint/2012/main" xmlns:ahyp="http://schemas.microsoft.com/office/drawing/2018/hyperlinkcolor" showMasterPhAnim="0" showMasterSp="0">
+  <p:cSld>
+    <p:spTree>
+      <p:nvGrpSpPr>
+        <p:cNvPr id="324" name="Shape 324"/>
+        <p:cNvGrpSpPr/>
+        <p:nvPr/>
+      </p:nvGrpSpPr>
+      <p:grpSpPr>
+        <a:xfrm>
+          <a:off x="0" y="0"/>
+          <a:ext cx="0" cy="0"/>
+          <a:chOff x="0" y="0"/>
+          <a:chExt cx="0" cy="0"/>
+        </a:xfrm>
+      </p:grpSpPr>
+      <p:sp>
+        <p:nvSpPr>
+          <p:cNvPr id="325" name="Google Shape;325;p47:notes"/>
           <p:cNvSpPr txBox="1"/>
           <p:nvPr>
             <p:ph idx="1" type="body"/>
@@ -5238,7 +5766,7 @@
       </p:sp>
       <p:sp>
         <p:nvSpPr>
-          <p:cNvPr id="312" name="Google Shape;312;p47:notes"/>
+          <p:cNvPr id="326" name="Google Shape;326;p47:notes"/>
           <p:cNvSpPr/>
           <p:nvPr>
             <p:ph idx="2" type="sldImg"/>
@@ -5289,12 +5817,12 @@
 </p:notes>
 </file>
 
-<file path=ppt/notesSlides/notesSlide27.xml><?xml version="1.0" encoding="utf-8"?>
+<file path=ppt/notesSlides/notesSlide28.xml><?xml version="1.0" encoding="utf-8"?>
 <p:notes xmlns:a="http://schemas.openxmlformats.org/drawingml/2006/main" xmlns:r="http://schemas.openxmlformats.org/officeDocument/2006/relationships" xmlns:mc="http://schemas.openxmlformats.org/markup-compatibility/2006" xmlns:mv="urn:schemas-microsoft-com:mac:vml" xmlns:p="http://schemas.openxmlformats.org/presentationml/2006/main" xmlns:c="http://schemas.openxmlformats.org/drawingml/2006/chart" xmlns:dgm="http://schemas.openxmlformats.org/drawingml/2006/diagram" xmlns:o="urn:schemas-microsoft-com:office:office" xmlns:v="urn:schemas-microsoft-com:vml" xmlns:pvml="urn:schemas-microsoft-com:office:powerpoint" xmlns:com="http://schemas.openxmlformats.org/drawingml/2006/compatibility" xmlns:p14="http://schemas.microsoft.com/office/powerpoint/2010/main" xmlns:p15="http://schemas.microsoft.com/office/powerpoint/2012/main" xmlns:ahyp="http://schemas.microsoft.com/office/drawing/2018/hyperlinkcolor" showMasterPhAnim="0" showMasterSp="0">
   <p:cSld>
     <p:spTree>
       <p:nvGrpSpPr>
-        <p:cNvPr id="317" name="Shape 317"/>
+        <p:cNvPr id="331" name="Shape 331"/>
         <p:cNvGrpSpPr/>
         <p:nvPr/>
       </p:nvGrpSpPr>
@@ -5308,7 +5836,7 @@
       </p:grpSpPr>
       <p:sp>
         <p:nvSpPr>
-          <p:cNvPr id="318" name="Google Shape;318;g1f4e2c1751e_1_49:notes"/>
+          <p:cNvPr id="332" name="Google Shape;332;g1f4e2c1751e_1_49:notes"/>
           <p:cNvSpPr/>
           <p:nvPr>
             <p:ph idx="2" type="sldImg"/>
@@ -5353,7 +5881,7 @@
       </p:sp>
       <p:sp>
         <p:nvSpPr>
-          <p:cNvPr id="319" name="Google Shape;319;g1f4e2c1751e_1_49:notes"/>
+          <p:cNvPr id="333" name="Google Shape;333;g1f4e2c1751e_1_49:notes"/>
           <p:cNvSpPr txBox="1"/>
           <p:nvPr>
             <p:ph idx="1" type="body"/>
@@ -5401,7 +5929,7 @@
       </p:sp>
       <p:sp>
         <p:nvSpPr>
-          <p:cNvPr id="320" name="Google Shape;320;g1f4e2c1751e_1_49:notes"/>
+          <p:cNvPr id="334" name="Google Shape;334;g1f4e2c1751e_1_49:notes"/>
           <p:cNvSpPr txBox="1"/>
           <p:nvPr>
             <p:ph idx="12" type="sldNum"/>
@@ -5459,12 +5987,12 @@
 </p:notes>
 </file>
 
-<file path=ppt/notesSlides/notesSlide28.xml><?xml version="1.0" encoding="utf-8"?>
+<file path=ppt/notesSlides/notesSlide29.xml><?xml version="1.0" encoding="utf-8"?>
 <p:notes xmlns:a="http://schemas.openxmlformats.org/drawingml/2006/main" xmlns:r="http://schemas.openxmlformats.org/officeDocument/2006/relationships" xmlns:mc="http://schemas.openxmlformats.org/markup-compatibility/2006" xmlns:mv="urn:schemas-microsoft-com:mac:vml" xmlns:p="http://schemas.openxmlformats.org/presentationml/2006/main" xmlns:c="http://schemas.openxmlformats.org/drawingml/2006/chart" xmlns:dgm="http://schemas.openxmlformats.org/drawingml/2006/diagram" xmlns:o="urn:schemas-microsoft-com:office:office" xmlns:v="urn:schemas-microsoft-com:vml" xmlns:pvml="urn:schemas-microsoft-com:office:powerpoint" xmlns:com="http://schemas.openxmlformats.org/drawingml/2006/compatibility" xmlns:p14="http://schemas.microsoft.com/office/powerpoint/2010/main" xmlns:p15="http://schemas.microsoft.com/office/powerpoint/2012/main" xmlns:ahyp="http://schemas.microsoft.com/office/drawing/2018/hyperlinkcolor" showMasterPhAnim="0" showMasterSp="0">
   <p:cSld>
     <p:spTree>
       <p:nvGrpSpPr>
-        <p:cNvPr id="325" name="Shape 325"/>
+        <p:cNvPr id="339" name="Shape 339"/>
         <p:cNvGrpSpPr/>
         <p:nvPr/>
       </p:nvGrpSpPr>
@@ -5478,7 +6006,7 @@
       </p:grpSpPr>
       <p:sp>
         <p:nvSpPr>
-          <p:cNvPr id="326" name="Google Shape;326;g2c850703521_0_6:notes"/>
+          <p:cNvPr id="340" name="Google Shape;340;g2c850703521_0_6:notes"/>
           <p:cNvSpPr/>
           <p:nvPr>
             <p:ph idx="2" type="sldImg"/>
@@ -5513,7 +6041,7 @@
       </p:sp>
       <p:sp>
         <p:nvSpPr>
-          <p:cNvPr id="327" name="Google Shape;327;g2c850703521_0_6:notes"/>
+          <p:cNvPr id="341" name="Google Shape;341;g2c850703521_0_6:notes"/>
           <p:cNvSpPr txBox="1"/>
           <p:nvPr>
             <p:ph idx="1" type="body"/>
@@ -5547,7 +6075,7 @@
               <a:rPr lang="en-US">
                 <a:extLst>
                   <a:ext uri="http://customooxmlschemas.google.com/">
-                    <go:slidesCustomData xmlns:go="http://customooxmlschemas.google.com/" textRoundtripDataId="12"/>
+                    <go:slidesCustomData xmlns:go="http://customooxmlschemas.google.com/" textRoundtripDataId="16"/>
                   </a:ext>
                 </a:extLst>
               </a:rPr>
@@ -5559,7 +6087,7 @@
       </p:sp>
       <p:sp>
         <p:nvSpPr>
-          <p:cNvPr id="328" name="Google Shape;328;g2c850703521_0_6:notes"/>
+          <p:cNvPr id="342" name="Google Shape;342;g2c850703521_0_6:notes"/>
           <p:cNvSpPr txBox="1"/>
           <p:nvPr>
             <p:ph idx="12" type="sldNum"/>
@@ -5601,124 +6129,6 @@
             <a:endParaRPr/>
           </a:p>
         </p:txBody>
-      </p:sp>
-    </p:spTree>
-  </p:cSld>
-  <p:clrMapOvr>
-    <a:masterClrMapping/>
-  </p:clrMapOvr>
-</p:notes>
-</file>
-
-<file path=ppt/notesSlides/notesSlide29.xml><?xml version="1.0" encoding="utf-8"?>
-<p:notes xmlns:a="http://schemas.openxmlformats.org/drawingml/2006/main" xmlns:r="http://schemas.openxmlformats.org/officeDocument/2006/relationships" xmlns:mc="http://schemas.openxmlformats.org/markup-compatibility/2006" xmlns:mv="urn:schemas-microsoft-com:mac:vml" xmlns:p="http://schemas.openxmlformats.org/presentationml/2006/main" xmlns:c="http://schemas.openxmlformats.org/drawingml/2006/chart" xmlns:dgm="http://schemas.openxmlformats.org/drawingml/2006/diagram" xmlns:o="urn:schemas-microsoft-com:office:office" xmlns:v="urn:schemas-microsoft-com:vml" xmlns:pvml="urn:schemas-microsoft-com:office:powerpoint" xmlns:com="http://schemas.openxmlformats.org/drawingml/2006/compatibility" xmlns:p14="http://schemas.microsoft.com/office/powerpoint/2010/main" xmlns:p15="http://schemas.microsoft.com/office/powerpoint/2012/main" xmlns:ahyp="http://schemas.microsoft.com/office/drawing/2018/hyperlinkcolor" showMasterPhAnim="0" showMasterSp="0">
-  <p:cSld>
-    <p:spTree>
-      <p:nvGrpSpPr>
-        <p:cNvPr id="333" name="Shape 333"/>
-        <p:cNvGrpSpPr/>
-        <p:nvPr/>
-      </p:nvGrpSpPr>
-      <p:grpSpPr>
-        <a:xfrm>
-          <a:off x="0" y="0"/>
-          <a:ext cx="0" cy="0"/>
-          <a:chOff x="0" y="0"/>
-          <a:chExt cx="0" cy="0"/>
-        </a:xfrm>
-      </p:grpSpPr>
-      <p:sp>
-        <p:nvSpPr>
-          <p:cNvPr id="334" name="Google Shape;334;p17:notes"/>
-          <p:cNvSpPr txBox="1"/>
-          <p:nvPr>
-            <p:ph idx="1" type="body"/>
-          </p:nvPr>
-        </p:nvSpPr>
-        <p:spPr>
-          <a:xfrm>
-            <a:off x="685800" y="4400550"/>
-            <a:ext cx="5486400" cy="3600450"/>
-          </a:xfrm>
-          <a:prstGeom prst="rect">
-            <a:avLst/>
-          </a:prstGeom>
-          <a:noFill/>
-          <a:ln>
-            <a:noFill/>
-          </a:ln>
-        </p:spPr>
-        <p:txBody>
-          <a:bodyPr anchorCtr="0" anchor="t" bIns="45700" lIns="91425" spcFirstLastPara="1" rIns="91425" wrap="square" tIns="45700">
-            <a:noAutofit/>
-          </a:bodyPr>
-          <a:lstStyle/>
-          <a:p>
-            <a:pPr indent="0" lvl="0" marL="0" rtl="0" algn="l">
-              <a:lnSpc>
-                <a:spcPct val="100000"/>
-              </a:lnSpc>
-              <a:spcBef>
-                <a:spcPts val="0"/>
-              </a:spcBef>
-              <a:spcAft>
-                <a:spcPts val="0"/>
-              </a:spcAft>
-              <a:buSzPts val="1400"/>
-              <a:buNone/>
-            </a:pPr>
-            <a:r>
-              <a:rPr lang="en-US"/>
-              <a:t>The fact that concern also moves along with contacts and mask usage implies that this relationship isn’t due solely to policy differences but also perception of the pandemic. </a:t>
-            </a:r>
-            <a:endParaRPr/>
-          </a:p>
-        </p:txBody>
-      </p:sp>
-      <p:sp>
-        <p:nvSpPr>
-          <p:cNvPr id="335" name="Google Shape;335;p17:notes"/>
-          <p:cNvSpPr/>
-          <p:nvPr>
-            <p:ph idx="2" type="sldImg"/>
-          </p:nvPr>
-        </p:nvSpPr>
-        <p:spPr>
-          <a:xfrm>
-            <a:off x="685800" y="1143000"/>
-            <a:ext cx="5486400" cy="3086100"/>
-          </a:xfrm>
-          <a:custGeom>
-            <a:rect b="b" l="l" r="r" t="t"/>
-            <a:pathLst>
-              <a:path extrusionOk="0" h="120000" w="120000">
-                <a:moveTo>
-                  <a:pt x="0" y="0"/>
-                </a:moveTo>
-                <a:lnTo>
-                  <a:pt x="120000" y="0"/>
-                </a:lnTo>
-                <a:lnTo>
-                  <a:pt x="120000" y="120000"/>
-                </a:lnTo>
-                <a:lnTo>
-                  <a:pt x="0" y="120000"/>
-                </a:lnTo>
-                <a:close/>
-              </a:path>
-            </a:pathLst>
-          </a:custGeom>
-          <a:noFill/>
-          <a:ln cap="flat" cmpd="sng" w="12700">
-            <a:solidFill>
-              <a:srgbClr val="000000"/>
-            </a:solidFill>
-            <a:prstDash val="solid"/>
-            <a:round/>
-            <a:headEnd len="sm" w="sm" type="none"/>
-            <a:tailEnd len="sm" w="sm" type="none"/>
-          </a:ln>
-        </p:spPr>
       </p:sp>
     </p:spTree>
   </p:cSld>
@@ -5931,7 +6341,7 @@
   <p:cSld>
     <p:spTree>
       <p:nvGrpSpPr>
-        <p:cNvPr id="340" name="Shape 340"/>
+        <p:cNvPr id="347" name="Shape 347"/>
         <p:cNvGrpSpPr/>
         <p:nvPr/>
       </p:nvGrpSpPr>
@@ -5945,7 +6355,7 @@
       </p:grpSpPr>
       <p:sp>
         <p:nvSpPr>
-          <p:cNvPr id="341" name="Google Shape;341;p19:notes"/>
+          <p:cNvPr id="348" name="Google Shape;348;p17:notes"/>
           <p:cNvSpPr txBox="1"/>
           <p:nvPr>
             <p:ph idx="1" type="body"/>
@@ -5985,7 +6395,7 @@
             </a:pPr>
             <a:r>
               <a:rPr lang="en-US"/>
-              <a:t>None of these are statistically significant. Contacts are not really changing much based on partisan context.</a:t>
+              <a:t>The fact that concern also moves along with contacts and mask usage implies that this relationship isn’t due solely to policy differences but also perception of the pandemic. </a:t>
             </a:r>
             <a:endParaRPr/>
           </a:p>
@@ -5993,7 +6403,7 @@
       </p:sp>
       <p:sp>
         <p:nvSpPr>
-          <p:cNvPr id="342" name="Google Shape;342;p19:notes"/>
+          <p:cNvPr id="349" name="Google Shape;349;p17:notes"/>
           <p:cNvSpPr/>
           <p:nvPr>
             <p:ph idx="2" type="sldImg"/>
@@ -6049,7 +6459,7 @@
   <p:cSld>
     <p:spTree>
       <p:nvGrpSpPr>
-        <p:cNvPr id="347" name="Shape 347"/>
+        <p:cNvPr id="354" name="Shape 354"/>
         <p:cNvGrpSpPr/>
         <p:nvPr/>
       </p:nvGrpSpPr>
@@ -6063,7 +6473,7 @@
       </p:grpSpPr>
       <p:sp>
         <p:nvSpPr>
-          <p:cNvPr id="348" name="Google Shape;348;p20:notes"/>
+          <p:cNvPr id="355" name="Google Shape;355;p19:notes"/>
           <p:cNvSpPr txBox="1"/>
           <p:nvPr>
             <p:ph idx="1" type="body"/>
@@ -6103,7 +6513,7 @@
             </a:pPr>
             <a:r>
               <a:rPr lang="en-US"/>
-              <a:t>Democrats are not really changing their mask behavior based on context, but Republicans are (consistent with Baxter Paper) </a:t>
+              <a:t>None of these are statistically significant. Contacts are not really changing much based on partisan context.</a:t>
             </a:r>
             <a:endParaRPr/>
           </a:p>
@@ -6111,7 +6521,7 @@
       </p:sp>
       <p:sp>
         <p:nvSpPr>
-          <p:cNvPr id="349" name="Google Shape;349;p20:notes"/>
+          <p:cNvPr id="356" name="Google Shape;356;p19:notes"/>
           <p:cNvSpPr/>
           <p:nvPr>
             <p:ph idx="2" type="sldImg"/>
@@ -6167,7 +6577,7 @@
   <p:cSld>
     <p:spTree>
       <p:nvGrpSpPr>
-        <p:cNvPr id="354" name="Shape 354"/>
+        <p:cNvPr id="361" name="Shape 361"/>
         <p:cNvGrpSpPr/>
         <p:nvPr/>
       </p:nvGrpSpPr>
@@ -6181,7 +6591,7 @@
       </p:grpSpPr>
       <p:sp>
         <p:nvSpPr>
-          <p:cNvPr id="355" name="Google Shape;355;p21:notes"/>
+          <p:cNvPr id="362" name="Google Shape;362;p20:notes"/>
           <p:cNvSpPr txBox="1"/>
           <p:nvPr>
             <p:ph idx="1" type="body"/>
@@ -6221,7 +6631,7 @@
             </a:pPr>
             <a:r>
               <a:rPr lang="en-US"/>
-              <a:t>Larry Jacobs</a:t>
+              <a:t>Democrats are not really changing their mask behavior based on context, but Republicans are (consistent with Baxter Paper) </a:t>
             </a:r>
             <a:endParaRPr/>
           </a:p>
@@ -6229,7 +6639,7 @@
       </p:sp>
       <p:sp>
         <p:nvSpPr>
-          <p:cNvPr id="356" name="Google Shape;356;p21:notes"/>
+          <p:cNvPr id="363" name="Google Shape;363;p20:notes"/>
           <p:cNvSpPr/>
           <p:nvPr>
             <p:ph idx="2" type="sldImg"/>
@@ -6285,7 +6695,7 @@
   <p:cSld>
     <p:spTree>
       <p:nvGrpSpPr>
-        <p:cNvPr id="361" name="Shape 361"/>
+        <p:cNvPr id="368" name="Shape 368"/>
         <p:cNvGrpSpPr/>
         <p:nvPr/>
       </p:nvGrpSpPr>
@@ -6299,7 +6709,125 @@
       </p:grpSpPr>
       <p:sp>
         <p:nvSpPr>
-          <p:cNvPr id="362" name="Google Shape;362;g2c1d600bfe3_0_0:notes"/>
+          <p:cNvPr id="369" name="Google Shape;369;p21:notes"/>
+          <p:cNvSpPr txBox="1"/>
+          <p:nvPr>
+            <p:ph idx="1" type="body"/>
+          </p:nvPr>
+        </p:nvSpPr>
+        <p:spPr>
+          <a:xfrm>
+            <a:off x="685800" y="4400550"/>
+            <a:ext cx="5486400" cy="3600450"/>
+          </a:xfrm>
+          <a:prstGeom prst="rect">
+            <a:avLst/>
+          </a:prstGeom>
+          <a:noFill/>
+          <a:ln>
+            <a:noFill/>
+          </a:ln>
+        </p:spPr>
+        <p:txBody>
+          <a:bodyPr anchorCtr="0" anchor="t" bIns="45700" lIns="91425" spcFirstLastPara="1" rIns="91425" wrap="square" tIns="45700">
+            <a:noAutofit/>
+          </a:bodyPr>
+          <a:lstStyle/>
+          <a:p>
+            <a:pPr indent="0" lvl="0" marL="0" rtl="0" algn="l">
+              <a:lnSpc>
+                <a:spcPct val="100000"/>
+              </a:lnSpc>
+              <a:spcBef>
+                <a:spcPts val="0"/>
+              </a:spcBef>
+              <a:spcAft>
+                <a:spcPts val="0"/>
+              </a:spcAft>
+              <a:buSzPts val="1400"/>
+              <a:buNone/>
+            </a:pPr>
+            <a:r>
+              <a:rPr lang="en-US"/>
+              <a:t>Larry Jacobs</a:t>
+            </a:r>
+            <a:endParaRPr/>
+          </a:p>
+        </p:txBody>
+      </p:sp>
+      <p:sp>
+        <p:nvSpPr>
+          <p:cNvPr id="370" name="Google Shape;370;p21:notes"/>
+          <p:cNvSpPr/>
+          <p:nvPr>
+            <p:ph idx="2" type="sldImg"/>
+          </p:nvPr>
+        </p:nvSpPr>
+        <p:spPr>
+          <a:xfrm>
+            <a:off x="685800" y="1143000"/>
+            <a:ext cx="5486400" cy="3086100"/>
+          </a:xfrm>
+          <a:custGeom>
+            <a:rect b="b" l="l" r="r" t="t"/>
+            <a:pathLst>
+              <a:path extrusionOk="0" h="120000" w="120000">
+                <a:moveTo>
+                  <a:pt x="0" y="0"/>
+                </a:moveTo>
+                <a:lnTo>
+                  <a:pt x="120000" y="0"/>
+                </a:lnTo>
+                <a:lnTo>
+                  <a:pt x="120000" y="120000"/>
+                </a:lnTo>
+                <a:lnTo>
+                  <a:pt x="0" y="120000"/>
+                </a:lnTo>
+                <a:close/>
+              </a:path>
+            </a:pathLst>
+          </a:custGeom>
+          <a:noFill/>
+          <a:ln cap="flat" cmpd="sng" w="12700">
+            <a:solidFill>
+              <a:srgbClr val="000000"/>
+            </a:solidFill>
+            <a:prstDash val="solid"/>
+            <a:round/>
+            <a:headEnd len="sm" w="sm" type="none"/>
+            <a:tailEnd len="sm" w="sm" type="none"/>
+          </a:ln>
+        </p:spPr>
+      </p:sp>
+    </p:spTree>
+  </p:cSld>
+  <p:clrMapOvr>
+    <a:masterClrMapping/>
+  </p:clrMapOvr>
+</p:notes>
+</file>
+
+<file path=ppt/notesSlides/notesSlide34.xml><?xml version="1.0" encoding="utf-8"?>
+<p:notes xmlns:a="http://schemas.openxmlformats.org/drawingml/2006/main" xmlns:r="http://schemas.openxmlformats.org/officeDocument/2006/relationships" xmlns:mc="http://schemas.openxmlformats.org/markup-compatibility/2006" xmlns:mv="urn:schemas-microsoft-com:mac:vml" xmlns:p="http://schemas.openxmlformats.org/presentationml/2006/main" xmlns:c="http://schemas.openxmlformats.org/drawingml/2006/chart" xmlns:dgm="http://schemas.openxmlformats.org/drawingml/2006/diagram" xmlns:o="urn:schemas-microsoft-com:office:office" xmlns:v="urn:schemas-microsoft-com:vml" xmlns:pvml="urn:schemas-microsoft-com:office:powerpoint" xmlns:com="http://schemas.openxmlformats.org/drawingml/2006/compatibility" xmlns:p14="http://schemas.microsoft.com/office/powerpoint/2010/main" xmlns:p15="http://schemas.microsoft.com/office/powerpoint/2012/main" xmlns:ahyp="http://schemas.microsoft.com/office/drawing/2018/hyperlinkcolor" showMasterPhAnim="0" showMasterSp="0">
+  <p:cSld>
+    <p:spTree>
+      <p:nvGrpSpPr>
+        <p:cNvPr id="375" name="Shape 375"/>
+        <p:cNvGrpSpPr/>
+        <p:nvPr/>
+      </p:nvGrpSpPr>
+      <p:grpSpPr>
+        <a:xfrm>
+          <a:off x="0" y="0"/>
+          <a:ext cx="0" cy="0"/>
+          <a:chOff x="0" y="0"/>
+          <a:chExt cx="0" cy="0"/>
+        </a:xfrm>
+      </p:grpSpPr>
+      <p:sp>
+        <p:nvSpPr>
+          <p:cNvPr id="376" name="Google Shape;376;g2c1d600bfe3_0_0:notes"/>
           <p:cNvSpPr/>
           <p:nvPr>
             <p:ph idx="2" type="sldImg"/>
@@ -6344,7 +6872,7 @@
       </p:sp>
       <p:sp>
         <p:nvSpPr>
-          <p:cNvPr id="363" name="Google Shape;363;g2c1d600bfe3_0_0:notes"/>
+          <p:cNvPr id="377" name="Google Shape;377;g2c1d600bfe3_0_0:notes"/>
           <p:cNvSpPr txBox="1"/>
           <p:nvPr>
             <p:ph idx="1" type="body"/>
@@ -6391,7 +6919,7 @@
       </p:sp>
       <p:sp>
         <p:nvSpPr>
-          <p:cNvPr id="364" name="Google Shape;364;g2c1d600bfe3_0_0:notes"/>
+          <p:cNvPr id="378" name="Google Shape;378;g2c1d600bfe3_0_0:notes"/>
           <p:cNvSpPr txBox="1"/>
           <p:nvPr>
             <p:ph idx="12" type="sldNum"/>
@@ -6449,12 +6977,12 @@
 </p:notes>
 </file>
 
-<file path=ppt/notesSlides/notesSlide34.xml><?xml version="1.0" encoding="utf-8"?>
+<file path=ppt/notesSlides/notesSlide35.xml><?xml version="1.0" encoding="utf-8"?>
 <p:notes xmlns:a="http://schemas.openxmlformats.org/drawingml/2006/main" xmlns:r="http://schemas.openxmlformats.org/officeDocument/2006/relationships" xmlns:mc="http://schemas.openxmlformats.org/markup-compatibility/2006" xmlns:mv="urn:schemas-microsoft-com:mac:vml" xmlns:p="http://schemas.openxmlformats.org/presentationml/2006/main" xmlns:c="http://schemas.openxmlformats.org/drawingml/2006/chart" xmlns:dgm="http://schemas.openxmlformats.org/drawingml/2006/diagram" xmlns:o="urn:schemas-microsoft-com:office:office" xmlns:v="urn:schemas-microsoft-com:vml" xmlns:pvml="urn:schemas-microsoft-com:office:powerpoint" xmlns:com="http://schemas.openxmlformats.org/drawingml/2006/compatibility" xmlns:p14="http://schemas.microsoft.com/office/powerpoint/2010/main" xmlns:p15="http://schemas.microsoft.com/office/powerpoint/2012/main" xmlns:ahyp="http://schemas.microsoft.com/office/drawing/2018/hyperlinkcolor" showMasterPhAnim="0" showMasterSp="0">
   <p:cSld>
     <p:spTree>
       <p:nvGrpSpPr>
-        <p:cNvPr id="369" name="Shape 369"/>
+        <p:cNvPr id="383" name="Shape 383"/>
         <p:cNvGrpSpPr/>
         <p:nvPr/>
       </p:nvGrpSpPr>
@@ -6468,7 +6996,7 @@
       </p:grpSpPr>
       <p:sp>
         <p:nvSpPr>
-          <p:cNvPr id="370" name="Google Shape;370;g1f4e2c1751e_2_8:notes"/>
+          <p:cNvPr id="384" name="Google Shape;384;g1f4e2c1751e_2_8:notes"/>
           <p:cNvSpPr/>
           <p:nvPr>
             <p:ph idx="2" type="sldImg"/>
@@ -6513,7 +7041,7 @@
       </p:sp>
       <p:sp>
         <p:nvSpPr>
-          <p:cNvPr id="371" name="Google Shape;371;g1f4e2c1751e_2_8:notes"/>
+          <p:cNvPr id="385" name="Google Shape;385;g1f4e2c1751e_2_8:notes"/>
           <p:cNvSpPr txBox="1"/>
           <p:nvPr>
             <p:ph idx="1" type="body"/>
@@ -6560,7 +7088,7 @@
       </p:sp>
       <p:sp>
         <p:nvSpPr>
-          <p:cNvPr id="372" name="Google Shape;372;g1f4e2c1751e_2_8:notes"/>
+          <p:cNvPr id="386" name="Google Shape;386;g1f4e2c1751e_2_8:notes"/>
           <p:cNvSpPr txBox="1"/>
           <p:nvPr>
             <p:ph idx="12" type="sldNum"/>
@@ -6768,7 +7296,7 @@
   <p:cSld>
     <p:spTree>
       <p:nvGrpSpPr>
-        <p:cNvPr id="124" name="Shape 124"/>
+        <p:cNvPr id="125" name="Shape 125"/>
         <p:cNvGrpSpPr/>
         <p:nvPr/>
       </p:nvGrpSpPr>
@@ -6782,7 +7310,7 @@
       </p:grpSpPr>
       <p:sp>
         <p:nvSpPr>
-          <p:cNvPr id="125" name="Google Shape;125;p23:notes"/>
+          <p:cNvPr id="126" name="Google Shape;126;p23:notes"/>
           <p:cNvSpPr/>
           <p:nvPr>
             <p:ph idx="2" type="sldImg"/>
@@ -6827,7 +7355,7 @@
       </p:sp>
       <p:sp>
         <p:nvSpPr>
-          <p:cNvPr id="126" name="Google Shape;126;p23:notes"/>
+          <p:cNvPr id="127" name="Google Shape;127;p23:notes"/>
           <p:cNvSpPr txBox="1"/>
           <p:nvPr>
             <p:ph idx="1" type="body"/>
@@ -6870,32 +7398,7 @@
               <a:buNone/>
             </a:pPr>
             <a:r>
-              <a:rPr lang="en-US"/>
-              <a:t>Just to provide a sense of the magnitude of the difference between republican and democrat differences in contact rates</a:t>
-            </a:r>
-            <a:endParaRPr/>
-          </a:p>
-          <a:p>
-            <a:pPr indent="-228600" lvl="0" marL="457200" marR="0" rtl="0" algn="l">
-              <a:lnSpc>
-                <a:spcPct val="100000"/>
-              </a:lnSpc>
-              <a:spcBef>
-                <a:spcPts val="0"/>
-              </a:spcBef>
-              <a:spcAft>
-                <a:spcPts val="0"/>
-              </a:spcAft>
-              <a:buClr>
-                <a:srgbClr val="000000"/>
-              </a:buClr>
-              <a:buSzPts val="1400"/>
-              <a:buFont typeface="Arial"/>
-              <a:buNone/>
-            </a:pPr>
-            <a:r>
-              <a:rPr lang="en-US"/>
-              <a:t>Young minus old gap</a:t>
+              <a:t/>
             </a:r>
             <a:endParaRPr/>
           </a:p>
@@ -6903,7 +7406,7 @@
       </p:sp>
       <p:sp>
         <p:nvSpPr>
-          <p:cNvPr id="127" name="Google Shape;127;p23:notes"/>
+          <p:cNvPr id="128" name="Google Shape;128;p23:notes"/>
           <p:cNvSpPr txBox="1"/>
           <p:nvPr>
             <p:ph idx="12" type="sldNum"/>
@@ -6978,7 +7481,7 @@
   <p:cSld>
     <p:spTree>
       <p:nvGrpSpPr>
-        <p:cNvPr id="134" name="Shape 134"/>
+        <p:cNvPr id="135" name="Shape 135"/>
         <p:cNvGrpSpPr/>
         <p:nvPr/>
       </p:nvGrpSpPr>
@@ -6992,7 +7495,7 @@
       </p:grpSpPr>
       <p:sp>
         <p:nvSpPr>
-          <p:cNvPr id="135" name="Google Shape;135;g2c652eb037b_0_0:notes"/>
+          <p:cNvPr id="136" name="Google Shape;136;g2c652eb037b_0_0:notes"/>
           <p:cNvSpPr txBox="1"/>
           <p:nvPr>
             <p:ph idx="1" type="body"/>
@@ -7039,7 +7542,7 @@
       </p:sp>
       <p:sp>
         <p:nvSpPr>
-          <p:cNvPr id="136" name="Google Shape;136;g2c652eb037b_0_0:notes"/>
+          <p:cNvPr id="137" name="Google Shape;137;g2c652eb037b_0_0:notes"/>
           <p:cNvSpPr/>
           <p:nvPr>
             <p:ph idx="2" type="sldImg"/>
@@ -7095,7 +7598,7 @@
   <p:cSld>
     <p:spTree>
       <p:nvGrpSpPr>
-        <p:cNvPr id="143" name="Shape 143"/>
+        <p:cNvPr id="144" name="Shape 144"/>
         <p:cNvGrpSpPr/>
         <p:nvPr/>
       </p:nvGrpSpPr>
@@ -7109,7 +7612,7 @@
       </p:grpSpPr>
       <p:sp>
         <p:nvSpPr>
-          <p:cNvPr id="144" name="Google Shape;144;p27:notes"/>
+          <p:cNvPr id="145" name="Google Shape;145;p27:notes"/>
           <p:cNvSpPr txBox="1"/>
           <p:nvPr>
             <p:ph idx="1" type="body"/>
@@ -7156,7 +7659,7 @@
       </p:sp>
       <p:sp>
         <p:nvSpPr>
-          <p:cNvPr id="145" name="Google Shape;145;p27:notes"/>
+          <p:cNvPr id="146" name="Google Shape;146;p27:notes"/>
           <p:cNvSpPr/>
           <p:nvPr>
             <p:ph idx="2" type="sldImg"/>
@@ -7212,7 +7715,7 @@
   <p:cSld>
     <p:spTree>
       <p:nvGrpSpPr>
-        <p:cNvPr id="152" name="Shape 152"/>
+        <p:cNvPr id="153" name="Shape 153"/>
         <p:cNvGrpSpPr/>
         <p:nvPr/>
       </p:nvGrpSpPr>
@@ -7226,7 +7729,7 @@
       </p:grpSpPr>
       <p:sp>
         <p:nvSpPr>
-          <p:cNvPr id="153" name="Google Shape;153;p46:notes"/>
+          <p:cNvPr id="154" name="Google Shape;154;p46:notes"/>
           <p:cNvSpPr/>
           <p:nvPr>
             <p:ph idx="2" type="sldImg"/>
@@ -7271,7 +7774,7 @@
       </p:sp>
       <p:sp>
         <p:nvSpPr>
-          <p:cNvPr id="154" name="Google Shape;154;p46:notes"/>
+          <p:cNvPr id="155" name="Google Shape;155;p46:notes"/>
           <p:cNvSpPr txBox="1"/>
           <p:nvPr>
             <p:ph idx="1" type="body"/>
@@ -7315,7 +7818,7 @@
             </a:pPr>
             <a:r>
               <a:rPr lang="en-US"/>
-              <a:t>Independents usually in the middle between these two poles, except on college degree attainment where they’re the least likely to get a college degree</a:t>
+              <a:t>Rep less likely to be Hispanic and live in metro areas compared to Democrats.</a:t>
             </a:r>
             <a:endParaRPr/>
           </a:p>
@@ -7323,7 +7826,7 @@
       </p:sp>
       <p:sp>
         <p:nvSpPr>
-          <p:cNvPr id="155" name="Google Shape;155;p46:notes"/>
+          <p:cNvPr id="156" name="Google Shape;156;p46:notes"/>
           <p:cNvSpPr txBox="1"/>
           <p:nvPr>
             <p:ph idx="12" type="sldNum"/>
@@ -7398,7 +7901,7 @@
   <p:cSld>
     <p:spTree>
       <p:nvGrpSpPr>
-        <p:cNvPr id="160" name="Shape 160"/>
+        <p:cNvPr id="165" name="Shape 165"/>
         <p:cNvGrpSpPr/>
         <p:nvPr/>
       </p:nvGrpSpPr>
@@ -7412,7 +7915,7 @@
       </p:grpSpPr>
       <p:sp>
         <p:nvSpPr>
-          <p:cNvPr id="161" name="Google Shape;161;g2c6764bd4d3_0_6:notes"/>
+          <p:cNvPr id="166" name="Google Shape;166;g2cbc15a968e_0_8:notes"/>
           <p:cNvSpPr/>
           <p:nvPr>
             <p:ph idx="2" type="sldImg"/>
@@ -7443,21 +7946,11 @@
               </a:path>
             </a:pathLst>
           </a:custGeom>
-          <a:noFill/>
-          <a:ln cap="flat" cmpd="sng" w="12700">
-            <a:solidFill>
-              <a:srgbClr val="000000"/>
-            </a:solidFill>
-            <a:prstDash val="solid"/>
-            <a:round/>
-            <a:headEnd len="sm" w="sm" type="none"/>
-            <a:tailEnd len="sm" w="sm" type="none"/>
-          </a:ln>
         </p:spPr>
       </p:sp>
       <p:sp>
         <p:nvSpPr>
-          <p:cNvPr id="162" name="Google Shape;162;g2c6764bd4d3_0_6:notes"/>
+          <p:cNvPr id="167" name="Google Shape;167;g2cbc15a968e_0_8:notes"/>
           <p:cNvSpPr txBox="1"/>
           <p:nvPr>
             <p:ph idx="1" type="body"/>
@@ -7471,10 +7964,6 @@
           <a:prstGeom prst="rect">
             <a:avLst/>
           </a:prstGeom>
-          <a:noFill/>
-          <a:ln>
-            <a:noFill/>
-          </a:ln>
         </p:spPr>
         <p:txBody>
           <a:bodyPr anchorCtr="0" anchor="t" bIns="45700" lIns="91425" spcFirstLastPara="1" rIns="91425" wrap="square" tIns="45700">
@@ -7483,16 +7972,12 @@
           <a:lstStyle/>
           <a:p>
             <a:pPr indent="0" lvl="0" marL="0" rtl="0" algn="l">
-              <a:lnSpc>
-                <a:spcPct val="100000"/>
-              </a:lnSpc>
-              <a:spcBef>
-                <a:spcPts val="0"/>
-              </a:spcBef>
-              <a:spcAft>
-                <a:spcPts val="0"/>
-              </a:spcAft>
-              <a:buSzPts val="1400"/>
+              <a:spcBef>
+                <a:spcPts val="0"/>
+              </a:spcBef>
+              <a:spcAft>
+                <a:spcPts val="0"/>
+              </a:spcAft>
               <a:buNone/>
             </a:pPr>
             <a:r>
@@ -7504,7 +7989,7 @@
       </p:sp>
       <p:sp>
         <p:nvSpPr>
-          <p:cNvPr id="163" name="Google Shape;163;g2c6764bd4d3_0_6:notes"/>
+          <p:cNvPr id="168" name="Google Shape;168;g2cbc15a968e_0_8:notes"/>
           <p:cNvSpPr txBox="1"/>
           <p:nvPr>
             <p:ph idx="12" type="sldNum"/>
@@ -7518,10 +8003,6 @@
           <a:prstGeom prst="rect">
             <a:avLst/>
           </a:prstGeom>
-          <a:noFill/>
-          <a:ln>
-            <a:noFill/>
-          </a:ln>
         </p:spPr>
         <p:txBody>
           <a:bodyPr anchorCtr="0" anchor="b" bIns="45700" lIns="91425" spcFirstLastPara="1" rIns="91425" wrap="square" tIns="45700">
@@ -7530,9 +8011,6 @@
           <a:lstStyle/>
           <a:p>
             <a:pPr indent="0" lvl="0" marL="0" rtl="0" algn="r">
-              <a:lnSpc>
-                <a:spcPct val="100000"/>
-              </a:lnSpc>
               <a:spcBef>
                 <a:spcPts val="0"/>
               </a:spcBef>
@@ -21033,7 +21511,7 @@
           <p:nvPr/>
         </p:nvPicPr>
         <p:blipFill>
-          <a:blip r:embed="rId4">
+          <a:blip r:embed="rId3">
             <a:alphaModFix/>
           </a:blip>
           <a:stretch>
@@ -21067,7 +21545,7 @@
   <p:cSld>
     <p:spTree>
       <p:nvGrpSpPr>
-        <p:cNvPr id="171" name="Shape 171"/>
+        <p:cNvPr id="178" name="Shape 178"/>
         <p:cNvGrpSpPr/>
         <p:nvPr/>
       </p:nvGrpSpPr>
@@ -21081,7 +21559,125 @@
       </p:grpSpPr>
       <p:sp>
         <p:nvSpPr>
-          <p:cNvPr id="172" name="Google Shape;172;g1f4e2c1751e_1_43"/>
+          <p:cNvPr id="179" name="Google Shape;179;g2c6764bd4d3_0_6"/>
+          <p:cNvSpPr txBox="1"/>
+          <p:nvPr>
+            <p:ph type="title"/>
+          </p:nvPr>
+        </p:nvSpPr>
+        <p:spPr>
+          <a:xfrm>
+            <a:off x="831850" y="1709738"/>
+            <a:ext cx="10515600" cy="2852700"/>
+          </a:xfrm>
+          <a:prstGeom prst="rect">
+            <a:avLst/>
+          </a:prstGeom>
+          <a:noFill/>
+          <a:ln>
+            <a:noFill/>
+          </a:ln>
+        </p:spPr>
+        <p:txBody>
+          <a:bodyPr anchorCtr="0" anchor="b" bIns="45700" lIns="91425" spcFirstLastPara="1" rIns="91425" wrap="square" tIns="45700">
+            <a:normAutofit/>
+          </a:bodyPr>
+          <a:lstStyle/>
+          <a:p>
+            <a:pPr indent="0" lvl="0" marL="0" rtl="0" algn="l">
+              <a:lnSpc>
+                <a:spcPct val="90000"/>
+              </a:lnSpc>
+              <a:spcBef>
+                <a:spcPts val="0"/>
+              </a:spcBef>
+              <a:spcAft>
+                <a:spcPts val="0"/>
+              </a:spcAft>
+              <a:buSzPts val="6000"/>
+              <a:buNone/>
+            </a:pPr>
+            <a:r>
+              <a:rPr lang="en-US"/>
+              <a:t>Results</a:t>
+            </a:r>
+            <a:endParaRPr/>
+          </a:p>
+        </p:txBody>
+      </p:sp>
+      <p:sp>
+        <p:nvSpPr>
+          <p:cNvPr id="180" name="Google Shape;180;g2c6764bd4d3_0_6"/>
+          <p:cNvSpPr txBox="1"/>
+          <p:nvPr>
+            <p:ph idx="12" type="sldNum"/>
+          </p:nvPr>
+        </p:nvSpPr>
+        <p:spPr>
+          <a:xfrm>
+            <a:off x="8610600" y="6356350"/>
+            <a:ext cx="2743200" cy="365100"/>
+          </a:xfrm>
+          <a:prstGeom prst="rect">
+            <a:avLst/>
+          </a:prstGeom>
+        </p:spPr>
+        <p:txBody>
+          <a:bodyPr anchorCtr="0" anchor="ctr" bIns="45700" lIns="91425" spcFirstLastPara="1" rIns="91425" wrap="square" tIns="45700">
+            <a:noAutofit/>
+          </a:bodyPr>
+          <a:lstStyle/>
+          <a:p>
+            <a:pPr indent="0" lvl="0" marL="0" rtl="0" algn="r">
+              <a:spcBef>
+                <a:spcPts val="0"/>
+              </a:spcBef>
+              <a:spcAft>
+                <a:spcPts val="0"/>
+              </a:spcAft>
+              <a:buClr>
+                <a:srgbClr val="000000"/>
+              </a:buClr>
+              <a:buSzPts val="1200"/>
+              <a:buFont typeface="Arial"/>
+              <a:buNone/>
+            </a:pPr>
+            <a:fld id="{00000000-1234-1234-1234-123412341234}" type="slidenum">
+              <a:rPr lang="en-US"/>
+              <a:t>‹#›</a:t>
+            </a:fld>
+            <a:endParaRPr/>
+          </a:p>
+        </p:txBody>
+      </p:sp>
+    </p:spTree>
+  </p:cSld>
+  <p:clrMapOvr>
+    <a:masterClrMapping/>
+  </p:clrMapOvr>
+</p:sld>
+</file>
+
+<file path=ppt/slides/slide11.xml><?xml version="1.0" encoding="utf-8"?>
+<p:sld xmlns:a="http://schemas.openxmlformats.org/drawingml/2006/main" xmlns:r="http://schemas.openxmlformats.org/officeDocument/2006/relationships" xmlns:mc="http://schemas.openxmlformats.org/markup-compatibility/2006" xmlns:mv="urn:schemas-microsoft-com:mac:vml" xmlns:p="http://schemas.openxmlformats.org/presentationml/2006/main" xmlns:c="http://schemas.openxmlformats.org/drawingml/2006/chart" xmlns:dgm="http://schemas.openxmlformats.org/drawingml/2006/diagram" xmlns:o="urn:schemas-microsoft-com:office:office" xmlns:v="urn:schemas-microsoft-com:vml" xmlns:pvml="urn:schemas-microsoft-com:office:powerpoint" xmlns:com="http://schemas.openxmlformats.org/drawingml/2006/compatibility" xmlns:p14="http://schemas.microsoft.com/office/powerpoint/2010/main" xmlns:p15="http://schemas.microsoft.com/office/powerpoint/2012/main" xmlns:ahyp="http://schemas.microsoft.com/office/drawing/2018/hyperlinkcolor">
+  <p:cSld>
+    <p:spTree>
+      <p:nvGrpSpPr>
+        <p:cNvPr id="185" name="Shape 185"/>
+        <p:cNvGrpSpPr/>
+        <p:nvPr/>
+      </p:nvGrpSpPr>
+      <p:grpSpPr>
+        <a:xfrm>
+          <a:off x="0" y="0"/>
+          <a:ext cx="0" cy="0"/>
+          <a:chOff x="0" y="0"/>
+          <a:chExt cx="0" cy="0"/>
+        </a:xfrm>
+      </p:grpSpPr>
+      <p:sp>
+        <p:nvSpPr>
+          <p:cNvPr id="186" name="Google Shape;186;g1f4e2c1751e_1_43"/>
           <p:cNvSpPr txBox="1"/>
           <p:nvPr>
             <p:ph type="title"/>
@@ -21137,7 +21733,7 @@
       </p:sp>
       <p:sp>
         <p:nvSpPr>
-          <p:cNvPr id="173" name="Google Shape;173;g1f4e2c1751e_1_43"/>
+          <p:cNvPr id="187" name="Google Shape;187;g1f4e2c1751e_1_43"/>
           <p:cNvSpPr txBox="1"/>
           <p:nvPr>
             <p:ph idx="12" type="sldNum"/>
@@ -21182,12 +21778,12 @@
       </p:sp>
       <p:pic>
         <p:nvPicPr>
-          <p:cNvPr id="174" name="Google Shape;174;g1f4e2c1751e_1_43"/>
+          <p:cNvPr id="188" name="Google Shape;188;g1f4e2c1751e_1_43"/>
           <p:cNvPicPr preferRelativeResize="0"/>
           <p:nvPr/>
         </p:nvPicPr>
         <p:blipFill rotWithShape="1">
-          <a:blip r:embed="rId3">
+          <a:blip r:embed="rId4">
             <a:alphaModFix/>
           </a:blip>
           <a:srcRect b="11103" l="0" r="72637" t="0"/>
@@ -21209,12 +21805,12 @@
       </p:pic>
       <p:pic>
         <p:nvPicPr>
-          <p:cNvPr id="175" name="Google Shape;175;g1f4e2c1751e_1_43"/>
+          <p:cNvPr id="189" name="Google Shape;189;g1f4e2c1751e_1_43"/>
           <p:cNvPicPr preferRelativeResize="0"/>
           <p:nvPr/>
         </p:nvPicPr>
         <p:blipFill rotWithShape="1">
-          <a:blip r:embed="rId4">
+          <a:blip r:embed="rId5">
             <a:alphaModFix/>
           </a:blip>
           <a:srcRect b="0" l="0" r="0" t="0"/>
@@ -21242,12 +21838,12 @@
 </p:sld>
 </file>
 
-<file path=ppt/slides/slide11.xml><?xml version="1.0" encoding="utf-8"?>
+<file path=ppt/slides/slide12.xml><?xml version="1.0" encoding="utf-8"?>
 <p:sld xmlns:a="http://schemas.openxmlformats.org/drawingml/2006/main" xmlns:r="http://schemas.openxmlformats.org/officeDocument/2006/relationships" xmlns:mc="http://schemas.openxmlformats.org/markup-compatibility/2006" xmlns:mv="urn:schemas-microsoft-com:mac:vml" xmlns:p="http://schemas.openxmlformats.org/presentationml/2006/main" xmlns:c="http://schemas.openxmlformats.org/drawingml/2006/chart" xmlns:dgm="http://schemas.openxmlformats.org/drawingml/2006/diagram" xmlns:o="urn:schemas-microsoft-com:office:office" xmlns:v="urn:schemas-microsoft-com:vml" xmlns:pvml="urn:schemas-microsoft-com:office:powerpoint" xmlns:com="http://schemas.openxmlformats.org/drawingml/2006/compatibility" xmlns:p14="http://schemas.microsoft.com/office/powerpoint/2010/main" xmlns:p15="http://schemas.microsoft.com/office/powerpoint/2012/main" xmlns:ahyp="http://schemas.microsoft.com/office/drawing/2018/hyperlinkcolor">
   <p:cSld>
     <p:spTree>
       <p:nvGrpSpPr>
-        <p:cNvPr id="179" name="Shape 179"/>
+        <p:cNvPr id="193" name="Shape 193"/>
         <p:cNvGrpSpPr/>
         <p:nvPr/>
       </p:nvGrpSpPr>
@@ -21261,7 +21857,7 @@
       </p:grpSpPr>
       <p:sp>
         <p:nvSpPr>
-          <p:cNvPr id="180" name="Google Shape;180;p3"/>
+          <p:cNvPr id="194" name="Google Shape;194;p3"/>
           <p:cNvSpPr txBox="1"/>
           <p:nvPr>
             <p:ph type="title"/>
@@ -21320,12 +21916,12 @@
       </p:sp>
       <p:pic>
         <p:nvPicPr>
-          <p:cNvPr id="181" name="Google Shape;181;p3"/>
+          <p:cNvPr id="195" name="Google Shape;195;p3"/>
           <p:cNvPicPr preferRelativeResize="0"/>
           <p:nvPr/>
         </p:nvPicPr>
         <p:blipFill rotWithShape="1">
-          <a:blip r:embed="rId4">
+          <a:blip r:embed="rId3">
             <a:alphaModFix/>
           </a:blip>
           <a:srcRect b="0" l="9" r="9" t="0"/>
@@ -21347,7 +21943,7 @@
       </p:pic>
       <p:sp>
         <p:nvSpPr>
-          <p:cNvPr id="182" name="Google Shape;182;p3"/>
+          <p:cNvPr id="196" name="Google Shape;196;p3"/>
           <p:cNvSpPr txBox="1"/>
           <p:nvPr>
             <p:ph idx="12" type="sldNum"/>
@@ -21392,12 +21988,12 @@
       </p:sp>
       <p:pic>
         <p:nvPicPr>
-          <p:cNvPr id="183" name="Google Shape;183;p3"/>
+          <p:cNvPr id="197" name="Google Shape;197;p3"/>
           <p:cNvPicPr preferRelativeResize="0"/>
           <p:nvPr/>
         </p:nvPicPr>
         <p:blipFill rotWithShape="1">
-          <a:blip r:embed="rId5">
+          <a:blip r:embed="rId4">
             <a:alphaModFix/>
           </a:blip>
           <a:srcRect b="11103" l="0" r="72637" t="0"/>
@@ -21419,13 +22015,13 @@
       </p:pic>
       <p:sp>
         <p:nvSpPr>
-          <p:cNvPr id="184" name="Google Shape;184;p3"/>
+          <p:cNvPr id="198" name="Google Shape;198;p3"/>
           <p:cNvSpPr/>
           <p:nvPr/>
         </p:nvSpPr>
         <p:spPr>
           <a:xfrm>
-            <a:off x="8926600" y="2558400"/>
+            <a:off x="8610600" y="4261200"/>
             <a:ext cx="2879100" cy="2161800"/>
           </a:xfrm>
           <a:prstGeom prst="wedgeRectCallout">
@@ -21477,36 +22073,7 @@
                 <a:cs typeface="Calibri"/>
                 <a:sym typeface="Calibri"/>
               </a:rPr>
-              <a:t>A 10% increase in incidence results in .065 decrease in </a:t>
-            </a:r>
-            <a:r>
-              <a:rPr lang="en-US" sz="2300">
-                <a:solidFill>
-                  <a:schemeClr val="dk1"/>
-                </a:solidFill>
-                <a:latin typeface="Calibri"/>
-                <a:ea typeface="Calibri"/>
-                <a:cs typeface="Calibri"/>
-                <a:sym typeface="Calibri"/>
-                <a:extLst>
-                  <a:ext uri="http://customooxmlschemas.google.com/">
-                    <go:slidesCustomData xmlns:go="http://customooxmlschemas.google.com/" textRoundtripDataId="8"/>
-                  </a:ext>
-                </a:extLst>
-              </a:rPr>
-              <a:t>contacts</a:t>
-            </a:r>
-            <a:r>
-              <a:rPr lang="en-US" sz="2300">
-                <a:solidFill>
-                  <a:schemeClr val="dk1"/>
-                </a:solidFill>
-                <a:latin typeface="Calibri"/>
-                <a:ea typeface="Calibri"/>
-                <a:cs typeface="Calibri"/>
-                <a:sym typeface="Calibri"/>
-              </a:rPr>
-              <a:t> for republicans compared to 0.01 for democrats</a:t>
+              <a:t>A quadrupling of incidence rates leads to nearly a full contact reduction for Republicans. </a:t>
             </a:r>
             <a:endParaRPr>
               <a:latin typeface="Calibri"/>
@@ -21525,12 +22092,12 @@
 </p:sld>
 </file>
 
-<file path=ppt/slides/slide12.xml><?xml version="1.0" encoding="utf-8"?>
+<file path=ppt/slides/slide13.xml><?xml version="1.0" encoding="utf-8"?>
 <p:sld xmlns:a="http://schemas.openxmlformats.org/drawingml/2006/main" xmlns:r="http://schemas.openxmlformats.org/officeDocument/2006/relationships" xmlns:mc="http://schemas.openxmlformats.org/markup-compatibility/2006" xmlns:mv="urn:schemas-microsoft-com:mac:vml" xmlns:p="http://schemas.openxmlformats.org/presentationml/2006/main" xmlns:c="http://schemas.openxmlformats.org/drawingml/2006/chart" xmlns:dgm="http://schemas.openxmlformats.org/drawingml/2006/diagram" xmlns:o="urn:schemas-microsoft-com:office:office" xmlns:v="urn:schemas-microsoft-com:vml" xmlns:pvml="urn:schemas-microsoft-com:office:powerpoint" xmlns:com="http://schemas.openxmlformats.org/drawingml/2006/compatibility" xmlns:p14="http://schemas.microsoft.com/office/powerpoint/2010/main" xmlns:p15="http://schemas.microsoft.com/office/powerpoint/2012/main" xmlns:ahyp="http://schemas.microsoft.com/office/drawing/2018/hyperlinkcolor">
   <p:cSld>
     <p:spTree>
       <p:nvGrpSpPr>
-        <p:cNvPr id="189" name="Shape 189"/>
+        <p:cNvPr id="203" name="Shape 203"/>
         <p:cNvGrpSpPr/>
         <p:nvPr/>
       </p:nvGrpSpPr>
@@ -21544,7 +22111,7 @@
       </p:grpSpPr>
       <p:sp>
         <p:nvSpPr>
-          <p:cNvPr id="190" name="Google Shape;190;g2c850703521_0_13"/>
+          <p:cNvPr id="204" name="Google Shape;204;g2c850703521_0_13"/>
           <p:cNvSpPr txBox="1"/>
           <p:nvPr>
             <p:ph type="title"/>
@@ -21596,12 +22163,12 @@
       </p:sp>
       <p:pic>
         <p:nvPicPr>
-          <p:cNvPr id="191" name="Google Shape;191;g2c850703521_0_13"/>
+          <p:cNvPr id="205" name="Google Shape;205;g2c850703521_0_13"/>
           <p:cNvPicPr preferRelativeResize="0"/>
           <p:nvPr/>
         </p:nvPicPr>
         <p:blipFill rotWithShape="1">
-          <a:blip r:embed="rId3">
+          <a:blip r:embed="rId4">
             <a:alphaModFix/>
           </a:blip>
           <a:srcRect b="0" l="0" r="0" t="0"/>
@@ -21623,7 +22190,7 @@
       </p:pic>
       <p:sp>
         <p:nvSpPr>
-          <p:cNvPr id="192" name="Google Shape;192;g2c850703521_0_13"/>
+          <p:cNvPr id="206" name="Google Shape;206;g2c850703521_0_13"/>
           <p:cNvSpPr txBox="1"/>
           <p:nvPr>
             <p:ph idx="12" type="sldNum"/>
@@ -21668,12 +22235,12 @@
       </p:sp>
       <p:pic>
         <p:nvPicPr>
-          <p:cNvPr id="193" name="Google Shape;193;g2c850703521_0_13"/>
+          <p:cNvPr id="207" name="Google Shape;207;g2c850703521_0_13"/>
           <p:cNvPicPr preferRelativeResize="0"/>
           <p:nvPr/>
         </p:nvPicPr>
         <p:blipFill rotWithShape="1">
-          <a:blip r:embed="rId4">
+          <a:blip r:embed="rId5">
             <a:alphaModFix/>
           </a:blip>
           <a:srcRect b="11103" l="0" r="72637" t="0"/>
@@ -21701,12 +22268,12 @@
 </p:sld>
 </file>
 
-<file path=ppt/slides/slide13.xml><?xml version="1.0" encoding="utf-8"?>
+<file path=ppt/slides/slide14.xml><?xml version="1.0" encoding="utf-8"?>
 <p:sld xmlns:a="http://schemas.openxmlformats.org/drawingml/2006/main" xmlns:r="http://schemas.openxmlformats.org/officeDocument/2006/relationships" xmlns:mc="http://schemas.openxmlformats.org/markup-compatibility/2006" xmlns:mv="urn:schemas-microsoft-com:mac:vml" xmlns:p="http://schemas.openxmlformats.org/presentationml/2006/main" xmlns:c="http://schemas.openxmlformats.org/drawingml/2006/chart" xmlns:dgm="http://schemas.openxmlformats.org/drawingml/2006/diagram" xmlns:o="urn:schemas-microsoft-com:office:office" xmlns:v="urn:schemas-microsoft-com:vml" xmlns:pvml="urn:schemas-microsoft-com:office:powerpoint" xmlns:com="http://schemas.openxmlformats.org/drawingml/2006/compatibility" xmlns:p14="http://schemas.microsoft.com/office/powerpoint/2010/main" xmlns:p15="http://schemas.microsoft.com/office/powerpoint/2012/main" xmlns:ahyp="http://schemas.microsoft.com/office/drawing/2018/hyperlinkcolor">
   <p:cSld>
     <p:spTree>
       <p:nvGrpSpPr>
-        <p:cNvPr id="198" name="Shape 198"/>
+        <p:cNvPr id="212" name="Shape 212"/>
         <p:cNvGrpSpPr/>
         <p:nvPr/>
       </p:nvGrpSpPr>
@@ -21720,7 +22287,7 @@
       </p:grpSpPr>
       <p:sp>
         <p:nvSpPr>
-          <p:cNvPr id="199" name="Google Shape;199;g1f4e2c1751e_1_55"/>
+          <p:cNvPr id="213" name="Google Shape;213;g1f4e2c1751e_1_55"/>
           <p:cNvSpPr txBox="1"/>
           <p:nvPr>
             <p:ph type="title"/>
@@ -21796,7 +22363,7 @@
       </p:sp>
       <p:pic>
         <p:nvPicPr>
-          <p:cNvPr id="200" name="Google Shape;200;g1f4e2c1751e_1_55"/>
+          <p:cNvPr id="214" name="Google Shape;214;g1f4e2c1751e_1_55"/>
           <p:cNvPicPr preferRelativeResize="0"/>
           <p:nvPr/>
         </p:nvPicPr>
@@ -21823,7 +22390,7 @@
       </p:pic>
       <p:pic>
         <p:nvPicPr>
-          <p:cNvPr id="201" name="Google Shape;201;g1f4e2c1751e_1_55"/>
+          <p:cNvPr id="215" name="Google Shape;215;g1f4e2c1751e_1_55"/>
           <p:cNvPicPr preferRelativeResize="0"/>
           <p:nvPr/>
         </p:nvPicPr>
@@ -21850,7 +22417,7 @@
       </p:pic>
       <p:sp>
         <p:nvSpPr>
-          <p:cNvPr id="202" name="Google Shape;202;g1f4e2c1751e_1_55"/>
+          <p:cNvPr id="216" name="Google Shape;216;g1f4e2c1751e_1_55"/>
           <p:cNvSpPr txBox="1"/>
           <p:nvPr>
             <p:ph idx="12" type="sldNum"/>
@@ -21895,214 +22462,7 @@
       </p:sp>
       <p:pic>
         <p:nvPicPr>
-          <p:cNvPr id="203" name="Google Shape;203;g1f4e2c1751e_1_55"/>
-          <p:cNvPicPr preferRelativeResize="0"/>
-          <p:nvPr/>
-        </p:nvPicPr>
-        <p:blipFill>
-          <a:blip r:embed="rId5">
-            <a:alphaModFix/>
-          </a:blip>
-          <a:stretch>
-            <a:fillRect/>
-          </a:stretch>
-        </p:blipFill>
-        <p:spPr>
-          <a:xfrm>
-            <a:off x="10556292" y="172900"/>
-            <a:ext cx="1479608" cy="1213125"/>
-          </a:xfrm>
-          <a:prstGeom prst="rect">
-            <a:avLst/>
-          </a:prstGeom>
-          <a:noFill/>
-          <a:ln>
-            <a:noFill/>
-          </a:ln>
-        </p:spPr>
-      </p:pic>
-    </p:spTree>
-  </p:cSld>
-  <p:clrMapOvr>
-    <a:masterClrMapping/>
-  </p:clrMapOvr>
-</p:sld>
-</file>
-
-<file path=ppt/slides/slide14.xml><?xml version="1.0" encoding="utf-8"?>
-<p:sld xmlns:a="http://schemas.openxmlformats.org/drawingml/2006/main" xmlns:r="http://schemas.openxmlformats.org/officeDocument/2006/relationships" xmlns:mc="http://schemas.openxmlformats.org/markup-compatibility/2006" xmlns:mv="urn:schemas-microsoft-com:mac:vml" xmlns:p="http://schemas.openxmlformats.org/presentationml/2006/main" xmlns:c="http://schemas.openxmlformats.org/drawingml/2006/chart" xmlns:dgm="http://schemas.openxmlformats.org/drawingml/2006/diagram" xmlns:o="urn:schemas-microsoft-com:office:office" xmlns:v="urn:schemas-microsoft-com:vml" xmlns:pvml="urn:schemas-microsoft-com:office:powerpoint" xmlns:com="http://schemas.openxmlformats.org/drawingml/2006/compatibility" xmlns:p14="http://schemas.microsoft.com/office/powerpoint/2010/main" xmlns:p15="http://schemas.microsoft.com/office/powerpoint/2012/main" xmlns:ahyp="http://schemas.microsoft.com/office/drawing/2018/hyperlinkcolor">
-  <p:cSld>
-    <p:spTree>
-      <p:nvGrpSpPr>
-        <p:cNvPr id="208" name="Shape 208"/>
-        <p:cNvGrpSpPr/>
-        <p:nvPr/>
-      </p:nvGrpSpPr>
-      <p:grpSpPr>
-        <a:xfrm>
-          <a:off x="0" y="0"/>
-          <a:ext cx="0" cy="0"/>
-          <a:chOff x="0" y="0"/>
-          <a:chExt cx="0" cy="0"/>
-        </a:xfrm>
-      </p:grpSpPr>
-      <p:sp>
-        <p:nvSpPr>
-          <p:cNvPr id="209" name="Google Shape;209;p2"/>
-          <p:cNvSpPr txBox="1"/>
-          <p:nvPr>
-            <p:ph type="title"/>
-          </p:nvPr>
-        </p:nvSpPr>
-        <p:spPr>
-          <a:xfrm>
-            <a:off x="838200" y="170684"/>
-            <a:ext cx="10515600" cy="1325700"/>
-          </a:xfrm>
-          <a:prstGeom prst="rect">
-            <a:avLst/>
-          </a:prstGeom>
-          <a:noFill/>
-          <a:ln>
-            <a:noFill/>
-          </a:ln>
-        </p:spPr>
-        <p:txBody>
-          <a:bodyPr anchorCtr="0" anchor="ctr" bIns="45700" lIns="91425" spcFirstLastPara="1" rIns="91425" wrap="square" tIns="45700">
-            <a:normAutofit/>
-          </a:bodyPr>
-          <a:lstStyle/>
-          <a:p>
-            <a:pPr indent="0" lvl="0" marL="0" rtl="0" algn="l">
-              <a:lnSpc>
-                <a:spcPct val="90000"/>
-              </a:lnSpc>
-              <a:spcBef>
-                <a:spcPts val="0"/>
-              </a:spcBef>
-              <a:spcAft>
-                <a:spcPts val="0"/>
-              </a:spcAft>
-              <a:buClr>
-                <a:schemeClr val="dk1"/>
-              </a:buClr>
-              <a:buSzPts val="1800"/>
-              <a:buNone/>
-            </a:pPr>
-            <a:r>
-              <a:rPr lang="en-US" sz="3800"/>
-              <a:t>All groups react similarly to increased incidence when it comes to </a:t>
-            </a:r>
-            <a:r>
-              <a:rPr b="1" lang="en-US" sz="3800"/>
-              <a:t>mask usage</a:t>
-            </a:r>
-            <a:endParaRPr b="1" sz="3800"/>
-          </a:p>
-        </p:txBody>
-      </p:sp>
-      <p:pic>
-        <p:nvPicPr>
-          <p:cNvPr id="210" name="Google Shape;210;p2"/>
-          <p:cNvPicPr preferRelativeResize="0"/>
-          <p:nvPr/>
-        </p:nvPicPr>
-        <p:blipFill rotWithShape="1">
-          <a:blip r:embed="rId3">
-            <a:alphaModFix/>
-          </a:blip>
-          <a:srcRect b="0" l="9" r="9" t="0"/>
-          <a:stretch/>
-        </p:blipFill>
-        <p:spPr>
-          <a:xfrm>
-            <a:off x="1981475" y="1371925"/>
-            <a:ext cx="8229074" cy="5486075"/>
-          </a:xfrm>
-          <a:prstGeom prst="rect">
-            <a:avLst/>
-          </a:prstGeom>
-          <a:noFill/>
-          <a:ln>
-            <a:noFill/>
-          </a:ln>
-        </p:spPr>
-      </p:pic>
-      <p:pic>
-        <p:nvPicPr>
-          <p:cNvPr id="211" name="Google Shape;211;p2"/>
-          <p:cNvPicPr preferRelativeResize="0"/>
-          <p:nvPr/>
-        </p:nvPicPr>
-        <p:blipFill rotWithShape="1">
-          <a:blip r:embed="rId4">
-            <a:alphaModFix/>
-          </a:blip>
-          <a:srcRect b="0" l="2651" r="2642" t="0"/>
-          <a:stretch/>
-        </p:blipFill>
-        <p:spPr>
-          <a:xfrm>
-            <a:off x="10517525" y="167735"/>
-            <a:ext cx="1522073" cy="1406826"/>
-          </a:xfrm>
-          <a:prstGeom prst="rect">
-            <a:avLst/>
-          </a:prstGeom>
-          <a:noFill/>
-          <a:ln>
-            <a:noFill/>
-          </a:ln>
-        </p:spPr>
-      </p:pic>
-      <p:sp>
-        <p:nvSpPr>
-          <p:cNvPr id="212" name="Google Shape;212;p2"/>
-          <p:cNvSpPr txBox="1"/>
-          <p:nvPr>
-            <p:ph idx="12" type="sldNum"/>
-          </p:nvPr>
-        </p:nvSpPr>
-        <p:spPr>
-          <a:xfrm>
-            <a:off x="8610600" y="6356350"/>
-            <a:ext cx="2743200" cy="365100"/>
-          </a:xfrm>
-          <a:prstGeom prst="rect">
-            <a:avLst/>
-          </a:prstGeom>
-        </p:spPr>
-        <p:txBody>
-          <a:bodyPr anchorCtr="0" anchor="ctr" bIns="45700" lIns="91425" spcFirstLastPara="1" rIns="91425" wrap="square" tIns="45700">
-            <a:noAutofit/>
-          </a:bodyPr>
-          <a:lstStyle/>
-          <a:p>
-            <a:pPr indent="0" lvl="0" marL="0" rtl="0" algn="r">
-              <a:spcBef>
-                <a:spcPts val="0"/>
-              </a:spcBef>
-              <a:spcAft>
-                <a:spcPts val="0"/>
-              </a:spcAft>
-              <a:buClr>
-                <a:srgbClr val="000000"/>
-              </a:buClr>
-              <a:buSzPts val="1200"/>
-              <a:buFont typeface="Arial"/>
-              <a:buNone/>
-            </a:pPr>
-            <a:fld id="{00000000-1234-1234-1234-123412341234}" type="slidenum">
-              <a:rPr lang="en-US"/>
-              <a:t>‹#›</a:t>
-            </a:fld>
-            <a:endParaRPr/>
-          </a:p>
-        </p:txBody>
-      </p:sp>
-      <p:pic>
-        <p:nvPicPr>
-          <p:cNvPr id="213" name="Google Shape;213;p2"/>
+          <p:cNvPr id="217" name="Google Shape;217;g1f4e2c1751e_1_55"/>
           <p:cNvPicPr preferRelativeResize="0"/>
           <p:nvPr/>
         </p:nvPicPr>
@@ -22141,7 +22501,214 @@
   <p:cSld>
     <p:spTree>
       <p:nvGrpSpPr>
-        <p:cNvPr id="218" name="Shape 218"/>
+        <p:cNvPr id="222" name="Shape 222"/>
+        <p:cNvGrpSpPr/>
+        <p:nvPr/>
+      </p:nvGrpSpPr>
+      <p:grpSpPr>
+        <a:xfrm>
+          <a:off x="0" y="0"/>
+          <a:ext cx="0" cy="0"/>
+          <a:chOff x="0" y="0"/>
+          <a:chExt cx="0" cy="0"/>
+        </a:xfrm>
+      </p:grpSpPr>
+      <p:sp>
+        <p:nvSpPr>
+          <p:cNvPr id="223" name="Google Shape;223;p2"/>
+          <p:cNvSpPr txBox="1"/>
+          <p:nvPr>
+            <p:ph type="title"/>
+          </p:nvPr>
+        </p:nvSpPr>
+        <p:spPr>
+          <a:xfrm>
+            <a:off x="838200" y="170684"/>
+            <a:ext cx="10515600" cy="1325700"/>
+          </a:xfrm>
+          <a:prstGeom prst="rect">
+            <a:avLst/>
+          </a:prstGeom>
+          <a:noFill/>
+          <a:ln>
+            <a:noFill/>
+          </a:ln>
+        </p:spPr>
+        <p:txBody>
+          <a:bodyPr anchorCtr="0" anchor="ctr" bIns="45700" lIns="91425" spcFirstLastPara="1" rIns="91425" wrap="square" tIns="45700">
+            <a:normAutofit/>
+          </a:bodyPr>
+          <a:lstStyle/>
+          <a:p>
+            <a:pPr indent="0" lvl="0" marL="0" rtl="0" algn="l">
+              <a:lnSpc>
+                <a:spcPct val="90000"/>
+              </a:lnSpc>
+              <a:spcBef>
+                <a:spcPts val="0"/>
+              </a:spcBef>
+              <a:spcAft>
+                <a:spcPts val="0"/>
+              </a:spcAft>
+              <a:buClr>
+                <a:schemeClr val="dk1"/>
+              </a:buClr>
+              <a:buSzPts val="1800"/>
+              <a:buNone/>
+            </a:pPr>
+            <a:r>
+              <a:rPr lang="en-US" sz="3800"/>
+              <a:t>All groups react similarly to increased incidence when it comes to </a:t>
+            </a:r>
+            <a:r>
+              <a:rPr b="1" lang="en-US" sz="3800"/>
+              <a:t>mask usage</a:t>
+            </a:r>
+            <a:endParaRPr b="1" sz="3800"/>
+          </a:p>
+        </p:txBody>
+      </p:sp>
+      <p:pic>
+        <p:nvPicPr>
+          <p:cNvPr id="224" name="Google Shape;224;p2"/>
+          <p:cNvPicPr preferRelativeResize="0"/>
+          <p:nvPr/>
+        </p:nvPicPr>
+        <p:blipFill rotWithShape="1">
+          <a:blip r:embed="rId3">
+            <a:alphaModFix/>
+          </a:blip>
+          <a:srcRect b="0" l="9" r="9" t="0"/>
+          <a:stretch/>
+        </p:blipFill>
+        <p:spPr>
+          <a:xfrm>
+            <a:off x="1981475" y="1371925"/>
+            <a:ext cx="8229074" cy="5486075"/>
+          </a:xfrm>
+          <a:prstGeom prst="rect">
+            <a:avLst/>
+          </a:prstGeom>
+          <a:noFill/>
+          <a:ln>
+            <a:noFill/>
+          </a:ln>
+        </p:spPr>
+      </p:pic>
+      <p:pic>
+        <p:nvPicPr>
+          <p:cNvPr id="225" name="Google Shape;225;p2"/>
+          <p:cNvPicPr preferRelativeResize="0"/>
+          <p:nvPr/>
+        </p:nvPicPr>
+        <p:blipFill rotWithShape="1">
+          <a:blip r:embed="rId4">
+            <a:alphaModFix/>
+          </a:blip>
+          <a:srcRect b="0" l="2651" r="2642" t="0"/>
+          <a:stretch/>
+        </p:blipFill>
+        <p:spPr>
+          <a:xfrm>
+            <a:off x="10517525" y="167735"/>
+            <a:ext cx="1522073" cy="1406826"/>
+          </a:xfrm>
+          <a:prstGeom prst="rect">
+            <a:avLst/>
+          </a:prstGeom>
+          <a:noFill/>
+          <a:ln>
+            <a:noFill/>
+          </a:ln>
+        </p:spPr>
+      </p:pic>
+      <p:sp>
+        <p:nvSpPr>
+          <p:cNvPr id="226" name="Google Shape;226;p2"/>
+          <p:cNvSpPr txBox="1"/>
+          <p:nvPr>
+            <p:ph idx="12" type="sldNum"/>
+          </p:nvPr>
+        </p:nvSpPr>
+        <p:spPr>
+          <a:xfrm>
+            <a:off x="8610600" y="6356350"/>
+            <a:ext cx="2743200" cy="365100"/>
+          </a:xfrm>
+          <a:prstGeom prst="rect">
+            <a:avLst/>
+          </a:prstGeom>
+        </p:spPr>
+        <p:txBody>
+          <a:bodyPr anchorCtr="0" anchor="ctr" bIns="45700" lIns="91425" spcFirstLastPara="1" rIns="91425" wrap="square" tIns="45700">
+            <a:noAutofit/>
+          </a:bodyPr>
+          <a:lstStyle/>
+          <a:p>
+            <a:pPr indent="0" lvl="0" marL="0" rtl="0" algn="r">
+              <a:spcBef>
+                <a:spcPts val="0"/>
+              </a:spcBef>
+              <a:spcAft>
+                <a:spcPts val="0"/>
+              </a:spcAft>
+              <a:buClr>
+                <a:srgbClr val="000000"/>
+              </a:buClr>
+              <a:buSzPts val="1200"/>
+              <a:buFont typeface="Arial"/>
+              <a:buNone/>
+            </a:pPr>
+            <a:fld id="{00000000-1234-1234-1234-123412341234}" type="slidenum">
+              <a:rPr lang="en-US"/>
+              <a:t>‹#›</a:t>
+            </a:fld>
+            <a:endParaRPr/>
+          </a:p>
+        </p:txBody>
+      </p:sp>
+      <p:pic>
+        <p:nvPicPr>
+          <p:cNvPr id="227" name="Google Shape;227;p2"/>
+          <p:cNvPicPr preferRelativeResize="0"/>
+          <p:nvPr/>
+        </p:nvPicPr>
+        <p:blipFill>
+          <a:blip r:embed="rId5">
+            <a:alphaModFix/>
+          </a:blip>
+          <a:stretch>
+            <a:fillRect/>
+          </a:stretch>
+        </p:blipFill>
+        <p:spPr>
+          <a:xfrm>
+            <a:off x="10556292" y="172900"/>
+            <a:ext cx="1479608" cy="1213125"/>
+          </a:xfrm>
+          <a:prstGeom prst="rect">
+            <a:avLst/>
+          </a:prstGeom>
+          <a:noFill/>
+          <a:ln>
+            <a:noFill/>
+          </a:ln>
+        </p:spPr>
+      </p:pic>
+    </p:spTree>
+  </p:cSld>
+  <p:clrMapOvr>
+    <a:masterClrMapping/>
+  </p:clrMapOvr>
+</p:sld>
+</file>
+
+<file path=ppt/slides/slide16.xml><?xml version="1.0" encoding="utf-8"?>
+<p:sld xmlns:a="http://schemas.openxmlformats.org/drawingml/2006/main" xmlns:r="http://schemas.openxmlformats.org/officeDocument/2006/relationships" xmlns:mc="http://schemas.openxmlformats.org/markup-compatibility/2006" xmlns:mv="urn:schemas-microsoft-com:mac:vml" xmlns:p="http://schemas.openxmlformats.org/presentationml/2006/main" xmlns:c="http://schemas.openxmlformats.org/drawingml/2006/chart" xmlns:dgm="http://schemas.openxmlformats.org/drawingml/2006/diagram" xmlns:o="urn:schemas-microsoft-com:office:office" xmlns:v="urn:schemas-microsoft-com:vml" xmlns:pvml="urn:schemas-microsoft-com:office:powerpoint" xmlns:com="http://schemas.openxmlformats.org/drawingml/2006/compatibility" xmlns:p14="http://schemas.microsoft.com/office/powerpoint/2010/main" xmlns:p15="http://schemas.microsoft.com/office/powerpoint/2012/main" xmlns:ahyp="http://schemas.microsoft.com/office/drawing/2018/hyperlinkcolor">
+  <p:cSld>
+    <p:spTree>
+      <p:nvGrpSpPr>
+        <p:cNvPr id="232" name="Shape 232"/>
         <p:cNvGrpSpPr/>
         <p:nvPr/>
       </p:nvGrpSpPr>
@@ -22155,7 +22722,7 @@
       </p:grpSpPr>
       <p:pic>
         <p:nvPicPr>
-          <p:cNvPr id="219" name="Google Shape;219;g2c850703521_0_20"/>
+          <p:cNvPr id="233" name="Google Shape;233;g2c850703521_0_20"/>
           <p:cNvPicPr preferRelativeResize="0"/>
           <p:nvPr/>
         </p:nvPicPr>
@@ -22183,7 +22750,7 @@
       </p:pic>
       <p:sp>
         <p:nvSpPr>
-          <p:cNvPr id="220" name="Google Shape;220;g2c850703521_0_20"/>
+          <p:cNvPr id="234" name="Google Shape;234;g2c850703521_0_20"/>
           <p:cNvSpPr txBox="1"/>
           <p:nvPr>
             <p:ph type="title"/>
@@ -22231,7 +22798,7 @@
       </p:sp>
       <p:pic>
         <p:nvPicPr>
-          <p:cNvPr id="221" name="Google Shape;221;g2c850703521_0_20"/>
+          <p:cNvPr id="235" name="Google Shape;235;g2c850703521_0_20"/>
           <p:cNvPicPr preferRelativeResize="0"/>
           <p:nvPr/>
         </p:nvPicPr>
@@ -22258,7 +22825,7 @@
       </p:pic>
       <p:sp>
         <p:nvSpPr>
-          <p:cNvPr id="222" name="Google Shape;222;g2c850703521_0_20"/>
+          <p:cNvPr id="236" name="Google Shape;236;g2c850703521_0_20"/>
           <p:cNvSpPr txBox="1"/>
           <p:nvPr>
             <p:ph idx="12" type="sldNum"/>
@@ -22309,12 +22876,12 @@
 </p:sld>
 </file>
 
-<file path=ppt/slides/slide16.xml><?xml version="1.0" encoding="utf-8"?>
+<file path=ppt/slides/slide17.xml><?xml version="1.0" encoding="utf-8"?>
 <p:sld xmlns:a="http://schemas.openxmlformats.org/drawingml/2006/main" xmlns:r="http://schemas.openxmlformats.org/officeDocument/2006/relationships" xmlns:mc="http://schemas.openxmlformats.org/markup-compatibility/2006" xmlns:mv="urn:schemas-microsoft-com:mac:vml" xmlns:p="http://schemas.openxmlformats.org/presentationml/2006/main" xmlns:c="http://schemas.openxmlformats.org/drawingml/2006/chart" xmlns:dgm="http://schemas.openxmlformats.org/drawingml/2006/diagram" xmlns:o="urn:schemas-microsoft-com:office:office" xmlns:v="urn:schemas-microsoft-com:vml" xmlns:pvml="urn:schemas-microsoft-com:office:powerpoint" xmlns:com="http://schemas.openxmlformats.org/drawingml/2006/compatibility" xmlns:p14="http://schemas.microsoft.com/office/powerpoint/2010/main" xmlns:p15="http://schemas.microsoft.com/office/powerpoint/2012/main" xmlns:ahyp="http://schemas.microsoft.com/office/drawing/2018/hyperlinkcolor">
   <p:cSld>
     <p:spTree>
       <p:nvGrpSpPr>
-        <p:cNvPr id="227" name="Shape 227"/>
+        <p:cNvPr id="241" name="Shape 241"/>
         <p:cNvGrpSpPr/>
         <p:nvPr/>
       </p:nvGrpSpPr>
@@ -22328,7 +22895,7 @@
       </p:grpSpPr>
       <p:sp>
         <p:nvSpPr>
-          <p:cNvPr id="228" name="Google Shape;228;g1f4e2c1751e_1_28"/>
+          <p:cNvPr id="242" name="Google Shape;242;g1f4e2c1751e_1_28"/>
           <p:cNvSpPr txBox="1"/>
           <p:nvPr>
             <p:ph type="title"/>
@@ -22380,7 +22947,7 @@
       </p:sp>
       <p:pic>
         <p:nvPicPr>
-          <p:cNvPr id="229" name="Google Shape;229;g1f4e2c1751e_1_28"/>
+          <p:cNvPr id="243" name="Google Shape;243;g1f4e2c1751e_1_28"/>
           <p:cNvPicPr preferRelativeResize="0"/>
           <p:nvPr/>
         </p:nvPicPr>
@@ -22407,14 +22974,14 @@
       </p:pic>
       <p:sp>
         <p:nvSpPr>
-          <p:cNvPr id="230" name="Google Shape;230;g1f4e2c1751e_1_28"/>
+          <p:cNvPr id="244" name="Google Shape;244;g1f4e2c1751e_1_28"/>
           <p:cNvSpPr txBox="1"/>
           <p:nvPr/>
         </p:nvSpPr>
         <p:spPr>
           <a:xfrm>
-            <a:off x="10330250" y="6031450"/>
-            <a:ext cx="1620600" cy="651600"/>
+            <a:off x="9972300" y="6031450"/>
+            <a:ext cx="1978500" cy="651600"/>
           </a:xfrm>
           <a:prstGeom prst="rect">
             <a:avLst/>
@@ -22485,7 +23052,7 @@
       </p:sp>
       <p:sp>
         <p:nvSpPr>
-          <p:cNvPr id="231" name="Google Shape;231;g1f4e2c1751e_1_28"/>
+          <p:cNvPr id="245" name="Google Shape;245;g1f4e2c1751e_1_28"/>
           <p:cNvSpPr txBox="1"/>
           <p:nvPr>
             <p:ph idx="12" type="sldNum"/>
@@ -22530,7 +23097,7 @@
       </p:sp>
       <p:pic>
         <p:nvPicPr>
-          <p:cNvPr id="232" name="Google Shape;232;g1f4e2c1751e_1_28"/>
+          <p:cNvPr id="246" name="Google Shape;246;g1f4e2c1751e_1_28"/>
           <p:cNvPicPr preferRelativeResize="0"/>
           <p:nvPr/>
         </p:nvPicPr>
@@ -22564,12 +23131,12 @@
 </p:sld>
 </file>
 
-<file path=ppt/slides/slide17.xml><?xml version="1.0" encoding="utf-8"?>
+<file path=ppt/slides/slide18.xml><?xml version="1.0" encoding="utf-8"?>
 <p:sld xmlns:a="http://schemas.openxmlformats.org/drawingml/2006/main" xmlns:r="http://schemas.openxmlformats.org/officeDocument/2006/relationships" xmlns:mc="http://schemas.openxmlformats.org/markup-compatibility/2006" xmlns:mv="urn:schemas-microsoft-com:mac:vml" xmlns:p="http://schemas.openxmlformats.org/presentationml/2006/main" xmlns:c="http://schemas.openxmlformats.org/drawingml/2006/chart" xmlns:dgm="http://schemas.openxmlformats.org/drawingml/2006/diagram" xmlns:o="urn:schemas-microsoft-com:office:office" xmlns:v="urn:schemas-microsoft-com:vml" xmlns:pvml="urn:schemas-microsoft-com:office:powerpoint" xmlns:com="http://schemas.openxmlformats.org/drawingml/2006/compatibility" xmlns:p14="http://schemas.microsoft.com/office/powerpoint/2010/main" xmlns:p15="http://schemas.microsoft.com/office/powerpoint/2012/main" xmlns:ahyp="http://schemas.microsoft.com/office/drawing/2018/hyperlinkcolor">
   <p:cSld>
     <p:spTree>
       <p:nvGrpSpPr>
-        <p:cNvPr id="237" name="Shape 237"/>
+        <p:cNvPr id="251" name="Shape 251"/>
         <p:cNvGrpSpPr/>
         <p:nvPr/>
       </p:nvGrpSpPr>
@@ -22583,7 +23150,7 @@
       </p:grpSpPr>
       <p:sp>
         <p:nvSpPr>
-          <p:cNvPr id="238" name="Google Shape;238;g2c881aa0dd9_2_5"/>
+          <p:cNvPr id="252" name="Google Shape;252;g2c881aa0dd9_2_5"/>
           <p:cNvSpPr txBox="1"/>
           <p:nvPr>
             <p:ph type="title"/>
@@ -22615,14 +23182,36 @@
             </a:pPr>
             <a:r>
               <a:rPr lang="en-US" sz="3800"/>
-              <a:t>Democrats are even more likely to report being </a:t>
+              <a:t>Republican</a:t>
             </a:r>
             <a:r>
-              <a:rPr b="1" lang="en-US" sz="3800"/>
+              <a:rPr lang="en-US" sz="3800">
+                <a:extLst>
+                  <a:ext uri="http://customooxmlschemas.google.com/">
+                    <go:slidesCustomData xmlns:go="http://customooxmlschemas.google.com/" textRoundtripDataId="11"/>
+                  </a:ext>
+                </a:extLst>
+              </a:rPr>
+              <a:t> are even more likely to report being </a:t>
+            </a:r>
+            <a:r>
+              <a:rPr b="1" lang="en-US" sz="3800">
+                <a:extLst>
+                  <a:ext uri="http://customooxmlschemas.google.com/">
+                    <go:slidesCustomData xmlns:go="http://customooxmlschemas.google.com/" textRoundtripDataId="12"/>
+                  </a:ext>
+                </a:extLst>
+              </a:rPr>
               <a:t>vaccinated </a:t>
             </a:r>
             <a:r>
-              <a:rPr lang="en-US" sz="3800"/>
+              <a:rPr lang="en-US" sz="3800">
+                <a:extLst>
+                  <a:ext uri="http://customooxmlschemas.google.com/">
+                    <go:slidesCustomData xmlns:go="http://customooxmlschemas.google.com/" textRoundtripDataId="13"/>
+                  </a:ext>
+                </a:extLst>
+              </a:rPr>
               <a:t>in Republican districts</a:t>
             </a:r>
             <a:endParaRPr sz="3800"/>
@@ -22631,12 +23220,12 @@
       </p:sp>
       <p:pic>
         <p:nvPicPr>
-          <p:cNvPr id="239" name="Google Shape;239;g2c881aa0dd9_2_5"/>
+          <p:cNvPr id="253" name="Google Shape;253;g2c881aa0dd9_2_5"/>
           <p:cNvPicPr preferRelativeResize="0"/>
           <p:nvPr/>
         </p:nvPicPr>
         <p:blipFill rotWithShape="1">
-          <a:blip r:embed="rId3">
+          <a:blip r:embed="rId4">
             <a:alphaModFix/>
           </a:blip>
           <a:srcRect b="0" l="0" r="0" t="0"/>
@@ -22658,7 +23247,7 @@
       </p:pic>
       <p:sp>
         <p:nvSpPr>
-          <p:cNvPr id="240" name="Google Shape;240;g2c881aa0dd9_2_5"/>
+          <p:cNvPr id="254" name="Google Shape;254;g2c881aa0dd9_2_5"/>
           <p:cNvSpPr txBox="1"/>
           <p:nvPr/>
         </p:nvSpPr>
@@ -22736,7 +23325,7 @@
       </p:sp>
       <p:sp>
         <p:nvSpPr>
-          <p:cNvPr id="241" name="Google Shape;241;g2c881aa0dd9_2_5"/>
+          <p:cNvPr id="255" name="Google Shape;255;g2c881aa0dd9_2_5"/>
           <p:cNvSpPr txBox="1"/>
           <p:nvPr>
             <p:ph idx="12" type="sldNum"/>
@@ -22781,12 +23370,12 @@
       </p:sp>
       <p:pic>
         <p:nvPicPr>
-          <p:cNvPr id="242" name="Google Shape;242;g2c881aa0dd9_2_5"/>
+          <p:cNvPr id="256" name="Google Shape;256;g2c881aa0dd9_2_5"/>
           <p:cNvPicPr preferRelativeResize="0"/>
           <p:nvPr/>
         </p:nvPicPr>
         <p:blipFill>
-          <a:blip r:embed="rId4">
+          <a:blip r:embed="rId5">
             <a:alphaModFix/>
           </a:blip>
           <a:stretch>
@@ -22815,12 +23404,12 @@
 </p:sld>
 </file>
 
-<file path=ppt/slides/slide18.xml><?xml version="1.0" encoding="utf-8"?>
+<file path=ppt/slides/slide19.xml><?xml version="1.0" encoding="utf-8"?>
 <p:sld xmlns:a="http://schemas.openxmlformats.org/drawingml/2006/main" xmlns:r="http://schemas.openxmlformats.org/officeDocument/2006/relationships" xmlns:mc="http://schemas.openxmlformats.org/markup-compatibility/2006" xmlns:mv="urn:schemas-microsoft-com:mac:vml" xmlns:p="http://schemas.openxmlformats.org/presentationml/2006/main" xmlns:c="http://schemas.openxmlformats.org/drawingml/2006/chart" xmlns:dgm="http://schemas.openxmlformats.org/drawingml/2006/diagram" xmlns:o="urn:schemas-microsoft-com:office:office" xmlns:v="urn:schemas-microsoft-com:vml" xmlns:pvml="urn:schemas-microsoft-com:office:powerpoint" xmlns:com="http://schemas.openxmlformats.org/drawingml/2006/compatibility" xmlns:p14="http://schemas.microsoft.com/office/powerpoint/2010/main" xmlns:p15="http://schemas.microsoft.com/office/powerpoint/2012/main" xmlns:ahyp="http://schemas.microsoft.com/office/drawing/2018/hyperlinkcolor">
   <p:cSld>
     <p:spTree>
       <p:nvGrpSpPr>
-        <p:cNvPr id="247" name="Shape 247"/>
+        <p:cNvPr id="261" name="Shape 261"/>
         <p:cNvGrpSpPr/>
         <p:nvPr/>
       </p:nvGrpSpPr>
@@ -22834,7 +23423,7 @@
       </p:grpSpPr>
       <p:sp>
         <p:nvSpPr>
-          <p:cNvPr id="248" name="Google Shape;248;g2c850703521_0_50"/>
+          <p:cNvPr id="262" name="Google Shape;262;g2c850703521_0_50"/>
           <p:cNvSpPr txBox="1"/>
           <p:nvPr>
             <p:ph type="title"/>
@@ -22882,7 +23471,7 @@
       </p:sp>
       <p:sp>
         <p:nvSpPr>
-          <p:cNvPr id="249" name="Google Shape;249;g2c850703521_0_50"/>
+          <p:cNvPr id="263" name="Google Shape;263;g2c850703521_0_50"/>
           <p:cNvSpPr txBox="1"/>
           <p:nvPr>
             <p:ph idx="12" type="sldNum"/>
@@ -22925,300 +23514,6 @@
           </a:p>
         </p:txBody>
       </p:sp>
-    </p:spTree>
-  </p:cSld>
-  <p:clrMapOvr>
-    <a:masterClrMapping/>
-  </p:clrMapOvr>
-</p:sld>
-</file>
-
-<file path=ppt/slides/slide19.xml><?xml version="1.0" encoding="utf-8"?>
-<p:sld xmlns:a="http://schemas.openxmlformats.org/drawingml/2006/main" xmlns:r="http://schemas.openxmlformats.org/officeDocument/2006/relationships" xmlns:mc="http://schemas.openxmlformats.org/markup-compatibility/2006" xmlns:mv="urn:schemas-microsoft-com:mac:vml" xmlns:p="http://schemas.openxmlformats.org/presentationml/2006/main" xmlns:c="http://schemas.openxmlformats.org/drawingml/2006/chart" xmlns:dgm="http://schemas.openxmlformats.org/drawingml/2006/diagram" xmlns:o="urn:schemas-microsoft-com:office:office" xmlns:v="urn:schemas-microsoft-com:vml" xmlns:pvml="urn:schemas-microsoft-com:office:powerpoint" xmlns:com="http://schemas.openxmlformats.org/drawingml/2006/compatibility" xmlns:p14="http://schemas.microsoft.com/office/powerpoint/2010/main" xmlns:p15="http://schemas.microsoft.com/office/powerpoint/2012/main" xmlns:ahyp="http://schemas.microsoft.com/office/drawing/2018/hyperlinkcolor">
-  <p:cSld>
-    <p:spTree>
-      <p:nvGrpSpPr>
-        <p:cNvPr id="254" name="Shape 254"/>
-        <p:cNvGrpSpPr/>
-        <p:nvPr/>
-      </p:nvGrpSpPr>
-      <p:grpSpPr>
-        <a:xfrm>
-          <a:off x="0" y="0"/>
-          <a:ext cx="0" cy="0"/>
-          <a:chOff x="0" y="0"/>
-          <a:chExt cx="0" cy="0"/>
-        </a:xfrm>
-      </p:grpSpPr>
-      <p:sp>
-        <p:nvSpPr>
-          <p:cNvPr id="255" name="Google Shape;255;g2c5aae000b7_0_0"/>
-          <p:cNvSpPr txBox="1"/>
-          <p:nvPr>
-            <p:ph type="title"/>
-          </p:nvPr>
-        </p:nvSpPr>
-        <p:spPr>
-          <a:xfrm>
-            <a:off x="838200" y="365125"/>
-            <a:ext cx="10515600" cy="1325700"/>
-          </a:xfrm>
-          <a:prstGeom prst="rect">
-            <a:avLst/>
-          </a:prstGeom>
-          <a:noFill/>
-          <a:ln>
-            <a:noFill/>
-          </a:ln>
-        </p:spPr>
-        <p:txBody>
-          <a:bodyPr anchorCtr="0" anchor="ctr" bIns="45700" lIns="91425" spcFirstLastPara="1" rIns="91425" wrap="square" tIns="45700">
-            <a:normAutofit/>
-          </a:bodyPr>
-          <a:lstStyle/>
-          <a:p>
-            <a:pPr indent="0" lvl="0" marL="0" rtl="0" algn="l">
-              <a:lnSpc>
-                <a:spcPct val="90000"/>
-              </a:lnSpc>
-              <a:spcBef>
-                <a:spcPts val="0"/>
-              </a:spcBef>
-              <a:spcAft>
-                <a:spcPts val="0"/>
-              </a:spcAft>
-              <a:buSzPts val="1800"/>
-              <a:buNone/>
-            </a:pPr>
-            <a:r>
-              <a:rPr lang="en-US"/>
-              <a:t>Epidemic dynamics are sensitive to changes in contact rates</a:t>
-            </a:r>
-            <a:endParaRPr/>
-          </a:p>
-        </p:txBody>
-      </p:sp>
-      <p:pic>
-        <p:nvPicPr>
-          <p:cNvPr id="256" name="Google Shape;256;g2c5aae000b7_0_0"/>
-          <p:cNvPicPr preferRelativeResize="0"/>
-          <p:nvPr/>
-        </p:nvPicPr>
-        <p:blipFill rotWithShape="1">
-          <a:blip r:embed="rId4">
-            <a:alphaModFix/>
-          </a:blip>
-          <a:srcRect b="0" l="0" r="0" t="0"/>
-          <a:stretch/>
-        </p:blipFill>
-        <p:spPr>
-          <a:xfrm>
-            <a:off x="1025188" y="2214750"/>
-            <a:ext cx="5000625" cy="2209800"/>
-          </a:xfrm>
-          <a:prstGeom prst="rect">
-            <a:avLst/>
-          </a:prstGeom>
-          <a:noFill/>
-          <a:ln>
-            <a:noFill/>
-          </a:ln>
-        </p:spPr>
-      </p:pic>
-      <p:pic>
-        <p:nvPicPr>
-          <p:cNvPr id="257" name="Google Shape;257;g2c5aae000b7_0_0"/>
-          <p:cNvPicPr preferRelativeResize="0"/>
-          <p:nvPr/>
-        </p:nvPicPr>
-        <p:blipFill rotWithShape="1">
-          <a:blip r:embed="rId5">
-            <a:alphaModFix/>
-          </a:blip>
-          <a:srcRect b="0" l="0" r="0" t="0"/>
-          <a:stretch/>
-        </p:blipFill>
-        <p:spPr>
-          <a:xfrm>
-            <a:off x="7255488" y="2799600"/>
-            <a:ext cx="3667125" cy="723900"/>
-          </a:xfrm>
-          <a:prstGeom prst="rect">
-            <a:avLst/>
-          </a:prstGeom>
-          <a:noFill/>
-          <a:ln>
-            <a:noFill/>
-          </a:ln>
-        </p:spPr>
-      </p:pic>
-      <p:sp>
-        <p:nvSpPr>
-          <p:cNvPr id="258" name="Google Shape;258;g2c5aae000b7_0_0"/>
-          <p:cNvSpPr txBox="1"/>
-          <p:nvPr/>
-        </p:nvSpPr>
-        <p:spPr>
-          <a:xfrm>
-            <a:off x="4415725" y="4344175"/>
-            <a:ext cx="1610100" cy="384900"/>
-          </a:xfrm>
-          <a:prstGeom prst="rect">
-            <a:avLst/>
-          </a:prstGeom>
-          <a:noFill/>
-          <a:ln>
-            <a:noFill/>
-          </a:ln>
-        </p:spPr>
-        <p:txBody>
-          <a:bodyPr anchorCtr="0" anchor="t" bIns="91425" lIns="91425" spcFirstLastPara="1" rIns="91425" wrap="square" tIns="91425">
-            <a:spAutoFit/>
-          </a:bodyPr>
-          <a:lstStyle/>
-          <a:p>
-            <a:pPr indent="0" lvl="0" marL="0" marR="0" rtl="0" algn="l">
-              <a:lnSpc>
-                <a:spcPct val="100000"/>
-              </a:lnSpc>
-              <a:spcBef>
-                <a:spcPts val="0"/>
-              </a:spcBef>
-              <a:spcAft>
-                <a:spcPts val="0"/>
-              </a:spcAft>
-              <a:buClr>
-                <a:srgbClr val="000000"/>
-              </a:buClr>
-              <a:buSzPts val="1300"/>
-              <a:buFont typeface="Arial"/>
-              <a:buNone/>
-            </a:pPr>
-            <a:r>
-              <a:rPr b="0" i="0" lang="en-US" sz="1300" u="none" cap="none" strike="noStrike">
-                <a:solidFill>
-                  <a:srgbClr val="000000"/>
-                </a:solidFill>
-                <a:latin typeface="Arial"/>
-                <a:ea typeface="Arial"/>
-                <a:cs typeface="Arial"/>
-                <a:sym typeface="Arial"/>
-              </a:rPr>
-              <a:t>Xavier et al. (2022)</a:t>
-            </a:r>
-            <a:endParaRPr b="0" i="0" sz="1300" u="none" cap="none" strike="noStrike">
-              <a:solidFill>
-                <a:srgbClr val="000000"/>
-              </a:solidFill>
-              <a:latin typeface="Arial"/>
-              <a:ea typeface="Arial"/>
-              <a:cs typeface="Arial"/>
-              <a:sym typeface="Arial"/>
-            </a:endParaRPr>
-          </a:p>
-        </p:txBody>
-      </p:sp>
-      <p:sp>
-        <p:nvSpPr>
-          <p:cNvPr id="259" name="Google Shape;259;g2c5aae000b7_0_0"/>
-          <p:cNvSpPr txBox="1"/>
-          <p:nvPr>
-            <p:ph idx="12" type="sldNum"/>
-          </p:nvPr>
-        </p:nvSpPr>
-        <p:spPr>
-          <a:xfrm>
-            <a:off x="8610600" y="6356350"/>
-            <a:ext cx="2743200" cy="365100"/>
-          </a:xfrm>
-          <a:prstGeom prst="rect">
-            <a:avLst/>
-          </a:prstGeom>
-        </p:spPr>
-        <p:txBody>
-          <a:bodyPr anchorCtr="0" anchor="ctr" bIns="45700" lIns="91425" spcFirstLastPara="1" rIns="91425" wrap="square" tIns="45700">
-            <a:noAutofit/>
-          </a:bodyPr>
-          <a:lstStyle/>
-          <a:p>
-            <a:pPr indent="0" lvl="0" marL="0" rtl="0" algn="r">
-              <a:spcBef>
-                <a:spcPts val="0"/>
-              </a:spcBef>
-              <a:spcAft>
-                <a:spcPts val="0"/>
-              </a:spcAft>
-              <a:buClr>
-                <a:srgbClr val="000000"/>
-              </a:buClr>
-              <a:buSzPts val="1200"/>
-              <a:buFont typeface="Arial"/>
-              <a:buNone/>
-            </a:pPr>
-            <a:fld id="{00000000-1234-1234-1234-123412341234}" type="slidenum">
-              <a:rPr lang="en-US"/>
-              <a:t>‹#›</a:t>
-            </a:fld>
-            <a:endParaRPr/>
-          </a:p>
-        </p:txBody>
-      </p:sp>
-      <p:pic>
-        <p:nvPicPr>
-          <p:cNvPr id="260" name="Google Shape;260;g2c5aae000b7_0_0"/>
-          <p:cNvPicPr preferRelativeResize="0"/>
-          <p:nvPr/>
-        </p:nvPicPr>
-        <p:blipFill>
-          <a:blip r:embed="rId6">
-            <a:alphaModFix/>
-          </a:blip>
-          <a:stretch>
-            <a:fillRect/>
-          </a:stretch>
-        </p:blipFill>
-        <p:spPr>
-          <a:xfrm>
-            <a:off x="1492350" y="4893650"/>
-            <a:ext cx="3752850" cy="1285875"/>
-          </a:xfrm>
-          <a:prstGeom prst="rect">
-            <a:avLst/>
-          </a:prstGeom>
-          <a:noFill/>
-          <a:ln>
-            <a:noFill/>
-          </a:ln>
-        </p:spPr>
-      </p:pic>
-      <p:pic>
-        <p:nvPicPr>
-          <p:cNvPr id="261" name="Google Shape;261;g2c5aae000b7_0_0"/>
-          <p:cNvPicPr preferRelativeResize="0"/>
-          <p:nvPr/>
-        </p:nvPicPr>
-        <p:blipFill>
-          <a:blip r:embed="rId7">
-            <a:alphaModFix/>
-          </a:blip>
-          <a:stretch>
-            <a:fillRect/>
-          </a:stretch>
-        </p:blipFill>
-        <p:spPr>
-          <a:xfrm>
-            <a:off x="6853513" y="4065675"/>
-            <a:ext cx="4292661" cy="2467150"/>
-          </a:xfrm>
-          <a:prstGeom prst="rect">
-            <a:avLst/>
-          </a:prstGeom>
-          <a:noFill/>
-          <a:ln>
-            <a:noFill/>
-          </a:ln>
-        </p:spPr>
-      </p:pic>
     </p:spTree>
   </p:cSld>
   <p:clrMapOvr>
@@ -23560,7 +23855,7 @@
   <p:cSld>
     <p:spTree>
       <p:nvGrpSpPr>
-        <p:cNvPr id="266" name="Shape 266"/>
+        <p:cNvPr id="268" name="Shape 268"/>
         <p:cNvGrpSpPr/>
         <p:nvPr/>
       </p:nvGrpSpPr>
@@ -23574,7 +23869,301 @@
       </p:grpSpPr>
       <p:sp>
         <p:nvSpPr>
-          <p:cNvPr id="267" name="Google Shape;267;g2c850703521_0_37"/>
+          <p:cNvPr id="269" name="Google Shape;269;g2c5aae000b7_0_0"/>
+          <p:cNvSpPr txBox="1"/>
+          <p:nvPr>
+            <p:ph type="title"/>
+          </p:nvPr>
+        </p:nvSpPr>
+        <p:spPr>
+          <a:xfrm>
+            <a:off x="838200" y="365125"/>
+            <a:ext cx="10515600" cy="1325700"/>
+          </a:xfrm>
+          <a:prstGeom prst="rect">
+            <a:avLst/>
+          </a:prstGeom>
+          <a:noFill/>
+          <a:ln>
+            <a:noFill/>
+          </a:ln>
+        </p:spPr>
+        <p:txBody>
+          <a:bodyPr anchorCtr="0" anchor="ctr" bIns="45700" lIns="91425" spcFirstLastPara="1" rIns="91425" wrap="square" tIns="45700">
+            <a:normAutofit/>
+          </a:bodyPr>
+          <a:lstStyle/>
+          <a:p>
+            <a:pPr indent="0" lvl="0" marL="0" rtl="0" algn="l">
+              <a:lnSpc>
+                <a:spcPct val="90000"/>
+              </a:lnSpc>
+              <a:spcBef>
+                <a:spcPts val="0"/>
+              </a:spcBef>
+              <a:spcAft>
+                <a:spcPts val="0"/>
+              </a:spcAft>
+              <a:buSzPts val="1800"/>
+              <a:buNone/>
+            </a:pPr>
+            <a:r>
+              <a:rPr lang="en-US"/>
+              <a:t>Epidemic dynamics are sensitive to changes in contact rates</a:t>
+            </a:r>
+            <a:endParaRPr/>
+          </a:p>
+        </p:txBody>
+      </p:sp>
+      <p:pic>
+        <p:nvPicPr>
+          <p:cNvPr id="270" name="Google Shape;270;g2c5aae000b7_0_0"/>
+          <p:cNvPicPr preferRelativeResize="0"/>
+          <p:nvPr/>
+        </p:nvPicPr>
+        <p:blipFill rotWithShape="1">
+          <a:blip r:embed="rId4">
+            <a:alphaModFix/>
+          </a:blip>
+          <a:srcRect b="0" l="0" r="0" t="0"/>
+          <a:stretch/>
+        </p:blipFill>
+        <p:spPr>
+          <a:xfrm>
+            <a:off x="1025188" y="2214750"/>
+            <a:ext cx="5000625" cy="2209800"/>
+          </a:xfrm>
+          <a:prstGeom prst="rect">
+            <a:avLst/>
+          </a:prstGeom>
+          <a:noFill/>
+          <a:ln>
+            <a:noFill/>
+          </a:ln>
+        </p:spPr>
+      </p:pic>
+      <p:pic>
+        <p:nvPicPr>
+          <p:cNvPr id="271" name="Google Shape;271;g2c5aae000b7_0_0"/>
+          <p:cNvPicPr preferRelativeResize="0"/>
+          <p:nvPr/>
+        </p:nvPicPr>
+        <p:blipFill rotWithShape="1">
+          <a:blip r:embed="rId5">
+            <a:alphaModFix/>
+          </a:blip>
+          <a:srcRect b="0" l="0" r="0" t="0"/>
+          <a:stretch/>
+        </p:blipFill>
+        <p:spPr>
+          <a:xfrm>
+            <a:off x="7255488" y="2799600"/>
+            <a:ext cx="3667125" cy="723900"/>
+          </a:xfrm>
+          <a:prstGeom prst="rect">
+            <a:avLst/>
+          </a:prstGeom>
+          <a:noFill/>
+          <a:ln>
+            <a:noFill/>
+          </a:ln>
+        </p:spPr>
+      </p:pic>
+      <p:sp>
+        <p:nvSpPr>
+          <p:cNvPr id="272" name="Google Shape;272;g2c5aae000b7_0_0"/>
+          <p:cNvSpPr txBox="1"/>
+          <p:nvPr/>
+        </p:nvSpPr>
+        <p:spPr>
+          <a:xfrm>
+            <a:off x="4415725" y="4344175"/>
+            <a:ext cx="1610100" cy="384900"/>
+          </a:xfrm>
+          <a:prstGeom prst="rect">
+            <a:avLst/>
+          </a:prstGeom>
+          <a:noFill/>
+          <a:ln>
+            <a:noFill/>
+          </a:ln>
+        </p:spPr>
+        <p:txBody>
+          <a:bodyPr anchorCtr="0" anchor="t" bIns="91425" lIns="91425" spcFirstLastPara="1" rIns="91425" wrap="square" tIns="91425">
+            <a:spAutoFit/>
+          </a:bodyPr>
+          <a:lstStyle/>
+          <a:p>
+            <a:pPr indent="0" lvl="0" marL="0" marR="0" rtl="0" algn="l">
+              <a:lnSpc>
+                <a:spcPct val="100000"/>
+              </a:lnSpc>
+              <a:spcBef>
+                <a:spcPts val="0"/>
+              </a:spcBef>
+              <a:spcAft>
+                <a:spcPts val="0"/>
+              </a:spcAft>
+              <a:buClr>
+                <a:srgbClr val="000000"/>
+              </a:buClr>
+              <a:buSzPts val="1300"/>
+              <a:buFont typeface="Arial"/>
+              <a:buNone/>
+            </a:pPr>
+            <a:r>
+              <a:rPr b="0" i="0" lang="en-US" sz="1300" u="none" cap="none" strike="noStrike">
+                <a:solidFill>
+                  <a:srgbClr val="000000"/>
+                </a:solidFill>
+                <a:latin typeface="Arial"/>
+                <a:ea typeface="Arial"/>
+                <a:cs typeface="Arial"/>
+                <a:sym typeface="Arial"/>
+              </a:rPr>
+              <a:t>Xavier et al. (2022)</a:t>
+            </a:r>
+            <a:endParaRPr b="0" i="0" sz="1300" u="none" cap="none" strike="noStrike">
+              <a:solidFill>
+                <a:srgbClr val="000000"/>
+              </a:solidFill>
+              <a:latin typeface="Arial"/>
+              <a:ea typeface="Arial"/>
+              <a:cs typeface="Arial"/>
+              <a:sym typeface="Arial"/>
+            </a:endParaRPr>
+          </a:p>
+        </p:txBody>
+      </p:sp>
+      <p:sp>
+        <p:nvSpPr>
+          <p:cNvPr id="273" name="Google Shape;273;g2c5aae000b7_0_0"/>
+          <p:cNvSpPr txBox="1"/>
+          <p:nvPr>
+            <p:ph idx="12" type="sldNum"/>
+          </p:nvPr>
+        </p:nvSpPr>
+        <p:spPr>
+          <a:xfrm>
+            <a:off x="8610600" y="6356350"/>
+            <a:ext cx="2743200" cy="365100"/>
+          </a:xfrm>
+          <a:prstGeom prst="rect">
+            <a:avLst/>
+          </a:prstGeom>
+        </p:spPr>
+        <p:txBody>
+          <a:bodyPr anchorCtr="0" anchor="ctr" bIns="45700" lIns="91425" spcFirstLastPara="1" rIns="91425" wrap="square" tIns="45700">
+            <a:noAutofit/>
+          </a:bodyPr>
+          <a:lstStyle/>
+          <a:p>
+            <a:pPr indent="0" lvl="0" marL="0" rtl="0" algn="r">
+              <a:spcBef>
+                <a:spcPts val="0"/>
+              </a:spcBef>
+              <a:spcAft>
+                <a:spcPts val="0"/>
+              </a:spcAft>
+              <a:buClr>
+                <a:srgbClr val="000000"/>
+              </a:buClr>
+              <a:buSzPts val="1200"/>
+              <a:buFont typeface="Arial"/>
+              <a:buNone/>
+            </a:pPr>
+            <a:fld id="{00000000-1234-1234-1234-123412341234}" type="slidenum">
+              <a:rPr lang="en-US"/>
+              <a:t>‹#›</a:t>
+            </a:fld>
+            <a:endParaRPr/>
+          </a:p>
+        </p:txBody>
+      </p:sp>
+      <p:pic>
+        <p:nvPicPr>
+          <p:cNvPr id="274" name="Google Shape;274;g2c5aae000b7_0_0"/>
+          <p:cNvPicPr preferRelativeResize="0"/>
+          <p:nvPr/>
+        </p:nvPicPr>
+        <p:blipFill>
+          <a:blip r:embed="rId6">
+            <a:alphaModFix/>
+          </a:blip>
+          <a:stretch>
+            <a:fillRect/>
+          </a:stretch>
+        </p:blipFill>
+        <p:spPr>
+          <a:xfrm>
+            <a:off x="1492350" y="4893650"/>
+            <a:ext cx="3752850" cy="1285875"/>
+          </a:xfrm>
+          <a:prstGeom prst="rect">
+            <a:avLst/>
+          </a:prstGeom>
+          <a:noFill/>
+          <a:ln>
+            <a:noFill/>
+          </a:ln>
+        </p:spPr>
+      </p:pic>
+      <p:pic>
+        <p:nvPicPr>
+          <p:cNvPr id="275" name="Google Shape;275;g2c5aae000b7_0_0"/>
+          <p:cNvPicPr preferRelativeResize="0"/>
+          <p:nvPr/>
+        </p:nvPicPr>
+        <p:blipFill>
+          <a:blip r:embed="rId7">
+            <a:alphaModFix/>
+          </a:blip>
+          <a:stretch>
+            <a:fillRect/>
+          </a:stretch>
+        </p:blipFill>
+        <p:spPr>
+          <a:xfrm>
+            <a:off x="6853513" y="4065675"/>
+            <a:ext cx="4292661" cy="2467150"/>
+          </a:xfrm>
+          <a:prstGeom prst="rect">
+            <a:avLst/>
+          </a:prstGeom>
+          <a:noFill/>
+          <a:ln>
+            <a:noFill/>
+          </a:ln>
+        </p:spPr>
+      </p:pic>
+    </p:spTree>
+  </p:cSld>
+  <p:clrMapOvr>
+    <a:masterClrMapping/>
+  </p:clrMapOvr>
+</p:sld>
+</file>
+
+<file path=ppt/slides/slide21.xml><?xml version="1.0" encoding="utf-8"?>
+<p:sld xmlns:a="http://schemas.openxmlformats.org/drawingml/2006/main" xmlns:r="http://schemas.openxmlformats.org/officeDocument/2006/relationships" xmlns:mc="http://schemas.openxmlformats.org/markup-compatibility/2006" xmlns:mv="urn:schemas-microsoft-com:mac:vml" xmlns:p="http://schemas.openxmlformats.org/presentationml/2006/main" xmlns:c="http://schemas.openxmlformats.org/drawingml/2006/chart" xmlns:dgm="http://schemas.openxmlformats.org/drawingml/2006/diagram" xmlns:o="urn:schemas-microsoft-com:office:office" xmlns:v="urn:schemas-microsoft-com:vml" xmlns:pvml="urn:schemas-microsoft-com:office:powerpoint" xmlns:com="http://schemas.openxmlformats.org/drawingml/2006/compatibility" xmlns:p14="http://schemas.microsoft.com/office/powerpoint/2010/main" xmlns:p15="http://schemas.microsoft.com/office/powerpoint/2012/main" xmlns:ahyp="http://schemas.microsoft.com/office/drawing/2018/hyperlinkcolor">
+  <p:cSld>
+    <p:spTree>
+      <p:nvGrpSpPr>
+        <p:cNvPr id="280" name="Shape 280"/>
+        <p:cNvGrpSpPr/>
+        <p:nvPr/>
+      </p:nvGrpSpPr>
+      <p:grpSpPr>
+        <a:xfrm>
+          <a:off x="0" y="0"/>
+          <a:ext cx="0" cy="0"/>
+          <a:chOff x="0" y="0"/>
+          <a:chExt cx="0" cy="0"/>
+        </a:xfrm>
+      </p:grpSpPr>
+      <p:sp>
+        <p:nvSpPr>
+          <p:cNvPr id="281" name="Google Shape;281;g2c850703521_0_37"/>
           <p:cNvSpPr txBox="1"/>
           <p:nvPr>
             <p:ph type="title"/>
@@ -23614,7 +24203,7 @@
       </p:sp>
       <p:sp>
         <p:nvSpPr>
-          <p:cNvPr id="268" name="Google Shape;268;g2c850703521_0_37"/>
+          <p:cNvPr id="282" name="Google Shape;282;g2c850703521_0_37"/>
           <p:cNvSpPr txBox="1"/>
           <p:nvPr>
             <p:ph idx="1" type="body"/>
@@ -23770,7 +24359,7 @@
       </p:sp>
       <p:sp>
         <p:nvSpPr>
-          <p:cNvPr id="269" name="Google Shape;269;g2c850703521_0_37"/>
+          <p:cNvPr id="283" name="Google Shape;283;g2c850703521_0_37"/>
           <p:cNvSpPr txBox="1"/>
           <p:nvPr>
             <p:ph idx="12" type="sldNum"/>
@@ -23821,12 +24410,12 @@
 </p:sld>
 </file>
 
-<file path=ppt/slides/slide21.xml><?xml version="1.0" encoding="utf-8"?>
+<file path=ppt/slides/slide22.xml><?xml version="1.0" encoding="utf-8"?>
 <p:sld xmlns:a="http://schemas.openxmlformats.org/drawingml/2006/main" xmlns:r="http://schemas.openxmlformats.org/officeDocument/2006/relationships" xmlns:mc="http://schemas.openxmlformats.org/markup-compatibility/2006" xmlns:mv="urn:schemas-microsoft-com:mac:vml" xmlns:p="http://schemas.openxmlformats.org/presentationml/2006/main" xmlns:c="http://schemas.openxmlformats.org/drawingml/2006/chart" xmlns:dgm="http://schemas.openxmlformats.org/drawingml/2006/diagram" xmlns:o="urn:schemas-microsoft-com:office:office" xmlns:v="urn:schemas-microsoft-com:vml" xmlns:pvml="urn:schemas-microsoft-com:office:powerpoint" xmlns:com="http://schemas.openxmlformats.org/drawingml/2006/compatibility" xmlns:p14="http://schemas.microsoft.com/office/powerpoint/2010/main" xmlns:p15="http://schemas.microsoft.com/office/powerpoint/2012/main" xmlns:ahyp="http://schemas.microsoft.com/office/drawing/2018/hyperlinkcolor">
   <p:cSld>
     <p:spTree>
       <p:nvGrpSpPr>
-        <p:cNvPr id="274" name="Shape 274"/>
+        <p:cNvPr id="288" name="Shape 288"/>
         <p:cNvGrpSpPr/>
         <p:nvPr/>
       </p:nvGrpSpPr>
@@ -23840,7 +24429,7 @@
       </p:grpSpPr>
       <p:sp>
         <p:nvSpPr>
-          <p:cNvPr id="275" name="Google Shape;275;g2cbabed7228_0_1"/>
+          <p:cNvPr id="289" name="Google Shape;289;g2cbabed7228_0_1"/>
           <p:cNvSpPr txBox="1"/>
           <p:nvPr>
             <p:ph type="title"/>
@@ -23880,7 +24469,7 @@
       </p:sp>
       <p:sp>
         <p:nvSpPr>
-          <p:cNvPr id="276" name="Google Shape;276;g2cbabed7228_0_1"/>
+          <p:cNvPr id="290" name="Google Shape;290;g2cbabed7228_0_1"/>
           <p:cNvSpPr txBox="1"/>
           <p:nvPr>
             <p:ph idx="1" type="body"/>
@@ -24070,7 +24659,7 @@
       </p:sp>
       <p:sp>
         <p:nvSpPr>
-          <p:cNvPr id="277" name="Google Shape;277;g2cbabed7228_0_1"/>
+          <p:cNvPr id="291" name="Google Shape;291;g2cbabed7228_0_1"/>
           <p:cNvSpPr txBox="1"/>
           <p:nvPr>
             <p:ph idx="12" type="sldNum"/>
@@ -24121,12 +24710,12 @@
 </p:sld>
 </file>
 
-<file path=ppt/slides/slide22.xml><?xml version="1.0" encoding="utf-8"?>
+<file path=ppt/slides/slide23.xml><?xml version="1.0" encoding="utf-8"?>
 <p:sld xmlns:a="http://schemas.openxmlformats.org/drawingml/2006/main" xmlns:r="http://schemas.openxmlformats.org/officeDocument/2006/relationships" xmlns:mc="http://schemas.openxmlformats.org/markup-compatibility/2006" xmlns:mv="urn:schemas-microsoft-com:mac:vml" xmlns:p="http://schemas.openxmlformats.org/presentationml/2006/main" xmlns:c="http://schemas.openxmlformats.org/drawingml/2006/chart" xmlns:dgm="http://schemas.openxmlformats.org/drawingml/2006/diagram" xmlns:o="urn:schemas-microsoft-com:office:office" xmlns:v="urn:schemas-microsoft-com:vml" xmlns:pvml="urn:schemas-microsoft-com:office:powerpoint" xmlns:com="http://schemas.openxmlformats.org/drawingml/2006/compatibility" xmlns:p14="http://schemas.microsoft.com/office/powerpoint/2010/main" xmlns:p15="http://schemas.microsoft.com/office/powerpoint/2012/main" xmlns:ahyp="http://schemas.microsoft.com/office/drawing/2018/hyperlinkcolor">
   <p:cSld>
     <p:spTree>
       <p:nvGrpSpPr>
-        <p:cNvPr id="282" name="Shape 282"/>
+        <p:cNvPr id="296" name="Shape 296"/>
         <p:cNvGrpSpPr/>
         <p:nvPr/>
       </p:nvGrpSpPr>
@@ -24140,7 +24729,7 @@
       </p:grpSpPr>
       <p:sp>
         <p:nvSpPr>
-          <p:cNvPr id="283" name="Google Shape;283;g1f4e2c1751e_4_12"/>
+          <p:cNvPr id="297" name="Google Shape;297;g1f4e2c1751e_4_12"/>
           <p:cNvSpPr txBox="1"/>
           <p:nvPr>
             <p:ph type="title"/>
@@ -24188,7 +24777,7 @@
       </p:sp>
       <p:sp>
         <p:nvSpPr>
-          <p:cNvPr id="284" name="Google Shape;284;g1f4e2c1751e_4_12"/>
+          <p:cNvPr id="298" name="Google Shape;298;g1f4e2c1751e_4_12"/>
           <p:cNvSpPr txBox="1"/>
           <p:nvPr>
             <p:ph idx="12" type="sldNum"/>
@@ -24239,12 +24828,12 @@
 </p:sld>
 </file>
 
-<file path=ppt/slides/slide23.xml><?xml version="1.0" encoding="utf-8"?>
+<file path=ppt/slides/slide24.xml><?xml version="1.0" encoding="utf-8"?>
 <p:sld xmlns:a="http://schemas.openxmlformats.org/drawingml/2006/main" xmlns:r="http://schemas.openxmlformats.org/officeDocument/2006/relationships" xmlns:mc="http://schemas.openxmlformats.org/markup-compatibility/2006" xmlns:mv="urn:schemas-microsoft-com:mac:vml" xmlns:p="http://schemas.openxmlformats.org/presentationml/2006/main" xmlns:c="http://schemas.openxmlformats.org/drawingml/2006/chart" xmlns:dgm="http://schemas.openxmlformats.org/drawingml/2006/diagram" xmlns:o="urn:schemas-microsoft-com:office:office" xmlns:v="urn:schemas-microsoft-com:vml" xmlns:pvml="urn:schemas-microsoft-com:office:powerpoint" xmlns:com="http://schemas.openxmlformats.org/drawingml/2006/compatibility" xmlns:p14="http://schemas.microsoft.com/office/powerpoint/2010/main" xmlns:p15="http://schemas.microsoft.com/office/powerpoint/2012/main" xmlns:ahyp="http://schemas.microsoft.com/office/drawing/2018/hyperlinkcolor" show="0">
   <p:cSld>
     <p:spTree>
       <p:nvGrpSpPr>
-        <p:cNvPr id="289" name="Shape 289"/>
+        <p:cNvPr id="303" name="Shape 303"/>
         <p:cNvGrpSpPr/>
         <p:nvPr/>
       </p:nvGrpSpPr>
@@ -24258,7 +24847,7 @@
       </p:grpSpPr>
       <p:sp>
         <p:nvSpPr>
-          <p:cNvPr id="290" name="Google Shape;290;g1f4e2c1751e_2_0"/>
+          <p:cNvPr id="304" name="Google Shape;304;g1f4e2c1751e_2_0"/>
           <p:cNvSpPr txBox="1"/>
           <p:nvPr>
             <p:ph type="title"/>
@@ -24308,7 +24897,7 @@
               <a:rPr lang="en-US">
                 <a:extLst>
                   <a:ext uri="http://customooxmlschemas.google.com/">
-                    <go:slidesCustomData xmlns:go="http://customooxmlschemas.google.com/" textRoundtripDataId="10"/>
+                    <go:slidesCustomData xmlns:go="http://customooxmlschemas.google.com/" textRoundtripDataId="14"/>
                   </a:ext>
                 </a:extLst>
               </a:rPr>
@@ -24324,7 +24913,7 @@
       </p:sp>
       <p:pic>
         <p:nvPicPr>
-          <p:cNvPr id="291" name="Google Shape;291;g1f4e2c1751e_2_0"/>
+          <p:cNvPr id="305" name="Google Shape;305;g1f4e2c1751e_2_0"/>
           <p:cNvPicPr preferRelativeResize="0"/>
           <p:nvPr/>
         </p:nvPicPr>
@@ -24351,7 +24940,7 @@
       </p:pic>
       <p:pic>
         <p:nvPicPr>
-          <p:cNvPr id="292" name="Google Shape;292;g1f4e2c1751e_2_0"/>
+          <p:cNvPr id="306" name="Google Shape;306;g1f4e2c1751e_2_0"/>
           <p:cNvPicPr preferRelativeResize="0"/>
           <p:nvPr/>
         </p:nvPicPr>
@@ -24378,7 +24967,7 @@
       </p:pic>
       <p:sp>
         <p:nvSpPr>
-          <p:cNvPr id="293" name="Google Shape;293;g1f4e2c1751e_2_0"/>
+          <p:cNvPr id="307" name="Google Shape;307;g1f4e2c1751e_2_0"/>
           <p:cNvSpPr txBox="1"/>
           <p:nvPr>
             <p:ph idx="12" type="sldNum"/>
@@ -24429,12 +25018,12 @@
 </p:sld>
 </file>
 
-<file path=ppt/slides/slide24.xml><?xml version="1.0" encoding="utf-8"?>
+<file path=ppt/slides/slide25.xml><?xml version="1.0" encoding="utf-8"?>
 <p:sld xmlns:a="http://schemas.openxmlformats.org/drawingml/2006/main" xmlns:r="http://schemas.openxmlformats.org/officeDocument/2006/relationships" xmlns:mc="http://schemas.openxmlformats.org/markup-compatibility/2006" xmlns:mv="urn:schemas-microsoft-com:mac:vml" xmlns:p="http://schemas.openxmlformats.org/presentationml/2006/main" xmlns:c="http://schemas.openxmlformats.org/drawingml/2006/chart" xmlns:dgm="http://schemas.openxmlformats.org/drawingml/2006/diagram" xmlns:o="urn:schemas-microsoft-com:office:office" xmlns:v="urn:schemas-microsoft-com:vml" xmlns:pvml="urn:schemas-microsoft-com:office:powerpoint" xmlns:com="http://schemas.openxmlformats.org/drawingml/2006/compatibility" xmlns:p14="http://schemas.microsoft.com/office/powerpoint/2010/main" xmlns:p15="http://schemas.microsoft.com/office/powerpoint/2012/main" xmlns:ahyp="http://schemas.microsoft.com/office/drawing/2018/hyperlinkcolor">
   <p:cSld>
     <p:spTree>
       <p:nvGrpSpPr>
-        <p:cNvPr id="298" name="Shape 298"/>
+        <p:cNvPr id="312" name="Shape 312"/>
         <p:cNvGrpSpPr/>
         <p:nvPr/>
       </p:nvGrpSpPr>
@@ -24448,7 +25037,7 @@
       </p:grpSpPr>
       <p:sp>
         <p:nvSpPr>
-          <p:cNvPr id="299" name="Google Shape;299;g1f4e2c1751e_1_21"/>
+          <p:cNvPr id="313" name="Google Shape;313;g1f4e2c1751e_1_21"/>
           <p:cNvSpPr txBox="1"/>
           <p:nvPr>
             <p:ph type="title"/>
@@ -24496,7 +25085,7 @@
       </p:sp>
       <p:pic>
         <p:nvPicPr>
-          <p:cNvPr id="300" name="Google Shape;300;g1f4e2c1751e_1_21"/>
+          <p:cNvPr id="314" name="Google Shape;314;g1f4e2c1751e_1_21"/>
           <p:cNvPicPr preferRelativeResize="0"/>
           <p:nvPr/>
         </p:nvPicPr>
@@ -24523,7 +25112,7 @@
       </p:pic>
       <p:sp>
         <p:nvSpPr>
-          <p:cNvPr id="301" name="Google Shape;301;g1f4e2c1751e_1_21"/>
+          <p:cNvPr id="315" name="Google Shape;315;g1f4e2c1751e_1_21"/>
           <p:cNvSpPr txBox="1"/>
           <p:nvPr>
             <p:ph idx="12" type="sldNum"/>
@@ -24574,12 +25163,12 @@
 </p:sld>
 </file>
 
-<file path=ppt/slides/slide25.xml><?xml version="1.0" encoding="utf-8"?>
+<file path=ppt/slides/slide26.xml><?xml version="1.0" encoding="utf-8"?>
 <p:sld xmlns:a="http://schemas.openxmlformats.org/drawingml/2006/main" xmlns:r="http://schemas.openxmlformats.org/officeDocument/2006/relationships" xmlns:mc="http://schemas.openxmlformats.org/markup-compatibility/2006" xmlns:mv="urn:schemas-microsoft-com:mac:vml" xmlns:p="http://schemas.openxmlformats.org/presentationml/2006/main" xmlns:c="http://schemas.openxmlformats.org/drawingml/2006/chart" xmlns:dgm="http://schemas.openxmlformats.org/drawingml/2006/diagram" xmlns:o="urn:schemas-microsoft-com:office:office" xmlns:v="urn:schemas-microsoft-com:vml" xmlns:pvml="urn:schemas-microsoft-com:office:powerpoint" xmlns:com="http://schemas.openxmlformats.org/drawingml/2006/compatibility" xmlns:p14="http://schemas.microsoft.com/office/powerpoint/2010/main" xmlns:p15="http://schemas.microsoft.com/office/powerpoint/2012/main" xmlns:ahyp="http://schemas.microsoft.com/office/drawing/2018/hyperlinkcolor">
   <p:cSld>
     <p:spTree>
       <p:nvGrpSpPr>
-        <p:cNvPr id="306" name="Shape 306"/>
+        <p:cNvPr id="320" name="Shape 320"/>
         <p:cNvGrpSpPr/>
         <p:nvPr/>
       </p:nvGrpSpPr>
@@ -24593,7 +25182,7 @@
       </p:grpSpPr>
       <p:sp>
         <p:nvSpPr>
-          <p:cNvPr id="307" name="Google Shape;307;g1f4e2c1751e_1_0"/>
+          <p:cNvPr id="321" name="Google Shape;321;g1f4e2c1751e_1_0"/>
           <p:cNvSpPr txBox="1"/>
           <p:nvPr>
             <p:ph type="title"/>
@@ -24641,7 +25230,7 @@
       </p:sp>
       <p:pic>
         <p:nvPicPr>
-          <p:cNvPr id="308" name="Google Shape;308;g1f4e2c1751e_1_0"/>
+          <p:cNvPr id="322" name="Google Shape;322;g1f4e2c1751e_1_0"/>
           <p:cNvPicPr preferRelativeResize="0"/>
           <p:nvPr/>
         </p:nvPicPr>
@@ -24668,7 +25257,7 @@
       </p:pic>
       <p:sp>
         <p:nvSpPr>
-          <p:cNvPr id="309" name="Google Shape;309;g1f4e2c1751e_1_0"/>
+          <p:cNvPr id="323" name="Google Shape;323;g1f4e2c1751e_1_0"/>
           <p:cNvSpPr txBox="1"/>
           <p:nvPr>
             <p:ph idx="12" type="sldNum"/>
@@ -24719,12 +25308,12 @@
 </p:sld>
 </file>
 
-<file path=ppt/slides/slide26.xml><?xml version="1.0" encoding="utf-8"?>
+<file path=ppt/slides/slide27.xml><?xml version="1.0" encoding="utf-8"?>
 <p:sld xmlns:a="http://schemas.openxmlformats.org/drawingml/2006/main" xmlns:r="http://schemas.openxmlformats.org/officeDocument/2006/relationships" xmlns:mc="http://schemas.openxmlformats.org/markup-compatibility/2006" xmlns:mv="urn:schemas-microsoft-com:mac:vml" xmlns:p="http://schemas.openxmlformats.org/presentationml/2006/main" xmlns:c="http://schemas.openxmlformats.org/drawingml/2006/chart" xmlns:dgm="http://schemas.openxmlformats.org/drawingml/2006/diagram" xmlns:o="urn:schemas-microsoft-com:office:office" xmlns:v="urn:schemas-microsoft-com:vml" xmlns:pvml="urn:schemas-microsoft-com:office:powerpoint" xmlns:com="http://schemas.openxmlformats.org/drawingml/2006/compatibility" xmlns:p14="http://schemas.microsoft.com/office/powerpoint/2010/main" xmlns:p15="http://schemas.microsoft.com/office/powerpoint/2012/main" xmlns:ahyp="http://schemas.microsoft.com/office/drawing/2018/hyperlinkcolor">
   <p:cSld>
     <p:spTree>
       <p:nvGrpSpPr>
-        <p:cNvPr id="313" name="Shape 313"/>
+        <p:cNvPr id="327" name="Shape 327"/>
         <p:cNvGrpSpPr/>
         <p:nvPr/>
       </p:nvGrpSpPr>
@@ -24738,7 +25327,7 @@
       </p:grpSpPr>
       <p:sp>
         <p:nvSpPr>
-          <p:cNvPr id="314" name="Google Shape;314;p47"/>
+          <p:cNvPr id="328" name="Google Shape;328;p47"/>
           <p:cNvSpPr txBox="1"/>
           <p:nvPr>
             <p:ph type="title"/>
@@ -24795,7 +25384,7 @@
               <a:rPr lang="en-US" sz="3800">
                 <a:extLst>
                   <a:ext uri="http://customooxmlschemas.google.com/">
-                    <go:slidesCustomData xmlns:go="http://customooxmlschemas.google.com/" textRoundtripDataId="11"/>
+                    <go:slidesCustomData xmlns:go="http://customooxmlschemas.google.com/" textRoundtripDataId="15"/>
                   </a:ext>
                 </a:extLst>
               </a:rPr>
@@ -24807,7 +25396,7 @@
       </p:sp>
       <p:pic>
         <p:nvPicPr>
-          <p:cNvPr id="315" name="Google Shape;315;p47"/>
+          <p:cNvPr id="329" name="Google Shape;329;p47"/>
           <p:cNvPicPr preferRelativeResize="0"/>
           <p:nvPr/>
         </p:nvPicPr>
@@ -24834,7 +25423,7 @@
       </p:pic>
       <p:sp>
         <p:nvSpPr>
-          <p:cNvPr id="316" name="Google Shape;316;p47"/>
+          <p:cNvPr id="330" name="Google Shape;330;p47"/>
           <p:cNvSpPr txBox="1"/>
           <p:nvPr>
             <p:ph idx="12" type="sldNum"/>
@@ -24885,12 +25474,12 @@
 </p:sld>
 </file>
 
-<file path=ppt/slides/slide27.xml><?xml version="1.0" encoding="utf-8"?>
+<file path=ppt/slides/slide28.xml><?xml version="1.0" encoding="utf-8"?>
 <p:sld xmlns:a="http://schemas.openxmlformats.org/drawingml/2006/main" xmlns:r="http://schemas.openxmlformats.org/officeDocument/2006/relationships" xmlns:mc="http://schemas.openxmlformats.org/markup-compatibility/2006" xmlns:mv="urn:schemas-microsoft-com:mac:vml" xmlns:p="http://schemas.openxmlformats.org/presentationml/2006/main" xmlns:c="http://schemas.openxmlformats.org/drawingml/2006/chart" xmlns:dgm="http://schemas.openxmlformats.org/drawingml/2006/diagram" xmlns:o="urn:schemas-microsoft-com:office:office" xmlns:v="urn:schemas-microsoft-com:vml" xmlns:pvml="urn:schemas-microsoft-com:office:powerpoint" xmlns:com="http://schemas.openxmlformats.org/drawingml/2006/compatibility" xmlns:p14="http://schemas.microsoft.com/office/powerpoint/2010/main" xmlns:p15="http://schemas.microsoft.com/office/powerpoint/2012/main" xmlns:ahyp="http://schemas.microsoft.com/office/drawing/2018/hyperlinkcolor" show="0">
   <p:cSld>
     <p:spTree>
       <p:nvGrpSpPr>
-        <p:cNvPr id="321" name="Shape 321"/>
+        <p:cNvPr id="335" name="Shape 335"/>
         <p:cNvGrpSpPr/>
         <p:nvPr/>
       </p:nvGrpSpPr>
@@ -24904,7 +25493,7 @@
       </p:grpSpPr>
       <p:sp>
         <p:nvSpPr>
-          <p:cNvPr id="322" name="Google Shape;322;g1f4e2c1751e_1_49"/>
+          <p:cNvPr id="336" name="Google Shape;336;g1f4e2c1751e_1_49"/>
           <p:cNvSpPr txBox="1"/>
           <p:nvPr>
             <p:ph type="title"/>
@@ -24960,7 +25549,7 @@
       </p:sp>
       <p:pic>
         <p:nvPicPr>
-          <p:cNvPr id="323" name="Google Shape;323;g1f4e2c1751e_1_49"/>
+          <p:cNvPr id="337" name="Google Shape;337;g1f4e2c1751e_1_49"/>
           <p:cNvPicPr preferRelativeResize="0"/>
           <p:nvPr/>
         </p:nvPicPr>
@@ -24987,7 +25576,7 @@
       </p:pic>
       <p:sp>
         <p:nvSpPr>
-          <p:cNvPr id="324" name="Google Shape;324;g1f4e2c1751e_1_49"/>
+          <p:cNvPr id="338" name="Google Shape;338;g1f4e2c1751e_1_49"/>
           <p:cNvSpPr txBox="1"/>
           <p:nvPr>
             <p:ph idx="12" type="sldNum"/>
@@ -25038,12 +25627,12 @@
 </p:sld>
 </file>
 
-<file path=ppt/slides/slide28.xml><?xml version="1.0" encoding="utf-8"?>
+<file path=ppt/slides/slide29.xml><?xml version="1.0" encoding="utf-8"?>
 <p:sld xmlns:a="http://schemas.openxmlformats.org/drawingml/2006/main" xmlns:r="http://schemas.openxmlformats.org/officeDocument/2006/relationships" xmlns:mc="http://schemas.openxmlformats.org/markup-compatibility/2006" xmlns:mv="urn:schemas-microsoft-com:mac:vml" xmlns:p="http://schemas.openxmlformats.org/presentationml/2006/main" xmlns:c="http://schemas.openxmlformats.org/drawingml/2006/chart" xmlns:dgm="http://schemas.openxmlformats.org/drawingml/2006/diagram" xmlns:o="urn:schemas-microsoft-com:office:office" xmlns:v="urn:schemas-microsoft-com:vml" xmlns:pvml="urn:schemas-microsoft-com:office:powerpoint" xmlns:com="http://schemas.openxmlformats.org/drawingml/2006/compatibility" xmlns:p14="http://schemas.microsoft.com/office/powerpoint/2010/main" xmlns:p15="http://schemas.microsoft.com/office/powerpoint/2012/main" xmlns:ahyp="http://schemas.microsoft.com/office/drawing/2018/hyperlinkcolor" show="0">
   <p:cSld>
     <p:spTree>
       <p:nvGrpSpPr>
-        <p:cNvPr id="329" name="Shape 329"/>
+        <p:cNvPr id="343" name="Shape 343"/>
         <p:cNvGrpSpPr/>
         <p:nvPr/>
       </p:nvGrpSpPr>
@@ -25057,7 +25646,7 @@
       </p:grpSpPr>
       <p:sp>
         <p:nvSpPr>
-          <p:cNvPr id="330" name="Google Shape;330;g2c850703521_0_6"/>
+          <p:cNvPr id="344" name="Google Shape;344;g2c850703521_0_6"/>
           <p:cNvSpPr txBox="1"/>
           <p:nvPr>
             <p:ph type="title"/>
@@ -25105,7 +25694,7 @@
       </p:sp>
       <p:pic>
         <p:nvPicPr>
-          <p:cNvPr id="331" name="Google Shape;331;g2c850703521_0_6"/>
+          <p:cNvPr id="345" name="Google Shape;345;g2c850703521_0_6"/>
           <p:cNvPicPr preferRelativeResize="0"/>
           <p:nvPr/>
         </p:nvPicPr>
@@ -25133,158 +25722,7 @@
       </p:pic>
       <p:sp>
         <p:nvSpPr>
-          <p:cNvPr id="332" name="Google Shape;332;g2c850703521_0_6"/>
-          <p:cNvSpPr txBox="1"/>
-          <p:nvPr>
-            <p:ph idx="12" type="sldNum"/>
-          </p:nvPr>
-        </p:nvSpPr>
-        <p:spPr>
-          <a:xfrm>
-            <a:off x="8610600" y="6356350"/>
-            <a:ext cx="2743200" cy="365100"/>
-          </a:xfrm>
-          <a:prstGeom prst="rect">
-            <a:avLst/>
-          </a:prstGeom>
-        </p:spPr>
-        <p:txBody>
-          <a:bodyPr anchorCtr="0" anchor="ctr" bIns="45700" lIns="91425" spcFirstLastPara="1" rIns="91425" wrap="square" tIns="45700">
-            <a:noAutofit/>
-          </a:bodyPr>
-          <a:lstStyle/>
-          <a:p>
-            <a:pPr indent="0" lvl="0" marL="0" rtl="0" algn="r">
-              <a:spcBef>
-                <a:spcPts val="0"/>
-              </a:spcBef>
-              <a:spcAft>
-                <a:spcPts val="0"/>
-              </a:spcAft>
-              <a:buClr>
-                <a:srgbClr val="000000"/>
-              </a:buClr>
-              <a:buSzPts val="1200"/>
-              <a:buFont typeface="Arial"/>
-              <a:buNone/>
-            </a:pPr>
-            <a:fld id="{00000000-1234-1234-1234-123412341234}" type="slidenum">
-              <a:rPr lang="en-US"/>
-              <a:t>‹#›</a:t>
-            </a:fld>
-            <a:endParaRPr/>
-          </a:p>
-        </p:txBody>
-      </p:sp>
-    </p:spTree>
-  </p:cSld>
-  <p:clrMapOvr>
-    <a:masterClrMapping/>
-  </p:clrMapOvr>
-</p:sld>
-</file>
-
-<file path=ppt/slides/slide29.xml><?xml version="1.0" encoding="utf-8"?>
-<p:sld xmlns:a="http://schemas.openxmlformats.org/drawingml/2006/main" xmlns:r="http://schemas.openxmlformats.org/officeDocument/2006/relationships" xmlns:mc="http://schemas.openxmlformats.org/markup-compatibility/2006" xmlns:mv="urn:schemas-microsoft-com:mac:vml" xmlns:p="http://schemas.openxmlformats.org/presentationml/2006/main" xmlns:c="http://schemas.openxmlformats.org/drawingml/2006/chart" xmlns:dgm="http://schemas.openxmlformats.org/drawingml/2006/diagram" xmlns:o="urn:schemas-microsoft-com:office:office" xmlns:v="urn:schemas-microsoft-com:vml" xmlns:pvml="urn:schemas-microsoft-com:office:powerpoint" xmlns:com="http://schemas.openxmlformats.org/drawingml/2006/compatibility" xmlns:p14="http://schemas.microsoft.com/office/powerpoint/2010/main" xmlns:p15="http://schemas.microsoft.com/office/powerpoint/2012/main" xmlns:ahyp="http://schemas.microsoft.com/office/drawing/2018/hyperlinkcolor">
-  <p:cSld>
-    <p:spTree>
-      <p:nvGrpSpPr>
-        <p:cNvPr id="336" name="Shape 336"/>
-        <p:cNvGrpSpPr/>
-        <p:nvPr/>
-      </p:nvGrpSpPr>
-      <p:grpSpPr>
-        <a:xfrm>
-          <a:off x="0" y="0"/>
-          <a:ext cx="0" cy="0"/>
-          <a:chOff x="0" y="0"/>
-          <a:chExt cx="0" cy="0"/>
-        </a:xfrm>
-      </p:grpSpPr>
-      <p:sp>
-        <p:nvSpPr>
-          <p:cNvPr id="337" name="Google Shape;337;p17"/>
-          <p:cNvSpPr txBox="1"/>
-          <p:nvPr>
-            <p:ph type="title"/>
-          </p:nvPr>
-        </p:nvSpPr>
-        <p:spPr>
-          <a:xfrm>
-            <a:off x="838200" y="365125"/>
-            <a:ext cx="10515600" cy="1325563"/>
-          </a:xfrm>
-          <a:prstGeom prst="rect">
-            <a:avLst/>
-          </a:prstGeom>
-          <a:noFill/>
-          <a:ln>
-            <a:noFill/>
-          </a:ln>
-        </p:spPr>
-        <p:txBody>
-          <a:bodyPr anchorCtr="0" anchor="ctr" bIns="45700" lIns="91425" spcFirstLastPara="1" rIns="91425" wrap="square" tIns="45700">
-            <a:normAutofit/>
-          </a:bodyPr>
-          <a:lstStyle/>
-          <a:p>
-            <a:pPr indent="0" lvl="0" marL="0" rtl="0" algn="l">
-              <a:lnSpc>
-                <a:spcPct val="90000"/>
-              </a:lnSpc>
-              <a:spcBef>
-                <a:spcPts val="0"/>
-              </a:spcBef>
-              <a:spcAft>
-                <a:spcPts val="0"/>
-              </a:spcAft>
-              <a:buClr>
-                <a:schemeClr val="dk1"/>
-              </a:buClr>
-              <a:buSzPts val="4400"/>
-              <a:buFont typeface="Calibri"/>
-              <a:buNone/>
-            </a:pPr>
-            <a:r>
-              <a:rPr lang="en-US"/>
-              <a:t>In Republican Districts: Concern</a:t>
-            </a:r>
-            <a:endParaRPr/>
-          </a:p>
-        </p:txBody>
-      </p:sp>
-      <p:pic>
-        <p:nvPicPr>
-          <p:cNvPr descr="A graph of a graph with red and blue lines&#10;&#10;Description automatically generated" id="338" name="Google Shape;338;p17"/>
-          <p:cNvPicPr preferRelativeResize="0"/>
-          <p:nvPr>
-            <p:ph idx="1" type="body"/>
-          </p:nvPr>
-        </p:nvPicPr>
-        <p:blipFill rotWithShape="1">
-          <a:blip r:embed="rId3">
-            <a:alphaModFix/>
-          </a:blip>
-          <a:srcRect b="0" l="0" r="0" t="0"/>
-          <a:stretch/>
-        </p:blipFill>
-        <p:spPr>
-          <a:xfrm>
-            <a:off x="2481649" y="1436473"/>
-            <a:ext cx="7228702" cy="5421527"/>
-          </a:xfrm>
-          <a:prstGeom prst="rect">
-            <a:avLst/>
-          </a:prstGeom>
-          <a:noFill/>
-          <a:ln>
-            <a:noFill/>
-          </a:ln>
-        </p:spPr>
-      </p:pic>
-      <p:sp>
-        <p:nvSpPr>
-          <p:cNvPr id="339" name="Google Shape;339;p17"/>
+          <p:cNvPr id="346" name="Google Shape;346;g2c850703521_0_6"/>
           <p:cNvSpPr txBox="1"/>
           <p:nvPr>
             <p:ph idx="12" type="sldNum"/>
@@ -25444,7 +25882,7 @@
                 <a:spcPts val="0"/>
               </a:spcAft>
               <a:buSzPts val="1800"/>
-              <a:buChar char="•"/>
+              <a:buAutoNum type="arabicPeriod"/>
             </a:pPr>
             <a:r>
               <a:rPr lang="en-US"/>
@@ -25503,7 +25941,7 @@
                 <a:spcPts val="0"/>
               </a:spcAft>
               <a:buSzPts val="1800"/>
-              <a:buChar char="•"/>
+              <a:buAutoNum type="arabicPeriod"/>
             </a:pPr>
             <a:r>
               <a:rPr lang="en-US"/>
@@ -25564,8 +26002,8 @@
         </p:nvSpPr>
         <p:spPr>
           <a:xfrm>
-            <a:off x="838200" y="4280100"/>
-            <a:ext cx="7842900" cy="1348200"/>
+            <a:off x="898575" y="4255950"/>
+            <a:ext cx="7842900" cy="960600"/>
           </a:xfrm>
           <a:prstGeom prst="rect">
             <a:avLst/>
@@ -25587,7 +26025,7 @@
           </a:bodyPr>
           <a:lstStyle/>
           <a:p>
-            <a:pPr indent="-342900" lvl="0" marL="457200" rtl="0" algn="l">
+            <a:pPr indent="0" lvl="0" marL="0" rtl="0" algn="l">
               <a:lnSpc>
                 <a:spcPct val="90000"/>
               </a:lnSpc>
@@ -25597,12 +26035,32 @@
               <a:spcAft>
                 <a:spcPts val="0"/>
               </a:spcAft>
-              <a:buClr>
-                <a:schemeClr val="dk1"/>
-              </a:buClr>
-              <a:buSzPts val="1800"/>
-              <a:buChar char="•"/>
+              <a:buNone/>
             </a:pPr>
+            <a:r>
+              <a:rPr lang="en-US" sz="2200">
+                <a:solidFill>
+                  <a:schemeClr val="dk1"/>
+                </a:solidFill>
+                <a:latin typeface="Calibri"/>
+                <a:ea typeface="Calibri"/>
+                <a:cs typeface="Calibri"/>
+                <a:sym typeface="Calibri"/>
+              </a:rPr>
+              <a:t>3.</a:t>
+            </a:r>
+            <a:r>
+              <a:rPr lang="en-US" sz="2800">
+                <a:solidFill>
+                  <a:schemeClr val="dk1"/>
+                </a:solidFill>
+                <a:latin typeface="Calibri"/>
+                <a:ea typeface="Calibri"/>
+                <a:cs typeface="Calibri"/>
+                <a:sym typeface="Calibri"/>
+              </a:rPr>
+              <a:t>   </a:t>
+            </a:r>
             <a:r>
               <a:rPr lang="en-US" sz="2800">
                 <a:solidFill>
@@ -25685,7 +26143,7 @@
   <p:cSld>
     <p:spTree>
       <p:nvGrpSpPr>
-        <p:cNvPr id="343" name="Shape 343"/>
+        <p:cNvPr id="350" name="Shape 350"/>
         <p:cNvGrpSpPr/>
         <p:nvPr/>
       </p:nvGrpSpPr>
@@ -25699,7 +26157,7 @@
       </p:grpSpPr>
       <p:sp>
         <p:nvSpPr>
-          <p:cNvPr id="344" name="Google Shape;344;p19"/>
+          <p:cNvPr id="351" name="Google Shape;351;p17"/>
           <p:cNvSpPr txBox="1"/>
           <p:nvPr>
             <p:ph type="title"/>
@@ -25743,6 +26201,157 @@
             </a:pPr>
             <a:r>
               <a:rPr lang="en-US"/>
+              <a:t>In Republican Districts: Concern</a:t>
+            </a:r>
+            <a:endParaRPr/>
+          </a:p>
+        </p:txBody>
+      </p:sp>
+      <p:pic>
+        <p:nvPicPr>
+          <p:cNvPr descr="A graph of a graph with red and blue lines&#10;&#10;Description automatically generated" id="352" name="Google Shape;352;p17"/>
+          <p:cNvPicPr preferRelativeResize="0"/>
+          <p:nvPr>
+            <p:ph idx="1" type="body"/>
+          </p:nvPr>
+        </p:nvPicPr>
+        <p:blipFill rotWithShape="1">
+          <a:blip r:embed="rId3">
+            <a:alphaModFix/>
+          </a:blip>
+          <a:srcRect b="0" l="0" r="0" t="0"/>
+          <a:stretch/>
+        </p:blipFill>
+        <p:spPr>
+          <a:xfrm>
+            <a:off x="2481649" y="1436473"/>
+            <a:ext cx="7228702" cy="5421527"/>
+          </a:xfrm>
+          <a:prstGeom prst="rect">
+            <a:avLst/>
+          </a:prstGeom>
+          <a:noFill/>
+          <a:ln>
+            <a:noFill/>
+          </a:ln>
+        </p:spPr>
+      </p:pic>
+      <p:sp>
+        <p:nvSpPr>
+          <p:cNvPr id="353" name="Google Shape;353;p17"/>
+          <p:cNvSpPr txBox="1"/>
+          <p:nvPr>
+            <p:ph idx="12" type="sldNum"/>
+          </p:nvPr>
+        </p:nvSpPr>
+        <p:spPr>
+          <a:xfrm>
+            <a:off x="8610600" y="6356350"/>
+            <a:ext cx="2743200" cy="365100"/>
+          </a:xfrm>
+          <a:prstGeom prst="rect">
+            <a:avLst/>
+          </a:prstGeom>
+        </p:spPr>
+        <p:txBody>
+          <a:bodyPr anchorCtr="0" anchor="ctr" bIns="45700" lIns="91425" spcFirstLastPara="1" rIns="91425" wrap="square" tIns="45700">
+            <a:noAutofit/>
+          </a:bodyPr>
+          <a:lstStyle/>
+          <a:p>
+            <a:pPr indent="0" lvl="0" marL="0" rtl="0" algn="r">
+              <a:spcBef>
+                <a:spcPts val="0"/>
+              </a:spcBef>
+              <a:spcAft>
+                <a:spcPts val="0"/>
+              </a:spcAft>
+              <a:buClr>
+                <a:srgbClr val="000000"/>
+              </a:buClr>
+              <a:buSzPts val="1200"/>
+              <a:buFont typeface="Arial"/>
+              <a:buNone/>
+            </a:pPr>
+            <a:fld id="{00000000-1234-1234-1234-123412341234}" type="slidenum">
+              <a:rPr lang="en-US"/>
+              <a:t>‹#›</a:t>
+            </a:fld>
+            <a:endParaRPr/>
+          </a:p>
+        </p:txBody>
+      </p:sp>
+    </p:spTree>
+  </p:cSld>
+  <p:clrMapOvr>
+    <a:masterClrMapping/>
+  </p:clrMapOvr>
+</p:sld>
+</file>
+
+<file path=ppt/slides/slide31.xml><?xml version="1.0" encoding="utf-8"?>
+<p:sld xmlns:a="http://schemas.openxmlformats.org/drawingml/2006/main" xmlns:r="http://schemas.openxmlformats.org/officeDocument/2006/relationships" xmlns:mc="http://schemas.openxmlformats.org/markup-compatibility/2006" xmlns:mv="urn:schemas-microsoft-com:mac:vml" xmlns:p="http://schemas.openxmlformats.org/presentationml/2006/main" xmlns:c="http://schemas.openxmlformats.org/drawingml/2006/chart" xmlns:dgm="http://schemas.openxmlformats.org/drawingml/2006/diagram" xmlns:o="urn:schemas-microsoft-com:office:office" xmlns:v="urn:schemas-microsoft-com:vml" xmlns:pvml="urn:schemas-microsoft-com:office:powerpoint" xmlns:com="http://schemas.openxmlformats.org/drawingml/2006/compatibility" xmlns:p14="http://schemas.microsoft.com/office/powerpoint/2010/main" xmlns:p15="http://schemas.microsoft.com/office/powerpoint/2012/main" xmlns:ahyp="http://schemas.microsoft.com/office/drawing/2018/hyperlinkcolor">
+  <p:cSld>
+    <p:spTree>
+      <p:nvGrpSpPr>
+        <p:cNvPr id="357" name="Shape 357"/>
+        <p:cNvGrpSpPr/>
+        <p:nvPr/>
+      </p:nvGrpSpPr>
+      <p:grpSpPr>
+        <a:xfrm>
+          <a:off x="0" y="0"/>
+          <a:ext cx="0" cy="0"/>
+          <a:chOff x="0" y="0"/>
+          <a:chExt cx="0" cy="0"/>
+        </a:xfrm>
+      </p:grpSpPr>
+      <p:sp>
+        <p:nvSpPr>
+          <p:cNvPr id="358" name="Google Shape;358;p19"/>
+          <p:cNvSpPr txBox="1"/>
+          <p:nvPr>
+            <p:ph type="title"/>
+          </p:nvPr>
+        </p:nvSpPr>
+        <p:spPr>
+          <a:xfrm>
+            <a:off x="838200" y="365125"/>
+            <a:ext cx="10515600" cy="1325563"/>
+          </a:xfrm>
+          <a:prstGeom prst="rect">
+            <a:avLst/>
+          </a:prstGeom>
+          <a:noFill/>
+          <a:ln>
+            <a:noFill/>
+          </a:ln>
+        </p:spPr>
+        <p:txBody>
+          <a:bodyPr anchorCtr="0" anchor="ctr" bIns="45700" lIns="91425" spcFirstLastPara="1" rIns="91425" wrap="square" tIns="45700">
+            <a:normAutofit/>
+          </a:bodyPr>
+          <a:lstStyle/>
+          <a:p>
+            <a:pPr indent="0" lvl="0" marL="0" rtl="0" algn="l">
+              <a:lnSpc>
+                <a:spcPct val="90000"/>
+              </a:lnSpc>
+              <a:spcBef>
+                <a:spcPts val="0"/>
+              </a:spcBef>
+              <a:spcAft>
+                <a:spcPts val="0"/>
+              </a:spcAft>
+              <a:buClr>
+                <a:schemeClr val="dk1"/>
+              </a:buClr>
+              <a:buSzPts val="4400"/>
+              <a:buFont typeface="Calibri"/>
+              <a:buNone/>
+            </a:pPr>
+            <a:r>
+              <a:rPr lang="en-US"/>
               <a:t>In Republican Districts: Contacts</a:t>
             </a:r>
             <a:endParaRPr/>
@@ -25751,7 +26360,7 @@
       </p:sp>
       <p:pic>
         <p:nvPicPr>
-          <p:cNvPr descr="A graph with red and blue lines&#10;&#10;Description automatically generated" id="345" name="Google Shape;345;p19"/>
+          <p:cNvPr descr="A graph with red and blue lines&#10;&#10;Description automatically generated" id="359" name="Google Shape;359;p19"/>
           <p:cNvPicPr preferRelativeResize="0"/>
           <p:nvPr>
             <p:ph idx="1" type="body"/>
@@ -25780,7 +26389,7 @@
       </p:pic>
       <p:sp>
         <p:nvSpPr>
-          <p:cNvPr id="346" name="Google Shape;346;p19"/>
+          <p:cNvPr id="360" name="Google Shape;360;p19"/>
           <p:cNvSpPr txBox="1"/>
           <p:nvPr>
             <p:ph idx="12" type="sldNum"/>
@@ -25831,12 +26440,12 @@
 </p:sld>
 </file>
 
-<file path=ppt/slides/slide31.xml><?xml version="1.0" encoding="utf-8"?>
+<file path=ppt/slides/slide32.xml><?xml version="1.0" encoding="utf-8"?>
 <p:sld xmlns:a="http://schemas.openxmlformats.org/drawingml/2006/main" xmlns:r="http://schemas.openxmlformats.org/officeDocument/2006/relationships" xmlns:mc="http://schemas.openxmlformats.org/markup-compatibility/2006" xmlns:mv="urn:schemas-microsoft-com:mac:vml" xmlns:p="http://schemas.openxmlformats.org/presentationml/2006/main" xmlns:c="http://schemas.openxmlformats.org/drawingml/2006/chart" xmlns:dgm="http://schemas.openxmlformats.org/drawingml/2006/diagram" xmlns:o="urn:schemas-microsoft-com:office:office" xmlns:v="urn:schemas-microsoft-com:vml" xmlns:pvml="urn:schemas-microsoft-com:office:powerpoint" xmlns:com="http://schemas.openxmlformats.org/drawingml/2006/compatibility" xmlns:p14="http://schemas.microsoft.com/office/powerpoint/2010/main" xmlns:p15="http://schemas.microsoft.com/office/powerpoint/2012/main" xmlns:ahyp="http://schemas.microsoft.com/office/drawing/2018/hyperlinkcolor">
   <p:cSld>
     <p:spTree>
       <p:nvGrpSpPr>
-        <p:cNvPr id="350" name="Shape 350"/>
+        <p:cNvPr id="364" name="Shape 364"/>
         <p:cNvGrpSpPr/>
         <p:nvPr/>
       </p:nvGrpSpPr>
@@ -25850,7 +26459,7 @@
       </p:grpSpPr>
       <p:sp>
         <p:nvSpPr>
-          <p:cNvPr id="351" name="Google Shape;351;p20"/>
+          <p:cNvPr id="365" name="Google Shape;365;p20"/>
           <p:cNvSpPr txBox="1"/>
           <p:nvPr>
             <p:ph type="title"/>
@@ -25902,7 +26511,7 @@
       </p:sp>
       <p:pic>
         <p:nvPicPr>
-          <p:cNvPr descr="A graph of a graph with a red line&#10;&#10;Description automatically generated" id="352" name="Google Shape;352;p20"/>
+          <p:cNvPr descr="A graph of a graph with a red line&#10;&#10;Description automatically generated" id="366" name="Google Shape;366;p20"/>
           <p:cNvPicPr preferRelativeResize="0"/>
           <p:nvPr>
             <p:ph idx="1" type="body"/>
@@ -25931,7 +26540,7 @@
       </p:pic>
       <p:sp>
         <p:nvSpPr>
-          <p:cNvPr id="353" name="Google Shape;353;p20"/>
+          <p:cNvPr id="367" name="Google Shape;367;p20"/>
           <p:cNvSpPr txBox="1"/>
           <p:nvPr>
             <p:ph idx="12" type="sldNum"/>
@@ -25982,12 +26591,12 @@
 </p:sld>
 </file>
 
-<file path=ppt/slides/slide32.xml><?xml version="1.0" encoding="utf-8"?>
+<file path=ppt/slides/slide33.xml><?xml version="1.0" encoding="utf-8"?>
 <p:sld xmlns:a="http://schemas.openxmlformats.org/drawingml/2006/main" xmlns:r="http://schemas.openxmlformats.org/officeDocument/2006/relationships" xmlns:mc="http://schemas.openxmlformats.org/markup-compatibility/2006" xmlns:mv="urn:schemas-microsoft-com:mac:vml" xmlns:p="http://schemas.openxmlformats.org/presentationml/2006/main" xmlns:c="http://schemas.openxmlformats.org/drawingml/2006/chart" xmlns:dgm="http://schemas.openxmlformats.org/drawingml/2006/diagram" xmlns:o="urn:schemas-microsoft-com:office:office" xmlns:v="urn:schemas-microsoft-com:vml" xmlns:pvml="urn:schemas-microsoft-com:office:powerpoint" xmlns:com="http://schemas.openxmlformats.org/drawingml/2006/compatibility" xmlns:p14="http://schemas.microsoft.com/office/powerpoint/2010/main" xmlns:p15="http://schemas.microsoft.com/office/powerpoint/2012/main" xmlns:ahyp="http://schemas.microsoft.com/office/drawing/2018/hyperlinkcolor">
   <p:cSld>
     <p:spTree>
       <p:nvGrpSpPr>
-        <p:cNvPr id="357" name="Shape 357"/>
+        <p:cNvPr id="371" name="Shape 371"/>
         <p:cNvGrpSpPr/>
         <p:nvPr/>
       </p:nvGrpSpPr>
@@ -26001,7 +26610,7 @@
       </p:grpSpPr>
       <p:sp>
         <p:nvSpPr>
-          <p:cNvPr id="358" name="Google Shape;358;p21"/>
+          <p:cNvPr id="372" name="Google Shape;372;p21"/>
           <p:cNvSpPr txBox="1"/>
           <p:nvPr>
             <p:ph type="title"/>
@@ -26053,7 +26662,7 @@
       </p:sp>
       <p:pic>
         <p:nvPicPr>
-          <p:cNvPr id="359" name="Google Shape;359;p21"/>
+          <p:cNvPr id="373" name="Google Shape;373;p21"/>
           <p:cNvPicPr preferRelativeResize="0"/>
           <p:nvPr/>
         </p:nvPicPr>
@@ -26080,7 +26689,7 @@
       </p:pic>
       <p:sp>
         <p:nvSpPr>
-          <p:cNvPr id="360" name="Google Shape;360;p21"/>
+          <p:cNvPr id="374" name="Google Shape;374;p21"/>
           <p:cNvSpPr txBox="1"/>
           <p:nvPr>
             <p:ph idx="12" type="sldNum"/>
@@ -26131,12 +26740,12 @@
 </p:sld>
 </file>
 
-<file path=ppt/slides/slide33.xml><?xml version="1.0" encoding="utf-8"?>
+<file path=ppt/slides/slide34.xml><?xml version="1.0" encoding="utf-8"?>
 <p:sld xmlns:a="http://schemas.openxmlformats.org/drawingml/2006/main" xmlns:r="http://schemas.openxmlformats.org/officeDocument/2006/relationships" xmlns:mc="http://schemas.openxmlformats.org/markup-compatibility/2006" xmlns:mv="urn:schemas-microsoft-com:mac:vml" xmlns:p="http://schemas.openxmlformats.org/presentationml/2006/main" xmlns:c="http://schemas.openxmlformats.org/drawingml/2006/chart" xmlns:dgm="http://schemas.openxmlformats.org/drawingml/2006/diagram" xmlns:o="urn:schemas-microsoft-com:office:office" xmlns:v="urn:schemas-microsoft-com:vml" xmlns:pvml="urn:schemas-microsoft-com:office:powerpoint" xmlns:com="http://schemas.openxmlformats.org/drawingml/2006/compatibility" xmlns:p14="http://schemas.microsoft.com/office/powerpoint/2010/main" xmlns:p15="http://schemas.microsoft.com/office/powerpoint/2012/main" xmlns:ahyp="http://schemas.microsoft.com/office/drawing/2018/hyperlinkcolor">
   <p:cSld>
     <p:spTree>
       <p:nvGrpSpPr>
-        <p:cNvPr id="365" name="Shape 365"/>
+        <p:cNvPr id="379" name="Shape 379"/>
         <p:cNvGrpSpPr/>
         <p:nvPr/>
       </p:nvGrpSpPr>
@@ -26150,7 +26759,7 @@
       </p:grpSpPr>
       <p:sp>
         <p:nvSpPr>
-          <p:cNvPr id="366" name="Google Shape;366;g2c1d600bfe3_0_0"/>
+          <p:cNvPr id="380" name="Google Shape;380;g2c1d600bfe3_0_0"/>
           <p:cNvSpPr txBox="1"/>
           <p:nvPr>
             <p:ph type="title"/>
@@ -26198,7 +26807,7 @@
       </p:sp>
       <p:sp>
         <p:nvSpPr>
-          <p:cNvPr id="367" name="Google Shape;367;g2c1d600bfe3_0_0"/>
+          <p:cNvPr id="381" name="Google Shape;381;g2c1d600bfe3_0_0"/>
           <p:cNvSpPr txBox="1"/>
           <p:nvPr>
             <p:ph idx="1" type="body"/>
@@ -26466,7 +27075,7 @@
       </p:sp>
       <p:sp>
         <p:nvSpPr>
-          <p:cNvPr id="368" name="Google Shape;368;g2c1d600bfe3_0_0"/>
+          <p:cNvPr id="382" name="Google Shape;382;g2c1d600bfe3_0_0"/>
           <p:cNvSpPr txBox="1"/>
           <p:nvPr>
             <p:ph idx="12" type="sldNum"/>
@@ -26517,12 +27126,12 @@
 </p:sld>
 </file>
 
-<file path=ppt/slides/slide34.xml><?xml version="1.0" encoding="utf-8"?>
+<file path=ppt/slides/slide35.xml><?xml version="1.0" encoding="utf-8"?>
 <p:sld xmlns:a="http://schemas.openxmlformats.org/drawingml/2006/main" xmlns:r="http://schemas.openxmlformats.org/officeDocument/2006/relationships" xmlns:mc="http://schemas.openxmlformats.org/markup-compatibility/2006" xmlns:mv="urn:schemas-microsoft-com:mac:vml" xmlns:p="http://schemas.openxmlformats.org/presentationml/2006/main" xmlns:c="http://schemas.openxmlformats.org/drawingml/2006/chart" xmlns:dgm="http://schemas.openxmlformats.org/drawingml/2006/diagram" xmlns:o="urn:schemas-microsoft-com:office:office" xmlns:v="urn:schemas-microsoft-com:vml" xmlns:pvml="urn:schemas-microsoft-com:office:powerpoint" xmlns:com="http://schemas.openxmlformats.org/drawingml/2006/compatibility" xmlns:p14="http://schemas.microsoft.com/office/powerpoint/2010/main" xmlns:p15="http://schemas.microsoft.com/office/powerpoint/2012/main" xmlns:ahyp="http://schemas.microsoft.com/office/drawing/2018/hyperlinkcolor">
   <p:cSld>
     <p:spTree>
       <p:nvGrpSpPr>
-        <p:cNvPr id="373" name="Shape 373"/>
+        <p:cNvPr id="387" name="Shape 387"/>
         <p:cNvGrpSpPr/>
         <p:nvPr/>
       </p:nvGrpSpPr>
@@ -26536,7 +27145,7 @@
       </p:grpSpPr>
       <p:pic>
         <p:nvPicPr>
-          <p:cNvPr id="374" name="Google Shape;374;g1f4e2c1751e_2_8"/>
+          <p:cNvPr id="388" name="Google Shape;388;g1f4e2c1751e_2_8"/>
           <p:cNvPicPr preferRelativeResize="0"/>
           <p:nvPr/>
         </p:nvPicPr>
@@ -26563,7 +27172,7 @@
       </p:pic>
       <p:sp>
         <p:nvSpPr>
-          <p:cNvPr id="375" name="Google Shape;375;g1f4e2c1751e_2_8"/>
+          <p:cNvPr id="389" name="Google Shape;389;g1f4e2c1751e_2_8"/>
           <p:cNvSpPr txBox="1"/>
           <p:nvPr>
             <p:ph idx="12" type="sldNum"/>
@@ -26692,7 +27301,7 @@
           <p:nvPr/>
         </p:nvPicPr>
         <p:blipFill rotWithShape="1">
-          <a:blip r:embed="rId3">
+          <a:blip r:embed="rId4">
             <a:alphaModFix/>
           </a:blip>
           <a:srcRect b="3669" l="0" r="0" t="3678"/>
@@ -26712,58 +27321,9 @@
           </a:ln>
         </p:spPr>
       </p:pic>
-      <p:sp>
-        <p:nvSpPr>
-          <p:cNvPr id="116" name="Google Shape;116;g2ca977590c2_0_0"/>
-          <p:cNvSpPr txBox="1"/>
-          <p:nvPr/>
-        </p:nvSpPr>
-        <p:spPr>
-          <a:xfrm>
-            <a:off x="4234800" y="1575800"/>
-            <a:ext cx="1777500" cy="881400"/>
-          </a:xfrm>
-          <a:prstGeom prst="rect">
-            <a:avLst/>
-          </a:prstGeom>
-          <a:noFill/>
-          <a:ln>
-            <a:noFill/>
-          </a:ln>
-        </p:spPr>
-        <p:txBody>
-          <a:bodyPr anchorCtr="0" anchor="t" bIns="91425" lIns="91425" spcFirstLastPara="1" rIns="91425" wrap="square" tIns="91425">
-            <a:noAutofit/>
-          </a:bodyPr>
-          <a:lstStyle/>
-          <a:p>
-            <a:pPr indent="0" lvl="0" marL="0" rtl="0" algn="l">
-              <a:spcBef>
-                <a:spcPts val="0"/>
-              </a:spcBef>
-              <a:spcAft>
-                <a:spcPts val="0"/>
-              </a:spcAft>
-              <a:buNone/>
-            </a:pPr>
-            <a:r>
-              <a:t/>
-            </a:r>
-            <a:endParaRPr sz="2800">
-              <a:solidFill>
-                <a:schemeClr val="dk1"/>
-              </a:solidFill>
-              <a:latin typeface="Calibri"/>
-              <a:ea typeface="Calibri"/>
-              <a:cs typeface="Calibri"/>
-              <a:sym typeface="Calibri"/>
-            </a:endParaRPr>
-          </a:p>
-        </p:txBody>
-      </p:sp>
       <p:graphicFrame>
         <p:nvGraphicFramePr>
-          <p:cNvPr id="117" name="Google Shape;117;g2ca977590c2_0_0"/>
+          <p:cNvPr id="116" name="Google Shape;116;g2ca977590c2_0_0"/>
           <p:cNvGraphicFramePr/>
           <p:nvPr/>
         </p:nvGraphicFramePr>
@@ -26776,7 +27336,7 @@
             <a:tbl>
               <a:tblPr>
                 <a:noFill/>
-                <a:tableStyleId>{E44D3E7D-8D69-4D67-9D7D-EE77572CB8F8}</a:tableStyleId>
+                <a:tableStyleId>{AA06FF5D-AD62-414D-9256-4B6FFA9E1AD2}</a:tableStyleId>
               </a:tblPr>
               <a:tblGrid>
                 <a:gridCol w="1530850"/>
@@ -26871,7 +27431,13 @@
                         <a:buNone/>
                       </a:pPr>
                       <a:r>
-                        <a:rPr b="1" lang="en-US" sz="1900"/>
+                        <a:rPr b="1" lang="en-US" sz="1900">
+                          <a:extLst>
+                            <a:ext uri="http://customooxmlschemas.google.com/">
+                              <go:slidesCustomData xmlns:go="http://customooxmlschemas.google.com/" textRoundtripDataId="8"/>
+                            </a:ext>
+                          </a:extLst>
+                        </a:rPr>
                         <a:t>Sample Size</a:t>
                       </a:r>
                       <a:endParaRPr b="1" sz="1900"/>
@@ -27718,7 +28284,7 @@
       </p:graphicFrame>
       <p:sp>
         <p:nvSpPr>
-          <p:cNvPr id="118" name="Google Shape;118;g2ca977590c2_0_0"/>
+          <p:cNvPr id="117" name="Google Shape;117;g2ca977590c2_0_0"/>
           <p:cNvSpPr txBox="1"/>
           <p:nvPr/>
         </p:nvSpPr>
@@ -27776,7 +28342,7 @@
       </p:sp>
       <p:sp>
         <p:nvSpPr>
-          <p:cNvPr id="119" name="Google Shape;119;g2ca977590c2_0_0"/>
+          <p:cNvPr id="118" name="Google Shape;118;g2ca977590c2_0_0"/>
           <p:cNvSpPr/>
           <p:nvPr/>
         </p:nvSpPr>
@@ -27870,7 +28436,7 @@
       </p:sp>
       <p:sp>
         <p:nvSpPr>
-          <p:cNvPr id="120" name="Google Shape;120;g2ca977590c2_0_0"/>
+          <p:cNvPr id="119" name="Google Shape;119;g2ca977590c2_0_0"/>
           <p:cNvSpPr/>
           <p:nvPr/>
         </p:nvSpPr>
@@ -27923,7 +28489,31 @@
                 <a:cs typeface="Calibri"/>
                 <a:sym typeface="Calibri"/>
               </a:rPr>
-              <a:t>The U.S. COVID-19 death toll surpasses 100,000</a:t>
+              <a:t>The U.S. COVID-19 death toll </a:t>
+            </a:r>
+            <a:r>
+              <a:rPr b="1" lang="en-US" sz="1300">
+                <a:solidFill>
+                  <a:srgbClr val="0D0D0D"/>
+                </a:solidFill>
+                <a:latin typeface="Calibri"/>
+                <a:ea typeface="Calibri"/>
+                <a:cs typeface="Calibri"/>
+                <a:sym typeface="Calibri"/>
+              </a:rPr>
+              <a:t>surpasses</a:t>
+            </a:r>
+            <a:r>
+              <a:rPr b="1" lang="en-US" sz="1300">
+                <a:solidFill>
+                  <a:srgbClr val="0D0D0D"/>
+                </a:solidFill>
+                <a:latin typeface="Calibri"/>
+                <a:ea typeface="Calibri"/>
+                <a:cs typeface="Calibri"/>
+                <a:sym typeface="Calibri"/>
+              </a:rPr>
+              <a:t> 100,000</a:t>
             </a:r>
             <a:endParaRPr b="1" sz="1300">
               <a:solidFill>
@@ -27959,7 +28549,7 @@
       </p:sp>
       <p:sp>
         <p:nvSpPr>
-          <p:cNvPr id="121" name="Google Shape;121;g2ca977590c2_0_0"/>
+          <p:cNvPr id="120" name="Google Shape;120;g2ca977590c2_0_0"/>
           <p:cNvSpPr/>
           <p:nvPr/>
         </p:nvSpPr>
@@ -28048,14 +28638,14 @@
       </p:sp>
       <p:sp>
         <p:nvSpPr>
-          <p:cNvPr id="122" name="Google Shape;122;g2ca977590c2_0_0"/>
+          <p:cNvPr id="121" name="Google Shape;121;g2ca977590c2_0_0"/>
           <p:cNvSpPr/>
           <p:nvPr/>
         </p:nvSpPr>
         <p:spPr>
           <a:xfrm flipH="1">
-            <a:off x="7001200" y="3427700"/>
-            <a:ext cx="1014300" cy="1491900"/>
+            <a:off x="3594850" y="4266150"/>
+            <a:ext cx="1312500" cy="1376100"/>
           </a:xfrm>
           <a:prstGeom prst="wedgeRectCallout">
             <a:avLst>
@@ -28101,7 +28691,7 @@
                 <a:cs typeface="Calibri"/>
                 <a:sym typeface="Calibri"/>
               </a:rPr>
-              <a:t>FDA authorizes the Pfizer vaccine</a:t>
+              <a:t>FDA authorized the vaccine for emergency use</a:t>
             </a:r>
             <a:endParaRPr b="1" sz="3000">
               <a:solidFill>
@@ -28137,7 +28727,7 @@
       </p:sp>
       <p:sp>
         <p:nvSpPr>
-          <p:cNvPr id="123" name="Google Shape;123;g2ca977590c2_0_0"/>
+          <p:cNvPr id="122" name="Google Shape;122;g2ca977590c2_0_0"/>
           <p:cNvSpPr txBox="1"/>
           <p:nvPr>
             <p:ph idx="12" type="sldNum"/>
@@ -28180,6 +28770,170 @@
           </a:p>
         </p:txBody>
       </p:sp>
+      <p:sp>
+        <p:nvSpPr>
+          <p:cNvPr id="123" name="Google Shape;123;g2ca977590c2_0_0"/>
+          <p:cNvSpPr/>
+          <p:nvPr/>
+        </p:nvSpPr>
+        <p:spPr>
+          <a:xfrm flipH="1">
+            <a:off x="6398100" y="3031400"/>
+            <a:ext cx="1014300" cy="1946700"/>
+          </a:xfrm>
+          <a:prstGeom prst="wedgeRectCallout">
+            <a:avLst>
+              <a:gd fmla="val -20833" name="adj1"/>
+              <a:gd fmla="val 62500" name="adj2"/>
+            </a:avLst>
+          </a:prstGeom>
+          <a:solidFill>
+            <a:srgbClr val="F4CCCC"/>
+          </a:solidFill>
+          <a:ln cap="flat" cmpd="sng" w="9525">
+            <a:solidFill>
+              <a:schemeClr val="dk2"/>
+            </a:solidFill>
+            <a:prstDash val="solid"/>
+            <a:round/>
+            <a:headEnd len="sm" w="sm" type="none"/>
+            <a:tailEnd len="sm" w="sm" type="none"/>
+          </a:ln>
+        </p:spPr>
+        <p:txBody>
+          <a:bodyPr anchorCtr="0" anchor="ctr" bIns="91425" lIns="91425" spcFirstLastPara="1" rIns="91425" wrap="square" tIns="91425">
+            <a:noAutofit/>
+          </a:bodyPr>
+          <a:lstStyle/>
+          <a:p>
+            <a:pPr indent="0" lvl="0" marL="0" rtl="0" algn="l">
+              <a:spcBef>
+                <a:spcPts val="0"/>
+              </a:spcBef>
+              <a:spcAft>
+                <a:spcPts val="0"/>
+              </a:spcAft>
+              <a:buNone/>
+            </a:pPr>
+            <a:r>
+              <a:rPr b="1" lang="en-US">
+                <a:solidFill>
+                  <a:srgbClr val="0D0D0D"/>
+                </a:solidFill>
+                <a:latin typeface="Calibri"/>
+                <a:ea typeface="Calibri"/>
+                <a:cs typeface="Calibri"/>
+                <a:sym typeface="Calibri"/>
+              </a:rPr>
+              <a:t>FDA authorizes the vaccine for children 5 through 11 years of age</a:t>
+            </a:r>
+            <a:endParaRPr b="1" sz="3000">
+              <a:solidFill>
+                <a:schemeClr val="dk1"/>
+              </a:solidFill>
+              <a:latin typeface="Calibri"/>
+              <a:ea typeface="Calibri"/>
+              <a:cs typeface="Calibri"/>
+              <a:sym typeface="Calibri"/>
+            </a:endParaRPr>
+          </a:p>
+          <a:p>
+            <a:pPr indent="0" lvl="0" marL="0" rtl="0" algn="ctr">
+              <a:spcBef>
+                <a:spcPts val="0"/>
+              </a:spcBef>
+              <a:spcAft>
+                <a:spcPts val="0"/>
+              </a:spcAft>
+              <a:buNone/>
+            </a:pPr>
+            <a:r>
+              <a:t/>
+            </a:r>
+            <a:endParaRPr>
+              <a:latin typeface="Calibri"/>
+              <a:ea typeface="Calibri"/>
+              <a:cs typeface="Calibri"/>
+              <a:sym typeface="Calibri"/>
+            </a:endParaRPr>
+          </a:p>
+        </p:txBody>
+      </p:sp>
+      <p:sp>
+        <p:nvSpPr>
+          <p:cNvPr id="124" name="Google Shape;124;g2ca977590c2_0_0"/>
+          <p:cNvSpPr txBox="1"/>
+          <p:nvPr/>
+        </p:nvSpPr>
+        <p:spPr>
+          <a:xfrm>
+            <a:off x="381150" y="1433625"/>
+            <a:ext cx="1422900" cy="870000"/>
+          </a:xfrm>
+          <a:prstGeom prst="rect">
+            <a:avLst/>
+          </a:prstGeom>
+          <a:noFill/>
+          <a:ln>
+            <a:noFill/>
+          </a:ln>
+        </p:spPr>
+        <p:txBody>
+          <a:bodyPr anchorCtr="0" anchor="t" bIns="91425" lIns="91425" spcFirstLastPara="1" rIns="91425" wrap="square" tIns="91425">
+            <a:noAutofit/>
+          </a:bodyPr>
+          <a:lstStyle/>
+          <a:p>
+            <a:pPr indent="0" lvl="0" marL="0" rtl="0" algn="l">
+              <a:spcBef>
+                <a:spcPts val="0"/>
+              </a:spcBef>
+              <a:spcAft>
+                <a:spcPts val="0"/>
+              </a:spcAft>
+              <a:buNone/>
+            </a:pPr>
+            <a:r>
+              <a:rPr lang="en-US" sz="1900">
+                <a:solidFill>
+                  <a:srgbClr val="888888"/>
+                </a:solidFill>
+                <a:latin typeface="Calibri"/>
+                <a:ea typeface="Calibri"/>
+                <a:cs typeface="Calibri"/>
+                <a:sym typeface="Calibri"/>
+              </a:rPr>
+              <a:t>C</a:t>
+            </a:r>
+            <a:r>
+              <a:rPr lang="en-US" sz="1900">
+                <a:solidFill>
+                  <a:srgbClr val="888888"/>
+                </a:solidFill>
+                <a:latin typeface="Calibri"/>
+                <a:ea typeface="Calibri"/>
+                <a:cs typeface="Calibri"/>
+                <a:sym typeface="Calibri"/>
+                <a:extLst>
+                  <a:ext uri="http://customooxmlschemas.google.com/">
+                    <go:slidesCustomData xmlns:go="http://customooxmlschemas.google.com/" textRoundtripDataId="9"/>
+                  </a:ext>
+                </a:extLst>
+              </a:rPr>
+              <a:t>OVID-19 Deaths per ?</a:t>
+            </a:r>
+            <a:endParaRPr sz="1900">
+              <a:solidFill>
+                <a:srgbClr val="888888"/>
+              </a:solidFill>
+              <a:latin typeface="Calibri"/>
+              <a:ea typeface="Calibri"/>
+              <a:cs typeface="Calibri"/>
+              <a:sym typeface="Calibri"/>
+            </a:endParaRPr>
+          </a:p>
+        </p:txBody>
+      </p:sp>
     </p:spTree>
   </p:cSld>
   <p:clrMapOvr>
@@ -28193,7 +28947,7 @@
   <p:cSld>
     <p:spTree>
       <p:nvGrpSpPr>
-        <p:cNvPr id="128" name="Shape 128"/>
+        <p:cNvPr id="129" name="Shape 129"/>
         <p:cNvGrpSpPr/>
         <p:nvPr/>
       </p:nvGrpSpPr>
@@ -28207,7 +28961,7 @@
       </p:grpSpPr>
       <p:sp>
         <p:nvSpPr>
-          <p:cNvPr id="129" name="Google Shape;129;p23"/>
+          <p:cNvPr id="130" name="Google Shape;130;p23"/>
           <p:cNvSpPr txBox="1"/>
           <p:nvPr>
             <p:ph type="title"/>
@@ -28266,12 +29020,12 @@
       </p:sp>
       <p:pic>
         <p:nvPicPr>
-          <p:cNvPr id="130" name="Google Shape;130;p23"/>
+          <p:cNvPr id="131" name="Google Shape;131;p23"/>
           <p:cNvPicPr preferRelativeResize="0"/>
           <p:nvPr/>
         </p:nvPicPr>
         <p:blipFill rotWithShape="1">
-          <a:blip r:embed="rId3">
+          <a:blip r:embed="rId4">
             <a:alphaModFix/>
           </a:blip>
           <a:srcRect b="0" l="9" r="9" t="0"/>
@@ -28293,14 +29047,14 @@
       </p:pic>
       <p:sp>
         <p:nvSpPr>
-          <p:cNvPr id="131" name="Google Shape;131;p23"/>
+          <p:cNvPr id="132" name="Google Shape;132;p23"/>
           <p:cNvSpPr txBox="1"/>
           <p:nvPr/>
         </p:nvSpPr>
         <p:spPr>
           <a:xfrm>
-            <a:off x="10330250" y="5650450"/>
-            <a:ext cx="1620600" cy="651600"/>
+            <a:off x="9796200" y="5704750"/>
+            <a:ext cx="2160300" cy="651600"/>
           </a:xfrm>
           <a:prstGeom prst="rect">
             <a:avLst/>
@@ -28355,7 +29109,7 @@
                 <a:cs typeface="Calibri"/>
                 <a:sym typeface="Calibri"/>
               </a:rPr>
-              <a:t> (June 2020–May 2021</a:t>
+              <a:t> Pooled Data (June 2020–May 2021</a:t>
             </a:r>
             <a:r>
               <a:rPr lang="en-US" sz="1500">
@@ -28383,7 +29137,7 @@
       </p:sp>
       <p:sp>
         <p:nvSpPr>
-          <p:cNvPr id="132" name="Google Shape;132;p23"/>
+          <p:cNvPr id="133" name="Google Shape;133;p23"/>
           <p:cNvSpPr txBox="1"/>
           <p:nvPr>
             <p:ph idx="12" type="sldNum"/>
@@ -28428,12 +29182,12 @@
       </p:sp>
       <p:pic>
         <p:nvPicPr>
-          <p:cNvPr id="133" name="Google Shape;133;p23"/>
+          <p:cNvPr id="134" name="Google Shape;134;p23"/>
           <p:cNvPicPr preferRelativeResize="0"/>
           <p:nvPr/>
         </p:nvPicPr>
         <p:blipFill rotWithShape="1">
-          <a:blip r:embed="rId4">
+          <a:blip r:embed="rId5">
             <a:alphaModFix/>
           </a:blip>
           <a:srcRect b="11103" l="0" r="72637" t="0"/>
@@ -28466,7 +29220,7 @@
   <p:cSld>
     <p:spTree>
       <p:nvGrpSpPr>
-        <p:cNvPr id="137" name="Shape 137"/>
+        <p:cNvPr id="138" name="Shape 138"/>
         <p:cNvGrpSpPr/>
         <p:nvPr/>
       </p:nvGrpSpPr>
@@ -28480,7 +29234,7 @@
       </p:grpSpPr>
       <p:sp>
         <p:nvSpPr>
-          <p:cNvPr id="138" name="Google Shape;138;g2c652eb037b_0_0"/>
+          <p:cNvPr id="139" name="Google Shape;139;g2c652eb037b_0_0"/>
           <p:cNvSpPr txBox="1"/>
           <p:nvPr>
             <p:ph type="title"/>
@@ -28539,7 +29293,7 @@
       </p:sp>
       <p:pic>
         <p:nvPicPr>
-          <p:cNvPr id="139" name="Google Shape;139;g2c652eb037b_0_0"/>
+          <p:cNvPr id="140" name="Google Shape;140;g2c652eb037b_0_0"/>
           <p:cNvPicPr preferRelativeResize="0"/>
           <p:nvPr/>
         </p:nvPicPr>
@@ -28564,84 +29318,6 @@
           </a:ln>
         </p:spPr>
       </p:pic>
-      <p:sp>
-        <p:nvSpPr>
-          <p:cNvPr id="140" name="Google Shape;140;g2c652eb037b_0_0"/>
-          <p:cNvSpPr txBox="1"/>
-          <p:nvPr/>
-        </p:nvSpPr>
-        <p:spPr>
-          <a:xfrm>
-            <a:off x="10415300" y="5733525"/>
-            <a:ext cx="1620600" cy="651600"/>
-          </a:xfrm>
-          <a:prstGeom prst="rect">
-            <a:avLst/>
-          </a:prstGeom>
-          <a:noFill/>
-          <a:ln>
-            <a:noFill/>
-          </a:ln>
-        </p:spPr>
-        <p:txBody>
-          <a:bodyPr anchorCtr="0" anchor="t" bIns="91425" lIns="91425" spcFirstLastPara="1" rIns="91425" wrap="square" tIns="91425">
-            <a:noAutofit/>
-          </a:bodyPr>
-          <a:lstStyle/>
-          <a:p>
-            <a:pPr indent="0" lvl="0" marL="0" marR="0" rtl="0" algn="l">
-              <a:lnSpc>
-                <a:spcPct val="100000"/>
-              </a:lnSpc>
-              <a:spcBef>
-                <a:spcPts val="0"/>
-              </a:spcBef>
-              <a:spcAft>
-                <a:spcPts val="0"/>
-              </a:spcAft>
-              <a:buClr>
-                <a:srgbClr val="000000"/>
-              </a:buClr>
-              <a:buSzPts val="2200"/>
-              <a:buFont typeface="Arial"/>
-              <a:buNone/>
-            </a:pPr>
-            <a:r>
-              <a:rPr b="0" i="0" lang="en-US" sz="1500" u="none" cap="none" strike="noStrike">
-                <a:solidFill>
-                  <a:srgbClr val="999999"/>
-                </a:solidFill>
-                <a:latin typeface="Calibri"/>
-                <a:ea typeface="Calibri"/>
-                <a:cs typeface="Calibri"/>
-                <a:sym typeface="Calibri"/>
-              </a:rPr>
-              <a:t>Source: BICS</a:t>
-            </a:r>
-            <a:r>
-              <a:rPr lang="en-US" sz="1500">
-                <a:solidFill>
-                  <a:srgbClr val="999999"/>
-                </a:solidFill>
-                <a:latin typeface="Calibri"/>
-                <a:ea typeface="Calibri"/>
-                <a:cs typeface="Calibri"/>
-                <a:sym typeface="Calibri"/>
-              </a:rPr>
-              <a:t> (June 2020–May 2021)</a:t>
-            </a:r>
-            <a:endParaRPr b="0" i="0" sz="1500" u="none" cap="none" strike="noStrike">
-              <a:solidFill>
-                <a:srgbClr val="999999"/>
-              </a:solidFill>
-              <a:latin typeface="Calibri"/>
-              <a:ea typeface="Calibri"/>
-              <a:cs typeface="Calibri"/>
-              <a:sym typeface="Calibri"/>
-            </a:endParaRPr>
-          </a:p>
-        </p:txBody>
-      </p:sp>
       <p:sp>
         <p:nvSpPr>
           <p:cNvPr id="141" name="Google Shape;141;g2c652eb037b_0_0"/>
@@ -28715,6 +29391,84 @@
           </a:ln>
         </p:spPr>
       </p:pic>
+      <p:sp>
+        <p:nvSpPr>
+          <p:cNvPr id="143" name="Google Shape;143;g2c652eb037b_0_0"/>
+          <p:cNvSpPr txBox="1"/>
+          <p:nvPr/>
+        </p:nvSpPr>
+        <p:spPr>
+          <a:xfrm>
+            <a:off x="9796200" y="5704750"/>
+            <a:ext cx="2160300" cy="651600"/>
+          </a:xfrm>
+          <a:prstGeom prst="rect">
+            <a:avLst/>
+          </a:prstGeom>
+          <a:noFill/>
+          <a:ln>
+            <a:noFill/>
+          </a:ln>
+        </p:spPr>
+        <p:txBody>
+          <a:bodyPr anchorCtr="0" anchor="t" bIns="91425" lIns="91425" spcFirstLastPara="1" rIns="91425" wrap="square" tIns="91425">
+            <a:noAutofit/>
+          </a:bodyPr>
+          <a:lstStyle/>
+          <a:p>
+            <a:pPr indent="0" lvl="0" marL="0" marR="0" rtl="0" algn="l">
+              <a:lnSpc>
+                <a:spcPct val="100000"/>
+              </a:lnSpc>
+              <a:spcBef>
+                <a:spcPts val="0"/>
+              </a:spcBef>
+              <a:spcAft>
+                <a:spcPts val="0"/>
+              </a:spcAft>
+              <a:buClr>
+                <a:srgbClr val="000000"/>
+              </a:buClr>
+              <a:buSzPts val="2200"/>
+              <a:buFont typeface="Arial"/>
+              <a:buNone/>
+            </a:pPr>
+            <a:r>
+              <a:rPr b="0" i="0" lang="en-US" sz="1500" u="none" cap="none" strike="noStrike">
+                <a:solidFill>
+                  <a:srgbClr val="999999"/>
+                </a:solidFill>
+                <a:latin typeface="Calibri"/>
+                <a:ea typeface="Calibri"/>
+                <a:cs typeface="Calibri"/>
+                <a:sym typeface="Calibri"/>
+              </a:rPr>
+              <a:t>Source: BICS</a:t>
+            </a:r>
+            <a:r>
+              <a:rPr lang="en-US" sz="1500">
+                <a:solidFill>
+                  <a:srgbClr val="999999"/>
+                </a:solidFill>
+                <a:latin typeface="Calibri"/>
+                <a:ea typeface="Calibri"/>
+                <a:cs typeface="Calibri"/>
+                <a:sym typeface="Calibri"/>
+              </a:rPr>
+              <a:t> Pooled Data (June 2020–May 2021)</a:t>
+            </a:r>
+            <a:endParaRPr b="0" i="0" sz="1500" u="none" cap="none" strike="noStrike">
+              <a:solidFill>
+                <a:srgbClr val="999999"/>
+              </a:solidFill>
+              <a:latin typeface="Calibri"/>
+              <a:ea typeface="Calibri"/>
+              <a:cs typeface="Calibri"/>
+              <a:sym typeface="Calibri"/>
+            </a:endParaRPr>
+          </a:p>
+        </p:txBody>
+      </p:sp>
     </p:spTree>
   </p:cSld>
   <p:clrMapOvr>
@@ -28728,7 +29482,7 @@
   <p:cSld>
     <p:spTree>
       <p:nvGrpSpPr>
-        <p:cNvPr id="146" name="Shape 146"/>
+        <p:cNvPr id="147" name="Shape 147"/>
         <p:cNvGrpSpPr/>
         <p:nvPr/>
       </p:nvGrpSpPr>
@@ -28742,7 +29496,7 @@
       </p:grpSpPr>
       <p:sp>
         <p:nvSpPr>
-          <p:cNvPr id="147" name="Google Shape;147;p27"/>
+          <p:cNvPr id="148" name="Google Shape;148;p27"/>
           <p:cNvSpPr txBox="1"/>
           <p:nvPr>
             <p:ph type="title"/>
@@ -28801,12 +29555,12 @@
       </p:sp>
       <p:pic>
         <p:nvPicPr>
-          <p:cNvPr id="148" name="Google Shape;148;p27"/>
+          <p:cNvPr id="149" name="Google Shape;149;p27"/>
           <p:cNvPicPr preferRelativeResize="0"/>
           <p:nvPr/>
         </p:nvPicPr>
         <p:blipFill rotWithShape="1">
-          <a:blip r:embed="rId3">
+          <a:blip r:embed="rId4">
             <a:alphaModFix/>
           </a:blip>
           <a:srcRect b="0" l="9" r="9" t="0"/>
@@ -28828,14 +29582,14 @@
       </p:pic>
       <p:sp>
         <p:nvSpPr>
-          <p:cNvPr id="149" name="Google Shape;149;p27"/>
+          <p:cNvPr id="150" name="Google Shape;150;p27"/>
           <p:cNvSpPr txBox="1"/>
           <p:nvPr/>
         </p:nvSpPr>
         <p:spPr>
           <a:xfrm>
-            <a:off x="10339100" y="5648500"/>
-            <a:ext cx="1620600" cy="651600"/>
+            <a:off x="9928550" y="5912325"/>
+            <a:ext cx="2166300" cy="444000"/>
           </a:xfrm>
           <a:prstGeom prst="rect">
             <a:avLst/>
@@ -28890,7 +29644,7 @@
                 <a:cs typeface="Calibri"/>
                 <a:sym typeface="Calibri"/>
               </a:rPr>
-              <a:t> (June 2020–May 2021)</a:t>
+              <a:t> (May 2021)</a:t>
             </a:r>
             <a:endParaRPr b="0" i="0" sz="1500" u="none" cap="none" strike="noStrike">
               <a:solidFill>
@@ -28906,7 +29660,7 @@
       </p:sp>
       <p:sp>
         <p:nvSpPr>
-          <p:cNvPr id="150" name="Google Shape;150;p27"/>
+          <p:cNvPr id="151" name="Google Shape;151;p27"/>
           <p:cNvSpPr txBox="1"/>
           <p:nvPr>
             <p:ph idx="12" type="sldNum"/>
@@ -28951,12 +29705,12 @@
       </p:sp>
       <p:pic>
         <p:nvPicPr>
-          <p:cNvPr id="151" name="Google Shape;151;p27"/>
+          <p:cNvPr id="152" name="Google Shape;152;p27"/>
           <p:cNvPicPr preferRelativeResize="0"/>
           <p:nvPr/>
         </p:nvPicPr>
         <p:blipFill>
-          <a:blip r:embed="rId4">
+          <a:blip r:embed="rId5">
             <a:alphaModFix/>
           </a:blip>
           <a:stretch>
@@ -28990,7 +29744,7 @@
   <p:cSld>
     <p:spTree>
       <p:nvGrpSpPr>
-        <p:cNvPr id="156" name="Shape 156"/>
+        <p:cNvPr id="157" name="Shape 157"/>
         <p:cNvGrpSpPr/>
         <p:nvPr/>
       </p:nvGrpSpPr>
@@ -29004,7 +29758,7 @@
       </p:grpSpPr>
       <p:sp>
         <p:nvSpPr>
-          <p:cNvPr id="157" name="Google Shape;157;p46"/>
+          <p:cNvPr id="158" name="Google Shape;158;p46"/>
           <p:cNvSpPr txBox="1"/>
           <p:nvPr>
             <p:ph type="title"/>
@@ -29052,7 +29806,7 @@
       </p:sp>
       <p:sp>
         <p:nvSpPr>
-          <p:cNvPr id="158" name="Google Shape;158;p46"/>
+          <p:cNvPr id="159" name="Google Shape;159;p46"/>
           <p:cNvSpPr txBox="1"/>
           <p:nvPr>
             <p:ph idx="12" type="sldNum"/>
@@ -29097,12 +29851,12 @@
       </p:sp>
       <p:pic>
         <p:nvPicPr>
-          <p:cNvPr id="159" name="Google Shape;159;p46"/>
+          <p:cNvPr id="160" name="Google Shape;160;p46"/>
           <p:cNvPicPr preferRelativeResize="0"/>
           <p:nvPr/>
         </p:nvPicPr>
         <p:blipFill>
-          <a:blip r:embed="rId4">
+          <a:blip r:embed="rId3">
             <a:alphaModFix/>
           </a:blip>
           <a:stretch>
@@ -29111,8 +29865,8 @@
         </p:blipFill>
         <p:spPr>
           <a:xfrm>
-            <a:off x="2112175" y="1827250"/>
-            <a:ext cx="8343669" cy="5030750"/>
+            <a:off x="2068156" y="1898524"/>
+            <a:ext cx="7862875" cy="4700475"/>
           </a:xfrm>
           <a:prstGeom prst="rect">
             <a:avLst/>
@@ -29123,6 +29877,240 @@
           </a:ln>
         </p:spPr>
       </p:pic>
+      <p:sp>
+        <p:nvSpPr>
+          <p:cNvPr id="161" name="Google Shape;161;p46"/>
+          <p:cNvSpPr txBox="1"/>
+          <p:nvPr/>
+        </p:nvSpPr>
+        <p:spPr>
+          <a:xfrm>
+            <a:off x="9796200" y="5704750"/>
+            <a:ext cx="2160300" cy="651600"/>
+          </a:xfrm>
+          <a:prstGeom prst="rect">
+            <a:avLst/>
+          </a:prstGeom>
+          <a:noFill/>
+          <a:ln>
+            <a:noFill/>
+          </a:ln>
+        </p:spPr>
+        <p:txBody>
+          <a:bodyPr anchorCtr="0" anchor="t" bIns="91425" lIns="91425" spcFirstLastPara="1" rIns="91425" wrap="square" tIns="91425">
+            <a:noAutofit/>
+          </a:bodyPr>
+          <a:lstStyle/>
+          <a:p>
+            <a:pPr indent="0" lvl="0" marL="0" marR="0" rtl="0" algn="l">
+              <a:lnSpc>
+                <a:spcPct val="100000"/>
+              </a:lnSpc>
+              <a:spcBef>
+                <a:spcPts val="0"/>
+              </a:spcBef>
+              <a:spcAft>
+                <a:spcPts val="0"/>
+              </a:spcAft>
+              <a:buClr>
+                <a:srgbClr val="000000"/>
+              </a:buClr>
+              <a:buSzPts val="2200"/>
+              <a:buFont typeface="Arial"/>
+              <a:buNone/>
+            </a:pPr>
+            <a:r>
+              <a:rPr b="0" i="0" lang="en-US" sz="1500" u="none" cap="none" strike="noStrike">
+                <a:solidFill>
+                  <a:srgbClr val="999999"/>
+                </a:solidFill>
+                <a:latin typeface="Calibri"/>
+                <a:ea typeface="Calibri"/>
+                <a:cs typeface="Calibri"/>
+                <a:sym typeface="Calibri"/>
+              </a:rPr>
+              <a:t>Source: BICS</a:t>
+            </a:r>
+            <a:r>
+              <a:rPr lang="en-US" sz="1500">
+                <a:solidFill>
+                  <a:srgbClr val="999999"/>
+                </a:solidFill>
+                <a:latin typeface="Calibri"/>
+                <a:ea typeface="Calibri"/>
+                <a:cs typeface="Calibri"/>
+                <a:sym typeface="Calibri"/>
+              </a:rPr>
+              <a:t> Pooled Data (June 2020–May 2021)</a:t>
+            </a:r>
+            <a:endParaRPr b="0" i="0" sz="1500" u="none" cap="none" strike="noStrike">
+              <a:solidFill>
+                <a:srgbClr val="999999"/>
+              </a:solidFill>
+              <a:latin typeface="Calibri"/>
+              <a:ea typeface="Calibri"/>
+              <a:cs typeface="Calibri"/>
+              <a:sym typeface="Calibri"/>
+            </a:endParaRPr>
+          </a:p>
+        </p:txBody>
+      </p:sp>
+      <p:sp>
+        <p:nvSpPr>
+          <p:cNvPr id="162" name="Google Shape;162;p46"/>
+          <p:cNvSpPr/>
+          <p:nvPr/>
+        </p:nvSpPr>
+        <p:spPr>
+          <a:xfrm>
+            <a:off x="1654125" y="1690700"/>
+            <a:ext cx="3537600" cy="1907400"/>
+          </a:xfrm>
+          <a:prstGeom prst="ellipse">
+            <a:avLst/>
+          </a:prstGeom>
+          <a:noFill/>
+          <a:ln cap="flat" cmpd="sng" w="9525">
+            <a:solidFill>
+              <a:srgbClr val="FF0000"/>
+            </a:solidFill>
+            <a:prstDash val="solid"/>
+            <a:round/>
+            <a:headEnd len="sm" w="sm" type="none"/>
+            <a:tailEnd len="sm" w="sm" type="none"/>
+          </a:ln>
+        </p:spPr>
+        <p:txBody>
+          <a:bodyPr anchorCtr="0" anchor="ctr" bIns="91425" lIns="91425" spcFirstLastPara="1" rIns="91425" wrap="square" tIns="91425">
+            <a:noAutofit/>
+          </a:bodyPr>
+          <a:lstStyle/>
+          <a:p>
+            <a:pPr indent="0" lvl="0" marL="0" rtl="0" algn="ctr">
+              <a:spcBef>
+                <a:spcPts val="0"/>
+              </a:spcBef>
+              <a:spcAft>
+                <a:spcPts val="0"/>
+              </a:spcAft>
+              <a:buNone/>
+            </a:pPr>
+            <a:r>
+              <a:t/>
+            </a:r>
+            <a:endParaRPr>
+              <a:latin typeface="Calibri"/>
+              <a:ea typeface="Calibri"/>
+              <a:cs typeface="Calibri"/>
+              <a:sym typeface="Calibri"/>
+            </a:endParaRPr>
+          </a:p>
+        </p:txBody>
+      </p:sp>
+      <p:sp>
+        <p:nvSpPr>
+          <p:cNvPr id="163" name="Google Shape;163;p46"/>
+          <p:cNvSpPr/>
+          <p:nvPr/>
+        </p:nvSpPr>
+        <p:spPr>
+          <a:xfrm>
+            <a:off x="6628600" y="1690700"/>
+            <a:ext cx="1738500" cy="1907400"/>
+          </a:xfrm>
+          <a:prstGeom prst="ellipse">
+            <a:avLst/>
+          </a:prstGeom>
+          <a:noFill/>
+          <a:ln cap="flat" cmpd="sng" w="9525">
+            <a:solidFill>
+              <a:srgbClr val="FF0000"/>
+            </a:solidFill>
+            <a:prstDash val="solid"/>
+            <a:round/>
+            <a:headEnd len="sm" w="sm" type="none"/>
+            <a:tailEnd len="sm" w="sm" type="none"/>
+          </a:ln>
+        </p:spPr>
+        <p:txBody>
+          <a:bodyPr anchorCtr="0" anchor="ctr" bIns="91425" lIns="91425" spcFirstLastPara="1" rIns="91425" wrap="square" tIns="91425">
+            <a:noAutofit/>
+          </a:bodyPr>
+          <a:lstStyle/>
+          <a:p>
+            <a:pPr indent="0" lvl="0" marL="0" rtl="0" algn="ctr">
+              <a:spcBef>
+                <a:spcPts val="0"/>
+              </a:spcBef>
+              <a:spcAft>
+                <a:spcPts val="0"/>
+              </a:spcAft>
+              <a:buNone/>
+            </a:pPr>
+            <a:r>
+              <a:t/>
+            </a:r>
+            <a:endParaRPr>
+              <a:latin typeface="Calibri"/>
+              <a:ea typeface="Calibri"/>
+              <a:cs typeface="Calibri"/>
+              <a:sym typeface="Calibri"/>
+            </a:endParaRPr>
+          </a:p>
+        </p:txBody>
+      </p:sp>
+      <p:sp>
+        <p:nvSpPr>
+          <p:cNvPr id="164" name="Google Shape;164;p46"/>
+          <p:cNvSpPr/>
+          <p:nvPr/>
+        </p:nvSpPr>
+        <p:spPr>
+          <a:xfrm>
+            <a:off x="1854825" y="3295063"/>
+            <a:ext cx="3336900" cy="1907400"/>
+          </a:xfrm>
+          <a:prstGeom prst="ellipse">
+            <a:avLst/>
+          </a:prstGeom>
+          <a:noFill/>
+          <a:ln cap="flat" cmpd="sng" w="9525">
+            <a:solidFill>
+              <a:srgbClr val="FF0000"/>
+            </a:solidFill>
+            <a:prstDash val="solid"/>
+            <a:round/>
+            <a:headEnd len="sm" w="sm" type="none"/>
+            <a:tailEnd len="sm" w="sm" type="none"/>
+          </a:ln>
+        </p:spPr>
+        <p:txBody>
+          <a:bodyPr anchorCtr="0" anchor="ctr" bIns="91425" lIns="91425" spcFirstLastPara="1" rIns="91425" wrap="square" tIns="91425">
+            <a:noAutofit/>
+          </a:bodyPr>
+          <a:lstStyle/>
+          <a:p>
+            <a:pPr indent="0" lvl="0" marL="0" rtl="0" algn="ctr">
+              <a:spcBef>
+                <a:spcPts val="0"/>
+              </a:spcBef>
+              <a:spcAft>
+                <a:spcPts val="0"/>
+              </a:spcAft>
+              <a:buNone/>
+            </a:pPr>
+            <a:r>
+              <a:t/>
+            </a:r>
+            <a:endParaRPr>
+              <a:latin typeface="Calibri"/>
+              <a:ea typeface="Calibri"/>
+              <a:cs typeface="Calibri"/>
+              <a:sym typeface="Calibri"/>
+            </a:endParaRPr>
+          </a:p>
+        </p:txBody>
+      </p:sp>
     </p:spTree>
   </p:cSld>
   <p:clrMapOvr>
@@ -29136,7 +30124,7 @@
   <p:cSld>
     <p:spTree>
       <p:nvGrpSpPr>
-        <p:cNvPr id="164" name="Shape 164"/>
+        <p:cNvPr id="169" name="Shape 169"/>
         <p:cNvGrpSpPr/>
         <p:nvPr/>
       </p:nvGrpSpPr>
@@ -29150,7 +30138,7 @@
       </p:grpSpPr>
       <p:sp>
         <p:nvSpPr>
-          <p:cNvPr id="165" name="Google Shape;165;g2c6764bd4d3_0_6"/>
+          <p:cNvPr id="170" name="Google Shape;170;g2cbc15a968e_0_8"/>
           <p:cNvSpPr txBox="1"/>
           <p:nvPr>
             <p:ph type="title"/>
@@ -29158,39 +30146,31 @@
         </p:nvSpPr>
         <p:spPr>
           <a:xfrm>
-            <a:off x="831850" y="1709738"/>
-            <a:ext cx="10515600" cy="2852700"/>
+            <a:off x="838200" y="365125"/>
+            <a:ext cx="10515600" cy="1325700"/>
           </a:xfrm>
           <a:prstGeom prst="rect">
             <a:avLst/>
           </a:prstGeom>
-          <a:noFill/>
-          <a:ln>
-            <a:noFill/>
-          </a:ln>
         </p:spPr>
         <p:txBody>
-          <a:bodyPr anchorCtr="0" anchor="b" bIns="45700" lIns="91425" spcFirstLastPara="1" rIns="91425" wrap="square" tIns="45700">
+          <a:bodyPr anchorCtr="0" anchor="ctr" bIns="45700" lIns="91425" spcFirstLastPara="1" rIns="91425" wrap="square" tIns="45700">
             <a:normAutofit/>
           </a:bodyPr>
           <a:lstStyle/>
           <a:p>
             <a:pPr indent="0" lvl="0" marL="0" rtl="0" algn="l">
-              <a:lnSpc>
-                <a:spcPct val="90000"/>
-              </a:lnSpc>
-              <a:spcBef>
-                <a:spcPts val="0"/>
-              </a:spcBef>
-              <a:spcAft>
-                <a:spcPts val="0"/>
-              </a:spcAft>
-              <a:buSzPts val="6000"/>
+              <a:spcBef>
+                <a:spcPts val="0"/>
+              </a:spcBef>
+              <a:spcAft>
+                <a:spcPts val="0"/>
+              </a:spcAft>
               <a:buNone/>
             </a:pPr>
             <a:r>
               <a:rPr lang="en-US"/>
-              <a:t>Results</a:t>
+              <a:t>Methods</a:t>
             </a:r>
             <a:endParaRPr/>
           </a:p>
@@ -29198,7 +30178,150 @@
       </p:sp>
       <p:sp>
         <p:nvSpPr>
-          <p:cNvPr id="166" name="Google Shape;166;g2c6764bd4d3_0_6"/>
+          <p:cNvPr id="171" name="Google Shape;171;g2cbc15a968e_0_8"/>
+          <p:cNvSpPr txBox="1"/>
+          <p:nvPr>
+            <p:ph idx="1" type="body"/>
+          </p:nvPr>
+        </p:nvSpPr>
+        <p:spPr>
+          <a:xfrm>
+            <a:off x="838200" y="1825625"/>
+            <a:ext cx="7710300" cy="4351200"/>
+          </a:xfrm>
+          <a:prstGeom prst="rect">
+            <a:avLst/>
+          </a:prstGeom>
+        </p:spPr>
+        <p:txBody>
+          <a:bodyPr anchorCtr="0" anchor="t" bIns="45700" lIns="91425" spcFirstLastPara="1" rIns="91425" wrap="square" tIns="45700">
+            <a:normAutofit/>
+          </a:bodyPr>
+          <a:lstStyle/>
+          <a:p>
+            <a:pPr indent="-342900" lvl="0" marL="457200" rtl="0" algn="l">
+              <a:spcBef>
+                <a:spcPts val="1000"/>
+              </a:spcBef>
+              <a:spcAft>
+                <a:spcPts val="0"/>
+              </a:spcAft>
+              <a:buSzPts val="1800"/>
+              <a:buChar char="•"/>
+            </a:pPr>
+            <a:r>
+              <a:rPr lang="en-US"/>
+              <a:t>Utilized multivariate linear models to extract estimated marginal means.</a:t>
+            </a:r>
+            <a:endParaRPr/>
+          </a:p>
+          <a:p>
+            <a:pPr indent="-342900" lvl="1" marL="914400" rtl="0" algn="l">
+              <a:spcBef>
+                <a:spcPts val="0"/>
+              </a:spcBef>
+              <a:spcAft>
+                <a:spcPts val="0"/>
+              </a:spcAft>
+              <a:buSzPts val="1800"/>
+              <a:buChar char="•"/>
+            </a:pPr>
+            <a:r>
+              <a:rPr lang="en-US"/>
+              <a:t>Sum of non-Household contacts</a:t>
+            </a:r>
+            <a:endParaRPr/>
+          </a:p>
+          <a:p>
+            <a:pPr indent="-342900" lvl="1" marL="914400" rtl="0" algn="l">
+              <a:spcBef>
+                <a:spcPts val="0"/>
+              </a:spcBef>
+              <a:spcAft>
+                <a:spcPts val="0"/>
+              </a:spcAft>
+              <a:buSzPts val="1800"/>
+              <a:buChar char="•"/>
+            </a:pPr>
+            <a:r>
+              <a:rPr lang="en-US"/>
+              <a:t>Percentage of contacts where the respondent wore a mask</a:t>
+            </a:r>
+            <a:endParaRPr/>
+          </a:p>
+          <a:p>
+            <a:pPr indent="-342900" lvl="1" marL="914400" rtl="0" algn="l">
+              <a:spcBef>
+                <a:spcPts val="0"/>
+              </a:spcBef>
+              <a:spcAft>
+                <a:spcPts val="0"/>
+              </a:spcAft>
+              <a:buSzPts val="1800"/>
+              <a:buChar char="•"/>
+            </a:pPr>
+            <a:r>
+              <a:rPr lang="en-US"/>
+              <a:t>Vaccination rates</a:t>
+            </a:r>
+            <a:endParaRPr/>
+          </a:p>
+          <a:p>
+            <a:pPr indent="-342900" lvl="0" marL="457200" rtl="0" algn="l">
+              <a:spcBef>
+                <a:spcPts val="0"/>
+              </a:spcBef>
+              <a:spcAft>
+                <a:spcPts val="0"/>
+              </a:spcAft>
+              <a:buSzPts val="1800"/>
+              <a:buChar char="•"/>
+            </a:pPr>
+            <a:r>
+              <a:rPr lang="en-US"/>
+              <a:t>Contextual factors</a:t>
+            </a:r>
+            <a:endParaRPr/>
+          </a:p>
+          <a:p>
+            <a:pPr indent="-342900" lvl="1" marL="914400" rtl="0" algn="l">
+              <a:spcBef>
+                <a:spcPts val="0"/>
+              </a:spcBef>
+              <a:spcAft>
+                <a:spcPts val="0"/>
+              </a:spcAft>
+              <a:buSzPts val="1800"/>
+              <a:buChar char="•"/>
+            </a:pPr>
+            <a:r>
+              <a:rPr lang="en-US"/>
+              <a:t>Analyzed at the county level: Rural vs. urban distinctions, incidence rates, and mask mandates.</a:t>
+            </a:r>
+            <a:endParaRPr/>
+          </a:p>
+          <a:p>
+            <a:pPr indent="-342900" lvl="0" marL="457200" rtl="0" algn="l">
+              <a:spcBef>
+                <a:spcPts val="0"/>
+              </a:spcBef>
+              <a:spcAft>
+                <a:spcPts val="0"/>
+              </a:spcAft>
+              <a:buSzPts val="1800"/>
+              <a:buChar char="•"/>
+            </a:pPr>
+            <a:r>
+              <a:rPr lang="en-US"/>
+              <a:t>Incidence rate models include county-fixed effects to control for local variations.</a:t>
+            </a:r>
+            <a:endParaRPr/>
+          </a:p>
+        </p:txBody>
+      </p:sp>
+      <p:sp>
+        <p:nvSpPr>
+          <p:cNvPr id="172" name="Google Shape;172;g2cbc15a968e_0_8"/>
           <p:cNvSpPr txBox="1"/>
           <p:nvPr>
             <p:ph idx="12" type="sldNum"/>
@@ -29241,6 +30364,313 @@
           </a:p>
         </p:txBody>
       </p:sp>
+      <p:graphicFrame>
+        <p:nvGraphicFramePr>
+          <p:cNvPr id="173" name="Google Shape;173;g2cbc15a968e_0_8"/>
+          <p:cNvGraphicFramePr/>
+          <p:nvPr/>
+        </p:nvGraphicFramePr>
+        <p:xfrm>
+          <a:off x="8891150" y="1140325"/>
+          <a:ext cx="3000000" cy="3000000"/>
+        </p:xfrm>
+        <a:graphic>
+          <a:graphicData uri="http://schemas.openxmlformats.org/drawingml/2006/table">
+            <a:tbl>
+              <a:tblPr>
+                <a:noFill/>
+                <a:tableStyleId>{AA06FF5D-AD62-414D-9256-4B6FFA9E1AD2}</a:tableStyleId>
+              </a:tblPr>
+              <a:tblGrid>
+                <a:gridCol w="2300075"/>
+              </a:tblGrid>
+              <a:tr h="381000">
+                <a:tc>
+                  <a:txBody>
+                    <a:bodyPr/>
+                    <a:lstStyle/>
+                    <a:p>
+                      <a:pPr indent="0" lvl="0" marL="0" rtl="0" algn="l">
+                        <a:spcBef>
+                          <a:spcPts val="0"/>
+                        </a:spcBef>
+                        <a:spcAft>
+                          <a:spcPts val="0"/>
+                        </a:spcAft>
+                        <a:buNone/>
+                      </a:pPr>
+                      <a:r>
+                        <a:rPr b="1" lang="en-US"/>
+                        <a:t>Full List of Controls</a:t>
+                      </a:r>
+                      <a:endParaRPr b="1"/>
+                    </a:p>
+                  </a:txBody>
+                  <a:tcPr marT="91425" marB="91425" marR="91425" marL="91425">
+                    <a:solidFill>
+                      <a:srgbClr val="C9DAF8"/>
+                    </a:solidFill>
+                  </a:tcPr>
+                </a:tc>
+              </a:tr>
+              <a:tr h="381000">
+                <a:tc>
+                  <a:txBody>
+                    <a:bodyPr/>
+                    <a:lstStyle/>
+                    <a:p>
+                      <a:pPr indent="0" lvl="0" marL="0" rtl="0" algn="l">
+                        <a:spcBef>
+                          <a:spcPts val="0"/>
+                        </a:spcBef>
+                        <a:spcAft>
+                          <a:spcPts val="0"/>
+                        </a:spcAft>
+                        <a:buNone/>
+                      </a:pPr>
+                      <a:r>
+                        <a:rPr lang="en-US"/>
+                        <a:t>Race</a:t>
+                      </a:r>
+                      <a:endParaRPr/>
+                    </a:p>
+                  </a:txBody>
+                  <a:tcPr marT="91425" marB="91425" marR="91425" marL="91425"/>
+                </a:tc>
+              </a:tr>
+              <a:tr h="381000">
+                <a:tc>
+                  <a:txBody>
+                    <a:bodyPr/>
+                    <a:lstStyle/>
+                    <a:p>
+                      <a:pPr indent="0" lvl="0" marL="0" rtl="0" algn="l">
+                        <a:spcBef>
+                          <a:spcPts val="0"/>
+                        </a:spcBef>
+                        <a:spcAft>
+                          <a:spcPts val="0"/>
+                        </a:spcAft>
+                        <a:buNone/>
+                      </a:pPr>
+                      <a:r>
+                        <a:rPr lang="en-US"/>
+                        <a:t>Gender</a:t>
+                      </a:r>
+                      <a:endParaRPr/>
+                    </a:p>
+                  </a:txBody>
+                  <a:tcPr marT="91425" marB="91425" marR="91425" marL="91425"/>
+                </a:tc>
+              </a:tr>
+              <a:tr h="381000">
+                <a:tc>
+                  <a:txBody>
+                    <a:bodyPr/>
+                    <a:lstStyle/>
+                    <a:p>
+                      <a:pPr indent="0" lvl="0" marL="0" rtl="0" algn="l">
+                        <a:spcBef>
+                          <a:spcPts val="0"/>
+                        </a:spcBef>
+                        <a:spcAft>
+                          <a:spcPts val="0"/>
+                        </a:spcAft>
+                        <a:buNone/>
+                      </a:pPr>
+                      <a:r>
+                        <a:rPr lang="en-US"/>
+                        <a:t>Age</a:t>
+                      </a:r>
+                      <a:endParaRPr/>
+                    </a:p>
+                  </a:txBody>
+                  <a:tcPr marT="91425" marB="91425" marR="91425" marL="91425"/>
+                </a:tc>
+              </a:tr>
+              <a:tr h="381000">
+                <a:tc>
+                  <a:txBody>
+                    <a:bodyPr/>
+                    <a:lstStyle/>
+                    <a:p>
+                      <a:pPr indent="0" lvl="0" marL="0" rtl="0" algn="l">
+                        <a:spcBef>
+                          <a:spcPts val="0"/>
+                        </a:spcBef>
+                        <a:spcAft>
+                          <a:spcPts val="0"/>
+                        </a:spcAft>
+                        <a:buNone/>
+                      </a:pPr>
+                      <a:r>
+                        <a:rPr lang="en-US"/>
+                        <a:t>Education</a:t>
+                      </a:r>
+                      <a:endParaRPr/>
+                    </a:p>
+                  </a:txBody>
+                  <a:tcPr marT="91425" marB="91425" marR="91425" marL="91425"/>
+                </a:tc>
+              </a:tr>
+              <a:tr h="381000">
+                <a:tc>
+                  <a:txBody>
+                    <a:bodyPr/>
+                    <a:lstStyle/>
+                    <a:p>
+                      <a:pPr indent="0" lvl="0" marL="0" rtl="0" algn="l">
+                        <a:spcBef>
+                          <a:spcPts val="0"/>
+                        </a:spcBef>
+                        <a:spcAft>
+                          <a:spcPts val="0"/>
+                        </a:spcAft>
+                        <a:buNone/>
+                      </a:pPr>
+                      <a:r>
+                        <a:rPr lang="en-US"/>
+                        <a:t>Household</a:t>
+                      </a:r>
+                      <a:r>
+                        <a:rPr lang="en-US"/>
+                        <a:t> Size</a:t>
+                      </a:r>
+                      <a:endParaRPr/>
+                    </a:p>
+                  </a:txBody>
+                  <a:tcPr marT="91425" marB="91425" marR="91425" marL="91425"/>
+                </a:tc>
+              </a:tr>
+              <a:tr h="381000">
+                <a:tc>
+                  <a:txBody>
+                    <a:bodyPr/>
+                    <a:lstStyle/>
+                    <a:p>
+                      <a:pPr indent="0" lvl="0" marL="0" rtl="0" algn="l">
+                        <a:spcBef>
+                          <a:spcPts val="0"/>
+                        </a:spcBef>
+                        <a:spcAft>
+                          <a:spcPts val="0"/>
+                        </a:spcAft>
+                        <a:buNone/>
+                      </a:pPr>
+                      <a:r>
+                        <a:rPr lang="en-US"/>
+                        <a:t>County Urbanicity</a:t>
+                      </a:r>
+                      <a:endParaRPr/>
+                    </a:p>
+                  </a:txBody>
+                  <a:tcPr marT="91425" marB="91425" marR="91425" marL="91425"/>
+                </a:tc>
+              </a:tr>
+              <a:tr h="381000">
+                <a:tc>
+                  <a:txBody>
+                    <a:bodyPr/>
+                    <a:lstStyle/>
+                    <a:p>
+                      <a:pPr indent="0" lvl="0" marL="0" rtl="0" algn="l">
+                        <a:spcBef>
+                          <a:spcPts val="0"/>
+                        </a:spcBef>
+                        <a:spcAft>
+                          <a:spcPts val="0"/>
+                        </a:spcAft>
+                        <a:buNone/>
+                      </a:pPr>
+                      <a:r>
+                        <a:rPr lang="en-US"/>
+                        <a:t>County Mask Mandate</a:t>
+                      </a:r>
+                      <a:endParaRPr/>
+                    </a:p>
+                  </a:txBody>
+                  <a:tcPr marT="91425" marB="91425" marR="91425" marL="91425"/>
+                </a:tc>
+              </a:tr>
+              <a:tr h="381000">
+                <a:tc>
+                  <a:txBody>
+                    <a:bodyPr/>
+                    <a:lstStyle/>
+                    <a:p>
+                      <a:pPr indent="0" lvl="0" marL="0" rtl="0" algn="l">
+                        <a:spcBef>
+                          <a:spcPts val="0"/>
+                        </a:spcBef>
+                        <a:spcAft>
+                          <a:spcPts val="0"/>
+                        </a:spcAft>
+                        <a:buNone/>
+                      </a:pPr>
+                      <a:r>
+                        <a:rPr lang="en-US"/>
+                        <a:t>County Incidence Rate</a:t>
+                      </a:r>
+                      <a:endParaRPr/>
+                    </a:p>
+                  </a:txBody>
+                  <a:tcPr marT="91425" marB="91425" marR="91425" marL="91425"/>
+                </a:tc>
+              </a:tr>
+              <a:tr h="381000">
+                <a:tc>
+                  <a:txBody>
+                    <a:bodyPr/>
+                    <a:lstStyle/>
+                    <a:p>
+                      <a:pPr indent="0" lvl="0" marL="0" rtl="0" algn="l">
+                        <a:spcBef>
+                          <a:spcPts val="0"/>
+                        </a:spcBef>
+                        <a:spcAft>
+                          <a:spcPts val="0"/>
+                        </a:spcAft>
+                        <a:buNone/>
+                      </a:pPr>
+                      <a:r>
+                        <a:rPr lang="en-US"/>
+                        <a:t>Wave</a:t>
+                      </a:r>
+                      <a:endParaRPr/>
+                    </a:p>
+                  </a:txBody>
+                  <a:tcPr marT="91425" marB="91425" marR="91425" marL="91425"/>
+                </a:tc>
+              </a:tr>
+              <a:tr h="381000">
+                <a:tc>
+                  <a:txBody>
+                    <a:bodyPr/>
+                    <a:lstStyle/>
+                    <a:p>
+                      <a:pPr indent="0" lvl="0" marL="0" rtl="0" algn="l">
+                        <a:spcBef>
+                          <a:spcPts val="0"/>
+                        </a:spcBef>
+                        <a:spcAft>
+                          <a:spcPts val="0"/>
+                        </a:spcAft>
+                        <a:buNone/>
+                      </a:pPr>
+                      <a:r>
+                        <a:rPr lang="en-US"/>
+                        <a:t>Sample Source</a:t>
+                      </a:r>
+                      <a:endParaRPr/>
+                    </a:p>
+                  </a:txBody>
+                  <a:tcPr marT="91425" marB="91425" marR="91425" marL="91425"/>
+                </a:tc>
+              </a:tr>
+            </a:tbl>
+          </a:graphicData>
+        </a:graphic>
+      </p:graphicFrame>
     </p:spTree>
   </p:cSld>
   <p:clrMapOvr>
